--- a/Citi Bike.pptx
+++ b/Citi Bike.pptx
@@ -7,22 +7,35 @@
   <p:sldIdLst>
     <p:sldId id="272" r:id="rId2"/>
     <p:sldId id="256" r:id="rId3"/>
-    <p:sldId id="257" r:id="rId4"/>
-    <p:sldId id="258" r:id="rId5"/>
-    <p:sldId id="259" r:id="rId6"/>
-    <p:sldId id="260" r:id="rId7"/>
-    <p:sldId id="261" r:id="rId8"/>
-    <p:sldId id="262" r:id="rId9"/>
-    <p:sldId id="263" r:id="rId10"/>
-    <p:sldId id="265" r:id="rId11"/>
-    <p:sldId id="266" r:id="rId12"/>
-    <p:sldId id="267" r:id="rId13"/>
-    <p:sldId id="268" r:id="rId14"/>
-    <p:sldId id="269" r:id="rId15"/>
-    <p:sldId id="270" r:id="rId16"/>
-    <p:sldId id="271" r:id="rId17"/>
-    <p:sldId id="274" r:id="rId18"/>
-    <p:sldId id="275" r:id="rId19"/>
+    <p:sldId id="276" r:id="rId4"/>
+    <p:sldId id="257" r:id="rId5"/>
+    <p:sldId id="258" r:id="rId6"/>
+    <p:sldId id="259" r:id="rId7"/>
+    <p:sldId id="260" r:id="rId8"/>
+    <p:sldId id="277" r:id="rId9"/>
+    <p:sldId id="278" r:id="rId10"/>
+    <p:sldId id="279" r:id="rId11"/>
+    <p:sldId id="280" r:id="rId12"/>
+    <p:sldId id="289" r:id="rId13"/>
+    <p:sldId id="290" r:id="rId14"/>
+    <p:sldId id="287" r:id="rId15"/>
+    <p:sldId id="282" r:id="rId16"/>
+    <p:sldId id="288" r:id="rId17"/>
+    <p:sldId id="284" r:id="rId18"/>
+    <p:sldId id="286" r:id="rId19"/>
+    <p:sldId id="285" r:id="rId20"/>
+    <p:sldId id="283" r:id="rId21"/>
+    <p:sldId id="262" r:id="rId22"/>
+    <p:sldId id="263" r:id="rId23"/>
+    <p:sldId id="265" r:id="rId24"/>
+    <p:sldId id="266" r:id="rId25"/>
+    <p:sldId id="267" r:id="rId26"/>
+    <p:sldId id="268" r:id="rId27"/>
+    <p:sldId id="269" r:id="rId28"/>
+    <p:sldId id="270" r:id="rId29"/>
+    <p:sldId id="271" r:id="rId30"/>
+    <p:sldId id="274" r:id="rId31"/>
+    <p:sldId id="275" r:id="rId32"/>
   </p:sldIdLst>
   <p:sldSz cx="12192000" cy="6858000"/>
   <p:notesSz cx="6858000" cy="9144000"/>
@@ -121,6 +134,11 @@
       </a:defRPr>
     </a:lvl9pPr>
   </p:defaultTextStyle>
+  <p:extLst>
+    <p:ext uri="{EFAFB233-063F-42B5-8137-9DF3F51BA10A}">
+      <p15:sldGuideLst xmlns:p15="http://schemas.microsoft.com/office/powerpoint/2012/main"/>
+    </p:ext>
+  </p:extLst>
 </p:presentation>
 </file>
 
@@ -273,7 +291,7 @@
           <a:p>
             <a:fld id="{94B95F32-165F-409D-9DFB-67458F6B5B60}" type="datetimeFigureOut">
               <a:rPr lang="ko-KR" altLang="en-US" smtClean="0"/>
-              <a:t>2020-11-09</a:t>
+              <a:t>2020-12-26</a:t>
             </a:fld>
             <a:endParaRPr lang="ko-KR" altLang="en-US"/>
           </a:p>
@@ -473,7 +491,7 @@
           <a:p>
             <a:fld id="{94B95F32-165F-409D-9DFB-67458F6B5B60}" type="datetimeFigureOut">
               <a:rPr lang="ko-KR" altLang="en-US" smtClean="0"/>
-              <a:t>2020-11-09</a:t>
+              <a:t>2020-12-26</a:t>
             </a:fld>
             <a:endParaRPr lang="ko-KR" altLang="en-US"/>
           </a:p>
@@ -683,7 +701,7 @@
           <a:p>
             <a:fld id="{94B95F32-165F-409D-9DFB-67458F6B5B60}" type="datetimeFigureOut">
               <a:rPr lang="ko-KR" altLang="en-US" smtClean="0"/>
-              <a:t>2020-11-09</a:t>
+              <a:t>2020-12-26</a:t>
             </a:fld>
             <a:endParaRPr lang="ko-KR" altLang="en-US"/>
           </a:p>
@@ -883,7 +901,7 @@
           <a:p>
             <a:fld id="{94B95F32-165F-409D-9DFB-67458F6B5B60}" type="datetimeFigureOut">
               <a:rPr lang="ko-KR" altLang="en-US" smtClean="0"/>
-              <a:t>2020-11-09</a:t>
+              <a:t>2020-12-26</a:t>
             </a:fld>
             <a:endParaRPr lang="ko-KR" altLang="en-US"/>
           </a:p>
@@ -1159,7 +1177,7 @@
           <a:p>
             <a:fld id="{94B95F32-165F-409D-9DFB-67458F6B5B60}" type="datetimeFigureOut">
               <a:rPr lang="ko-KR" altLang="en-US" smtClean="0"/>
-              <a:t>2020-11-09</a:t>
+              <a:t>2020-12-26</a:t>
             </a:fld>
             <a:endParaRPr lang="ko-KR" altLang="en-US"/>
           </a:p>
@@ -1427,7 +1445,7 @@
           <a:p>
             <a:fld id="{94B95F32-165F-409D-9DFB-67458F6B5B60}" type="datetimeFigureOut">
               <a:rPr lang="ko-KR" altLang="en-US" smtClean="0"/>
-              <a:t>2020-11-09</a:t>
+              <a:t>2020-12-26</a:t>
             </a:fld>
             <a:endParaRPr lang="ko-KR" altLang="en-US"/>
           </a:p>
@@ -1842,7 +1860,7 @@
           <a:p>
             <a:fld id="{94B95F32-165F-409D-9DFB-67458F6B5B60}" type="datetimeFigureOut">
               <a:rPr lang="ko-KR" altLang="en-US" smtClean="0"/>
-              <a:t>2020-11-09</a:t>
+              <a:t>2020-12-26</a:t>
             </a:fld>
             <a:endParaRPr lang="ko-KR" altLang="en-US"/>
           </a:p>
@@ -1984,7 +2002,7 @@
           <a:p>
             <a:fld id="{94B95F32-165F-409D-9DFB-67458F6B5B60}" type="datetimeFigureOut">
               <a:rPr lang="ko-KR" altLang="en-US" smtClean="0"/>
-              <a:t>2020-11-09</a:t>
+              <a:t>2020-12-26</a:t>
             </a:fld>
             <a:endParaRPr lang="ko-KR" altLang="en-US"/>
           </a:p>
@@ -2097,7 +2115,7 @@
           <a:p>
             <a:fld id="{94B95F32-165F-409D-9DFB-67458F6B5B60}" type="datetimeFigureOut">
               <a:rPr lang="ko-KR" altLang="en-US" smtClean="0"/>
-              <a:t>2020-11-09</a:t>
+              <a:t>2020-12-26</a:t>
             </a:fld>
             <a:endParaRPr lang="ko-KR" altLang="en-US"/>
           </a:p>
@@ -2410,7 +2428,7 @@
           <a:p>
             <a:fld id="{94B95F32-165F-409D-9DFB-67458F6B5B60}" type="datetimeFigureOut">
               <a:rPr lang="ko-KR" altLang="en-US" smtClean="0"/>
-              <a:t>2020-11-09</a:t>
+              <a:t>2020-12-26</a:t>
             </a:fld>
             <a:endParaRPr lang="ko-KR" altLang="en-US"/>
           </a:p>
@@ -2699,7 +2717,7 @@
           <a:p>
             <a:fld id="{94B95F32-165F-409D-9DFB-67458F6B5B60}" type="datetimeFigureOut">
               <a:rPr lang="ko-KR" altLang="en-US" smtClean="0"/>
-              <a:t>2020-11-09</a:t>
+              <a:t>2020-12-26</a:t>
             </a:fld>
             <a:endParaRPr lang="ko-KR" altLang="en-US"/>
           </a:p>
@@ -2942,7 +2960,7 @@
           <a:p>
             <a:fld id="{94B95F32-165F-409D-9DFB-67458F6B5B60}" type="datetimeFigureOut">
               <a:rPr lang="ko-KR" altLang="en-US" smtClean="0"/>
-              <a:t>2020-11-09</a:t>
+              <a:t>2020-12-26</a:t>
             </a:fld>
             <a:endParaRPr lang="ko-KR" altLang="en-US"/>
           </a:p>
@@ -3616,7 +3634,7 @@
             </a:br>
             <a:r>
               <a:rPr lang="en-US" altLang="ko-KR" sz="3300" dirty="0"/>
-              <a:t>11/09/2020</a:t>
+              <a:t>12/29/2020</a:t>
             </a:r>
             <a:br>
               <a:rPr lang="en-US" altLang="ko-KR" sz="5000" dirty="0">
@@ -3994,6 +4012,4256 @@
       </p:grpSpPr>
       <p:sp>
         <p:nvSpPr>
+          <p:cNvPr id="19" name="Rectangle 18">
+            <a:extLst>
+              <a:ext uri="{FF2B5EF4-FFF2-40B4-BE49-F238E27FC236}">
+                <a16:creationId xmlns:a16="http://schemas.microsoft.com/office/drawing/2014/main" id="{605494DE-B078-4D87-BB01-C84320618DAD}"/>
+              </a:ext>
+              <a:ext uri="{C183D7F6-B498-43B3-948B-1728B52AA6E4}">
+                <adec:decorative xmlns:adec="http://schemas.microsoft.com/office/drawing/2017/decorative" val="1"/>
+              </a:ext>
+            </a:extLst>
+          </p:cNvPr>
+          <p:cNvSpPr>
+            <a:spLocks noGrp="1" noRot="1" noChangeAspect="1" noMove="1" noResize="1" noEditPoints="1" noAdjustHandles="1" noChangeArrowheads="1" noChangeShapeType="1" noTextEdit="1"/>
+          </p:cNvSpPr>
+          <p:nvPr>
+            <p:extLst>
+              <p:ext uri="{386F3935-93C4-4BCD-93E2-E3B085C9AB24}">
+                <p16:designElem xmlns:p16="http://schemas.microsoft.com/office/powerpoint/2015/main" val="1"/>
+              </p:ext>
+            </p:extLst>
+          </p:nvPr>
+        </p:nvSpPr>
+        <p:spPr>
+          <a:xfrm>
+            <a:off x="0" y="-3324"/>
+            <a:ext cx="12192000" cy="6858000"/>
+          </a:xfrm>
+          <a:prstGeom prst="rect">
+            <a:avLst/>
+          </a:prstGeom>
+          <a:solidFill>
+            <a:srgbClr val="FFFFFF"/>
+          </a:solidFill>
+          <a:ln>
+            <a:noFill/>
+          </a:ln>
+        </p:spPr>
+        <p:style>
+          <a:lnRef idx="2">
+            <a:schemeClr val="accent1">
+              <a:shade val="50000"/>
+            </a:schemeClr>
+          </a:lnRef>
+          <a:fillRef idx="1">
+            <a:schemeClr val="accent1"/>
+          </a:fillRef>
+          <a:effectRef idx="0">
+            <a:schemeClr val="accent1"/>
+          </a:effectRef>
+          <a:fontRef idx="minor">
+            <a:schemeClr val="lt1"/>
+          </a:fontRef>
+        </p:style>
+        <p:txBody>
+          <a:bodyPr rtlCol="0" anchor="ctr"/>
+          <a:lstStyle/>
+          <a:p>
+            <a:pPr algn="ctr"/>
+            <a:endParaRPr lang="en-US"/>
+          </a:p>
+        </p:txBody>
+      </p:sp>
+      <p:sp>
+        <p:nvSpPr>
+          <p:cNvPr id="21" name="Rectangle 20">
+            <a:extLst>
+              <a:ext uri="{FF2B5EF4-FFF2-40B4-BE49-F238E27FC236}">
+                <a16:creationId xmlns:a16="http://schemas.microsoft.com/office/drawing/2014/main" id="{9A0576B0-CD8C-4661-95C8-A9F2CE7CDDB0}"/>
+              </a:ext>
+              <a:ext uri="{C183D7F6-B498-43B3-948B-1728B52AA6E4}">
+                <adec:decorative xmlns:adec="http://schemas.microsoft.com/office/drawing/2017/decorative" val="1"/>
+              </a:ext>
+            </a:extLst>
+          </p:cNvPr>
+          <p:cNvSpPr>
+            <a:spLocks noGrp="1" noRot="1" noChangeAspect="1" noMove="1" noResize="1" noEditPoints="1" noAdjustHandles="1" noChangeArrowheads="1" noChangeShapeType="1" noTextEdit="1"/>
+          </p:cNvSpPr>
+          <p:nvPr>
+            <p:extLst>
+              <p:ext uri="{386F3935-93C4-4BCD-93E2-E3B085C9AB24}">
+                <p16:designElem xmlns:p16="http://schemas.microsoft.com/office/powerpoint/2015/main" val="1"/>
+              </p:ext>
+            </p:extLst>
+          </p:nvPr>
+        </p:nvSpPr>
+        <p:spPr>
+          <a:xfrm>
+            <a:off x="0" y="-3324"/>
+            <a:ext cx="4724288" cy="6861324"/>
+          </a:xfrm>
+          <a:prstGeom prst="rect">
+            <a:avLst/>
+          </a:prstGeom>
+          <a:solidFill>
+            <a:srgbClr val="000000">
+              <a:alpha val="80392"/>
+            </a:srgbClr>
+          </a:solidFill>
+          <a:ln>
+            <a:noFill/>
+          </a:ln>
+        </p:spPr>
+        <p:style>
+          <a:lnRef idx="2">
+            <a:schemeClr val="accent1">
+              <a:shade val="50000"/>
+            </a:schemeClr>
+          </a:lnRef>
+          <a:fillRef idx="1">
+            <a:schemeClr val="accent1"/>
+          </a:fillRef>
+          <a:effectRef idx="0">
+            <a:schemeClr val="accent1"/>
+          </a:effectRef>
+          <a:fontRef idx="minor">
+            <a:schemeClr val="lt1"/>
+          </a:fontRef>
+        </p:style>
+        <p:txBody>
+          <a:bodyPr rtlCol="0" anchor="ctr"/>
+          <a:lstStyle/>
+          <a:p>
+            <a:pPr algn="ctr"/>
+            <a:endParaRPr lang="en-US"/>
+          </a:p>
+        </p:txBody>
+      </p:sp>
+      <p:sp>
+        <p:nvSpPr>
+          <p:cNvPr id="23" name="Freeform: Shape 22">
+            <a:extLst>
+              <a:ext uri="{FF2B5EF4-FFF2-40B4-BE49-F238E27FC236}">
+                <a16:creationId xmlns:a16="http://schemas.microsoft.com/office/drawing/2014/main" id="{3FF60E2B-3919-423C-B1FF-56CDE6681165}"/>
+              </a:ext>
+              <a:ext uri="{C183D7F6-B498-43B3-948B-1728B52AA6E4}">
+                <adec:decorative xmlns:adec="http://schemas.microsoft.com/office/drawing/2017/decorative" val="1"/>
+              </a:ext>
+            </a:extLst>
+          </p:cNvPr>
+          <p:cNvSpPr>
+            <a:spLocks noGrp="1" noRot="1" noChangeAspect="1" noMove="1" noResize="1" noEditPoints="1" noAdjustHandles="1" noChangeArrowheads="1" noChangeShapeType="1" noTextEdit="1"/>
+          </p:cNvSpPr>
+          <p:nvPr>
+            <p:extLst>
+              <p:ext uri="{386F3935-93C4-4BCD-93E2-E3B085C9AB24}">
+                <p16:designElem xmlns:p16="http://schemas.microsoft.com/office/powerpoint/2015/main" val="1"/>
+              </p:ext>
+            </p:extLst>
+          </p:nvPr>
+        </p:nvSpPr>
+        <p:spPr>
+          <a:xfrm>
+            <a:off x="0" y="0"/>
+            <a:ext cx="4319042" cy="6858000"/>
+          </a:xfrm>
+          <a:custGeom>
+            <a:avLst/>
+            <a:gdLst>
+              <a:gd name="connsiteX0" fmla="*/ 0 w 4319042"/>
+              <a:gd name="connsiteY0" fmla="*/ 0 h 6858000"/>
+              <a:gd name="connsiteX1" fmla="*/ 1142888 w 4319042"/>
+              <a:gd name="connsiteY1" fmla="*/ 0 h 6858000"/>
+              <a:gd name="connsiteX2" fmla="*/ 4319042 w 4319042"/>
+              <a:gd name="connsiteY2" fmla="*/ 6858000 h 6858000"/>
+              <a:gd name="connsiteX3" fmla="*/ 0 w 4319042"/>
+              <a:gd name="connsiteY3" fmla="*/ 6858000 h 6858000"/>
+            </a:gdLst>
+            <a:ahLst/>
+            <a:cxnLst>
+              <a:cxn ang="0">
+                <a:pos x="connsiteX0" y="connsiteY0"/>
+              </a:cxn>
+              <a:cxn ang="0">
+                <a:pos x="connsiteX1" y="connsiteY1"/>
+              </a:cxn>
+              <a:cxn ang="0">
+                <a:pos x="connsiteX2" y="connsiteY2"/>
+              </a:cxn>
+              <a:cxn ang="0">
+                <a:pos x="connsiteX3" y="connsiteY3"/>
+              </a:cxn>
+            </a:cxnLst>
+            <a:rect l="l" t="t" r="r" b="b"/>
+            <a:pathLst>
+              <a:path w="4319042" h="6858000">
+                <a:moveTo>
+                  <a:pt x="0" y="0"/>
+                </a:moveTo>
+                <a:lnTo>
+                  <a:pt x="1142888" y="0"/>
+                </a:lnTo>
+                <a:lnTo>
+                  <a:pt x="4319042" y="6858000"/>
+                </a:lnTo>
+                <a:lnTo>
+                  <a:pt x="0" y="6858000"/>
+                </a:lnTo>
+                <a:close/>
+              </a:path>
+            </a:pathLst>
+          </a:custGeom>
+          <a:solidFill>
+            <a:srgbClr val="000000">
+              <a:alpha val="34902"/>
+            </a:srgbClr>
+          </a:solidFill>
+          <a:ln>
+            <a:noFill/>
+          </a:ln>
+        </p:spPr>
+        <p:style>
+          <a:lnRef idx="2">
+            <a:schemeClr val="accent1">
+              <a:shade val="50000"/>
+            </a:schemeClr>
+          </a:lnRef>
+          <a:fillRef idx="1">
+            <a:schemeClr val="accent1"/>
+          </a:fillRef>
+          <a:effectRef idx="0">
+            <a:schemeClr val="accent1"/>
+          </a:effectRef>
+          <a:fontRef idx="minor">
+            <a:schemeClr val="lt1"/>
+          </a:fontRef>
+        </p:style>
+        <p:txBody>
+          <a:bodyPr wrap="square" rtlCol="0" anchor="ctr">
+            <a:noAutofit/>
+          </a:bodyPr>
+          <a:lstStyle/>
+          <a:p>
+            <a:pPr algn="ctr"/>
+            <a:endParaRPr lang="en-US"/>
+          </a:p>
+        </p:txBody>
+      </p:sp>
+      <p:sp>
+        <p:nvSpPr>
+          <p:cNvPr id="3" name="Subtitle 2">
+            <a:extLst>
+              <a:ext uri="{FF2B5EF4-FFF2-40B4-BE49-F238E27FC236}">
+                <a16:creationId xmlns:a16="http://schemas.microsoft.com/office/drawing/2014/main" id="{C63068C7-FF93-4F55-8D49-8E391F78232D}"/>
+              </a:ext>
+            </a:extLst>
+          </p:cNvPr>
+          <p:cNvSpPr>
+            <a:spLocks noGrp="1"/>
+          </p:cNvSpPr>
+          <p:nvPr>
+            <p:ph type="subTitle" idx="1"/>
+          </p:nvPr>
+        </p:nvSpPr>
+        <p:spPr>
+          <a:xfrm>
+            <a:off x="0" y="2274908"/>
+            <a:ext cx="4724288" cy="2301536"/>
+          </a:xfrm>
+        </p:spPr>
+        <p:txBody>
+          <a:bodyPr>
+            <a:normAutofit/>
+          </a:bodyPr>
+          <a:lstStyle/>
+          <a:p>
+            <a:r>
+              <a:rPr lang="en-US" altLang="ko-KR" sz="3000" b="1" i="0" dirty="0">
+                <a:solidFill>
+                  <a:schemeClr val="bg1"/>
+                </a:solidFill>
+                <a:effectLst/>
+                <a:latin typeface="Helvetica Neue"/>
+              </a:rPr>
+              <a:t>Trip Duration by </a:t>
+            </a:r>
+          </a:p>
+          <a:p>
+            <a:r>
+              <a:rPr lang="en-US" altLang="ko-KR" sz="3000" b="1" i="0" dirty="0">
+                <a:solidFill>
+                  <a:schemeClr val="bg1"/>
+                </a:solidFill>
+                <a:effectLst/>
+                <a:latin typeface="Helvetica Neue"/>
+              </a:rPr>
+              <a:t>User Type</a:t>
+            </a:r>
+            <a:endParaRPr lang="en-US" altLang="ko-KR" sz="3000" b="1" dirty="0">
+              <a:solidFill>
+                <a:schemeClr val="bg1"/>
+              </a:solidFill>
+              <a:latin typeface="Helvetica Neue"/>
+            </a:endParaRPr>
+          </a:p>
+        </p:txBody>
+      </p:sp>
+      <p:pic>
+        <p:nvPicPr>
+          <p:cNvPr id="4" name="Picture 3">
+            <a:extLst>
+              <a:ext uri="{FF2B5EF4-FFF2-40B4-BE49-F238E27FC236}">
+                <a16:creationId xmlns:a16="http://schemas.microsoft.com/office/drawing/2014/main" id="{79025A24-858D-452D-BE3D-E8D09C92A63C}"/>
+              </a:ext>
+            </a:extLst>
+          </p:cNvPr>
+          <p:cNvPicPr>
+            <a:picLocks noChangeAspect="1"/>
+          </p:cNvPicPr>
+          <p:nvPr/>
+        </p:nvPicPr>
+        <p:blipFill>
+          <a:blip r:embed="rId2"/>
+          <a:stretch>
+            <a:fillRect/>
+          </a:stretch>
+        </p:blipFill>
+        <p:spPr>
+          <a:xfrm>
+            <a:off x="5346066" y="-6648"/>
+            <a:ext cx="6255384" cy="3397986"/>
+          </a:xfrm>
+          <a:prstGeom prst="rect">
+            <a:avLst/>
+          </a:prstGeom>
+        </p:spPr>
+      </p:pic>
+      <p:pic>
+        <p:nvPicPr>
+          <p:cNvPr id="6" name="Picture 5">
+            <a:extLst>
+              <a:ext uri="{FF2B5EF4-FFF2-40B4-BE49-F238E27FC236}">
+                <a16:creationId xmlns:a16="http://schemas.microsoft.com/office/drawing/2014/main" id="{2A4D2288-6E43-4481-95A0-08885117F1FB}"/>
+              </a:ext>
+            </a:extLst>
+          </p:cNvPr>
+          <p:cNvPicPr>
+            <a:picLocks noChangeAspect="1"/>
+          </p:cNvPicPr>
+          <p:nvPr/>
+        </p:nvPicPr>
+        <p:blipFill>
+          <a:blip r:embed="rId3"/>
+          <a:stretch>
+            <a:fillRect/>
+          </a:stretch>
+        </p:blipFill>
+        <p:spPr>
+          <a:xfrm>
+            <a:off x="5346066" y="3622016"/>
+            <a:ext cx="6255384" cy="3001981"/>
+          </a:xfrm>
+          <a:prstGeom prst="rect">
+            <a:avLst/>
+          </a:prstGeom>
+        </p:spPr>
+      </p:pic>
+    </p:spTree>
+    <p:extLst>
+      <p:ext uri="{BB962C8B-B14F-4D97-AF65-F5344CB8AC3E}">
+        <p14:creationId xmlns:p14="http://schemas.microsoft.com/office/powerpoint/2010/main" val="2590470319"/>
+      </p:ext>
+    </p:extLst>
+  </p:cSld>
+  <p:clrMapOvr>
+    <a:masterClrMapping/>
+  </p:clrMapOvr>
+</p:sld>
+</file>
+
+<file path=ppt/slides/slide11.xml><?xml version="1.0" encoding="utf-8"?>
+<p:sld xmlns:a="http://schemas.openxmlformats.org/drawingml/2006/main" xmlns:r="http://schemas.openxmlformats.org/officeDocument/2006/relationships" xmlns:p="http://schemas.openxmlformats.org/presentationml/2006/main">
+  <p:cSld>
+    <p:bg>
+      <p:bgPr>
+        <a:solidFill>
+          <a:schemeClr val="bg1"/>
+        </a:solidFill>
+        <a:effectLst/>
+      </p:bgPr>
+    </p:bg>
+    <p:spTree>
+      <p:nvGrpSpPr>
+        <p:cNvPr id="1" name=""/>
+        <p:cNvGrpSpPr/>
+        <p:nvPr/>
+      </p:nvGrpSpPr>
+      <p:grpSpPr>
+        <a:xfrm>
+          <a:off x="0" y="0"/>
+          <a:ext cx="0" cy="0"/>
+          <a:chOff x="0" y="0"/>
+          <a:chExt cx="0" cy="0"/>
+        </a:xfrm>
+      </p:grpSpPr>
+      <p:sp>
+        <p:nvSpPr>
+          <p:cNvPr id="19" name="Rectangle 18">
+            <a:extLst>
+              <a:ext uri="{FF2B5EF4-FFF2-40B4-BE49-F238E27FC236}">
+                <a16:creationId xmlns:a16="http://schemas.microsoft.com/office/drawing/2014/main" id="{605494DE-B078-4D87-BB01-C84320618DAD}"/>
+              </a:ext>
+              <a:ext uri="{C183D7F6-B498-43B3-948B-1728B52AA6E4}">
+                <adec:decorative xmlns:adec="http://schemas.microsoft.com/office/drawing/2017/decorative" val="1"/>
+              </a:ext>
+            </a:extLst>
+          </p:cNvPr>
+          <p:cNvSpPr>
+            <a:spLocks noGrp="1" noRot="1" noChangeAspect="1" noMove="1" noResize="1" noEditPoints="1" noAdjustHandles="1" noChangeArrowheads="1" noChangeShapeType="1" noTextEdit="1"/>
+          </p:cNvSpPr>
+          <p:nvPr>
+            <p:extLst>
+              <p:ext uri="{386F3935-93C4-4BCD-93E2-E3B085C9AB24}">
+                <p16:designElem xmlns:p16="http://schemas.microsoft.com/office/powerpoint/2015/main" val="1"/>
+              </p:ext>
+            </p:extLst>
+          </p:nvPr>
+        </p:nvSpPr>
+        <p:spPr>
+          <a:xfrm>
+            <a:off x="0" y="-3324"/>
+            <a:ext cx="12192000" cy="6858000"/>
+          </a:xfrm>
+          <a:prstGeom prst="rect">
+            <a:avLst/>
+          </a:prstGeom>
+          <a:solidFill>
+            <a:srgbClr val="FFFFFF"/>
+          </a:solidFill>
+          <a:ln>
+            <a:noFill/>
+          </a:ln>
+        </p:spPr>
+        <p:style>
+          <a:lnRef idx="2">
+            <a:schemeClr val="accent1">
+              <a:shade val="50000"/>
+            </a:schemeClr>
+          </a:lnRef>
+          <a:fillRef idx="1">
+            <a:schemeClr val="accent1"/>
+          </a:fillRef>
+          <a:effectRef idx="0">
+            <a:schemeClr val="accent1"/>
+          </a:effectRef>
+          <a:fontRef idx="minor">
+            <a:schemeClr val="lt1"/>
+          </a:fontRef>
+        </p:style>
+        <p:txBody>
+          <a:bodyPr rtlCol="0" anchor="ctr"/>
+          <a:lstStyle/>
+          <a:p>
+            <a:pPr algn="ctr"/>
+            <a:endParaRPr lang="en-US"/>
+          </a:p>
+        </p:txBody>
+      </p:sp>
+      <p:sp>
+        <p:nvSpPr>
+          <p:cNvPr id="21" name="Rectangle 20">
+            <a:extLst>
+              <a:ext uri="{FF2B5EF4-FFF2-40B4-BE49-F238E27FC236}">
+                <a16:creationId xmlns:a16="http://schemas.microsoft.com/office/drawing/2014/main" id="{9A0576B0-CD8C-4661-95C8-A9F2CE7CDDB0}"/>
+              </a:ext>
+              <a:ext uri="{C183D7F6-B498-43B3-948B-1728B52AA6E4}">
+                <adec:decorative xmlns:adec="http://schemas.microsoft.com/office/drawing/2017/decorative" val="1"/>
+              </a:ext>
+            </a:extLst>
+          </p:cNvPr>
+          <p:cNvSpPr>
+            <a:spLocks noGrp="1" noRot="1" noChangeAspect="1" noMove="1" noResize="1" noEditPoints="1" noAdjustHandles="1" noChangeArrowheads="1" noChangeShapeType="1" noTextEdit="1"/>
+          </p:cNvSpPr>
+          <p:nvPr>
+            <p:extLst>
+              <p:ext uri="{386F3935-93C4-4BCD-93E2-E3B085C9AB24}">
+                <p16:designElem xmlns:p16="http://schemas.microsoft.com/office/powerpoint/2015/main" val="1"/>
+              </p:ext>
+            </p:extLst>
+          </p:nvPr>
+        </p:nvSpPr>
+        <p:spPr>
+          <a:xfrm>
+            <a:off x="0" y="-3324"/>
+            <a:ext cx="4724288" cy="6861324"/>
+          </a:xfrm>
+          <a:prstGeom prst="rect">
+            <a:avLst/>
+          </a:prstGeom>
+          <a:solidFill>
+            <a:srgbClr val="000000">
+              <a:alpha val="80392"/>
+            </a:srgbClr>
+          </a:solidFill>
+          <a:ln>
+            <a:noFill/>
+          </a:ln>
+        </p:spPr>
+        <p:style>
+          <a:lnRef idx="2">
+            <a:schemeClr val="accent1">
+              <a:shade val="50000"/>
+            </a:schemeClr>
+          </a:lnRef>
+          <a:fillRef idx="1">
+            <a:schemeClr val="accent1"/>
+          </a:fillRef>
+          <a:effectRef idx="0">
+            <a:schemeClr val="accent1"/>
+          </a:effectRef>
+          <a:fontRef idx="minor">
+            <a:schemeClr val="lt1"/>
+          </a:fontRef>
+        </p:style>
+        <p:txBody>
+          <a:bodyPr rtlCol="0" anchor="ctr"/>
+          <a:lstStyle/>
+          <a:p>
+            <a:pPr algn="ctr"/>
+            <a:endParaRPr lang="en-US"/>
+          </a:p>
+        </p:txBody>
+      </p:sp>
+      <p:sp>
+        <p:nvSpPr>
+          <p:cNvPr id="23" name="Freeform: Shape 22">
+            <a:extLst>
+              <a:ext uri="{FF2B5EF4-FFF2-40B4-BE49-F238E27FC236}">
+                <a16:creationId xmlns:a16="http://schemas.microsoft.com/office/drawing/2014/main" id="{3FF60E2B-3919-423C-B1FF-56CDE6681165}"/>
+              </a:ext>
+              <a:ext uri="{C183D7F6-B498-43B3-948B-1728B52AA6E4}">
+                <adec:decorative xmlns:adec="http://schemas.microsoft.com/office/drawing/2017/decorative" val="1"/>
+              </a:ext>
+            </a:extLst>
+          </p:cNvPr>
+          <p:cNvSpPr>
+            <a:spLocks noGrp="1" noRot="1" noChangeAspect="1" noMove="1" noResize="1" noEditPoints="1" noAdjustHandles="1" noChangeArrowheads="1" noChangeShapeType="1" noTextEdit="1"/>
+          </p:cNvSpPr>
+          <p:nvPr>
+            <p:extLst>
+              <p:ext uri="{386F3935-93C4-4BCD-93E2-E3B085C9AB24}">
+                <p16:designElem xmlns:p16="http://schemas.microsoft.com/office/powerpoint/2015/main" val="1"/>
+              </p:ext>
+            </p:extLst>
+          </p:nvPr>
+        </p:nvSpPr>
+        <p:spPr>
+          <a:xfrm>
+            <a:off x="0" y="0"/>
+            <a:ext cx="4319042" cy="6858000"/>
+          </a:xfrm>
+          <a:custGeom>
+            <a:avLst/>
+            <a:gdLst>
+              <a:gd name="connsiteX0" fmla="*/ 0 w 4319042"/>
+              <a:gd name="connsiteY0" fmla="*/ 0 h 6858000"/>
+              <a:gd name="connsiteX1" fmla="*/ 1142888 w 4319042"/>
+              <a:gd name="connsiteY1" fmla="*/ 0 h 6858000"/>
+              <a:gd name="connsiteX2" fmla="*/ 4319042 w 4319042"/>
+              <a:gd name="connsiteY2" fmla="*/ 6858000 h 6858000"/>
+              <a:gd name="connsiteX3" fmla="*/ 0 w 4319042"/>
+              <a:gd name="connsiteY3" fmla="*/ 6858000 h 6858000"/>
+            </a:gdLst>
+            <a:ahLst/>
+            <a:cxnLst>
+              <a:cxn ang="0">
+                <a:pos x="connsiteX0" y="connsiteY0"/>
+              </a:cxn>
+              <a:cxn ang="0">
+                <a:pos x="connsiteX1" y="connsiteY1"/>
+              </a:cxn>
+              <a:cxn ang="0">
+                <a:pos x="connsiteX2" y="connsiteY2"/>
+              </a:cxn>
+              <a:cxn ang="0">
+                <a:pos x="connsiteX3" y="connsiteY3"/>
+              </a:cxn>
+            </a:cxnLst>
+            <a:rect l="l" t="t" r="r" b="b"/>
+            <a:pathLst>
+              <a:path w="4319042" h="6858000">
+                <a:moveTo>
+                  <a:pt x="0" y="0"/>
+                </a:moveTo>
+                <a:lnTo>
+                  <a:pt x="1142888" y="0"/>
+                </a:lnTo>
+                <a:lnTo>
+                  <a:pt x="4319042" y="6858000"/>
+                </a:lnTo>
+                <a:lnTo>
+                  <a:pt x="0" y="6858000"/>
+                </a:lnTo>
+                <a:close/>
+              </a:path>
+            </a:pathLst>
+          </a:custGeom>
+          <a:solidFill>
+            <a:srgbClr val="000000">
+              <a:alpha val="34902"/>
+            </a:srgbClr>
+          </a:solidFill>
+          <a:ln>
+            <a:noFill/>
+          </a:ln>
+        </p:spPr>
+        <p:style>
+          <a:lnRef idx="2">
+            <a:schemeClr val="accent1">
+              <a:shade val="50000"/>
+            </a:schemeClr>
+          </a:lnRef>
+          <a:fillRef idx="1">
+            <a:schemeClr val="accent1"/>
+          </a:fillRef>
+          <a:effectRef idx="0">
+            <a:schemeClr val="accent1"/>
+          </a:effectRef>
+          <a:fontRef idx="minor">
+            <a:schemeClr val="lt1"/>
+          </a:fontRef>
+        </p:style>
+        <p:txBody>
+          <a:bodyPr wrap="square" rtlCol="0" anchor="ctr">
+            <a:noAutofit/>
+          </a:bodyPr>
+          <a:lstStyle/>
+          <a:p>
+            <a:pPr algn="ctr"/>
+            <a:endParaRPr lang="en-US"/>
+          </a:p>
+        </p:txBody>
+      </p:sp>
+      <p:sp>
+        <p:nvSpPr>
+          <p:cNvPr id="3" name="Subtitle 2">
+            <a:extLst>
+              <a:ext uri="{FF2B5EF4-FFF2-40B4-BE49-F238E27FC236}">
+                <a16:creationId xmlns:a16="http://schemas.microsoft.com/office/drawing/2014/main" id="{C63068C7-FF93-4F55-8D49-8E391F78232D}"/>
+              </a:ext>
+            </a:extLst>
+          </p:cNvPr>
+          <p:cNvSpPr>
+            <a:spLocks noGrp="1"/>
+          </p:cNvSpPr>
+          <p:nvPr>
+            <p:ph type="subTitle" idx="1"/>
+          </p:nvPr>
+        </p:nvSpPr>
+        <p:spPr>
+          <a:xfrm>
+            <a:off x="0" y="2274908"/>
+            <a:ext cx="4724288" cy="2301536"/>
+          </a:xfrm>
+        </p:spPr>
+        <p:txBody>
+          <a:bodyPr>
+            <a:normAutofit/>
+          </a:bodyPr>
+          <a:lstStyle/>
+          <a:p>
+            <a:r>
+              <a:rPr lang="en-US" altLang="ko-KR" sz="3000" b="1" i="0" dirty="0">
+                <a:solidFill>
+                  <a:schemeClr val="bg1"/>
+                </a:solidFill>
+                <a:effectLst/>
+                <a:latin typeface="Helvetica Neue"/>
+              </a:rPr>
+              <a:t>Trip Duration by </a:t>
+            </a:r>
+          </a:p>
+          <a:p>
+            <a:r>
+              <a:rPr lang="en-US" altLang="ko-KR" sz="3000" b="1" i="0" dirty="0">
+                <a:solidFill>
+                  <a:schemeClr val="bg1"/>
+                </a:solidFill>
+                <a:effectLst/>
+                <a:latin typeface="Helvetica Neue"/>
+              </a:rPr>
+              <a:t>User Type</a:t>
+            </a:r>
+            <a:endParaRPr lang="en-US" altLang="ko-KR" sz="3000" b="1" dirty="0">
+              <a:solidFill>
+                <a:schemeClr val="bg1"/>
+              </a:solidFill>
+              <a:latin typeface="Helvetica Neue"/>
+            </a:endParaRPr>
+          </a:p>
+        </p:txBody>
+      </p:sp>
+      <p:pic>
+        <p:nvPicPr>
+          <p:cNvPr id="4" name="Picture 3">
+            <a:extLst>
+              <a:ext uri="{FF2B5EF4-FFF2-40B4-BE49-F238E27FC236}">
+                <a16:creationId xmlns:a16="http://schemas.microsoft.com/office/drawing/2014/main" id="{9CB3B3D8-4BEA-4E2F-ADC5-474620BE547B}"/>
+              </a:ext>
+            </a:extLst>
+          </p:cNvPr>
+          <p:cNvPicPr>
+            <a:picLocks noChangeAspect="1"/>
+          </p:cNvPicPr>
+          <p:nvPr/>
+        </p:nvPicPr>
+        <p:blipFill>
+          <a:blip r:embed="rId2"/>
+          <a:stretch>
+            <a:fillRect/>
+          </a:stretch>
+        </p:blipFill>
+        <p:spPr>
+          <a:xfrm>
+            <a:off x="4851052" y="142875"/>
+            <a:ext cx="7214183" cy="3609975"/>
+          </a:xfrm>
+          <a:prstGeom prst="rect">
+            <a:avLst/>
+          </a:prstGeom>
+        </p:spPr>
+      </p:pic>
+      <p:pic>
+        <p:nvPicPr>
+          <p:cNvPr id="6" name="Picture 5">
+            <a:extLst>
+              <a:ext uri="{FF2B5EF4-FFF2-40B4-BE49-F238E27FC236}">
+                <a16:creationId xmlns:a16="http://schemas.microsoft.com/office/drawing/2014/main" id="{F10BED9A-11FD-4657-B21F-9D2756F003A2}"/>
+              </a:ext>
+            </a:extLst>
+          </p:cNvPr>
+          <p:cNvPicPr>
+            <a:picLocks noChangeAspect="1"/>
+          </p:cNvPicPr>
+          <p:nvPr/>
+        </p:nvPicPr>
+        <p:blipFill>
+          <a:blip r:embed="rId3"/>
+          <a:stretch>
+            <a:fillRect/>
+          </a:stretch>
+        </p:blipFill>
+        <p:spPr>
+          <a:xfrm>
+            <a:off x="5305368" y="3899049"/>
+            <a:ext cx="3152775" cy="504825"/>
+          </a:xfrm>
+          <a:prstGeom prst="rect">
+            <a:avLst/>
+          </a:prstGeom>
+        </p:spPr>
+      </p:pic>
+    </p:spTree>
+    <p:extLst>
+      <p:ext uri="{BB962C8B-B14F-4D97-AF65-F5344CB8AC3E}">
+        <p14:creationId xmlns:p14="http://schemas.microsoft.com/office/powerpoint/2010/main" val="3552987365"/>
+      </p:ext>
+    </p:extLst>
+  </p:cSld>
+  <p:clrMapOvr>
+    <a:masterClrMapping/>
+  </p:clrMapOvr>
+</p:sld>
+</file>
+
+<file path=ppt/slides/slide12.xml><?xml version="1.0" encoding="utf-8"?>
+<p:sld xmlns:a="http://schemas.openxmlformats.org/drawingml/2006/main" xmlns:r="http://schemas.openxmlformats.org/officeDocument/2006/relationships" xmlns:p="http://schemas.openxmlformats.org/presentationml/2006/main">
+  <p:cSld>
+    <p:bg>
+      <p:bgPr>
+        <a:solidFill>
+          <a:schemeClr val="bg1"/>
+        </a:solidFill>
+        <a:effectLst/>
+      </p:bgPr>
+    </p:bg>
+    <p:spTree>
+      <p:nvGrpSpPr>
+        <p:cNvPr id="1" name=""/>
+        <p:cNvGrpSpPr/>
+        <p:nvPr/>
+      </p:nvGrpSpPr>
+      <p:grpSpPr>
+        <a:xfrm>
+          <a:off x="0" y="0"/>
+          <a:ext cx="0" cy="0"/>
+          <a:chOff x="0" y="0"/>
+          <a:chExt cx="0" cy="0"/>
+        </a:xfrm>
+      </p:grpSpPr>
+      <p:sp>
+        <p:nvSpPr>
+          <p:cNvPr id="3" name="Subtitle 2">
+            <a:extLst>
+              <a:ext uri="{FF2B5EF4-FFF2-40B4-BE49-F238E27FC236}">
+                <a16:creationId xmlns:a16="http://schemas.microsoft.com/office/drawing/2014/main" id="{C63068C7-FF93-4F55-8D49-8E391F78232D}"/>
+              </a:ext>
+            </a:extLst>
+          </p:cNvPr>
+          <p:cNvSpPr>
+            <a:spLocks noGrp="1"/>
+          </p:cNvSpPr>
+          <p:nvPr>
+            <p:ph type="subTitle" idx="1"/>
+          </p:nvPr>
+        </p:nvSpPr>
+        <p:spPr>
+          <a:xfrm>
+            <a:off x="0" y="4822479"/>
+            <a:ext cx="12192000" cy="1968846"/>
+          </a:xfrm>
+          <a:noFill/>
+        </p:spPr>
+        <p:txBody>
+          <a:bodyPr>
+            <a:normAutofit/>
+          </a:bodyPr>
+          <a:lstStyle/>
+          <a:p>
+            <a:pPr algn="l"/>
+            <a:r>
+              <a:rPr lang="en-US" altLang="ko-KR" sz="2000" b="1" i="0" dirty="0">
+                <a:solidFill>
+                  <a:srgbClr val="000000"/>
+                </a:solidFill>
+                <a:effectLst/>
+                <a:latin typeface="Helvetica Neue"/>
+              </a:rPr>
+              <a:t>Most Popular Start Stations by User Type</a:t>
+            </a:r>
+          </a:p>
+        </p:txBody>
+      </p:sp>
+      <p:sp>
+        <p:nvSpPr>
+          <p:cNvPr id="28" name="Rectangle 27">
+            <a:extLst>
+              <a:ext uri="{FF2B5EF4-FFF2-40B4-BE49-F238E27FC236}">
+                <a16:creationId xmlns:a16="http://schemas.microsoft.com/office/drawing/2014/main" id="{71FC7D98-7B8B-402A-90FC-F027482F2142}"/>
+              </a:ext>
+              <a:ext uri="{C183D7F6-B498-43B3-948B-1728B52AA6E4}">
+                <adec:decorative xmlns:adec="http://schemas.microsoft.com/office/drawing/2017/decorative" val="1"/>
+              </a:ext>
+            </a:extLst>
+          </p:cNvPr>
+          <p:cNvSpPr>
+            <a:spLocks noGrp="1" noRot="1" noChangeAspect="1" noMove="1" noResize="1" noEditPoints="1" noAdjustHandles="1" noChangeArrowheads="1" noChangeShapeType="1" noTextEdit="1"/>
+          </p:cNvSpPr>
+          <p:nvPr>
+            <p:extLst>
+              <p:ext uri="{386F3935-93C4-4BCD-93E2-E3B085C9AB24}">
+                <p16:designElem xmlns:p16="http://schemas.microsoft.com/office/powerpoint/2015/main" val="1"/>
+              </p:ext>
+            </p:extLst>
+          </p:nvPr>
+        </p:nvSpPr>
+        <p:spPr>
+          <a:xfrm>
+            <a:off x="-2" y="0"/>
+            <a:ext cx="12192002" cy="4822479"/>
+          </a:xfrm>
+          <a:prstGeom prst="rect">
+            <a:avLst/>
+          </a:prstGeom>
+          <a:solidFill>
+            <a:srgbClr val="C8CACA"/>
+          </a:solidFill>
+          <a:ln>
+            <a:noFill/>
+          </a:ln>
+        </p:spPr>
+        <p:style>
+          <a:lnRef idx="2">
+            <a:schemeClr val="accent1">
+              <a:shade val="50000"/>
+            </a:schemeClr>
+          </a:lnRef>
+          <a:fillRef idx="1">
+            <a:schemeClr val="accent1"/>
+          </a:fillRef>
+          <a:effectRef idx="0">
+            <a:schemeClr val="accent1"/>
+          </a:effectRef>
+          <a:fontRef idx="minor">
+            <a:schemeClr val="lt1"/>
+          </a:fontRef>
+        </p:style>
+        <p:txBody>
+          <a:bodyPr rtlCol="0" anchor="ctr"/>
+          <a:lstStyle/>
+          <a:p>
+            <a:pPr algn="ctr"/>
+            <a:endParaRPr lang="en-US"/>
+          </a:p>
+        </p:txBody>
+      </p:sp>
+      <p:sp>
+        <p:nvSpPr>
+          <p:cNvPr id="30" name="Rounded Rectangle 28">
+            <a:extLst>
+              <a:ext uri="{FF2B5EF4-FFF2-40B4-BE49-F238E27FC236}">
+                <a16:creationId xmlns:a16="http://schemas.microsoft.com/office/drawing/2014/main" id="{AD7356EA-285B-4E5D-8FEC-104659A4FD2C}"/>
+              </a:ext>
+              <a:ext uri="{C183D7F6-B498-43B3-948B-1728B52AA6E4}">
+                <adec:decorative xmlns:adec="http://schemas.microsoft.com/office/drawing/2017/decorative" val="1"/>
+              </a:ext>
+            </a:extLst>
+          </p:cNvPr>
+          <p:cNvSpPr>
+            <a:spLocks noGrp="1" noRot="1" noChangeAspect="1" noMove="1" noResize="1" noEditPoints="1" noAdjustHandles="1" noChangeArrowheads="1" noChangeShapeType="1" noTextEdit="1"/>
+          </p:cNvSpPr>
+          <p:nvPr>
+            <p:extLst>
+              <p:ext uri="{386F3935-93C4-4BCD-93E2-E3B085C9AB24}">
+                <p16:designElem xmlns:p16="http://schemas.microsoft.com/office/powerpoint/2015/main" val="1"/>
+              </p:ext>
+            </p:extLst>
+          </p:nvPr>
+        </p:nvSpPr>
+        <p:spPr>
+          <a:xfrm>
+            <a:off x="2004562" y="640091"/>
+            <a:ext cx="8182876" cy="3881110"/>
+          </a:xfrm>
+          <a:prstGeom prst="roundRect">
+            <a:avLst>
+              <a:gd name="adj" fmla="val 0"/>
+            </a:avLst>
+          </a:prstGeom>
+          <a:solidFill>
+            <a:srgbClr val="FFFFFF"/>
+          </a:solidFill>
+          <a:ln w="9525">
+            <a:solidFill>
+              <a:srgbClr val="C8CACA"/>
+            </a:solidFill>
+          </a:ln>
+          <a:effectLst>
+            <a:outerShdw blurRad="57150" dist="19050" dir="5400000" algn="t" rotWithShape="0">
+              <a:prstClr val="black">
+                <a:alpha val="63000"/>
+              </a:prstClr>
+            </a:outerShdw>
+          </a:effectLst>
+        </p:spPr>
+        <p:style>
+          <a:lnRef idx="2">
+            <a:schemeClr val="accent1">
+              <a:shade val="50000"/>
+            </a:schemeClr>
+          </a:lnRef>
+          <a:fillRef idx="1">
+            <a:schemeClr val="accent1"/>
+          </a:fillRef>
+          <a:effectRef idx="0">
+            <a:schemeClr val="accent1"/>
+          </a:effectRef>
+          <a:fontRef idx="minor">
+            <a:schemeClr val="lt1"/>
+          </a:fontRef>
+        </p:style>
+        <p:txBody>
+          <a:bodyPr rtlCol="0" anchor="ctr"/>
+          <a:lstStyle/>
+          <a:p>
+            <a:pPr algn="ctr"/>
+            <a:endParaRPr lang="en-US" dirty="0"/>
+          </a:p>
+        </p:txBody>
+      </p:sp>
+      <p:pic>
+        <p:nvPicPr>
+          <p:cNvPr id="4" name="Picture 3">
+            <a:extLst>
+              <a:ext uri="{FF2B5EF4-FFF2-40B4-BE49-F238E27FC236}">
+                <a16:creationId xmlns:a16="http://schemas.microsoft.com/office/drawing/2014/main" id="{B9177FF9-822B-4E42-A057-4F1D5BCDA2B7}"/>
+              </a:ext>
+            </a:extLst>
+          </p:cNvPr>
+          <p:cNvPicPr>
+            <a:picLocks noChangeAspect="1"/>
+          </p:cNvPicPr>
+          <p:nvPr/>
+        </p:nvPicPr>
+        <p:blipFill rotWithShape="1">
+          <a:blip r:embed="rId2"/>
+          <a:srcRect r="1" b="16551"/>
+          <a:stretch/>
+        </p:blipFill>
+        <p:spPr>
+          <a:xfrm>
+            <a:off x="2170029" y="804672"/>
+            <a:ext cx="7851943" cy="3554676"/>
+          </a:xfrm>
+          <a:prstGeom prst="rect">
+            <a:avLst/>
+          </a:prstGeom>
+          <a:effectLst/>
+        </p:spPr>
+      </p:pic>
+    </p:spTree>
+    <p:extLst>
+      <p:ext uri="{BB962C8B-B14F-4D97-AF65-F5344CB8AC3E}">
+        <p14:creationId xmlns:p14="http://schemas.microsoft.com/office/powerpoint/2010/main" val="1803650133"/>
+      </p:ext>
+    </p:extLst>
+  </p:cSld>
+  <p:clrMapOvr>
+    <a:masterClrMapping/>
+  </p:clrMapOvr>
+</p:sld>
+</file>
+
+<file path=ppt/slides/slide13.xml><?xml version="1.0" encoding="utf-8"?>
+<p:sld xmlns:a="http://schemas.openxmlformats.org/drawingml/2006/main" xmlns:r="http://schemas.openxmlformats.org/officeDocument/2006/relationships" xmlns:p="http://schemas.openxmlformats.org/presentationml/2006/main">
+  <p:cSld>
+    <p:bg>
+      <p:bgPr>
+        <a:solidFill>
+          <a:schemeClr val="bg1"/>
+        </a:solidFill>
+        <a:effectLst/>
+      </p:bgPr>
+    </p:bg>
+    <p:spTree>
+      <p:nvGrpSpPr>
+        <p:cNvPr id="1" name=""/>
+        <p:cNvGrpSpPr/>
+        <p:nvPr/>
+      </p:nvGrpSpPr>
+      <p:grpSpPr>
+        <a:xfrm>
+          <a:off x="0" y="0"/>
+          <a:ext cx="0" cy="0"/>
+          <a:chOff x="0" y="0"/>
+          <a:chExt cx="0" cy="0"/>
+        </a:xfrm>
+      </p:grpSpPr>
+      <p:sp>
+        <p:nvSpPr>
+          <p:cNvPr id="3" name="Subtitle 2">
+            <a:extLst>
+              <a:ext uri="{FF2B5EF4-FFF2-40B4-BE49-F238E27FC236}">
+                <a16:creationId xmlns:a16="http://schemas.microsoft.com/office/drawing/2014/main" id="{C63068C7-FF93-4F55-8D49-8E391F78232D}"/>
+              </a:ext>
+            </a:extLst>
+          </p:cNvPr>
+          <p:cNvSpPr>
+            <a:spLocks noGrp="1"/>
+          </p:cNvSpPr>
+          <p:nvPr>
+            <p:ph type="subTitle" idx="1"/>
+          </p:nvPr>
+        </p:nvSpPr>
+        <p:spPr>
+          <a:xfrm>
+            <a:off x="0" y="4822478"/>
+            <a:ext cx="12192000" cy="2035521"/>
+          </a:xfrm>
+          <a:noFill/>
+        </p:spPr>
+        <p:txBody>
+          <a:bodyPr>
+            <a:normAutofit/>
+          </a:bodyPr>
+          <a:lstStyle/>
+          <a:p>
+            <a:pPr algn="l"/>
+            <a:r>
+              <a:rPr lang="en-US" altLang="ko-KR" sz="2000" b="1" i="0" dirty="0">
+                <a:solidFill>
+                  <a:srgbClr val="000000"/>
+                </a:solidFill>
+                <a:effectLst/>
+                <a:latin typeface="Helvetica Neue"/>
+              </a:rPr>
+              <a:t>Most Popular Start Stations by User Type</a:t>
+            </a:r>
+          </a:p>
+        </p:txBody>
+      </p:sp>
+      <p:sp>
+        <p:nvSpPr>
+          <p:cNvPr id="28" name="Rectangle 27">
+            <a:extLst>
+              <a:ext uri="{FF2B5EF4-FFF2-40B4-BE49-F238E27FC236}">
+                <a16:creationId xmlns:a16="http://schemas.microsoft.com/office/drawing/2014/main" id="{71FC7D98-7B8B-402A-90FC-F027482F2142}"/>
+              </a:ext>
+              <a:ext uri="{C183D7F6-B498-43B3-948B-1728B52AA6E4}">
+                <adec:decorative xmlns:adec="http://schemas.microsoft.com/office/drawing/2017/decorative" val="1"/>
+              </a:ext>
+            </a:extLst>
+          </p:cNvPr>
+          <p:cNvSpPr>
+            <a:spLocks noGrp="1" noRot="1" noChangeAspect="1" noMove="1" noResize="1" noEditPoints="1" noAdjustHandles="1" noChangeArrowheads="1" noChangeShapeType="1" noTextEdit="1"/>
+          </p:cNvSpPr>
+          <p:nvPr>
+            <p:extLst>
+              <p:ext uri="{386F3935-93C4-4BCD-93E2-E3B085C9AB24}">
+                <p16:designElem xmlns:p16="http://schemas.microsoft.com/office/powerpoint/2015/main" val="1"/>
+              </p:ext>
+            </p:extLst>
+          </p:nvPr>
+        </p:nvSpPr>
+        <p:spPr>
+          <a:xfrm>
+            <a:off x="-2" y="0"/>
+            <a:ext cx="12192002" cy="4822479"/>
+          </a:xfrm>
+          <a:prstGeom prst="rect">
+            <a:avLst/>
+          </a:prstGeom>
+          <a:solidFill>
+            <a:srgbClr val="C8CACA"/>
+          </a:solidFill>
+          <a:ln>
+            <a:noFill/>
+          </a:ln>
+        </p:spPr>
+        <p:style>
+          <a:lnRef idx="2">
+            <a:schemeClr val="accent1">
+              <a:shade val="50000"/>
+            </a:schemeClr>
+          </a:lnRef>
+          <a:fillRef idx="1">
+            <a:schemeClr val="accent1"/>
+          </a:fillRef>
+          <a:effectRef idx="0">
+            <a:schemeClr val="accent1"/>
+          </a:effectRef>
+          <a:fontRef idx="minor">
+            <a:schemeClr val="lt1"/>
+          </a:fontRef>
+        </p:style>
+        <p:txBody>
+          <a:bodyPr rtlCol="0" anchor="ctr"/>
+          <a:lstStyle/>
+          <a:p>
+            <a:pPr algn="ctr"/>
+            <a:endParaRPr lang="en-US"/>
+          </a:p>
+        </p:txBody>
+      </p:sp>
+      <p:sp>
+        <p:nvSpPr>
+          <p:cNvPr id="30" name="Rounded Rectangle 28">
+            <a:extLst>
+              <a:ext uri="{FF2B5EF4-FFF2-40B4-BE49-F238E27FC236}">
+                <a16:creationId xmlns:a16="http://schemas.microsoft.com/office/drawing/2014/main" id="{AD7356EA-285B-4E5D-8FEC-104659A4FD2C}"/>
+              </a:ext>
+              <a:ext uri="{C183D7F6-B498-43B3-948B-1728B52AA6E4}">
+                <adec:decorative xmlns:adec="http://schemas.microsoft.com/office/drawing/2017/decorative" val="1"/>
+              </a:ext>
+            </a:extLst>
+          </p:cNvPr>
+          <p:cNvSpPr>
+            <a:spLocks noGrp="1" noRot="1" noChangeAspect="1" noMove="1" noResize="1" noEditPoints="1" noAdjustHandles="1" noChangeArrowheads="1" noChangeShapeType="1" noTextEdit="1"/>
+          </p:cNvSpPr>
+          <p:nvPr>
+            <p:extLst>
+              <p:ext uri="{386F3935-93C4-4BCD-93E2-E3B085C9AB24}">
+                <p16:designElem xmlns:p16="http://schemas.microsoft.com/office/powerpoint/2015/main" val="1"/>
+              </p:ext>
+            </p:extLst>
+          </p:nvPr>
+        </p:nvSpPr>
+        <p:spPr>
+          <a:xfrm>
+            <a:off x="2004562" y="640091"/>
+            <a:ext cx="8182876" cy="3881110"/>
+          </a:xfrm>
+          <a:prstGeom prst="roundRect">
+            <a:avLst>
+              <a:gd name="adj" fmla="val 0"/>
+            </a:avLst>
+          </a:prstGeom>
+          <a:solidFill>
+            <a:srgbClr val="FFFFFF"/>
+          </a:solidFill>
+          <a:ln w="9525">
+            <a:solidFill>
+              <a:srgbClr val="C8CACA"/>
+            </a:solidFill>
+          </a:ln>
+          <a:effectLst>
+            <a:outerShdw blurRad="57150" dist="19050" dir="5400000" algn="t" rotWithShape="0">
+              <a:prstClr val="black">
+                <a:alpha val="63000"/>
+              </a:prstClr>
+            </a:outerShdw>
+          </a:effectLst>
+        </p:spPr>
+        <p:style>
+          <a:lnRef idx="2">
+            <a:schemeClr val="accent1">
+              <a:shade val="50000"/>
+            </a:schemeClr>
+          </a:lnRef>
+          <a:fillRef idx="1">
+            <a:schemeClr val="accent1"/>
+          </a:fillRef>
+          <a:effectRef idx="0">
+            <a:schemeClr val="accent1"/>
+          </a:effectRef>
+          <a:fontRef idx="minor">
+            <a:schemeClr val="lt1"/>
+          </a:fontRef>
+        </p:style>
+        <p:txBody>
+          <a:bodyPr rtlCol="0" anchor="ctr"/>
+          <a:lstStyle/>
+          <a:p>
+            <a:pPr algn="ctr"/>
+            <a:endParaRPr lang="en-US" dirty="0"/>
+          </a:p>
+        </p:txBody>
+      </p:sp>
+      <p:pic>
+        <p:nvPicPr>
+          <p:cNvPr id="5" name="Picture 4">
+            <a:extLst>
+              <a:ext uri="{FF2B5EF4-FFF2-40B4-BE49-F238E27FC236}">
+                <a16:creationId xmlns:a16="http://schemas.microsoft.com/office/drawing/2014/main" id="{A4B2A91A-BE1B-4C66-9D30-2B6CDF402718}"/>
+              </a:ext>
+            </a:extLst>
+          </p:cNvPr>
+          <p:cNvPicPr>
+            <a:picLocks noChangeAspect="1"/>
+          </p:cNvPicPr>
+          <p:nvPr/>
+        </p:nvPicPr>
+        <p:blipFill>
+          <a:blip r:embed="rId2"/>
+          <a:stretch>
+            <a:fillRect/>
+          </a:stretch>
+        </p:blipFill>
+        <p:spPr>
+          <a:xfrm>
+            <a:off x="2004562" y="185709"/>
+            <a:ext cx="8252942" cy="4335492"/>
+          </a:xfrm>
+          <a:prstGeom prst="rect">
+            <a:avLst/>
+          </a:prstGeom>
+        </p:spPr>
+      </p:pic>
+    </p:spTree>
+    <p:extLst>
+      <p:ext uri="{BB962C8B-B14F-4D97-AF65-F5344CB8AC3E}">
+        <p14:creationId xmlns:p14="http://schemas.microsoft.com/office/powerpoint/2010/main" val="1276149108"/>
+      </p:ext>
+    </p:extLst>
+  </p:cSld>
+  <p:clrMapOvr>
+    <a:masterClrMapping/>
+  </p:clrMapOvr>
+</p:sld>
+</file>
+
+<file path=ppt/slides/slide14.xml><?xml version="1.0" encoding="utf-8"?>
+<p:sld xmlns:a="http://schemas.openxmlformats.org/drawingml/2006/main" xmlns:r="http://schemas.openxmlformats.org/officeDocument/2006/relationships" xmlns:p="http://schemas.openxmlformats.org/presentationml/2006/main">
+  <p:cSld>
+    <p:bg>
+      <p:bgPr>
+        <a:solidFill>
+          <a:schemeClr val="bg1"/>
+        </a:solidFill>
+        <a:effectLst/>
+      </p:bgPr>
+    </p:bg>
+    <p:spTree>
+      <p:nvGrpSpPr>
+        <p:cNvPr id="1" name=""/>
+        <p:cNvGrpSpPr/>
+        <p:nvPr/>
+      </p:nvGrpSpPr>
+      <p:grpSpPr>
+        <a:xfrm>
+          <a:off x="0" y="0"/>
+          <a:ext cx="0" cy="0"/>
+          <a:chOff x="0" y="0"/>
+          <a:chExt cx="0" cy="0"/>
+        </a:xfrm>
+      </p:grpSpPr>
+      <p:pic>
+        <p:nvPicPr>
+          <p:cNvPr id="4" name="Picture 3" descr="Chart, bar chart, histogram&#10;&#10;Description automatically generated">
+            <a:extLst>
+              <a:ext uri="{FF2B5EF4-FFF2-40B4-BE49-F238E27FC236}">
+                <a16:creationId xmlns:a16="http://schemas.microsoft.com/office/drawing/2014/main" id="{A76461FB-4D4B-4F81-A24C-1205F8689F92}"/>
+              </a:ext>
+            </a:extLst>
+          </p:cNvPr>
+          <p:cNvPicPr>
+            <a:picLocks noChangeAspect="1"/>
+          </p:cNvPicPr>
+          <p:nvPr/>
+        </p:nvPicPr>
+        <p:blipFill rotWithShape="1">
+          <a:blip r:embed="rId2"/>
+          <a:srcRect l="5534" r="2" b="2"/>
+          <a:stretch/>
+        </p:blipFill>
+        <p:spPr>
+          <a:xfrm>
+            <a:off x="320040" y="320040"/>
+            <a:ext cx="11548872" cy="4462272"/>
+          </a:xfrm>
+          <a:prstGeom prst="rect">
+            <a:avLst/>
+          </a:prstGeom>
+        </p:spPr>
+      </p:pic>
+      <p:sp>
+        <p:nvSpPr>
+          <p:cNvPr id="28" name="Rectangle 27">
+            <a:extLst>
+              <a:ext uri="{FF2B5EF4-FFF2-40B4-BE49-F238E27FC236}">
+                <a16:creationId xmlns:a16="http://schemas.microsoft.com/office/drawing/2014/main" id="{D38A241E-0395-41E5-8607-BAA2799A4374}"/>
+              </a:ext>
+              <a:ext uri="{C183D7F6-B498-43B3-948B-1728B52AA6E4}">
+                <adec:decorative xmlns:adec="http://schemas.microsoft.com/office/drawing/2017/decorative" val="1"/>
+              </a:ext>
+            </a:extLst>
+          </p:cNvPr>
+          <p:cNvSpPr>
+            <a:spLocks noGrp="1" noRot="1" noChangeAspect="1" noMove="1" noResize="1" noEditPoints="1" noAdjustHandles="1" noChangeArrowheads="1" noChangeShapeType="1" noTextEdit="1"/>
+          </p:cNvSpPr>
+          <p:nvPr>
+            <p:extLst>
+              <p:ext uri="{386F3935-93C4-4BCD-93E2-E3B085C9AB24}">
+                <p16:designElem xmlns:p16="http://schemas.microsoft.com/office/powerpoint/2015/main" val="1"/>
+              </p:ext>
+            </p:extLst>
+          </p:nvPr>
+        </p:nvSpPr>
+        <p:spPr bwMode="ltGray">
+          <a:xfrm>
+            <a:off x="321564" y="4892040"/>
+            <a:ext cx="11548872" cy="1645920"/>
+          </a:xfrm>
+          <a:prstGeom prst="rect">
+            <a:avLst/>
+          </a:prstGeom>
+          <a:solidFill>
+            <a:schemeClr val="tx1">
+              <a:lumMod val="75000"/>
+              <a:lumOff val="25000"/>
+            </a:schemeClr>
+          </a:solidFill>
+          <a:ln w="127000" cap="sq" cmpd="thinThick">
+            <a:noFill/>
+          </a:ln>
+        </p:spPr>
+        <p:style>
+          <a:lnRef idx="2">
+            <a:schemeClr val="accent1">
+              <a:shade val="50000"/>
+            </a:schemeClr>
+          </a:lnRef>
+          <a:fillRef idx="1">
+            <a:schemeClr val="accent1"/>
+          </a:fillRef>
+          <a:effectRef idx="0">
+            <a:schemeClr val="accent1"/>
+          </a:effectRef>
+          <a:fontRef idx="minor">
+            <a:schemeClr val="lt1"/>
+          </a:fontRef>
+        </p:style>
+        <p:txBody>
+          <a:bodyPr rtlCol="0" anchor="ctr"/>
+          <a:lstStyle/>
+          <a:p>
+            <a:pPr marL="0" marR="0" lvl="0" indent="0" algn="ctr" defTabSz="914400" rtl="0" eaLnBrk="1" fontAlgn="auto" latinLnBrk="0" hangingPunct="1">
+              <a:lnSpc>
+                <a:spcPct val="100000"/>
+              </a:lnSpc>
+              <a:spcBef>
+                <a:spcPts val="0"/>
+              </a:spcBef>
+              <a:spcAft>
+                <a:spcPts val="0"/>
+              </a:spcAft>
+              <a:buClrTx/>
+              <a:buSzTx/>
+              <a:buFontTx/>
+              <a:buNone/>
+              <a:tabLst/>
+              <a:defRPr/>
+            </a:pPr>
+            <a:endParaRPr kumimoji="0" lang="en-US" sz="1800" b="0" i="0" u="none" strike="noStrike" kern="1200" cap="none" spc="0" normalizeH="0" baseline="0" noProof="0">
+              <a:ln>
+                <a:noFill/>
+              </a:ln>
+              <a:solidFill>
+                <a:prstClr val="white"/>
+              </a:solidFill>
+              <a:effectLst/>
+              <a:uLnTx/>
+              <a:uFillTx/>
+              <a:latin typeface="Calibri" panose="020F0502020204030204"/>
+              <a:ea typeface="+mn-ea"/>
+              <a:cs typeface="+mn-cs"/>
+            </a:endParaRPr>
+          </a:p>
+        </p:txBody>
+      </p:sp>
+      <p:sp>
+        <p:nvSpPr>
+          <p:cNvPr id="3" name="Subtitle 2">
+            <a:extLst>
+              <a:ext uri="{FF2B5EF4-FFF2-40B4-BE49-F238E27FC236}">
+                <a16:creationId xmlns:a16="http://schemas.microsoft.com/office/drawing/2014/main" id="{C63068C7-FF93-4F55-8D49-8E391F78232D}"/>
+              </a:ext>
+            </a:extLst>
+          </p:cNvPr>
+          <p:cNvSpPr>
+            <a:spLocks noGrp="1"/>
+          </p:cNvSpPr>
+          <p:nvPr>
+            <p:ph type="subTitle" idx="1"/>
+          </p:nvPr>
+        </p:nvSpPr>
+        <p:spPr>
+          <a:xfrm>
+            <a:off x="648073" y="5093208"/>
+            <a:ext cx="3083122" cy="1261872"/>
+          </a:xfrm>
+        </p:spPr>
+        <p:txBody>
+          <a:bodyPr anchor="ctr">
+            <a:normAutofit/>
+          </a:bodyPr>
+          <a:lstStyle/>
+          <a:p>
+            <a:r>
+              <a:rPr lang="en-US" altLang="ko-KR" sz="2000" b="1" i="0" dirty="0">
+                <a:solidFill>
+                  <a:schemeClr val="bg2"/>
+                </a:solidFill>
+                <a:effectLst/>
+                <a:latin typeface="Helvetica Neue"/>
+              </a:rPr>
+              <a:t>Most Popular Hours by User Type</a:t>
+            </a:r>
+            <a:endParaRPr lang="en-US" altLang="ko-KR" sz="2000" b="1" dirty="0">
+              <a:solidFill>
+                <a:schemeClr val="bg2"/>
+              </a:solidFill>
+              <a:latin typeface="Helvetica Neue"/>
+            </a:endParaRPr>
+          </a:p>
+        </p:txBody>
+      </p:sp>
+      <p:cxnSp>
+        <p:nvCxnSpPr>
+          <p:cNvPr id="30" name="Straight Connector 29">
+            <a:extLst>
+              <a:ext uri="{FF2B5EF4-FFF2-40B4-BE49-F238E27FC236}">
+                <a16:creationId xmlns:a16="http://schemas.microsoft.com/office/drawing/2014/main" id="{CE352288-84AD-4CA8-BCD5-76C29D34E1DB}"/>
+              </a:ext>
+              <a:ext uri="{C183D7F6-B498-43B3-948B-1728B52AA6E4}">
+                <adec:decorative xmlns:adec="http://schemas.microsoft.com/office/drawing/2017/decorative" val="1"/>
+              </a:ext>
+            </a:extLst>
+          </p:cNvPr>
+          <p:cNvCxnSpPr>
+            <a:cxnSpLocks noGrp="1" noRot="1" noChangeAspect="1" noMove="1" noResize="1" noEditPoints="1" noAdjustHandles="1" noChangeArrowheads="1" noChangeShapeType="1"/>
+          </p:cNvCxnSpPr>
+          <p:nvPr>
+            <p:extLst>
+              <p:ext uri="{386F3935-93C4-4BCD-93E2-E3B085C9AB24}">
+                <p16:designElem xmlns:p16="http://schemas.microsoft.com/office/powerpoint/2015/main" val="1"/>
+              </p:ext>
+            </p:extLst>
+          </p:nvPr>
+        </p:nvCxnSpPr>
+        <p:spPr>
+          <a:xfrm flipV="1">
+            <a:off x="4059936" y="5264106"/>
+            <a:ext cx="0" cy="914400"/>
+          </a:xfrm>
+          <a:prstGeom prst="line">
+            <a:avLst/>
+          </a:prstGeom>
+          <a:ln w="19050">
+            <a:solidFill>
+              <a:schemeClr val="bg1">
+                <a:alpha val="80000"/>
+              </a:schemeClr>
+            </a:solidFill>
+          </a:ln>
+        </p:spPr>
+        <p:style>
+          <a:lnRef idx="1">
+            <a:schemeClr val="accent1"/>
+          </a:lnRef>
+          <a:fillRef idx="0">
+            <a:schemeClr val="accent1"/>
+          </a:fillRef>
+          <a:effectRef idx="0">
+            <a:schemeClr val="accent1"/>
+          </a:effectRef>
+          <a:fontRef idx="minor">
+            <a:schemeClr val="tx1"/>
+          </a:fontRef>
+        </p:style>
+      </p:cxnSp>
+    </p:spTree>
+    <p:extLst>
+      <p:ext uri="{BB962C8B-B14F-4D97-AF65-F5344CB8AC3E}">
+        <p14:creationId xmlns:p14="http://schemas.microsoft.com/office/powerpoint/2010/main" val="2984644277"/>
+      </p:ext>
+    </p:extLst>
+  </p:cSld>
+  <p:clrMapOvr>
+    <a:masterClrMapping/>
+  </p:clrMapOvr>
+</p:sld>
+</file>
+
+<file path=ppt/slides/slide15.xml><?xml version="1.0" encoding="utf-8"?>
+<p:sld xmlns:a="http://schemas.openxmlformats.org/drawingml/2006/main" xmlns:r="http://schemas.openxmlformats.org/officeDocument/2006/relationships" xmlns:p="http://schemas.openxmlformats.org/presentationml/2006/main">
+  <p:cSld>
+    <p:bg>
+      <p:bgPr>
+        <a:solidFill>
+          <a:schemeClr val="bg1"/>
+        </a:solidFill>
+        <a:effectLst/>
+      </p:bgPr>
+    </p:bg>
+    <p:spTree>
+      <p:nvGrpSpPr>
+        <p:cNvPr id="1" name=""/>
+        <p:cNvGrpSpPr/>
+        <p:nvPr/>
+      </p:nvGrpSpPr>
+      <p:grpSpPr>
+        <a:xfrm>
+          <a:off x="0" y="0"/>
+          <a:ext cx="0" cy="0"/>
+          <a:chOff x="0" y="0"/>
+          <a:chExt cx="0" cy="0"/>
+        </a:xfrm>
+      </p:grpSpPr>
+      <p:sp>
+        <p:nvSpPr>
+          <p:cNvPr id="3" name="Subtitle 2">
+            <a:extLst>
+              <a:ext uri="{FF2B5EF4-FFF2-40B4-BE49-F238E27FC236}">
+                <a16:creationId xmlns:a16="http://schemas.microsoft.com/office/drawing/2014/main" id="{C63068C7-FF93-4F55-8D49-8E391F78232D}"/>
+              </a:ext>
+            </a:extLst>
+          </p:cNvPr>
+          <p:cNvSpPr>
+            <a:spLocks noGrp="1"/>
+          </p:cNvSpPr>
+          <p:nvPr>
+            <p:ph type="subTitle" idx="1"/>
+          </p:nvPr>
+        </p:nvSpPr>
+        <p:spPr>
+          <a:xfrm>
+            <a:off x="0" y="4822479"/>
+            <a:ext cx="12192000" cy="2035520"/>
+          </a:xfrm>
+          <a:noFill/>
+        </p:spPr>
+        <p:txBody>
+          <a:bodyPr>
+            <a:normAutofit/>
+          </a:bodyPr>
+          <a:lstStyle/>
+          <a:p>
+            <a:pPr algn="l"/>
+            <a:endParaRPr lang="en-US" altLang="ko-KR" sz="2000" b="1" dirty="0">
+              <a:latin typeface="Helvetica Neue"/>
+            </a:endParaRPr>
+          </a:p>
+        </p:txBody>
+      </p:sp>
+      <p:sp>
+        <p:nvSpPr>
+          <p:cNvPr id="39" name="Rectangle 38">
+            <a:extLst>
+              <a:ext uri="{FF2B5EF4-FFF2-40B4-BE49-F238E27FC236}">
+                <a16:creationId xmlns:a16="http://schemas.microsoft.com/office/drawing/2014/main" id="{71FC7D98-7B8B-402A-90FC-F027482F2142}"/>
+              </a:ext>
+              <a:ext uri="{C183D7F6-B498-43B3-948B-1728B52AA6E4}">
+                <adec:decorative xmlns:adec="http://schemas.microsoft.com/office/drawing/2017/decorative" val="1"/>
+              </a:ext>
+            </a:extLst>
+          </p:cNvPr>
+          <p:cNvSpPr>
+            <a:spLocks noGrp="1" noRot="1" noChangeAspect="1" noMove="1" noResize="1" noEditPoints="1" noAdjustHandles="1" noChangeArrowheads="1" noChangeShapeType="1" noTextEdit="1"/>
+          </p:cNvSpPr>
+          <p:nvPr>
+            <p:extLst>
+              <p:ext uri="{386F3935-93C4-4BCD-93E2-E3B085C9AB24}">
+                <p16:designElem xmlns:p16="http://schemas.microsoft.com/office/powerpoint/2015/main" val="1"/>
+              </p:ext>
+            </p:extLst>
+          </p:nvPr>
+        </p:nvSpPr>
+        <p:spPr>
+          <a:xfrm>
+            <a:off x="-2" y="0"/>
+            <a:ext cx="12192002" cy="4822479"/>
+          </a:xfrm>
+          <a:prstGeom prst="rect">
+            <a:avLst/>
+          </a:prstGeom>
+          <a:solidFill>
+            <a:srgbClr val="C8CACA"/>
+          </a:solidFill>
+          <a:ln>
+            <a:noFill/>
+          </a:ln>
+        </p:spPr>
+        <p:style>
+          <a:lnRef idx="2">
+            <a:schemeClr val="accent1">
+              <a:shade val="50000"/>
+            </a:schemeClr>
+          </a:lnRef>
+          <a:fillRef idx="1">
+            <a:schemeClr val="accent1"/>
+          </a:fillRef>
+          <a:effectRef idx="0">
+            <a:schemeClr val="accent1"/>
+          </a:effectRef>
+          <a:fontRef idx="minor">
+            <a:schemeClr val="lt1"/>
+          </a:fontRef>
+        </p:style>
+        <p:txBody>
+          <a:bodyPr rtlCol="0" anchor="ctr"/>
+          <a:lstStyle/>
+          <a:p>
+            <a:pPr algn="ctr"/>
+            <a:endParaRPr lang="en-US"/>
+          </a:p>
+        </p:txBody>
+      </p:sp>
+      <p:sp>
+        <p:nvSpPr>
+          <p:cNvPr id="41" name="Rounded Rectangle 28">
+            <a:extLst>
+              <a:ext uri="{FF2B5EF4-FFF2-40B4-BE49-F238E27FC236}">
+                <a16:creationId xmlns:a16="http://schemas.microsoft.com/office/drawing/2014/main" id="{AD7356EA-285B-4E5D-8FEC-104659A4FD2C}"/>
+              </a:ext>
+              <a:ext uri="{C183D7F6-B498-43B3-948B-1728B52AA6E4}">
+                <adec:decorative xmlns:adec="http://schemas.microsoft.com/office/drawing/2017/decorative" val="1"/>
+              </a:ext>
+            </a:extLst>
+          </p:cNvPr>
+          <p:cNvSpPr>
+            <a:spLocks noGrp="1" noRot="1" noChangeAspect="1" noMove="1" noResize="1" noEditPoints="1" noAdjustHandles="1" noChangeArrowheads="1" noChangeShapeType="1" noTextEdit="1"/>
+          </p:cNvSpPr>
+          <p:nvPr>
+            <p:extLst>
+              <p:ext uri="{386F3935-93C4-4BCD-93E2-E3B085C9AB24}">
+                <p16:designElem xmlns:p16="http://schemas.microsoft.com/office/powerpoint/2015/main" val="1"/>
+              </p:ext>
+            </p:extLst>
+          </p:nvPr>
+        </p:nvSpPr>
+        <p:spPr>
+          <a:xfrm>
+            <a:off x="2004562" y="640091"/>
+            <a:ext cx="8182876" cy="3881110"/>
+          </a:xfrm>
+          <a:prstGeom prst="roundRect">
+            <a:avLst>
+              <a:gd name="adj" fmla="val 0"/>
+            </a:avLst>
+          </a:prstGeom>
+          <a:solidFill>
+            <a:srgbClr val="FFFFFF"/>
+          </a:solidFill>
+          <a:ln w="9525">
+            <a:solidFill>
+              <a:srgbClr val="C8CACA"/>
+            </a:solidFill>
+          </a:ln>
+          <a:effectLst>
+            <a:outerShdw blurRad="57150" dist="19050" dir="5400000" algn="t" rotWithShape="0">
+              <a:prstClr val="black">
+                <a:alpha val="63000"/>
+              </a:prstClr>
+            </a:outerShdw>
+          </a:effectLst>
+        </p:spPr>
+        <p:style>
+          <a:lnRef idx="2">
+            <a:schemeClr val="accent1">
+              <a:shade val="50000"/>
+            </a:schemeClr>
+          </a:lnRef>
+          <a:fillRef idx="1">
+            <a:schemeClr val="accent1"/>
+          </a:fillRef>
+          <a:effectRef idx="0">
+            <a:schemeClr val="accent1"/>
+          </a:effectRef>
+          <a:fontRef idx="minor">
+            <a:schemeClr val="lt1"/>
+          </a:fontRef>
+        </p:style>
+        <p:txBody>
+          <a:bodyPr rtlCol="0" anchor="ctr"/>
+          <a:lstStyle/>
+          <a:p>
+            <a:pPr algn="ctr"/>
+            <a:endParaRPr lang="en-US" dirty="0"/>
+          </a:p>
+        </p:txBody>
+      </p:sp>
+      <p:pic>
+        <p:nvPicPr>
+          <p:cNvPr id="4" name="Picture 3">
+            <a:extLst>
+              <a:ext uri="{FF2B5EF4-FFF2-40B4-BE49-F238E27FC236}">
+                <a16:creationId xmlns:a16="http://schemas.microsoft.com/office/drawing/2014/main" id="{C7B33E3A-3B41-4556-9DDC-472D779E68D2}"/>
+              </a:ext>
+            </a:extLst>
+          </p:cNvPr>
+          <p:cNvPicPr>
+            <a:picLocks noChangeAspect="1"/>
+          </p:cNvPicPr>
+          <p:nvPr/>
+        </p:nvPicPr>
+        <p:blipFill rotWithShape="1">
+          <a:blip r:embed="rId2"/>
+          <a:srcRect t="1126" r="1" b="11814"/>
+          <a:stretch/>
+        </p:blipFill>
+        <p:spPr>
+          <a:xfrm>
+            <a:off x="2170029" y="804672"/>
+            <a:ext cx="7851943" cy="3554676"/>
+          </a:xfrm>
+          <a:prstGeom prst="rect">
+            <a:avLst/>
+          </a:prstGeom>
+          <a:effectLst/>
+        </p:spPr>
+      </p:pic>
+    </p:spTree>
+    <p:extLst>
+      <p:ext uri="{BB962C8B-B14F-4D97-AF65-F5344CB8AC3E}">
+        <p14:creationId xmlns:p14="http://schemas.microsoft.com/office/powerpoint/2010/main" val="3524272813"/>
+      </p:ext>
+    </p:extLst>
+  </p:cSld>
+  <p:clrMapOvr>
+    <a:masterClrMapping/>
+  </p:clrMapOvr>
+</p:sld>
+</file>
+
+<file path=ppt/slides/slide16.xml><?xml version="1.0" encoding="utf-8"?>
+<p:sld xmlns:a="http://schemas.openxmlformats.org/drawingml/2006/main" xmlns:r="http://schemas.openxmlformats.org/officeDocument/2006/relationships" xmlns:p="http://schemas.openxmlformats.org/presentationml/2006/main">
+  <p:cSld>
+    <p:bg>
+      <p:bgPr>
+        <a:solidFill>
+          <a:schemeClr val="bg1"/>
+        </a:solidFill>
+        <a:effectLst/>
+      </p:bgPr>
+    </p:bg>
+    <p:spTree>
+      <p:nvGrpSpPr>
+        <p:cNvPr id="1" name=""/>
+        <p:cNvGrpSpPr/>
+        <p:nvPr/>
+      </p:nvGrpSpPr>
+      <p:grpSpPr>
+        <a:xfrm>
+          <a:off x="0" y="0"/>
+          <a:ext cx="0" cy="0"/>
+          <a:chOff x="0" y="0"/>
+          <a:chExt cx="0" cy="0"/>
+        </a:xfrm>
+      </p:grpSpPr>
+      <p:pic>
+        <p:nvPicPr>
+          <p:cNvPr id="4" name="Picture 3">
+            <a:extLst>
+              <a:ext uri="{FF2B5EF4-FFF2-40B4-BE49-F238E27FC236}">
+                <a16:creationId xmlns:a16="http://schemas.microsoft.com/office/drawing/2014/main" id="{0AABB31A-63BE-4ABB-9AA8-83A24BEB0D4F}"/>
+              </a:ext>
+            </a:extLst>
+          </p:cNvPr>
+          <p:cNvPicPr>
+            <a:picLocks noChangeAspect="1"/>
+          </p:cNvPicPr>
+          <p:nvPr/>
+        </p:nvPicPr>
+        <p:blipFill rotWithShape="1">
+          <a:blip r:embed="rId2"/>
+          <a:srcRect l="3593"/>
+          <a:stretch/>
+        </p:blipFill>
+        <p:spPr>
+          <a:xfrm>
+            <a:off x="320040" y="320040"/>
+            <a:ext cx="11548872" cy="4462272"/>
+          </a:xfrm>
+          <a:prstGeom prst="rect">
+            <a:avLst/>
+          </a:prstGeom>
+        </p:spPr>
+      </p:pic>
+      <p:sp>
+        <p:nvSpPr>
+          <p:cNvPr id="28" name="Rectangle 27">
+            <a:extLst>
+              <a:ext uri="{FF2B5EF4-FFF2-40B4-BE49-F238E27FC236}">
+                <a16:creationId xmlns:a16="http://schemas.microsoft.com/office/drawing/2014/main" id="{D38A241E-0395-41E5-8607-BAA2799A4374}"/>
+              </a:ext>
+              <a:ext uri="{C183D7F6-B498-43B3-948B-1728B52AA6E4}">
+                <adec:decorative xmlns:adec="http://schemas.microsoft.com/office/drawing/2017/decorative" val="1"/>
+              </a:ext>
+            </a:extLst>
+          </p:cNvPr>
+          <p:cNvSpPr>
+            <a:spLocks noGrp="1" noRot="1" noChangeAspect="1" noMove="1" noResize="1" noEditPoints="1" noAdjustHandles="1" noChangeArrowheads="1" noChangeShapeType="1" noTextEdit="1"/>
+          </p:cNvSpPr>
+          <p:nvPr>
+            <p:extLst>
+              <p:ext uri="{386F3935-93C4-4BCD-93E2-E3B085C9AB24}">
+                <p16:designElem xmlns:p16="http://schemas.microsoft.com/office/powerpoint/2015/main" val="1"/>
+              </p:ext>
+            </p:extLst>
+          </p:nvPr>
+        </p:nvSpPr>
+        <p:spPr bwMode="ltGray">
+          <a:xfrm>
+            <a:off x="321564" y="4892040"/>
+            <a:ext cx="11548872" cy="1645920"/>
+          </a:xfrm>
+          <a:prstGeom prst="rect">
+            <a:avLst/>
+          </a:prstGeom>
+          <a:solidFill>
+            <a:schemeClr val="tx1">
+              <a:lumMod val="75000"/>
+              <a:lumOff val="25000"/>
+            </a:schemeClr>
+          </a:solidFill>
+          <a:ln w="127000" cap="sq" cmpd="thinThick">
+            <a:noFill/>
+          </a:ln>
+        </p:spPr>
+        <p:style>
+          <a:lnRef idx="2">
+            <a:schemeClr val="accent1">
+              <a:shade val="50000"/>
+            </a:schemeClr>
+          </a:lnRef>
+          <a:fillRef idx="1">
+            <a:schemeClr val="accent1"/>
+          </a:fillRef>
+          <a:effectRef idx="0">
+            <a:schemeClr val="accent1"/>
+          </a:effectRef>
+          <a:fontRef idx="minor">
+            <a:schemeClr val="lt1"/>
+          </a:fontRef>
+        </p:style>
+        <p:txBody>
+          <a:bodyPr rtlCol="0" anchor="ctr"/>
+          <a:lstStyle/>
+          <a:p>
+            <a:pPr marL="0" marR="0" lvl="0" indent="0" algn="ctr" defTabSz="914400" rtl="0" eaLnBrk="1" fontAlgn="auto" latinLnBrk="0" hangingPunct="1">
+              <a:lnSpc>
+                <a:spcPct val="100000"/>
+              </a:lnSpc>
+              <a:spcBef>
+                <a:spcPts val="0"/>
+              </a:spcBef>
+              <a:spcAft>
+                <a:spcPts val="0"/>
+              </a:spcAft>
+              <a:buClrTx/>
+              <a:buSzTx/>
+              <a:buFontTx/>
+              <a:buNone/>
+              <a:tabLst/>
+              <a:defRPr/>
+            </a:pPr>
+            <a:endParaRPr kumimoji="0" lang="en-US" sz="1800" b="0" i="0" u="none" strike="noStrike" kern="1200" cap="none" spc="0" normalizeH="0" baseline="0" noProof="0">
+              <a:ln>
+                <a:noFill/>
+              </a:ln>
+              <a:solidFill>
+                <a:prstClr val="white"/>
+              </a:solidFill>
+              <a:effectLst/>
+              <a:uLnTx/>
+              <a:uFillTx/>
+              <a:latin typeface="Calibri" panose="020F0502020204030204"/>
+              <a:ea typeface="+mn-ea"/>
+              <a:cs typeface="+mn-cs"/>
+            </a:endParaRPr>
+          </a:p>
+        </p:txBody>
+      </p:sp>
+      <p:sp>
+        <p:nvSpPr>
+          <p:cNvPr id="3" name="Subtitle 2">
+            <a:extLst>
+              <a:ext uri="{FF2B5EF4-FFF2-40B4-BE49-F238E27FC236}">
+                <a16:creationId xmlns:a16="http://schemas.microsoft.com/office/drawing/2014/main" id="{C63068C7-FF93-4F55-8D49-8E391F78232D}"/>
+              </a:ext>
+            </a:extLst>
+          </p:cNvPr>
+          <p:cNvSpPr>
+            <a:spLocks noGrp="1"/>
+          </p:cNvSpPr>
+          <p:nvPr>
+            <p:ph type="subTitle" idx="1"/>
+          </p:nvPr>
+        </p:nvSpPr>
+        <p:spPr>
+          <a:xfrm>
+            <a:off x="550417" y="5093208"/>
+            <a:ext cx="3180778" cy="1261872"/>
+          </a:xfrm>
+        </p:spPr>
+        <p:txBody>
+          <a:bodyPr anchor="ctr">
+            <a:normAutofit/>
+          </a:bodyPr>
+          <a:lstStyle/>
+          <a:p>
+            <a:r>
+              <a:rPr lang="en-US" altLang="ko-KR" sz="2000" b="1" i="0" dirty="0">
+                <a:solidFill>
+                  <a:schemeClr val="bg2"/>
+                </a:solidFill>
+                <a:effectLst/>
+                <a:latin typeface="Helvetica Neue"/>
+              </a:rPr>
+              <a:t>Most Popular Days of by User Type</a:t>
+            </a:r>
+            <a:endParaRPr lang="en-US" altLang="ko-KR" sz="2000" b="1" dirty="0">
+              <a:solidFill>
+                <a:schemeClr val="bg2"/>
+              </a:solidFill>
+              <a:latin typeface="Helvetica Neue"/>
+            </a:endParaRPr>
+          </a:p>
+        </p:txBody>
+      </p:sp>
+      <p:cxnSp>
+        <p:nvCxnSpPr>
+          <p:cNvPr id="30" name="Straight Connector 29">
+            <a:extLst>
+              <a:ext uri="{FF2B5EF4-FFF2-40B4-BE49-F238E27FC236}">
+                <a16:creationId xmlns:a16="http://schemas.microsoft.com/office/drawing/2014/main" id="{CE352288-84AD-4CA8-BCD5-76C29D34E1DB}"/>
+              </a:ext>
+              <a:ext uri="{C183D7F6-B498-43B3-948B-1728B52AA6E4}">
+                <adec:decorative xmlns:adec="http://schemas.microsoft.com/office/drawing/2017/decorative" val="1"/>
+              </a:ext>
+            </a:extLst>
+          </p:cNvPr>
+          <p:cNvCxnSpPr>
+            <a:cxnSpLocks noGrp="1" noRot="1" noChangeAspect="1" noMove="1" noResize="1" noEditPoints="1" noAdjustHandles="1" noChangeArrowheads="1" noChangeShapeType="1"/>
+          </p:cNvCxnSpPr>
+          <p:nvPr>
+            <p:extLst>
+              <p:ext uri="{386F3935-93C4-4BCD-93E2-E3B085C9AB24}">
+                <p16:designElem xmlns:p16="http://schemas.microsoft.com/office/powerpoint/2015/main" val="1"/>
+              </p:ext>
+            </p:extLst>
+          </p:nvPr>
+        </p:nvCxnSpPr>
+        <p:spPr>
+          <a:xfrm flipV="1">
+            <a:off x="4059936" y="5264106"/>
+            <a:ext cx="0" cy="914400"/>
+          </a:xfrm>
+          <a:prstGeom prst="line">
+            <a:avLst/>
+          </a:prstGeom>
+          <a:ln w="19050">
+            <a:solidFill>
+              <a:schemeClr val="bg1">
+                <a:alpha val="80000"/>
+              </a:schemeClr>
+            </a:solidFill>
+          </a:ln>
+        </p:spPr>
+        <p:style>
+          <a:lnRef idx="1">
+            <a:schemeClr val="accent1"/>
+          </a:lnRef>
+          <a:fillRef idx="0">
+            <a:schemeClr val="accent1"/>
+          </a:fillRef>
+          <a:effectRef idx="0">
+            <a:schemeClr val="accent1"/>
+          </a:effectRef>
+          <a:fontRef idx="minor">
+            <a:schemeClr val="tx1"/>
+          </a:fontRef>
+        </p:style>
+      </p:cxnSp>
+    </p:spTree>
+    <p:extLst>
+      <p:ext uri="{BB962C8B-B14F-4D97-AF65-F5344CB8AC3E}">
+        <p14:creationId xmlns:p14="http://schemas.microsoft.com/office/powerpoint/2010/main" val="2566593280"/>
+      </p:ext>
+    </p:extLst>
+  </p:cSld>
+  <p:clrMapOvr>
+    <a:masterClrMapping/>
+  </p:clrMapOvr>
+</p:sld>
+</file>
+
+<file path=ppt/slides/slide17.xml><?xml version="1.0" encoding="utf-8"?>
+<p:sld xmlns:a="http://schemas.openxmlformats.org/drawingml/2006/main" xmlns:r="http://schemas.openxmlformats.org/officeDocument/2006/relationships" xmlns:p="http://schemas.openxmlformats.org/presentationml/2006/main">
+  <p:cSld>
+    <p:bg>
+      <p:bgPr>
+        <a:solidFill>
+          <a:schemeClr val="bg1"/>
+        </a:solidFill>
+        <a:effectLst/>
+      </p:bgPr>
+    </p:bg>
+    <p:spTree>
+      <p:nvGrpSpPr>
+        <p:cNvPr id="1" name=""/>
+        <p:cNvGrpSpPr/>
+        <p:nvPr/>
+      </p:nvGrpSpPr>
+      <p:grpSpPr>
+        <a:xfrm>
+          <a:off x="0" y="0"/>
+          <a:ext cx="0" cy="0"/>
+          <a:chOff x="0" y="0"/>
+          <a:chExt cx="0" cy="0"/>
+        </a:xfrm>
+      </p:grpSpPr>
+      <p:pic>
+        <p:nvPicPr>
+          <p:cNvPr id="4" name="Picture 3" descr="Chart, bar chart, histogram&#10;&#10;Description automatically generated">
+            <a:extLst>
+              <a:ext uri="{FF2B5EF4-FFF2-40B4-BE49-F238E27FC236}">
+                <a16:creationId xmlns:a16="http://schemas.microsoft.com/office/drawing/2014/main" id="{FDB67CED-DC57-4635-BE99-BA0B01B3A23F}"/>
+              </a:ext>
+            </a:extLst>
+          </p:cNvPr>
+          <p:cNvPicPr>
+            <a:picLocks noChangeAspect="1"/>
+          </p:cNvPicPr>
+          <p:nvPr/>
+        </p:nvPicPr>
+        <p:blipFill rotWithShape="1">
+          <a:blip r:embed="rId2"/>
+          <a:srcRect l="6181" r="-1" b="-1"/>
+          <a:stretch/>
+        </p:blipFill>
+        <p:spPr>
+          <a:xfrm>
+            <a:off x="320040" y="320040"/>
+            <a:ext cx="11548872" cy="4462272"/>
+          </a:xfrm>
+          <a:prstGeom prst="rect">
+            <a:avLst/>
+          </a:prstGeom>
+        </p:spPr>
+      </p:pic>
+      <p:sp>
+        <p:nvSpPr>
+          <p:cNvPr id="28" name="Rectangle 27">
+            <a:extLst>
+              <a:ext uri="{FF2B5EF4-FFF2-40B4-BE49-F238E27FC236}">
+                <a16:creationId xmlns:a16="http://schemas.microsoft.com/office/drawing/2014/main" id="{D38A241E-0395-41E5-8607-BAA2799A4374}"/>
+              </a:ext>
+              <a:ext uri="{C183D7F6-B498-43B3-948B-1728B52AA6E4}">
+                <adec:decorative xmlns:adec="http://schemas.microsoft.com/office/drawing/2017/decorative" val="1"/>
+              </a:ext>
+            </a:extLst>
+          </p:cNvPr>
+          <p:cNvSpPr>
+            <a:spLocks noGrp="1" noRot="1" noChangeAspect="1" noMove="1" noResize="1" noEditPoints="1" noAdjustHandles="1" noChangeArrowheads="1" noChangeShapeType="1" noTextEdit="1"/>
+          </p:cNvSpPr>
+          <p:nvPr>
+            <p:extLst>
+              <p:ext uri="{386F3935-93C4-4BCD-93E2-E3B085C9AB24}">
+                <p16:designElem xmlns:p16="http://schemas.microsoft.com/office/powerpoint/2015/main" val="1"/>
+              </p:ext>
+            </p:extLst>
+          </p:nvPr>
+        </p:nvSpPr>
+        <p:spPr bwMode="ltGray">
+          <a:xfrm>
+            <a:off x="321564" y="4892040"/>
+            <a:ext cx="11548872" cy="1645920"/>
+          </a:xfrm>
+          <a:prstGeom prst="rect">
+            <a:avLst/>
+          </a:prstGeom>
+          <a:solidFill>
+            <a:schemeClr val="tx1">
+              <a:lumMod val="75000"/>
+              <a:lumOff val="25000"/>
+            </a:schemeClr>
+          </a:solidFill>
+          <a:ln w="127000" cap="sq" cmpd="thinThick">
+            <a:noFill/>
+          </a:ln>
+        </p:spPr>
+        <p:style>
+          <a:lnRef idx="2">
+            <a:schemeClr val="accent1">
+              <a:shade val="50000"/>
+            </a:schemeClr>
+          </a:lnRef>
+          <a:fillRef idx="1">
+            <a:schemeClr val="accent1"/>
+          </a:fillRef>
+          <a:effectRef idx="0">
+            <a:schemeClr val="accent1"/>
+          </a:effectRef>
+          <a:fontRef idx="minor">
+            <a:schemeClr val="lt1"/>
+          </a:fontRef>
+        </p:style>
+        <p:txBody>
+          <a:bodyPr rtlCol="0" anchor="ctr"/>
+          <a:lstStyle/>
+          <a:p>
+            <a:pPr marL="0" marR="0" lvl="0" indent="0" algn="ctr" defTabSz="914400" rtl="0" eaLnBrk="1" fontAlgn="auto" latinLnBrk="0" hangingPunct="1">
+              <a:lnSpc>
+                <a:spcPct val="100000"/>
+              </a:lnSpc>
+              <a:spcBef>
+                <a:spcPts val="0"/>
+              </a:spcBef>
+              <a:spcAft>
+                <a:spcPts val="0"/>
+              </a:spcAft>
+              <a:buClrTx/>
+              <a:buSzTx/>
+              <a:buFontTx/>
+              <a:buNone/>
+              <a:tabLst/>
+              <a:defRPr/>
+            </a:pPr>
+            <a:endParaRPr kumimoji="0" lang="en-US" sz="1800" b="0" i="0" u="none" strike="noStrike" kern="1200" cap="none" spc="0" normalizeH="0" baseline="0" noProof="0">
+              <a:ln>
+                <a:noFill/>
+              </a:ln>
+              <a:solidFill>
+                <a:prstClr val="white"/>
+              </a:solidFill>
+              <a:effectLst/>
+              <a:uLnTx/>
+              <a:uFillTx/>
+              <a:latin typeface="Calibri" panose="020F0502020204030204"/>
+              <a:ea typeface="+mn-ea"/>
+              <a:cs typeface="+mn-cs"/>
+            </a:endParaRPr>
+          </a:p>
+        </p:txBody>
+      </p:sp>
+      <p:sp>
+        <p:nvSpPr>
+          <p:cNvPr id="3" name="Subtitle 2">
+            <a:extLst>
+              <a:ext uri="{FF2B5EF4-FFF2-40B4-BE49-F238E27FC236}">
+                <a16:creationId xmlns:a16="http://schemas.microsoft.com/office/drawing/2014/main" id="{C63068C7-FF93-4F55-8D49-8E391F78232D}"/>
+              </a:ext>
+            </a:extLst>
+          </p:cNvPr>
+          <p:cNvSpPr>
+            <a:spLocks noGrp="1"/>
+          </p:cNvSpPr>
+          <p:nvPr>
+            <p:ph type="subTitle" idx="1"/>
+          </p:nvPr>
+        </p:nvSpPr>
+        <p:spPr>
+          <a:xfrm>
+            <a:off x="514905" y="5093208"/>
+            <a:ext cx="3216290" cy="1261872"/>
+          </a:xfrm>
+        </p:spPr>
+        <p:txBody>
+          <a:bodyPr anchor="ctr">
+            <a:normAutofit/>
+          </a:bodyPr>
+          <a:lstStyle/>
+          <a:p>
+            <a:r>
+              <a:rPr lang="en-US" altLang="ko-KR" sz="2000" b="1" i="0" dirty="0">
+                <a:solidFill>
+                  <a:schemeClr val="bg2"/>
+                </a:solidFill>
+                <a:effectLst/>
+                <a:latin typeface="Helvetica Neue"/>
+              </a:rPr>
+              <a:t>Most Popular Months by User Type</a:t>
+            </a:r>
+            <a:endParaRPr lang="en-US" altLang="ko-KR" sz="2000" b="1" dirty="0">
+              <a:solidFill>
+                <a:schemeClr val="bg2"/>
+              </a:solidFill>
+              <a:latin typeface="Helvetica Neue"/>
+            </a:endParaRPr>
+          </a:p>
+        </p:txBody>
+      </p:sp>
+      <p:cxnSp>
+        <p:nvCxnSpPr>
+          <p:cNvPr id="30" name="Straight Connector 29">
+            <a:extLst>
+              <a:ext uri="{FF2B5EF4-FFF2-40B4-BE49-F238E27FC236}">
+                <a16:creationId xmlns:a16="http://schemas.microsoft.com/office/drawing/2014/main" id="{CE352288-84AD-4CA8-BCD5-76C29D34E1DB}"/>
+              </a:ext>
+              <a:ext uri="{C183D7F6-B498-43B3-948B-1728B52AA6E4}">
+                <adec:decorative xmlns:adec="http://schemas.microsoft.com/office/drawing/2017/decorative" val="1"/>
+              </a:ext>
+            </a:extLst>
+          </p:cNvPr>
+          <p:cNvCxnSpPr>
+            <a:cxnSpLocks noGrp="1" noRot="1" noChangeAspect="1" noMove="1" noResize="1" noEditPoints="1" noAdjustHandles="1" noChangeArrowheads="1" noChangeShapeType="1"/>
+          </p:cNvCxnSpPr>
+          <p:nvPr>
+            <p:extLst>
+              <p:ext uri="{386F3935-93C4-4BCD-93E2-E3B085C9AB24}">
+                <p16:designElem xmlns:p16="http://schemas.microsoft.com/office/powerpoint/2015/main" val="1"/>
+              </p:ext>
+            </p:extLst>
+          </p:nvPr>
+        </p:nvCxnSpPr>
+        <p:spPr>
+          <a:xfrm flipV="1">
+            <a:off x="4059936" y="5264106"/>
+            <a:ext cx="0" cy="914400"/>
+          </a:xfrm>
+          <a:prstGeom prst="line">
+            <a:avLst/>
+          </a:prstGeom>
+          <a:ln w="19050">
+            <a:solidFill>
+              <a:schemeClr val="bg1">
+                <a:alpha val="80000"/>
+              </a:schemeClr>
+            </a:solidFill>
+          </a:ln>
+        </p:spPr>
+        <p:style>
+          <a:lnRef idx="1">
+            <a:schemeClr val="accent1"/>
+          </a:lnRef>
+          <a:fillRef idx="0">
+            <a:schemeClr val="accent1"/>
+          </a:fillRef>
+          <a:effectRef idx="0">
+            <a:schemeClr val="accent1"/>
+          </a:effectRef>
+          <a:fontRef idx="minor">
+            <a:schemeClr val="tx1"/>
+          </a:fontRef>
+        </p:style>
+      </p:cxnSp>
+    </p:spTree>
+    <p:extLst>
+      <p:ext uri="{BB962C8B-B14F-4D97-AF65-F5344CB8AC3E}">
+        <p14:creationId xmlns:p14="http://schemas.microsoft.com/office/powerpoint/2010/main" val="3809843101"/>
+      </p:ext>
+    </p:extLst>
+  </p:cSld>
+  <p:clrMapOvr>
+    <a:masterClrMapping/>
+  </p:clrMapOvr>
+</p:sld>
+</file>
+
+<file path=ppt/slides/slide18.xml><?xml version="1.0" encoding="utf-8"?>
+<p:sld xmlns:a="http://schemas.openxmlformats.org/drawingml/2006/main" xmlns:r="http://schemas.openxmlformats.org/officeDocument/2006/relationships" xmlns:p="http://schemas.openxmlformats.org/presentationml/2006/main">
+  <p:cSld>
+    <p:bg>
+      <p:bgPr>
+        <a:solidFill>
+          <a:schemeClr val="bg1"/>
+        </a:solidFill>
+        <a:effectLst/>
+      </p:bgPr>
+    </p:bg>
+    <p:spTree>
+      <p:nvGrpSpPr>
+        <p:cNvPr id="1" name=""/>
+        <p:cNvGrpSpPr/>
+        <p:nvPr/>
+      </p:nvGrpSpPr>
+      <p:grpSpPr>
+        <a:xfrm>
+          <a:off x="0" y="0"/>
+          <a:ext cx="0" cy="0"/>
+          <a:chOff x="0" y="0"/>
+          <a:chExt cx="0" cy="0"/>
+        </a:xfrm>
+      </p:grpSpPr>
+      <p:sp>
+        <p:nvSpPr>
+          <p:cNvPr id="19" name="Rectangle 18">
+            <a:extLst>
+              <a:ext uri="{FF2B5EF4-FFF2-40B4-BE49-F238E27FC236}">
+                <a16:creationId xmlns:a16="http://schemas.microsoft.com/office/drawing/2014/main" id="{605494DE-B078-4D87-BB01-C84320618DAD}"/>
+              </a:ext>
+              <a:ext uri="{C183D7F6-B498-43B3-948B-1728B52AA6E4}">
+                <adec:decorative xmlns:adec="http://schemas.microsoft.com/office/drawing/2017/decorative" val="1"/>
+              </a:ext>
+            </a:extLst>
+          </p:cNvPr>
+          <p:cNvSpPr>
+            <a:spLocks noGrp="1" noRot="1" noChangeAspect="1" noMove="1" noResize="1" noEditPoints="1" noAdjustHandles="1" noChangeArrowheads="1" noChangeShapeType="1" noTextEdit="1"/>
+          </p:cNvSpPr>
+          <p:nvPr>
+            <p:extLst>
+              <p:ext uri="{386F3935-93C4-4BCD-93E2-E3B085C9AB24}">
+                <p16:designElem xmlns:p16="http://schemas.microsoft.com/office/powerpoint/2015/main" val="1"/>
+              </p:ext>
+            </p:extLst>
+          </p:nvPr>
+        </p:nvSpPr>
+        <p:spPr>
+          <a:xfrm>
+            <a:off x="0" y="-3324"/>
+            <a:ext cx="12192000" cy="6858000"/>
+          </a:xfrm>
+          <a:prstGeom prst="rect">
+            <a:avLst/>
+          </a:prstGeom>
+          <a:solidFill>
+            <a:srgbClr val="FFFFFF"/>
+          </a:solidFill>
+          <a:ln>
+            <a:noFill/>
+          </a:ln>
+        </p:spPr>
+        <p:style>
+          <a:lnRef idx="2">
+            <a:schemeClr val="accent1">
+              <a:shade val="50000"/>
+            </a:schemeClr>
+          </a:lnRef>
+          <a:fillRef idx="1">
+            <a:schemeClr val="accent1"/>
+          </a:fillRef>
+          <a:effectRef idx="0">
+            <a:schemeClr val="accent1"/>
+          </a:effectRef>
+          <a:fontRef idx="minor">
+            <a:schemeClr val="lt1"/>
+          </a:fontRef>
+        </p:style>
+        <p:txBody>
+          <a:bodyPr rtlCol="0" anchor="ctr"/>
+          <a:lstStyle/>
+          <a:p>
+            <a:pPr algn="ctr"/>
+            <a:endParaRPr lang="en-US"/>
+          </a:p>
+        </p:txBody>
+      </p:sp>
+      <p:sp>
+        <p:nvSpPr>
+          <p:cNvPr id="21" name="Rectangle 20">
+            <a:extLst>
+              <a:ext uri="{FF2B5EF4-FFF2-40B4-BE49-F238E27FC236}">
+                <a16:creationId xmlns:a16="http://schemas.microsoft.com/office/drawing/2014/main" id="{9A0576B0-CD8C-4661-95C8-A9F2CE7CDDB0}"/>
+              </a:ext>
+              <a:ext uri="{C183D7F6-B498-43B3-948B-1728B52AA6E4}">
+                <adec:decorative xmlns:adec="http://schemas.microsoft.com/office/drawing/2017/decorative" val="1"/>
+              </a:ext>
+            </a:extLst>
+          </p:cNvPr>
+          <p:cNvSpPr>
+            <a:spLocks noGrp="1" noRot="1" noChangeAspect="1" noMove="1" noResize="1" noEditPoints="1" noAdjustHandles="1" noChangeArrowheads="1" noChangeShapeType="1" noTextEdit="1"/>
+          </p:cNvSpPr>
+          <p:nvPr>
+            <p:extLst>
+              <p:ext uri="{386F3935-93C4-4BCD-93E2-E3B085C9AB24}">
+                <p16:designElem xmlns:p16="http://schemas.microsoft.com/office/powerpoint/2015/main" val="1"/>
+              </p:ext>
+            </p:extLst>
+          </p:nvPr>
+        </p:nvSpPr>
+        <p:spPr>
+          <a:xfrm>
+            <a:off x="0" y="-3324"/>
+            <a:ext cx="4724288" cy="6861324"/>
+          </a:xfrm>
+          <a:prstGeom prst="rect">
+            <a:avLst/>
+          </a:prstGeom>
+          <a:solidFill>
+            <a:srgbClr val="000000">
+              <a:alpha val="80392"/>
+            </a:srgbClr>
+          </a:solidFill>
+          <a:ln>
+            <a:noFill/>
+          </a:ln>
+        </p:spPr>
+        <p:style>
+          <a:lnRef idx="2">
+            <a:schemeClr val="accent1">
+              <a:shade val="50000"/>
+            </a:schemeClr>
+          </a:lnRef>
+          <a:fillRef idx="1">
+            <a:schemeClr val="accent1"/>
+          </a:fillRef>
+          <a:effectRef idx="0">
+            <a:schemeClr val="accent1"/>
+          </a:effectRef>
+          <a:fontRef idx="minor">
+            <a:schemeClr val="lt1"/>
+          </a:fontRef>
+        </p:style>
+        <p:txBody>
+          <a:bodyPr rtlCol="0" anchor="ctr"/>
+          <a:lstStyle/>
+          <a:p>
+            <a:pPr algn="ctr"/>
+            <a:endParaRPr lang="en-US"/>
+          </a:p>
+        </p:txBody>
+      </p:sp>
+      <p:sp>
+        <p:nvSpPr>
+          <p:cNvPr id="23" name="Freeform: Shape 22">
+            <a:extLst>
+              <a:ext uri="{FF2B5EF4-FFF2-40B4-BE49-F238E27FC236}">
+                <a16:creationId xmlns:a16="http://schemas.microsoft.com/office/drawing/2014/main" id="{3FF60E2B-3919-423C-B1FF-56CDE6681165}"/>
+              </a:ext>
+              <a:ext uri="{C183D7F6-B498-43B3-948B-1728B52AA6E4}">
+                <adec:decorative xmlns:adec="http://schemas.microsoft.com/office/drawing/2017/decorative" val="1"/>
+              </a:ext>
+            </a:extLst>
+          </p:cNvPr>
+          <p:cNvSpPr>
+            <a:spLocks noGrp="1" noRot="1" noChangeAspect="1" noMove="1" noResize="1" noEditPoints="1" noAdjustHandles="1" noChangeArrowheads="1" noChangeShapeType="1" noTextEdit="1"/>
+          </p:cNvSpPr>
+          <p:nvPr>
+            <p:extLst>
+              <p:ext uri="{386F3935-93C4-4BCD-93E2-E3B085C9AB24}">
+                <p16:designElem xmlns:p16="http://schemas.microsoft.com/office/powerpoint/2015/main" val="1"/>
+              </p:ext>
+            </p:extLst>
+          </p:nvPr>
+        </p:nvSpPr>
+        <p:spPr>
+          <a:xfrm>
+            <a:off x="0" y="0"/>
+            <a:ext cx="4319042" cy="6858000"/>
+          </a:xfrm>
+          <a:custGeom>
+            <a:avLst/>
+            <a:gdLst>
+              <a:gd name="connsiteX0" fmla="*/ 0 w 4319042"/>
+              <a:gd name="connsiteY0" fmla="*/ 0 h 6858000"/>
+              <a:gd name="connsiteX1" fmla="*/ 1142888 w 4319042"/>
+              <a:gd name="connsiteY1" fmla="*/ 0 h 6858000"/>
+              <a:gd name="connsiteX2" fmla="*/ 4319042 w 4319042"/>
+              <a:gd name="connsiteY2" fmla="*/ 6858000 h 6858000"/>
+              <a:gd name="connsiteX3" fmla="*/ 0 w 4319042"/>
+              <a:gd name="connsiteY3" fmla="*/ 6858000 h 6858000"/>
+            </a:gdLst>
+            <a:ahLst/>
+            <a:cxnLst>
+              <a:cxn ang="0">
+                <a:pos x="connsiteX0" y="connsiteY0"/>
+              </a:cxn>
+              <a:cxn ang="0">
+                <a:pos x="connsiteX1" y="connsiteY1"/>
+              </a:cxn>
+              <a:cxn ang="0">
+                <a:pos x="connsiteX2" y="connsiteY2"/>
+              </a:cxn>
+              <a:cxn ang="0">
+                <a:pos x="connsiteX3" y="connsiteY3"/>
+              </a:cxn>
+            </a:cxnLst>
+            <a:rect l="l" t="t" r="r" b="b"/>
+            <a:pathLst>
+              <a:path w="4319042" h="6858000">
+                <a:moveTo>
+                  <a:pt x="0" y="0"/>
+                </a:moveTo>
+                <a:lnTo>
+                  <a:pt x="1142888" y="0"/>
+                </a:lnTo>
+                <a:lnTo>
+                  <a:pt x="4319042" y="6858000"/>
+                </a:lnTo>
+                <a:lnTo>
+                  <a:pt x="0" y="6858000"/>
+                </a:lnTo>
+                <a:close/>
+              </a:path>
+            </a:pathLst>
+          </a:custGeom>
+          <a:solidFill>
+            <a:srgbClr val="000000">
+              <a:alpha val="34902"/>
+            </a:srgbClr>
+          </a:solidFill>
+          <a:ln>
+            <a:noFill/>
+          </a:ln>
+        </p:spPr>
+        <p:style>
+          <a:lnRef idx="2">
+            <a:schemeClr val="accent1">
+              <a:shade val="50000"/>
+            </a:schemeClr>
+          </a:lnRef>
+          <a:fillRef idx="1">
+            <a:schemeClr val="accent1"/>
+          </a:fillRef>
+          <a:effectRef idx="0">
+            <a:schemeClr val="accent1"/>
+          </a:effectRef>
+          <a:fontRef idx="minor">
+            <a:schemeClr val="lt1"/>
+          </a:fontRef>
+        </p:style>
+        <p:txBody>
+          <a:bodyPr wrap="square" rtlCol="0" anchor="ctr">
+            <a:noAutofit/>
+          </a:bodyPr>
+          <a:lstStyle/>
+          <a:p>
+            <a:pPr algn="ctr"/>
+            <a:endParaRPr lang="en-US"/>
+          </a:p>
+        </p:txBody>
+      </p:sp>
+      <p:sp>
+        <p:nvSpPr>
+          <p:cNvPr id="3" name="Subtitle 2">
+            <a:extLst>
+              <a:ext uri="{FF2B5EF4-FFF2-40B4-BE49-F238E27FC236}">
+                <a16:creationId xmlns:a16="http://schemas.microsoft.com/office/drawing/2014/main" id="{C63068C7-FF93-4F55-8D49-8E391F78232D}"/>
+              </a:ext>
+            </a:extLst>
+          </p:cNvPr>
+          <p:cNvSpPr>
+            <a:spLocks noGrp="1"/>
+          </p:cNvSpPr>
+          <p:nvPr>
+            <p:ph type="subTitle" idx="1"/>
+          </p:nvPr>
+        </p:nvSpPr>
+        <p:spPr>
+          <a:xfrm>
+            <a:off x="0" y="2274908"/>
+            <a:ext cx="4724288" cy="2301536"/>
+          </a:xfrm>
+        </p:spPr>
+        <p:txBody>
+          <a:bodyPr>
+            <a:normAutofit/>
+          </a:bodyPr>
+          <a:lstStyle/>
+          <a:p>
+            <a:r>
+              <a:rPr lang="en-US" altLang="ko-KR" sz="3000" b="1" i="0" dirty="0">
+                <a:solidFill>
+                  <a:schemeClr val="bg1"/>
+                </a:solidFill>
+                <a:effectLst/>
+                <a:latin typeface="Helvetica Neue"/>
+              </a:rPr>
+              <a:t>User Type Counts by</a:t>
+            </a:r>
+          </a:p>
+          <a:p>
+            <a:r>
+              <a:rPr lang="en-US" altLang="ko-KR" sz="3000" b="1" dirty="0">
+                <a:solidFill>
+                  <a:schemeClr val="bg1"/>
+                </a:solidFill>
+                <a:latin typeface="Helvetica Neue"/>
+              </a:rPr>
+              <a:t>User Type</a:t>
+            </a:r>
+          </a:p>
+        </p:txBody>
+      </p:sp>
+    </p:spTree>
+    <p:extLst>
+      <p:ext uri="{BB962C8B-B14F-4D97-AF65-F5344CB8AC3E}">
+        <p14:creationId xmlns:p14="http://schemas.microsoft.com/office/powerpoint/2010/main" val="2348069422"/>
+      </p:ext>
+    </p:extLst>
+  </p:cSld>
+  <p:clrMapOvr>
+    <a:masterClrMapping/>
+  </p:clrMapOvr>
+</p:sld>
+</file>
+
+<file path=ppt/slides/slide19.xml><?xml version="1.0" encoding="utf-8"?>
+<p:sld xmlns:a="http://schemas.openxmlformats.org/drawingml/2006/main" xmlns:r="http://schemas.openxmlformats.org/officeDocument/2006/relationships" xmlns:p="http://schemas.openxmlformats.org/presentationml/2006/main">
+  <p:cSld>
+    <p:bg>
+      <p:bgPr>
+        <a:solidFill>
+          <a:schemeClr val="bg1"/>
+        </a:solidFill>
+        <a:effectLst/>
+      </p:bgPr>
+    </p:bg>
+    <p:spTree>
+      <p:nvGrpSpPr>
+        <p:cNvPr id="1" name=""/>
+        <p:cNvGrpSpPr/>
+        <p:nvPr/>
+      </p:nvGrpSpPr>
+      <p:grpSpPr>
+        <a:xfrm>
+          <a:off x="0" y="0"/>
+          <a:ext cx="0" cy="0"/>
+          <a:chOff x="0" y="0"/>
+          <a:chExt cx="0" cy="0"/>
+        </a:xfrm>
+      </p:grpSpPr>
+      <p:sp>
+        <p:nvSpPr>
+          <p:cNvPr id="19" name="Rectangle 18">
+            <a:extLst>
+              <a:ext uri="{FF2B5EF4-FFF2-40B4-BE49-F238E27FC236}">
+                <a16:creationId xmlns:a16="http://schemas.microsoft.com/office/drawing/2014/main" id="{605494DE-B078-4D87-BB01-C84320618DAD}"/>
+              </a:ext>
+              <a:ext uri="{C183D7F6-B498-43B3-948B-1728B52AA6E4}">
+                <adec:decorative xmlns:adec="http://schemas.microsoft.com/office/drawing/2017/decorative" val="1"/>
+              </a:ext>
+            </a:extLst>
+          </p:cNvPr>
+          <p:cNvSpPr>
+            <a:spLocks noGrp="1" noRot="1" noChangeAspect="1" noMove="1" noResize="1" noEditPoints="1" noAdjustHandles="1" noChangeArrowheads="1" noChangeShapeType="1" noTextEdit="1"/>
+          </p:cNvSpPr>
+          <p:nvPr>
+            <p:extLst>
+              <p:ext uri="{386F3935-93C4-4BCD-93E2-E3B085C9AB24}">
+                <p16:designElem xmlns:p16="http://schemas.microsoft.com/office/powerpoint/2015/main" val="1"/>
+              </p:ext>
+            </p:extLst>
+          </p:nvPr>
+        </p:nvSpPr>
+        <p:spPr>
+          <a:xfrm>
+            <a:off x="0" y="-3324"/>
+            <a:ext cx="12192000" cy="6858000"/>
+          </a:xfrm>
+          <a:prstGeom prst="rect">
+            <a:avLst/>
+          </a:prstGeom>
+          <a:solidFill>
+            <a:srgbClr val="FFFFFF"/>
+          </a:solidFill>
+          <a:ln>
+            <a:noFill/>
+          </a:ln>
+        </p:spPr>
+        <p:style>
+          <a:lnRef idx="2">
+            <a:schemeClr val="accent1">
+              <a:shade val="50000"/>
+            </a:schemeClr>
+          </a:lnRef>
+          <a:fillRef idx="1">
+            <a:schemeClr val="accent1"/>
+          </a:fillRef>
+          <a:effectRef idx="0">
+            <a:schemeClr val="accent1"/>
+          </a:effectRef>
+          <a:fontRef idx="minor">
+            <a:schemeClr val="lt1"/>
+          </a:fontRef>
+        </p:style>
+        <p:txBody>
+          <a:bodyPr rtlCol="0" anchor="ctr"/>
+          <a:lstStyle/>
+          <a:p>
+            <a:pPr algn="ctr"/>
+            <a:endParaRPr lang="en-US"/>
+          </a:p>
+        </p:txBody>
+      </p:sp>
+      <p:sp>
+        <p:nvSpPr>
+          <p:cNvPr id="21" name="Rectangle 20">
+            <a:extLst>
+              <a:ext uri="{FF2B5EF4-FFF2-40B4-BE49-F238E27FC236}">
+                <a16:creationId xmlns:a16="http://schemas.microsoft.com/office/drawing/2014/main" id="{9A0576B0-CD8C-4661-95C8-A9F2CE7CDDB0}"/>
+              </a:ext>
+              <a:ext uri="{C183D7F6-B498-43B3-948B-1728B52AA6E4}">
+                <adec:decorative xmlns:adec="http://schemas.microsoft.com/office/drawing/2017/decorative" val="1"/>
+              </a:ext>
+            </a:extLst>
+          </p:cNvPr>
+          <p:cNvSpPr>
+            <a:spLocks noGrp="1" noRot="1" noChangeAspect="1" noMove="1" noResize="1" noEditPoints="1" noAdjustHandles="1" noChangeArrowheads="1" noChangeShapeType="1" noTextEdit="1"/>
+          </p:cNvSpPr>
+          <p:nvPr>
+            <p:extLst>
+              <p:ext uri="{386F3935-93C4-4BCD-93E2-E3B085C9AB24}">
+                <p16:designElem xmlns:p16="http://schemas.microsoft.com/office/powerpoint/2015/main" val="1"/>
+              </p:ext>
+            </p:extLst>
+          </p:nvPr>
+        </p:nvSpPr>
+        <p:spPr>
+          <a:xfrm>
+            <a:off x="0" y="-3324"/>
+            <a:ext cx="4724288" cy="6861324"/>
+          </a:xfrm>
+          <a:prstGeom prst="rect">
+            <a:avLst/>
+          </a:prstGeom>
+          <a:solidFill>
+            <a:srgbClr val="000000">
+              <a:alpha val="80392"/>
+            </a:srgbClr>
+          </a:solidFill>
+          <a:ln>
+            <a:noFill/>
+          </a:ln>
+        </p:spPr>
+        <p:style>
+          <a:lnRef idx="2">
+            <a:schemeClr val="accent1">
+              <a:shade val="50000"/>
+            </a:schemeClr>
+          </a:lnRef>
+          <a:fillRef idx="1">
+            <a:schemeClr val="accent1"/>
+          </a:fillRef>
+          <a:effectRef idx="0">
+            <a:schemeClr val="accent1"/>
+          </a:effectRef>
+          <a:fontRef idx="minor">
+            <a:schemeClr val="lt1"/>
+          </a:fontRef>
+        </p:style>
+        <p:txBody>
+          <a:bodyPr rtlCol="0" anchor="ctr"/>
+          <a:lstStyle/>
+          <a:p>
+            <a:pPr algn="ctr"/>
+            <a:endParaRPr lang="en-US"/>
+          </a:p>
+        </p:txBody>
+      </p:sp>
+      <p:sp>
+        <p:nvSpPr>
+          <p:cNvPr id="23" name="Freeform: Shape 22">
+            <a:extLst>
+              <a:ext uri="{FF2B5EF4-FFF2-40B4-BE49-F238E27FC236}">
+                <a16:creationId xmlns:a16="http://schemas.microsoft.com/office/drawing/2014/main" id="{3FF60E2B-3919-423C-B1FF-56CDE6681165}"/>
+              </a:ext>
+              <a:ext uri="{C183D7F6-B498-43B3-948B-1728B52AA6E4}">
+                <adec:decorative xmlns:adec="http://schemas.microsoft.com/office/drawing/2017/decorative" val="1"/>
+              </a:ext>
+            </a:extLst>
+          </p:cNvPr>
+          <p:cNvSpPr>
+            <a:spLocks noGrp="1" noRot="1" noChangeAspect="1" noMove="1" noResize="1" noEditPoints="1" noAdjustHandles="1" noChangeArrowheads="1" noChangeShapeType="1" noTextEdit="1"/>
+          </p:cNvSpPr>
+          <p:nvPr>
+            <p:extLst>
+              <p:ext uri="{386F3935-93C4-4BCD-93E2-E3B085C9AB24}">
+                <p16:designElem xmlns:p16="http://schemas.microsoft.com/office/powerpoint/2015/main" val="1"/>
+              </p:ext>
+            </p:extLst>
+          </p:nvPr>
+        </p:nvSpPr>
+        <p:spPr>
+          <a:xfrm>
+            <a:off x="0" y="0"/>
+            <a:ext cx="4319042" cy="6858000"/>
+          </a:xfrm>
+          <a:custGeom>
+            <a:avLst/>
+            <a:gdLst>
+              <a:gd name="connsiteX0" fmla="*/ 0 w 4319042"/>
+              <a:gd name="connsiteY0" fmla="*/ 0 h 6858000"/>
+              <a:gd name="connsiteX1" fmla="*/ 1142888 w 4319042"/>
+              <a:gd name="connsiteY1" fmla="*/ 0 h 6858000"/>
+              <a:gd name="connsiteX2" fmla="*/ 4319042 w 4319042"/>
+              <a:gd name="connsiteY2" fmla="*/ 6858000 h 6858000"/>
+              <a:gd name="connsiteX3" fmla="*/ 0 w 4319042"/>
+              <a:gd name="connsiteY3" fmla="*/ 6858000 h 6858000"/>
+            </a:gdLst>
+            <a:ahLst/>
+            <a:cxnLst>
+              <a:cxn ang="0">
+                <a:pos x="connsiteX0" y="connsiteY0"/>
+              </a:cxn>
+              <a:cxn ang="0">
+                <a:pos x="connsiteX1" y="connsiteY1"/>
+              </a:cxn>
+              <a:cxn ang="0">
+                <a:pos x="connsiteX2" y="connsiteY2"/>
+              </a:cxn>
+              <a:cxn ang="0">
+                <a:pos x="connsiteX3" y="connsiteY3"/>
+              </a:cxn>
+            </a:cxnLst>
+            <a:rect l="l" t="t" r="r" b="b"/>
+            <a:pathLst>
+              <a:path w="4319042" h="6858000">
+                <a:moveTo>
+                  <a:pt x="0" y="0"/>
+                </a:moveTo>
+                <a:lnTo>
+                  <a:pt x="1142888" y="0"/>
+                </a:lnTo>
+                <a:lnTo>
+                  <a:pt x="4319042" y="6858000"/>
+                </a:lnTo>
+                <a:lnTo>
+                  <a:pt x="0" y="6858000"/>
+                </a:lnTo>
+                <a:close/>
+              </a:path>
+            </a:pathLst>
+          </a:custGeom>
+          <a:solidFill>
+            <a:srgbClr val="000000">
+              <a:alpha val="34902"/>
+            </a:srgbClr>
+          </a:solidFill>
+          <a:ln>
+            <a:noFill/>
+          </a:ln>
+        </p:spPr>
+        <p:style>
+          <a:lnRef idx="2">
+            <a:schemeClr val="accent1">
+              <a:shade val="50000"/>
+            </a:schemeClr>
+          </a:lnRef>
+          <a:fillRef idx="1">
+            <a:schemeClr val="accent1"/>
+          </a:fillRef>
+          <a:effectRef idx="0">
+            <a:schemeClr val="accent1"/>
+          </a:effectRef>
+          <a:fontRef idx="minor">
+            <a:schemeClr val="lt1"/>
+          </a:fontRef>
+        </p:style>
+        <p:txBody>
+          <a:bodyPr wrap="square" rtlCol="0" anchor="ctr">
+            <a:noAutofit/>
+          </a:bodyPr>
+          <a:lstStyle/>
+          <a:p>
+            <a:pPr algn="ctr"/>
+            <a:endParaRPr lang="en-US"/>
+          </a:p>
+        </p:txBody>
+      </p:sp>
+      <p:sp>
+        <p:nvSpPr>
+          <p:cNvPr id="3" name="Subtitle 2">
+            <a:extLst>
+              <a:ext uri="{FF2B5EF4-FFF2-40B4-BE49-F238E27FC236}">
+                <a16:creationId xmlns:a16="http://schemas.microsoft.com/office/drawing/2014/main" id="{C63068C7-FF93-4F55-8D49-8E391F78232D}"/>
+              </a:ext>
+            </a:extLst>
+          </p:cNvPr>
+          <p:cNvSpPr>
+            <a:spLocks noGrp="1"/>
+          </p:cNvSpPr>
+          <p:nvPr>
+            <p:ph type="subTitle" idx="1"/>
+          </p:nvPr>
+        </p:nvSpPr>
+        <p:spPr>
+          <a:xfrm>
+            <a:off x="0" y="2274908"/>
+            <a:ext cx="4724288" cy="2301536"/>
+          </a:xfrm>
+        </p:spPr>
+        <p:txBody>
+          <a:bodyPr>
+            <a:normAutofit/>
+          </a:bodyPr>
+          <a:lstStyle/>
+          <a:p>
+            <a:r>
+              <a:rPr lang="en-US" altLang="ko-KR" sz="3000" b="1" i="0" dirty="0">
+                <a:solidFill>
+                  <a:schemeClr val="bg1"/>
+                </a:solidFill>
+                <a:effectLst/>
+                <a:latin typeface="Helvetica Neue"/>
+              </a:rPr>
+              <a:t>User Type Counts by</a:t>
+            </a:r>
+          </a:p>
+          <a:p>
+            <a:r>
+              <a:rPr lang="en-US" altLang="ko-KR" sz="3000" b="1" dirty="0">
+                <a:solidFill>
+                  <a:schemeClr val="bg1"/>
+                </a:solidFill>
+                <a:latin typeface="Helvetica Neue"/>
+              </a:rPr>
+              <a:t>User Type</a:t>
+            </a:r>
+          </a:p>
+        </p:txBody>
+      </p:sp>
+    </p:spTree>
+    <p:extLst>
+      <p:ext uri="{BB962C8B-B14F-4D97-AF65-F5344CB8AC3E}">
+        <p14:creationId xmlns:p14="http://schemas.microsoft.com/office/powerpoint/2010/main" val="3971973679"/>
+      </p:ext>
+    </p:extLst>
+  </p:cSld>
+  <p:clrMapOvr>
+    <a:masterClrMapping/>
+  </p:clrMapOvr>
+</p:sld>
+</file>
+
+<file path=ppt/slides/slide2.xml><?xml version="1.0" encoding="utf-8"?>
+<p:sld xmlns:a="http://schemas.openxmlformats.org/drawingml/2006/main" xmlns:r="http://schemas.openxmlformats.org/officeDocument/2006/relationships" xmlns:p="http://schemas.openxmlformats.org/presentationml/2006/main">
+  <p:cSld>
+    <p:spTree>
+      <p:nvGrpSpPr>
+        <p:cNvPr id="1" name=""/>
+        <p:cNvGrpSpPr/>
+        <p:nvPr/>
+      </p:nvGrpSpPr>
+      <p:grpSpPr>
+        <a:xfrm>
+          <a:off x="0" y="0"/>
+          <a:ext cx="0" cy="0"/>
+          <a:chOff x="0" y="0"/>
+          <a:chExt cx="0" cy="0"/>
+        </a:xfrm>
+      </p:grpSpPr>
+      <p:sp>
+        <p:nvSpPr>
+          <p:cNvPr id="3" name="Subtitle 2">
+            <a:extLst>
+              <a:ext uri="{FF2B5EF4-FFF2-40B4-BE49-F238E27FC236}">
+                <a16:creationId xmlns:a16="http://schemas.microsoft.com/office/drawing/2014/main" id="{C63068C7-FF93-4F55-8D49-8E391F78232D}"/>
+              </a:ext>
+            </a:extLst>
+          </p:cNvPr>
+          <p:cNvSpPr>
+            <a:spLocks noGrp="1"/>
+          </p:cNvSpPr>
+          <p:nvPr>
+            <p:ph type="subTitle" idx="1"/>
+          </p:nvPr>
+        </p:nvSpPr>
+        <p:spPr>
+          <a:xfrm>
+            <a:off x="5572217" y="559293"/>
+            <a:ext cx="6314983" cy="5868139"/>
+          </a:xfrm>
+        </p:spPr>
+        <p:txBody>
+          <a:bodyPr>
+            <a:normAutofit/>
+          </a:bodyPr>
+          <a:lstStyle/>
+          <a:p>
+            <a:pPr algn="l"/>
+            <a:r>
+              <a:rPr lang="en-US" altLang="ko-KR" sz="3000" dirty="0">
+                <a:solidFill>
+                  <a:srgbClr val="0070C0"/>
+                </a:solidFill>
+                <a:latin typeface="Arial Nova Light" panose="020B0304020202020204" pitchFamily="34" charset="0"/>
+                <a:cs typeface="Aldhabi" panose="020B0604020202020204" pitchFamily="2" charset="-78"/>
+              </a:rPr>
+              <a:t>Citi Bike Operation</a:t>
+            </a:r>
+          </a:p>
+          <a:p>
+            <a:pPr algn="l"/>
+            <a:endParaRPr lang="en-US" altLang="ko-KR" sz="3000" dirty="0">
+              <a:solidFill>
+                <a:srgbClr val="0070C0"/>
+              </a:solidFill>
+              <a:latin typeface="Arial Nova Light" panose="020B0304020202020204" pitchFamily="34" charset="0"/>
+              <a:cs typeface="Aldhabi" panose="020B0604020202020204" pitchFamily="2" charset="-78"/>
+            </a:endParaRPr>
+          </a:p>
+          <a:p>
+            <a:pPr marL="342900" indent="-342900" algn="l">
+              <a:buFont typeface="Wingdings" panose="05000000000000000000" pitchFamily="2" charset="2"/>
+              <a:buChar char=""/>
+            </a:pPr>
+            <a:r>
+              <a:rPr lang="en-US" altLang="ko-KR" sz="2000" dirty="0">
+                <a:latin typeface="Arial Nova Light" panose="020B0304020202020204" pitchFamily="34" charset="0"/>
+                <a:cs typeface="Aldhabi" panose="020B0604020202020204" pitchFamily="2" charset="-78"/>
+                <a:sym typeface="Wingdings" panose="05000000000000000000" pitchFamily="2" charset="2"/>
+              </a:rPr>
+              <a:t>Bike/Scooter sharing is a new p2p consumer business model</a:t>
+            </a:r>
+          </a:p>
+          <a:p>
+            <a:pPr algn="l"/>
+            <a:endParaRPr lang="en-US" altLang="ko-KR" sz="2000" dirty="0">
+              <a:latin typeface="Arial Nova Light" panose="020B0304020202020204" pitchFamily="34" charset="0"/>
+              <a:cs typeface="Aldhabi" panose="020B0604020202020204" pitchFamily="2" charset="-78"/>
+              <a:sym typeface="Wingdings" panose="05000000000000000000" pitchFamily="2" charset="2"/>
+            </a:endParaRPr>
+          </a:p>
+          <a:p>
+            <a:pPr marL="342900" indent="-342900" algn="l">
+              <a:buFont typeface="Wingdings" panose="05000000000000000000" pitchFamily="2" charset="2"/>
+              <a:buChar char=""/>
+            </a:pPr>
+            <a:r>
+              <a:rPr lang="en-US" altLang="ko-KR" sz="2000" dirty="0" err="1">
+                <a:latin typeface="Arial Nova Light" panose="020B0304020202020204" pitchFamily="34" charset="0"/>
+                <a:cs typeface="Aldhabi" panose="020B0604020202020204" pitchFamily="2" charset="-78"/>
+              </a:rPr>
+              <a:t>Dockstation</a:t>
+            </a:r>
+            <a:r>
+              <a:rPr lang="en-US" altLang="ko-KR" sz="2000" dirty="0">
+                <a:latin typeface="Arial Nova Light" panose="020B0304020202020204" pitchFamily="34" charset="0"/>
+                <a:cs typeface="Aldhabi" panose="020B0604020202020204" pitchFamily="2" charset="-78"/>
+              </a:rPr>
+              <a:t> version in US</a:t>
+            </a:r>
+          </a:p>
+          <a:p>
+            <a:pPr algn="l"/>
+            <a:endParaRPr lang="en-US" altLang="ko-KR" sz="2000" dirty="0">
+              <a:latin typeface="Arial Nova Light" panose="020B0304020202020204" pitchFamily="34" charset="0"/>
+              <a:cs typeface="Aldhabi" panose="020B0604020202020204" pitchFamily="2" charset="-78"/>
+            </a:endParaRPr>
+          </a:p>
+          <a:p>
+            <a:pPr marL="342900" indent="-342900" algn="l">
+              <a:buFont typeface="Wingdings" panose="05000000000000000000" pitchFamily="2" charset="2"/>
+              <a:buChar char=""/>
+            </a:pPr>
+            <a:r>
+              <a:rPr lang="en-US" altLang="ko-KR" sz="2000" dirty="0">
+                <a:latin typeface="Arial Nova Light" panose="020B0304020202020204" pitchFamily="34" charset="0"/>
+                <a:cs typeface="Aldhabi" panose="020B0604020202020204" pitchFamily="2" charset="-78"/>
+              </a:rPr>
+              <a:t>12000 </a:t>
+            </a:r>
+            <a:r>
+              <a:rPr lang="en-US" altLang="ko-KR" sz="2000" dirty="0" err="1">
+                <a:latin typeface="Arial Nova Light" panose="020B0304020202020204" pitchFamily="34" charset="0"/>
+                <a:cs typeface="Aldhabi" panose="020B0604020202020204" pitchFamily="2" charset="-78"/>
+              </a:rPr>
+              <a:t>citibikes</a:t>
+            </a:r>
+            <a:r>
+              <a:rPr lang="en-US" altLang="ko-KR" sz="2000" dirty="0">
+                <a:latin typeface="Arial Nova Light" panose="020B0304020202020204" pitchFamily="34" charset="0"/>
+                <a:cs typeface="Aldhabi" panose="020B0604020202020204" pitchFamily="2" charset="-78"/>
+              </a:rPr>
+              <a:t>, more than 750 dock stations in NYC</a:t>
+            </a:r>
+          </a:p>
+          <a:p>
+            <a:pPr marL="342900" indent="-342900" algn="l">
+              <a:buFont typeface="Wingdings" panose="05000000000000000000" pitchFamily="2" charset="2"/>
+              <a:buChar char=""/>
+            </a:pPr>
+            <a:endParaRPr lang="en-US" altLang="ko-KR" sz="2000" dirty="0">
+              <a:latin typeface="Arial Nova Light" panose="020B0304020202020204" pitchFamily="34" charset="0"/>
+              <a:cs typeface="Aldhabi" panose="020B0604020202020204" pitchFamily="2" charset="-78"/>
+            </a:endParaRPr>
+          </a:p>
+          <a:p>
+            <a:pPr marL="342900" indent="-342900" algn="l">
+              <a:buFont typeface="Wingdings" panose="05000000000000000000" pitchFamily="2" charset="2"/>
+              <a:buChar char=""/>
+            </a:pPr>
+            <a:r>
+              <a:rPr lang="en-US" altLang="ko-KR" sz="2000" dirty="0">
+                <a:latin typeface="Arial Nova Light" panose="020B0304020202020204" pitchFamily="34" charset="0"/>
+                <a:cs typeface="Aldhabi" panose="020B0604020202020204" pitchFamily="2" charset="-78"/>
+              </a:rPr>
+              <a:t>Operated by motivate, gains monopoly to operate shared-bikes in NYC</a:t>
+            </a:r>
+          </a:p>
+          <a:p>
+            <a:pPr marL="342900" indent="-342900" algn="l">
+              <a:buFont typeface="Wingdings" panose="05000000000000000000" pitchFamily="2" charset="2"/>
+              <a:buChar char=""/>
+            </a:pPr>
+            <a:endParaRPr lang="en-US" altLang="ko-KR" sz="2000" dirty="0">
+              <a:latin typeface="Arial Nova Light" panose="020B0304020202020204" pitchFamily="34" charset="0"/>
+              <a:cs typeface="Aldhabi" panose="020B0604020202020204" pitchFamily="2" charset="-78"/>
+            </a:endParaRPr>
+          </a:p>
+          <a:p>
+            <a:pPr marL="342900" indent="-342900" algn="l">
+              <a:buFont typeface="Wingdings" panose="05000000000000000000" pitchFamily="2" charset="2"/>
+              <a:buChar char=""/>
+            </a:pPr>
+            <a:r>
+              <a:rPr lang="en-US" altLang="ko-KR" sz="2000" dirty="0">
+                <a:latin typeface="Arial Nova Light" panose="020B0304020202020204" pitchFamily="34" charset="0"/>
+                <a:cs typeface="Aldhabi" panose="020B0604020202020204" pitchFamily="2" charset="-78"/>
+              </a:rPr>
+              <a:t>1. Individual </a:t>
+            </a:r>
+            <a:r>
+              <a:rPr lang="en-US" altLang="ko-KR" sz="2000" dirty="0">
+                <a:latin typeface="Arial Nova Light" panose="020B0304020202020204" pitchFamily="34" charset="0"/>
+                <a:ea typeface="Batang" panose="02030600000101010101" pitchFamily="18" charset="-127"/>
+                <a:cs typeface="Aldhabi" panose="020B0604020202020204" pitchFamily="2" charset="-78"/>
+              </a:rPr>
+              <a:t>→ Subscriber, Customer</a:t>
+            </a:r>
+          </a:p>
+          <a:p>
+            <a:pPr algn="l"/>
+            <a:r>
+              <a:rPr lang="en-US" altLang="ko-KR" sz="2000" dirty="0">
+                <a:latin typeface="Arial Nova Light" panose="020B0304020202020204" pitchFamily="34" charset="0"/>
+                <a:ea typeface="Batang" panose="02030600000101010101" pitchFamily="18" charset="-127"/>
+                <a:cs typeface="Aldhabi" panose="020B0604020202020204" pitchFamily="2" charset="-78"/>
+              </a:rPr>
+              <a:t>     2. Corporate</a:t>
+            </a:r>
+            <a:endParaRPr lang="ko-KR" altLang="en-US" sz="2000" dirty="0">
+              <a:latin typeface="Arial Nova Light" panose="020B0304020202020204" pitchFamily="34" charset="0"/>
+              <a:cs typeface="Aldhabi" panose="020B0604020202020204" pitchFamily="2" charset="-78"/>
+            </a:endParaRPr>
+          </a:p>
+        </p:txBody>
+      </p:sp>
+      <p:pic>
+        <p:nvPicPr>
+          <p:cNvPr id="1026" name="Picture 2">
+            <a:extLst>
+              <a:ext uri="{FF2B5EF4-FFF2-40B4-BE49-F238E27FC236}">
+                <a16:creationId xmlns:a16="http://schemas.microsoft.com/office/drawing/2014/main" id="{8DDE9F19-81C7-4DAD-BFF3-98A852243BDB}"/>
+              </a:ext>
+            </a:extLst>
+          </p:cNvPr>
+          <p:cNvPicPr>
+            <a:picLocks noChangeAspect="1" noChangeArrowheads="1" noCrop="1"/>
+          </p:cNvPicPr>
+          <p:nvPr/>
+        </p:nvPicPr>
+        <p:blipFill>
+          <a:blip r:embed="rId2">
+            <a:extLst>
+              <a:ext uri="{28A0092B-C50C-407E-A947-70E740481C1C}">
+                <a14:useLocalDpi xmlns:a14="http://schemas.microsoft.com/office/drawing/2010/main" val="0"/>
+              </a:ext>
+            </a:extLst>
+          </a:blip>
+          <a:srcRect/>
+          <a:stretch>
+            <a:fillRect/>
+          </a:stretch>
+        </p:blipFill>
+        <p:spPr bwMode="auto">
+          <a:xfrm>
+            <a:off x="0" y="0"/>
+            <a:ext cx="5129785" cy="3403031"/>
+          </a:xfrm>
+          <a:prstGeom prst="rect">
+            <a:avLst/>
+          </a:prstGeom>
+          <a:noFill/>
+          <a:extLst>
+            <a:ext uri="{909E8E84-426E-40DD-AFC4-6F175D3DCCD1}">
+              <a14:hiddenFill xmlns:a14="http://schemas.microsoft.com/office/drawing/2010/main">
+                <a:solidFill>
+                  <a:srgbClr val="FFFFFF"/>
+                </a:solidFill>
+              </a14:hiddenFill>
+            </a:ext>
+          </a:extLst>
+        </p:spPr>
+      </p:pic>
+      <p:pic>
+        <p:nvPicPr>
+          <p:cNvPr id="1028" name="Picture 4">
+            <a:extLst>
+              <a:ext uri="{FF2B5EF4-FFF2-40B4-BE49-F238E27FC236}">
+                <a16:creationId xmlns:a16="http://schemas.microsoft.com/office/drawing/2014/main" id="{213B05CB-2AA5-46A2-ABAF-6235DCF51190}"/>
+              </a:ext>
+            </a:extLst>
+          </p:cNvPr>
+          <p:cNvPicPr>
+            <a:picLocks noChangeAspect="1" noChangeArrowheads="1"/>
+          </p:cNvPicPr>
+          <p:nvPr/>
+        </p:nvPicPr>
+        <p:blipFill>
+          <a:blip r:embed="rId3">
+            <a:extLst>
+              <a:ext uri="{28A0092B-C50C-407E-A947-70E740481C1C}">
+                <a14:useLocalDpi xmlns:a14="http://schemas.microsoft.com/office/drawing/2010/main" val="0"/>
+              </a:ext>
+            </a:extLst>
+          </a:blip>
+          <a:srcRect/>
+          <a:stretch>
+            <a:fillRect/>
+          </a:stretch>
+        </p:blipFill>
+        <p:spPr bwMode="auto">
+          <a:xfrm>
+            <a:off x="0" y="3406904"/>
+            <a:ext cx="5129784" cy="3451289"/>
+          </a:xfrm>
+          <a:prstGeom prst="rect">
+            <a:avLst/>
+          </a:prstGeom>
+          <a:noFill/>
+          <a:extLst>
+            <a:ext uri="{909E8E84-426E-40DD-AFC4-6F175D3DCCD1}">
+              <a14:hiddenFill xmlns:a14="http://schemas.microsoft.com/office/drawing/2010/main">
+                <a:solidFill>
+                  <a:srgbClr val="FFFFFF"/>
+                </a:solidFill>
+              </a14:hiddenFill>
+            </a:ext>
+          </a:extLst>
+        </p:spPr>
+      </p:pic>
+    </p:spTree>
+    <p:extLst>
+      <p:ext uri="{BB962C8B-B14F-4D97-AF65-F5344CB8AC3E}">
+        <p14:creationId xmlns:p14="http://schemas.microsoft.com/office/powerpoint/2010/main" val="2316689150"/>
+      </p:ext>
+    </p:extLst>
+  </p:cSld>
+  <p:clrMapOvr>
+    <a:masterClrMapping/>
+  </p:clrMapOvr>
+</p:sld>
+</file>
+
+<file path=ppt/slides/slide20.xml><?xml version="1.0" encoding="utf-8"?>
+<p:sld xmlns:a="http://schemas.openxmlformats.org/drawingml/2006/main" xmlns:r="http://schemas.openxmlformats.org/officeDocument/2006/relationships" xmlns:p="http://schemas.openxmlformats.org/presentationml/2006/main">
+  <p:cSld>
+    <p:bg>
+      <p:bgPr>
+        <a:solidFill>
+          <a:schemeClr val="bg1"/>
+        </a:solidFill>
+        <a:effectLst/>
+      </p:bgPr>
+    </p:bg>
+    <p:spTree>
+      <p:nvGrpSpPr>
+        <p:cNvPr id="1" name=""/>
+        <p:cNvGrpSpPr/>
+        <p:nvPr/>
+      </p:nvGrpSpPr>
+      <p:grpSpPr>
+        <a:xfrm>
+          <a:off x="0" y="0"/>
+          <a:ext cx="0" cy="0"/>
+          <a:chOff x="0" y="0"/>
+          <a:chExt cx="0" cy="0"/>
+        </a:xfrm>
+      </p:grpSpPr>
+      <p:sp>
+        <p:nvSpPr>
+          <p:cNvPr id="19" name="Rectangle 18">
+            <a:extLst>
+              <a:ext uri="{FF2B5EF4-FFF2-40B4-BE49-F238E27FC236}">
+                <a16:creationId xmlns:a16="http://schemas.microsoft.com/office/drawing/2014/main" id="{605494DE-B078-4D87-BB01-C84320618DAD}"/>
+              </a:ext>
+              <a:ext uri="{C183D7F6-B498-43B3-948B-1728B52AA6E4}">
+                <adec:decorative xmlns:adec="http://schemas.microsoft.com/office/drawing/2017/decorative" val="1"/>
+              </a:ext>
+            </a:extLst>
+          </p:cNvPr>
+          <p:cNvSpPr>
+            <a:spLocks noGrp="1" noRot="1" noChangeAspect="1" noMove="1" noResize="1" noEditPoints="1" noAdjustHandles="1" noChangeArrowheads="1" noChangeShapeType="1" noTextEdit="1"/>
+          </p:cNvSpPr>
+          <p:nvPr>
+            <p:extLst>
+              <p:ext uri="{386F3935-93C4-4BCD-93E2-E3B085C9AB24}">
+                <p16:designElem xmlns:p16="http://schemas.microsoft.com/office/powerpoint/2015/main" val="1"/>
+              </p:ext>
+            </p:extLst>
+          </p:nvPr>
+        </p:nvSpPr>
+        <p:spPr>
+          <a:xfrm>
+            <a:off x="0" y="-3324"/>
+            <a:ext cx="12192000" cy="6858000"/>
+          </a:xfrm>
+          <a:prstGeom prst="rect">
+            <a:avLst/>
+          </a:prstGeom>
+          <a:solidFill>
+            <a:srgbClr val="FFFFFF"/>
+          </a:solidFill>
+          <a:ln>
+            <a:noFill/>
+          </a:ln>
+        </p:spPr>
+        <p:style>
+          <a:lnRef idx="2">
+            <a:schemeClr val="accent1">
+              <a:shade val="50000"/>
+            </a:schemeClr>
+          </a:lnRef>
+          <a:fillRef idx="1">
+            <a:schemeClr val="accent1"/>
+          </a:fillRef>
+          <a:effectRef idx="0">
+            <a:schemeClr val="accent1"/>
+          </a:effectRef>
+          <a:fontRef idx="minor">
+            <a:schemeClr val="lt1"/>
+          </a:fontRef>
+        </p:style>
+        <p:txBody>
+          <a:bodyPr rtlCol="0" anchor="ctr"/>
+          <a:lstStyle/>
+          <a:p>
+            <a:pPr algn="ctr"/>
+            <a:endParaRPr lang="en-US"/>
+          </a:p>
+        </p:txBody>
+      </p:sp>
+      <p:sp>
+        <p:nvSpPr>
+          <p:cNvPr id="21" name="Rectangle 20">
+            <a:extLst>
+              <a:ext uri="{FF2B5EF4-FFF2-40B4-BE49-F238E27FC236}">
+                <a16:creationId xmlns:a16="http://schemas.microsoft.com/office/drawing/2014/main" id="{9A0576B0-CD8C-4661-95C8-A9F2CE7CDDB0}"/>
+              </a:ext>
+              <a:ext uri="{C183D7F6-B498-43B3-948B-1728B52AA6E4}">
+                <adec:decorative xmlns:adec="http://schemas.microsoft.com/office/drawing/2017/decorative" val="1"/>
+              </a:ext>
+            </a:extLst>
+          </p:cNvPr>
+          <p:cNvSpPr>
+            <a:spLocks noGrp="1" noRot="1" noChangeAspect="1" noMove="1" noResize="1" noEditPoints="1" noAdjustHandles="1" noChangeArrowheads="1" noChangeShapeType="1" noTextEdit="1"/>
+          </p:cNvSpPr>
+          <p:nvPr>
+            <p:extLst>
+              <p:ext uri="{386F3935-93C4-4BCD-93E2-E3B085C9AB24}">
+                <p16:designElem xmlns:p16="http://schemas.microsoft.com/office/powerpoint/2015/main" val="1"/>
+              </p:ext>
+            </p:extLst>
+          </p:nvPr>
+        </p:nvSpPr>
+        <p:spPr>
+          <a:xfrm>
+            <a:off x="0" y="-3324"/>
+            <a:ext cx="4724288" cy="6861324"/>
+          </a:xfrm>
+          <a:prstGeom prst="rect">
+            <a:avLst/>
+          </a:prstGeom>
+          <a:solidFill>
+            <a:srgbClr val="000000">
+              <a:alpha val="80392"/>
+            </a:srgbClr>
+          </a:solidFill>
+          <a:ln>
+            <a:noFill/>
+          </a:ln>
+        </p:spPr>
+        <p:style>
+          <a:lnRef idx="2">
+            <a:schemeClr val="accent1">
+              <a:shade val="50000"/>
+            </a:schemeClr>
+          </a:lnRef>
+          <a:fillRef idx="1">
+            <a:schemeClr val="accent1"/>
+          </a:fillRef>
+          <a:effectRef idx="0">
+            <a:schemeClr val="accent1"/>
+          </a:effectRef>
+          <a:fontRef idx="minor">
+            <a:schemeClr val="lt1"/>
+          </a:fontRef>
+        </p:style>
+        <p:txBody>
+          <a:bodyPr rtlCol="0" anchor="ctr"/>
+          <a:lstStyle/>
+          <a:p>
+            <a:pPr algn="ctr"/>
+            <a:endParaRPr lang="en-US"/>
+          </a:p>
+        </p:txBody>
+      </p:sp>
+      <p:sp>
+        <p:nvSpPr>
+          <p:cNvPr id="23" name="Freeform: Shape 22">
+            <a:extLst>
+              <a:ext uri="{FF2B5EF4-FFF2-40B4-BE49-F238E27FC236}">
+                <a16:creationId xmlns:a16="http://schemas.microsoft.com/office/drawing/2014/main" id="{3FF60E2B-3919-423C-B1FF-56CDE6681165}"/>
+              </a:ext>
+              <a:ext uri="{C183D7F6-B498-43B3-948B-1728B52AA6E4}">
+                <adec:decorative xmlns:adec="http://schemas.microsoft.com/office/drawing/2017/decorative" val="1"/>
+              </a:ext>
+            </a:extLst>
+          </p:cNvPr>
+          <p:cNvSpPr>
+            <a:spLocks noGrp="1" noRot="1" noChangeAspect="1" noMove="1" noResize="1" noEditPoints="1" noAdjustHandles="1" noChangeArrowheads="1" noChangeShapeType="1" noTextEdit="1"/>
+          </p:cNvSpPr>
+          <p:nvPr>
+            <p:extLst>
+              <p:ext uri="{386F3935-93C4-4BCD-93E2-E3B085C9AB24}">
+                <p16:designElem xmlns:p16="http://schemas.microsoft.com/office/powerpoint/2015/main" val="1"/>
+              </p:ext>
+            </p:extLst>
+          </p:nvPr>
+        </p:nvSpPr>
+        <p:spPr>
+          <a:xfrm>
+            <a:off x="0" y="0"/>
+            <a:ext cx="4319042" cy="6858000"/>
+          </a:xfrm>
+          <a:custGeom>
+            <a:avLst/>
+            <a:gdLst>
+              <a:gd name="connsiteX0" fmla="*/ 0 w 4319042"/>
+              <a:gd name="connsiteY0" fmla="*/ 0 h 6858000"/>
+              <a:gd name="connsiteX1" fmla="*/ 1142888 w 4319042"/>
+              <a:gd name="connsiteY1" fmla="*/ 0 h 6858000"/>
+              <a:gd name="connsiteX2" fmla="*/ 4319042 w 4319042"/>
+              <a:gd name="connsiteY2" fmla="*/ 6858000 h 6858000"/>
+              <a:gd name="connsiteX3" fmla="*/ 0 w 4319042"/>
+              <a:gd name="connsiteY3" fmla="*/ 6858000 h 6858000"/>
+            </a:gdLst>
+            <a:ahLst/>
+            <a:cxnLst>
+              <a:cxn ang="0">
+                <a:pos x="connsiteX0" y="connsiteY0"/>
+              </a:cxn>
+              <a:cxn ang="0">
+                <a:pos x="connsiteX1" y="connsiteY1"/>
+              </a:cxn>
+              <a:cxn ang="0">
+                <a:pos x="connsiteX2" y="connsiteY2"/>
+              </a:cxn>
+              <a:cxn ang="0">
+                <a:pos x="connsiteX3" y="connsiteY3"/>
+              </a:cxn>
+            </a:cxnLst>
+            <a:rect l="l" t="t" r="r" b="b"/>
+            <a:pathLst>
+              <a:path w="4319042" h="6858000">
+                <a:moveTo>
+                  <a:pt x="0" y="0"/>
+                </a:moveTo>
+                <a:lnTo>
+                  <a:pt x="1142888" y="0"/>
+                </a:lnTo>
+                <a:lnTo>
+                  <a:pt x="4319042" y="6858000"/>
+                </a:lnTo>
+                <a:lnTo>
+                  <a:pt x="0" y="6858000"/>
+                </a:lnTo>
+                <a:close/>
+              </a:path>
+            </a:pathLst>
+          </a:custGeom>
+          <a:solidFill>
+            <a:srgbClr val="000000">
+              <a:alpha val="34902"/>
+            </a:srgbClr>
+          </a:solidFill>
+          <a:ln>
+            <a:noFill/>
+          </a:ln>
+        </p:spPr>
+        <p:style>
+          <a:lnRef idx="2">
+            <a:schemeClr val="accent1">
+              <a:shade val="50000"/>
+            </a:schemeClr>
+          </a:lnRef>
+          <a:fillRef idx="1">
+            <a:schemeClr val="accent1"/>
+          </a:fillRef>
+          <a:effectRef idx="0">
+            <a:schemeClr val="accent1"/>
+          </a:effectRef>
+          <a:fontRef idx="minor">
+            <a:schemeClr val="lt1"/>
+          </a:fontRef>
+        </p:style>
+        <p:txBody>
+          <a:bodyPr wrap="square" rtlCol="0" anchor="ctr">
+            <a:noAutofit/>
+          </a:bodyPr>
+          <a:lstStyle/>
+          <a:p>
+            <a:pPr algn="ctr"/>
+            <a:endParaRPr lang="en-US"/>
+          </a:p>
+        </p:txBody>
+      </p:sp>
+      <p:sp>
+        <p:nvSpPr>
+          <p:cNvPr id="3" name="Subtitle 2">
+            <a:extLst>
+              <a:ext uri="{FF2B5EF4-FFF2-40B4-BE49-F238E27FC236}">
+                <a16:creationId xmlns:a16="http://schemas.microsoft.com/office/drawing/2014/main" id="{C63068C7-FF93-4F55-8D49-8E391F78232D}"/>
+              </a:ext>
+            </a:extLst>
+          </p:cNvPr>
+          <p:cNvSpPr>
+            <a:spLocks noGrp="1"/>
+          </p:cNvSpPr>
+          <p:nvPr>
+            <p:ph type="subTitle" idx="1"/>
+          </p:nvPr>
+        </p:nvSpPr>
+        <p:spPr>
+          <a:xfrm>
+            <a:off x="0" y="2274908"/>
+            <a:ext cx="4724288" cy="2301536"/>
+          </a:xfrm>
+        </p:spPr>
+        <p:txBody>
+          <a:bodyPr>
+            <a:normAutofit/>
+          </a:bodyPr>
+          <a:lstStyle/>
+          <a:p>
+            <a:r>
+              <a:rPr lang="en-US" altLang="ko-KR" sz="3000" b="1" i="0" dirty="0">
+                <a:solidFill>
+                  <a:schemeClr val="bg1"/>
+                </a:solidFill>
+                <a:effectLst/>
+                <a:latin typeface="Helvetica Neue"/>
+              </a:rPr>
+              <a:t>User Type Counts by</a:t>
+            </a:r>
+          </a:p>
+          <a:p>
+            <a:r>
+              <a:rPr lang="en-US" altLang="ko-KR" sz="3000" b="1" dirty="0">
+                <a:solidFill>
+                  <a:schemeClr val="bg1"/>
+                </a:solidFill>
+                <a:latin typeface="Helvetica Neue"/>
+              </a:rPr>
+              <a:t>User Type</a:t>
+            </a:r>
+          </a:p>
+        </p:txBody>
+      </p:sp>
+    </p:spTree>
+    <p:extLst>
+      <p:ext uri="{BB962C8B-B14F-4D97-AF65-F5344CB8AC3E}">
+        <p14:creationId xmlns:p14="http://schemas.microsoft.com/office/powerpoint/2010/main" val="2762909177"/>
+      </p:ext>
+    </p:extLst>
+  </p:cSld>
+  <p:clrMapOvr>
+    <a:masterClrMapping/>
+  </p:clrMapOvr>
+</p:sld>
+</file>
+
+<file path=ppt/slides/slide21.xml><?xml version="1.0" encoding="utf-8"?>
+<p:sld xmlns:a="http://schemas.openxmlformats.org/drawingml/2006/main" xmlns:r="http://schemas.openxmlformats.org/officeDocument/2006/relationships" xmlns:p="http://schemas.openxmlformats.org/presentationml/2006/main">
+  <p:cSld>
+    <p:bg>
+      <p:bgPr>
+        <a:solidFill>
+          <a:schemeClr val="bg1"/>
+        </a:solidFill>
+        <a:effectLst/>
+      </p:bgPr>
+    </p:bg>
+    <p:spTree>
+      <p:nvGrpSpPr>
+        <p:cNvPr id="1" name=""/>
+        <p:cNvGrpSpPr/>
+        <p:nvPr/>
+      </p:nvGrpSpPr>
+      <p:grpSpPr>
+        <a:xfrm>
+          <a:off x="0" y="0"/>
+          <a:ext cx="0" cy="0"/>
+          <a:chOff x="0" y="0"/>
+          <a:chExt cx="0" cy="0"/>
+        </a:xfrm>
+      </p:grpSpPr>
+      <p:sp>
+        <p:nvSpPr>
+          <p:cNvPr id="9" name="Rectangle 8">
+            <a:extLst>
+              <a:ext uri="{FF2B5EF4-FFF2-40B4-BE49-F238E27FC236}">
+                <a16:creationId xmlns:a16="http://schemas.microsoft.com/office/drawing/2014/main" id="{ACBE1851-2230-47A9-B000-CE9046EA61B9}"/>
+              </a:ext>
+              <a:ext uri="{C183D7F6-B498-43B3-948B-1728B52AA6E4}">
+                <adec:decorative xmlns:adec="http://schemas.microsoft.com/office/drawing/2017/decorative" val="1"/>
+              </a:ext>
+            </a:extLst>
+          </p:cNvPr>
+          <p:cNvSpPr>
+            <a:spLocks noGrp="1" noRot="1" noChangeAspect="1" noMove="1" noResize="1" noEditPoints="1" noAdjustHandles="1" noChangeArrowheads="1" noChangeShapeType="1" noTextEdit="1"/>
+          </p:cNvSpPr>
+          <p:nvPr>
+            <p:extLst>
+              <p:ext uri="{386F3935-93C4-4BCD-93E2-E3B085C9AB24}">
+                <p16:designElem xmlns:p16="http://schemas.microsoft.com/office/powerpoint/2015/main" val="1"/>
+              </p:ext>
+            </p:extLst>
+          </p:nvPr>
+        </p:nvSpPr>
+        <p:spPr>
+          <a:xfrm>
+            <a:off x="0" y="0"/>
+            <a:ext cx="5468548" cy="6858000"/>
+          </a:xfrm>
+          <a:prstGeom prst="rect">
+            <a:avLst/>
+          </a:prstGeom>
+          <a:solidFill>
+            <a:schemeClr val="accent1"/>
+          </a:solidFill>
+          <a:ln>
+            <a:noFill/>
+          </a:ln>
+        </p:spPr>
+        <p:style>
+          <a:lnRef idx="2">
+            <a:schemeClr val="accent1">
+              <a:shade val="50000"/>
+            </a:schemeClr>
+          </a:lnRef>
+          <a:fillRef idx="1">
+            <a:schemeClr val="accent1"/>
+          </a:fillRef>
+          <a:effectRef idx="0">
+            <a:schemeClr val="accent1"/>
+          </a:effectRef>
+          <a:fontRef idx="minor">
+            <a:schemeClr val="lt1"/>
+          </a:fontRef>
+        </p:style>
+        <p:txBody>
+          <a:bodyPr rtlCol="0" anchor="ctr"/>
+          <a:lstStyle/>
+          <a:p>
+            <a:pPr algn="ctr"/>
+            <a:endParaRPr lang="en-US"/>
+          </a:p>
+        </p:txBody>
+      </p:sp>
+      <p:sp>
+        <p:nvSpPr>
+          <p:cNvPr id="3" name="Subtitle 2">
+            <a:extLst>
+              <a:ext uri="{FF2B5EF4-FFF2-40B4-BE49-F238E27FC236}">
+                <a16:creationId xmlns:a16="http://schemas.microsoft.com/office/drawing/2014/main" id="{C63068C7-FF93-4F55-8D49-8E391F78232D}"/>
+              </a:ext>
+            </a:extLst>
+          </p:cNvPr>
+          <p:cNvSpPr>
+            <a:spLocks noGrp="1"/>
+          </p:cNvSpPr>
+          <p:nvPr>
+            <p:ph type="subTitle" idx="1"/>
+          </p:nvPr>
+        </p:nvSpPr>
+        <p:spPr>
+          <a:xfrm>
+            <a:off x="104775" y="1612865"/>
+            <a:ext cx="5295900" cy="2205732"/>
+          </a:xfrm>
+        </p:spPr>
+        <p:txBody>
+          <a:bodyPr anchor="t">
+            <a:normAutofit/>
+          </a:bodyPr>
+          <a:lstStyle/>
+          <a:p>
+            <a:pPr algn="r"/>
+            <a:r>
+              <a:rPr lang="en-US" altLang="ko-KR" sz="2700" dirty="0">
+                <a:solidFill>
+                  <a:srgbClr val="FFFFFF"/>
+                </a:solidFill>
+                <a:latin typeface="Arial Nova Light" panose="020B0304020202020204" pitchFamily="34" charset="0"/>
+                <a:cs typeface="Aldhabi" panose="020B0604020202020204" pitchFamily="2" charset="-78"/>
+              </a:rPr>
+              <a:t>Seasonal Trend of Citi Bike Trips</a:t>
+            </a:r>
+            <a:endParaRPr lang="ko-KR" altLang="en-US" sz="2700" dirty="0">
+              <a:solidFill>
+                <a:srgbClr val="FFFFFF"/>
+              </a:solidFill>
+              <a:latin typeface="Arial Nova Light" panose="020B0304020202020204" pitchFamily="34" charset="0"/>
+              <a:cs typeface="Aldhabi" panose="020B0604020202020204" pitchFamily="2" charset="-78"/>
+            </a:endParaRPr>
+          </a:p>
+        </p:txBody>
+      </p:sp>
+      <p:cxnSp>
+        <p:nvCxnSpPr>
+          <p:cNvPr id="11" name="Straight Connector 10">
+            <a:extLst>
+              <a:ext uri="{FF2B5EF4-FFF2-40B4-BE49-F238E27FC236}">
+                <a16:creationId xmlns:a16="http://schemas.microsoft.com/office/drawing/2014/main" id="{23B93832-6514-44F4-849B-5EE2C8A2337D}"/>
+              </a:ext>
+              <a:ext uri="{C183D7F6-B498-43B3-948B-1728B52AA6E4}">
+                <adec:decorative xmlns:adec="http://schemas.microsoft.com/office/drawing/2017/decorative" val="1"/>
+              </a:ext>
+            </a:extLst>
+          </p:cNvPr>
+          <p:cNvCxnSpPr>
+            <a:cxnSpLocks noGrp="1" noRot="1" noChangeAspect="1" noMove="1" noResize="1" noEditPoints="1" noAdjustHandles="1" noChangeArrowheads="1" noChangeShapeType="1"/>
+          </p:cNvCxnSpPr>
+          <p:nvPr>
+            <p:extLst>
+              <p:ext uri="{386F3935-93C4-4BCD-93E2-E3B085C9AB24}">
+                <p16:designElem xmlns:p16="http://schemas.microsoft.com/office/powerpoint/2015/main" val="1"/>
+              </p:ext>
+            </p:extLst>
+          </p:nvPr>
+        </p:nvCxnSpPr>
+        <p:spPr>
+          <a:xfrm>
+            <a:off x="786679" y="3928939"/>
+            <a:ext cx="3931920" cy="0"/>
+          </a:xfrm>
+          <a:prstGeom prst="line">
+            <a:avLst/>
+          </a:prstGeom>
+          <a:ln w="19050">
+            <a:solidFill>
+              <a:srgbClr val="FFFFFF">
+                <a:alpha val="80000"/>
+              </a:srgbClr>
+            </a:solidFill>
+          </a:ln>
+        </p:spPr>
+        <p:style>
+          <a:lnRef idx="1">
+            <a:schemeClr val="accent1"/>
+          </a:lnRef>
+          <a:fillRef idx="0">
+            <a:schemeClr val="accent1"/>
+          </a:fillRef>
+          <a:effectRef idx="0">
+            <a:schemeClr val="accent1"/>
+          </a:effectRef>
+          <a:fontRef idx="minor">
+            <a:schemeClr val="tx1"/>
+          </a:fontRef>
+        </p:style>
+      </p:cxnSp>
+      <p:pic>
+        <p:nvPicPr>
+          <p:cNvPr id="4" name="Picture 3">
+            <a:extLst>
+              <a:ext uri="{FF2B5EF4-FFF2-40B4-BE49-F238E27FC236}">
+                <a16:creationId xmlns:a16="http://schemas.microsoft.com/office/drawing/2014/main" id="{C6C171D1-349F-4ABD-9CA8-49D823C8115B}"/>
+              </a:ext>
+            </a:extLst>
+          </p:cNvPr>
+          <p:cNvPicPr>
+            <a:picLocks noChangeAspect="1"/>
+          </p:cNvPicPr>
+          <p:nvPr/>
+        </p:nvPicPr>
+        <p:blipFill>
+          <a:blip r:embed="rId2"/>
+          <a:stretch>
+            <a:fillRect/>
+          </a:stretch>
+        </p:blipFill>
+        <p:spPr>
+          <a:xfrm>
+            <a:off x="6096000" y="1300295"/>
+            <a:ext cx="5459470" cy="4258386"/>
+          </a:xfrm>
+          <a:prstGeom prst="rect">
+            <a:avLst/>
+          </a:prstGeom>
+        </p:spPr>
+      </p:pic>
+    </p:spTree>
+    <p:extLst>
+      <p:ext uri="{BB962C8B-B14F-4D97-AF65-F5344CB8AC3E}">
+        <p14:creationId xmlns:p14="http://schemas.microsoft.com/office/powerpoint/2010/main" val="10277566"/>
+      </p:ext>
+    </p:extLst>
+  </p:cSld>
+  <p:clrMapOvr>
+    <a:masterClrMapping/>
+  </p:clrMapOvr>
+</p:sld>
+</file>
+
+<file path=ppt/slides/slide22.xml><?xml version="1.0" encoding="utf-8"?>
+<p:sld xmlns:a="http://schemas.openxmlformats.org/drawingml/2006/main" xmlns:r="http://schemas.openxmlformats.org/officeDocument/2006/relationships" xmlns:p="http://schemas.openxmlformats.org/presentationml/2006/main">
+  <p:cSld>
+    <p:bg>
+      <p:bgPr>
+        <a:solidFill>
+          <a:schemeClr val="bg1"/>
+        </a:solidFill>
+        <a:effectLst/>
+      </p:bgPr>
+    </p:bg>
+    <p:spTree>
+      <p:nvGrpSpPr>
+        <p:cNvPr id="1" name=""/>
+        <p:cNvGrpSpPr/>
+        <p:nvPr/>
+      </p:nvGrpSpPr>
+      <p:grpSpPr>
+        <a:xfrm>
+          <a:off x="0" y="0"/>
+          <a:ext cx="0" cy="0"/>
+          <a:chOff x="0" y="0"/>
+          <a:chExt cx="0" cy="0"/>
+        </a:xfrm>
+      </p:grpSpPr>
+      <p:sp>
+        <p:nvSpPr>
+          <p:cNvPr id="15" name="Rectangle 8">
+            <a:extLst>
+              <a:ext uri="{FF2B5EF4-FFF2-40B4-BE49-F238E27FC236}">
+                <a16:creationId xmlns:a16="http://schemas.microsoft.com/office/drawing/2014/main" id="{605494DE-B078-4D87-BB01-C84320618DAD}"/>
+              </a:ext>
+              <a:ext uri="{C183D7F6-B498-43B3-948B-1728B52AA6E4}">
+                <adec:decorative xmlns:adec="http://schemas.microsoft.com/office/drawing/2017/decorative" val="1"/>
+              </a:ext>
+            </a:extLst>
+          </p:cNvPr>
+          <p:cNvSpPr>
+            <a:spLocks noGrp="1" noRot="1" noChangeAspect="1" noMove="1" noResize="1" noEditPoints="1" noAdjustHandles="1" noChangeArrowheads="1" noChangeShapeType="1" noTextEdit="1"/>
+          </p:cNvSpPr>
+          <p:nvPr>
+            <p:extLst>
+              <p:ext uri="{386F3935-93C4-4BCD-93E2-E3B085C9AB24}">
+                <p16:designElem xmlns:p16="http://schemas.microsoft.com/office/powerpoint/2015/main" val="1"/>
+              </p:ext>
+            </p:extLst>
+          </p:nvPr>
+        </p:nvSpPr>
+        <p:spPr>
+          <a:xfrm>
+            <a:off x="0" y="-3324"/>
+            <a:ext cx="12192000" cy="6858000"/>
+          </a:xfrm>
+          <a:prstGeom prst="rect">
+            <a:avLst/>
+          </a:prstGeom>
+          <a:solidFill>
+            <a:srgbClr val="FFFFFF"/>
+          </a:solidFill>
+          <a:ln>
+            <a:noFill/>
+          </a:ln>
+        </p:spPr>
+        <p:style>
+          <a:lnRef idx="2">
+            <a:schemeClr val="accent1">
+              <a:shade val="50000"/>
+            </a:schemeClr>
+          </a:lnRef>
+          <a:fillRef idx="1">
+            <a:schemeClr val="accent1"/>
+          </a:fillRef>
+          <a:effectRef idx="0">
+            <a:schemeClr val="accent1"/>
+          </a:effectRef>
+          <a:fontRef idx="minor">
+            <a:schemeClr val="lt1"/>
+          </a:fontRef>
+        </p:style>
+        <p:txBody>
+          <a:bodyPr rtlCol="0" anchor="ctr"/>
+          <a:lstStyle/>
+          <a:p>
+            <a:pPr algn="ctr"/>
+            <a:endParaRPr lang="en-US"/>
+          </a:p>
+        </p:txBody>
+      </p:sp>
+      <p:sp>
+        <p:nvSpPr>
+          <p:cNvPr id="16" name="Rectangle 10">
+            <a:extLst>
+              <a:ext uri="{FF2B5EF4-FFF2-40B4-BE49-F238E27FC236}">
+                <a16:creationId xmlns:a16="http://schemas.microsoft.com/office/drawing/2014/main" id="{9A0576B0-CD8C-4661-95C8-A9F2CE7CDDB0}"/>
+              </a:ext>
+              <a:ext uri="{C183D7F6-B498-43B3-948B-1728B52AA6E4}">
+                <adec:decorative xmlns:adec="http://schemas.microsoft.com/office/drawing/2017/decorative" val="1"/>
+              </a:ext>
+            </a:extLst>
+          </p:cNvPr>
+          <p:cNvSpPr>
+            <a:spLocks noGrp="1" noRot="1" noChangeAspect="1" noMove="1" noResize="1" noEditPoints="1" noAdjustHandles="1" noChangeArrowheads="1" noChangeShapeType="1" noTextEdit="1"/>
+          </p:cNvSpPr>
+          <p:nvPr>
+            <p:extLst>
+              <p:ext uri="{386F3935-93C4-4BCD-93E2-E3B085C9AB24}">
+                <p16:designElem xmlns:p16="http://schemas.microsoft.com/office/powerpoint/2015/main" val="1"/>
+              </p:ext>
+            </p:extLst>
+          </p:nvPr>
+        </p:nvSpPr>
+        <p:spPr>
+          <a:xfrm>
+            <a:off x="0" y="-3324"/>
+            <a:ext cx="4724288" cy="6861324"/>
+          </a:xfrm>
+          <a:prstGeom prst="rect">
+            <a:avLst/>
+          </a:prstGeom>
+          <a:solidFill>
+            <a:srgbClr val="000000">
+              <a:alpha val="80392"/>
+            </a:srgbClr>
+          </a:solidFill>
+          <a:ln>
+            <a:noFill/>
+          </a:ln>
+        </p:spPr>
+        <p:style>
+          <a:lnRef idx="2">
+            <a:schemeClr val="accent1">
+              <a:shade val="50000"/>
+            </a:schemeClr>
+          </a:lnRef>
+          <a:fillRef idx="1">
+            <a:schemeClr val="accent1"/>
+          </a:fillRef>
+          <a:effectRef idx="0">
+            <a:schemeClr val="accent1"/>
+          </a:effectRef>
+          <a:fontRef idx="minor">
+            <a:schemeClr val="lt1"/>
+          </a:fontRef>
+        </p:style>
+        <p:txBody>
+          <a:bodyPr rtlCol="0" anchor="ctr"/>
+          <a:lstStyle/>
+          <a:p>
+            <a:pPr algn="ctr"/>
+            <a:endParaRPr lang="en-US"/>
+          </a:p>
+        </p:txBody>
+      </p:sp>
+      <p:sp>
+        <p:nvSpPr>
+          <p:cNvPr id="17" name="Freeform: Shape 12">
+            <a:extLst>
+              <a:ext uri="{FF2B5EF4-FFF2-40B4-BE49-F238E27FC236}">
+                <a16:creationId xmlns:a16="http://schemas.microsoft.com/office/drawing/2014/main" id="{3FF60E2B-3919-423C-B1FF-56CDE6681165}"/>
+              </a:ext>
+              <a:ext uri="{C183D7F6-B498-43B3-948B-1728B52AA6E4}">
+                <adec:decorative xmlns:adec="http://schemas.microsoft.com/office/drawing/2017/decorative" val="1"/>
+              </a:ext>
+            </a:extLst>
+          </p:cNvPr>
+          <p:cNvSpPr>
+            <a:spLocks noGrp="1" noRot="1" noChangeAspect="1" noMove="1" noResize="1" noEditPoints="1" noAdjustHandles="1" noChangeArrowheads="1" noChangeShapeType="1" noTextEdit="1"/>
+          </p:cNvSpPr>
+          <p:nvPr>
+            <p:extLst>
+              <p:ext uri="{386F3935-93C4-4BCD-93E2-E3B085C9AB24}">
+                <p16:designElem xmlns:p16="http://schemas.microsoft.com/office/powerpoint/2015/main" val="1"/>
+              </p:ext>
+            </p:extLst>
+          </p:nvPr>
+        </p:nvSpPr>
+        <p:spPr>
+          <a:xfrm>
+            <a:off x="0" y="0"/>
+            <a:ext cx="4319042" cy="6858000"/>
+          </a:xfrm>
+          <a:custGeom>
+            <a:avLst/>
+            <a:gdLst>
+              <a:gd name="connsiteX0" fmla="*/ 0 w 4319042"/>
+              <a:gd name="connsiteY0" fmla="*/ 0 h 6858000"/>
+              <a:gd name="connsiteX1" fmla="*/ 1142888 w 4319042"/>
+              <a:gd name="connsiteY1" fmla="*/ 0 h 6858000"/>
+              <a:gd name="connsiteX2" fmla="*/ 4319042 w 4319042"/>
+              <a:gd name="connsiteY2" fmla="*/ 6858000 h 6858000"/>
+              <a:gd name="connsiteX3" fmla="*/ 0 w 4319042"/>
+              <a:gd name="connsiteY3" fmla="*/ 6858000 h 6858000"/>
+            </a:gdLst>
+            <a:ahLst/>
+            <a:cxnLst>
+              <a:cxn ang="0">
+                <a:pos x="connsiteX0" y="connsiteY0"/>
+              </a:cxn>
+              <a:cxn ang="0">
+                <a:pos x="connsiteX1" y="connsiteY1"/>
+              </a:cxn>
+              <a:cxn ang="0">
+                <a:pos x="connsiteX2" y="connsiteY2"/>
+              </a:cxn>
+              <a:cxn ang="0">
+                <a:pos x="connsiteX3" y="connsiteY3"/>
+              </a:cxn>
+            </a:cxnLst>
+            <a:rect l="l" t="t" r="r" b="b"/>
+            <a:pathLst>
+              <a:path w="4319042" h="6858000">
+                <a:moveTo>
+                  <a:pt x="0" y="0"/>
+                </a:moveTo>
+                <a:lnTo>
+                  <a:pt x="1142888" y="0"/>
+                </a:lnTo>
+                <a:lnTo>
+                  <a:pt x="4319042" y="6858000"/>
+                </a:lnTo>
+                <a:lnTo>
+                  <a:pt x="0" y="6858000"/>
+                </a:lnTo>
+                <a:close/>
+              </a:path>
+            </a:pathLst>
+          </a:custGeom>
+          <a:solidFill>
+            <a:srgbClr val="000000">
+              <a:alpha val="34902"/>
+            </a:srgbClr>
+          </a:solidFill>
+          <a:ln>
+            <a:noFill/>
+          </a:ln>
+        </p:spPr>
+        <p:style>
+          <a:lnRef idx="2">
+            <a:schemeClr val="accent1">
+              <a:shade val="50000"/>
+            </a:schemeClr>
+          </a:lnRef>
+          <a:fillRef idx="1">
+            <a:schemeClr val="accent1"/>
+          </a:fillRef>
+          <a:effectRef idx="0">
+            <a:schemeClr val="accent1"/>
+          </a:effectRef>
+          <a:fontRef idx="minor">
+            <a:schemeClr val="lt1"/>
+          </a:fontRef>
+        </p:style>
+        <p:txBody>
+          <a:bodyPr wrap="square" rtlCol="0" anchor="ctr">
+            <a:noAutofit/>
+          </a:bodyPr>
+          <a:lstStyle/>
+          <a:p>
+            <a:pPr algn="ctr"/>
+            <a:endParaRPr lang="en-US"/>
+          </a:p>
+        </p:txBody>
+      </p:sp>
+      <p:sp>
+        <p:nvSpPr>
+          <p:cNvPr id="3" name="Subtitle 2">
+            <a:extLst>
+              <a:ext uri="{FF2B5EF4-FFF2-40B4-BE49-F238E27FC236}">
+                <a16:creationId xmlns:a16="http://schemas.microsoft.com/office/drawing/2014/main" id="{C63068C7-FF93-4F55-8D49-8E391F78232D}"/>
+              </a:ext>
+            </a:extLst>
+          </p:cNvPr>
+          <p:cNvSpPr>
+            <a:spLocks noGrp="1"/>
+          </p:cNvSpPr>
+          <p:nvPr>
+            <p:ph type="subTitle" idx="1"/>
+          </p:nvPr>
+        </p:nvSpPr>
+        <p:spPr>
+          <a:xfrm>
+            <a:off x="266700" y="752475"/>
+            <a:ext cx="4319042" cy="4667250"/>
+          </a:xfrm>
+        </p:spPr>
+        <p:txBody>
+          <a:bodyPr>
+            <a:normAutofit/>
+          </a:bodyPr>
+          <a:lstStyle/>
+          <a:p>
+            <a:pPr algn="l"/>
+            <a:endParaRPr lang="en-US" altLang="ko-KR" sz="3000" b="1" i="0" dirty="0">
+              <a:solidFill>
+                <a:schemeClr val="bg1"/>
+              </a:solidFill>
+              <a:effectLst/>
+              <a:latin typeface="Helvetica Neue"/>
+            </a:endParaRPr>
+          </a:p>
+          <a:p>
+            <a:pPr algn="l"/>
+            <a:endParaRPr lang="en-US" altLang="ko-KR" sz="3000" b="1" dirty="0">
+              <a:solidFill>
+                <a:schemeClr val="bg1"/>
+              </a:solidFill>
+              <a:latin typeface="Helvetica Neue"/>
+            </a:endParaRPr>
+          </a:p>
+          <a:p>
+            <a:pPr algn="l"/>
+            <a:endParaRPr lang="en-US" altLang="ko-KR" sz="3000" b="1" i="0" dirty="0">
+              <a:solidFill>
+                <a:schemeClr val="bg1"/>
+              </a:solidFill>
+              <a:effectLst/>
+              <a:latin typeface="Helvetica Neue"/>
+            </a:endParaRPr>
+          </a:p>
+          <a:p>
+            <a:pPr algn="l"/>
+            <a:endParaRPr lang="en-US" altLang="ko-KR" sz="3000" b="1" dirty="0">
+              <a:solidFill>
+                <a:schemeClr val="bg1"/>
+              </a:solidFill>
+              <a:latin typeface="Helvetica Neue"/>
+            </a:endParaRPr>
+          </a:p>
+          <a:p>
+            <a:r>
+              <a:rPr lang="en-US" altLang="ko-KR" sz="3000" b="1" i="0" dirty="0">
+                <a:solidFill>
+                  <a:schemeClr val="bg1"/>
+                </a:solidFill>
+                <a:effectLst/>
+                <a:latin typeface="Helvetica Neue"/>
+              </a:rPr>
+              <a:t>Temperature impact by ride counts</a:t>
+            </a:r>
+          </a:p>
+          <a:p>
+            <a:pPr algn="l"/>
+            <a:endParaRPr lang="ko-KR" altLang="en-US" sz="2000" dirty="0">
+              <a:solidFill>
+                <a:srgbClr val="FFFFFF"/>
+              </a:solidFill>
+              <a:latin typeface="Arial Nova Light" panose="020B0304020202020204" pitchFamily="34" charset="0"/>
+              <a:cs typeface="Aldhabi" panose="020B0604020202020204" pitchFamily="2" charset="-78"/>
+            </a:endParaRPr>
+          </a:p>
+        </p:txBody>
+      </p:sp>
+      <p:pic>
+        <p:nvPicPr>
+          <p:cNvPr id="4" name="Picture 3">
+            <a:extLst>
+              <a:ext uri="{FF2B5EF4-FFF2-40B4-BE49-F238E27FC236}">
+                <a16:creationId xmlns:a16="http://schemas.microsoft.com/office/drawing/2014/main" id="{B71914E1-699C-406B-9267-68263BED41C6}"/>
+              </a:ext>
+            </a:extLst>
+          </p:cNvPr>
+          <p:cNvPicPr>
+            <a:picLocks noChangeAspect="1"/>
+          </p:cNvPicPr>
+          <p:nvPr/>
+        </p:nvPicPr>
+        <p:blipFill>
+          <a:blip r:embed="rId2"/>
+          <a:stretch>
+            <a:fillRect/>
+          </a:stretch>
+        </p:blipFill>
+        <p:spPr>
+          <a:xfrm>
+            <a:off x="5320996" y="1899641"/>
+            <a:ext cx="6274296" cy="3058718"/>
+          </a:xfrm>
+          <a:prstGeom prst="rect">
+            <a:avLst/>
+          </a:prstGeom>
+        </p:spPr>
+      </p:pic>
+    </p:spTree>
+    <p:extLst>
+      <p:ext uri="{BB962C8B-B14F-4D97-AF65-F5344CB8AC3E}">
+        <p14:creationId xmlns:p14="http://schemas.microsoft.com/office/powerpoint/2010/main" val="4250273115"/>
+      </p:ext>
+    </p:extLst>
+  </p:cSld>
+  <p:clrMapOvr>
+    <a:masterClrMapping/>
+  </p:clrMapOvr>
+</p:sld>
+</file>
+
+<file path=ppt/slides/slide23.xml><?xml version="1.0" encoding="utf-8"?>
+<p:sld xmlns:a="http://schemas.openxmlformats.org/drawingml/2006/main" xmlns:r="http://schemas.openxmlformats.org/officeDocument/2006/relationships" xmlns:p="http://schemas.openxmlformats.org/presentationml/2006/main">
+  <p:cSld>
+    <p:bg>
+      <p:bgPr>
+        <a:solidFill>
+          <a:schemeClr val="bg1"/>
+        </a:solidFill>
+        <a:effectLst/>
+      </p:bgPr>
+    </p:bg>
+    <p:spTree>
+      <p:nvGrpSpPr>
+        <p:cNvPr id="1" name=""/>
+        <p:cNvGrpSpPr/>
+        <p:nvPr/>
+      </p:nvGrpSpPr>
+      <p:grpSpPr>
+        <a:xfrm>
+          <a:off x="0" y="0"/>
+          <a:ext cx="0" cy="0"/>
+          <a:chOff x="0" y="0"/>
+          <a:chExt cx="0" cy="0"/>
+        </a:xfrm>
+      </p:grpSpPr>
+      <p:sp>
+        <p:nvSpPr>
           <p:cNvPr id="15" name="Rectangle 8">
             <a:extLst>
               <a:ext uri="{FF2B5EF4-FFF2-40B4-BE49-F238E27FC236}">
@@ -4456,7 +8724,7 @@
 </p:sld>
 </file>
 
-<file path=ppt/slides/slide11.xml><?xml version="1.0" encoding="utf-8"?>
+<file path=ppt/slides/slide24.xml><?xml version="1.0" encoding="utf-8"?>
 <p:sld xmlns:a="http://schemas.openxmlformats.org/drawingml/2006/main" xmlns:r="http://schemas.openxmlformats.org/officeDocument/2006/relationships" xmlns:p="http://schemas.openxmlformats.org/presentationml/2006/main">
   <p:cSld>
     <p:bg>
@@ -4966,7 +9234,7 @@
 </p:sld>
 </file>
 
-<file path=ppt/slides/slide12.xml><?xml version="1.0" encoding="utf-8"?>
+<file path=ppt/slides/slide25.xml><?xml version="1.0" encoding="utf-8"?>
 <p:sld xmlns:a="http://schemas.openxmlformats.org/drawingml/2006/main" xmlns:r="http://schemas.openxmlformats.org/officeDocument/2006/relationships" xmlns:p="http://schemas.openxmlformats.org/presentationml/2006/main">
   <p:cSld>
     <p:bg>
@@ -5370,7 +9638,7 @@
 </p:sld>
 </file>
 
-<file path=ppt/slides/slide13.xml><?xml version="1.0" encoding="utf-8"?>
+<file path=ppt/slides/slide26.xml><?xml version="1.0" encoding="utf-8"?>
 <p:sld xmlns:a="http://schemas.openxmlformats.org/drawingml/2006/main" xmlns:r="http://schemas.openxmlformats.org/officeDocument/2006/relationships" xmlns:p="http://schemas.openxmlformats.org/presentationml/2006/main">
   <p:cSld>
     <p:bg>
@@ -5724,7 +9992,7 @@
 </p:sld>
 </file>
 
-<file path=ppt/slides/slide14.xml><?xml version="1.0" encoding="utf-8"?>
+<file path=ppt/slides/slide27.xml><?xml version="1.0" encoding="utf-8"?>
 <p:sld xmlns:a="http://schemas.openxmlformats.org/drawingml/2006/main" xmlns:r="http://schemas.openxmlformats.org/officeDocument/2006/relationships" xmlns:p="http://schemas.openxmlformats.org/presentationml/2006/main">
   <p:cSld>
     <p:spTree>
@@ -5989,7 +10257,7 @@
 </p:sld>
 </file>
 
-<file path=ppt/slides/slide15.xml><?xml version="1.0" encoding="utf-8"?>
+<file path=ppt/slides/slide28.xml><?xml version="1.0" encoding="utf-8"?>
 <p:sld xmlns:a="http://schemas.openxmlformats.org/drawingml/2006/main" xmlns:r="http://schemas.openxmlformats.org/officeDocument/2006/relationships" xmlns:p="http://schemas.openxmlformats.org/presentationml/2006/main">
   <p:cSld>
     <p:bg>
@@ -6409,7 +10677,7 @@
 </p:sld>
 </file>
 
-<file path=ppt/slides/slide16.xml><?xml version="1.0" encoding="utf-8"?>
+<file path=ppt/slides/slide29.xml><?xml version="1.0" encoding="utf-8"?>
 <p:sld xmlns:a="http://schemas.openxmlformats.org/drawingml/2006/main" xmlns:r="http://schemas.openxmlformats.org/officeDocument/2006/relationships" xmlns:p="http://schemas.openxmlformats.org/presentationml/2006/main">
   <p:cSld>
     <p:bg>
@@ -6952,7 +11220,214 @@
 </p:sld>
 </file>
 
-<file path=ppt/slides/slide17.xml><?xml version="1.0" encoding="utf-8"?>
+<file path=ppt/slides/slide3.xml><?xml version="1.0" encoding="utf-8"?>
+<p:sld xmlns:a="http://schemas.openxmlformats.org/drawingml/2006/main" xmlns:r="http://schemas.openxmlformats.org/officeDocument/2006/relationships" xmlns:p="http://schemas.openxmlformats.org/presentationml/2006/main">
+  <p:cSld>
+    <p:spTree>
+      <p:nvGrpSpPr>
+        <p:cNvPr id="1" name=""/>
+        <p:cNvGrpSpPr/>
+        <p:nvPr/>
+      </p:nvGrpSpPr>
+      <p:grpSpPr>
+        <a:xfrm>
+          <a:off x="0" y="0"/>
+          <a:ext cx="0" cy="0"/>
+          <a:chOff x="0" y="0"/>
+          <a:chExt cx="0" cy="0"/>
+        </a:xfrm>
+      </p:grpSpPr>
+      <p:sp>
+        <p:nvSpPr>
+          <p:cNvPr id="3" name="Subtitle 2">
+            <a:extLst>
+              <a:ext uri="{FF2B5EF4-FFF2-40B4-BE49-F238E27FC236}">
+                <a16:creationId xmlns:a16="http://schemas.microsoft.com/office/drawing/2014/main" id="{C63068C7-FF93-4F55-8D49-8E391F78232D}"/>
+              </a:ext>
+            </a:extLst>
+          </p:cNvPr>
+          <p:cNvSpPr>
+            <a:spLocks noGrp="1"/>
+          </p:cNvSpPr>
+          <p:nvPr>
+            <p:ph type="subTitle" idx="1"/>
+          </p:nvPr>
+        </p:nvSpPr>
+        <p:spPr>
+          <a:xfrm>
+            <a:off x="5572217" y="559293"/>
+            <a:ext cx="6314983" cy="5868139"/>
+          </a:xfrm>
+        </p:spPr>
+        <p:txBody>
+          <a:bodyPr>
+            <a:normAutofit/>
+          </a:bodyPr>
+          <a:lstStyle/>
+          <a:p>
+            <a:pPr algn="l"/>
+            <a:r>
+              <a:rPr lang="en-US" altLang="ko-KR" sz="3000" dirty="0">
+                <a:solidFill>
+                  <a:srgbClr val="0070C0"/>
+                </a:solidFill>
+                <a:latin typeface="Arial Nova Light" panose="020B0304020202020204" pitchFamily="34" charset="0"/>
+                <a:cs typeface="Aldhabi" panose="020B0604020202020204" pitchFamily="2" charset="-78"/>
+              </a:rPr>
+              <a:t>Purpose</a:t>
+            </a:r>
+          </a:p>
+          <a:p>
+            <a:pPr algn="l"/>
+            <a:r>
+              <a:rPr lang="en-US" altLang="ko-KR" sz="2000" dirty="0">
+                <a:latin typeface="Arial Nova Light" panose="020B0304020202020204" pitchFamily="34" charset="0"/>
+                <a:cs typeface="Aldhabi" panose="020B0604020202020204" pitchFamily="2" charset="-78"/>
+                <a:sym typeface="Wingdings" panose="05000000000000000000" pitchFamily="2" charset="2"/>
+              </a:rPr>
+              <a:t>The growth of Citi Bike is stagnant due to many sharing competitors. To find out which factors are most important and affect the increase in Subscribers, the most important factor for business growth, and to provide alternatives.</a:t>
+            </a:r>
+          </a:p>
+        </p:txBody>
+      </p:sp>
+      <p:pic>
+        <p:nvPicPr>
+          <p:cNvPr id="1026" name="Picture 2">
+            <a:extLst>
+              <a:ext uri="{FF2B5EF4-FFF2-40B4-BE49-F238E27FC236}">
+                <a16:creationId xmlns:a16="http://schemas.microsoft.com/office/drawing/2014/main" id="{8DDE9F19-81C7-4DAD-BFF3-98A852243BDB}"/>
+              </a:ext>
+            </a:extLst>
+          </p:cNvPr>
+          <p:cNvPicPr>
+            <a:picLocks noChangeAspect="1" noChangeArrowheads="1" noCrop="1"/>
+          </p:cNvPicPr>
+          <p:nvPr/>
+        </p:nvPicPr>
+        <p:blipFill>
+          <a:blip r:embed="rId2">
+            <a:extLst>
+              <a:ext uri="{28A0092B-C50C-407E-A947-70E740481C1C}">
+                <a14:useLocalDpi xmlns:a14="http://schemas.microsoft.com/office/drawing/2010/main" val="0"/>
+              </a:ext>
+            </a:extLst>
+          </a:blip>
+          <a:srcRect/>
+          <a:stretch>
+            <a:fillRect/>
+          </a:stretch>
+        </p:blipFill>
+        <p:spPr bwMode="auto">
+          <a:xfrm>
+            <a:off x="0" y="0"/>
+            <a:ext cx="5129785" cy="3403031"/>
+          </a:xfrm>
+          <a:prstGeom prst="rect">
+            <a:avLst/>
+          </a:prstGeom>
+          <a:noFill/>
+          <a:extLst>
+            <a:ext uri="{909E8E84-426E-40DD-AFC4-6F175D3DCCD1}">
+              <a14:hiddenFill xmlns:a14="http://schemas.microsoft.com/office/drawing/2010/main">
+                <a:solidFill>
+                  <a:srgbClr val="FFFFFF"/>
+                </a:solidFill>
+              </a14:hiddenFill>
+            </a:ext>
+          </a:extLst>
+        </p:spPr>
+      </p:pic>
+      <p:pic>
+        <p:nvPicPr>
+          <p:cNvPr id="1028" name="Picture 4">
+            <a:extLst>
+              <a:ext uri="{FF2B5EF4-FFF2-40B4-BE49-F238E27FC236}">
+                <a16:creationId xmlns:a16="http://schemas.microsoft.com/office/drawing/2014/main" id="{213B05CB-2AA5-46A2-ABAF-6235DCF51190}"/>
+              </a:ext>
+            </a:extLst>
+          </p:cNvPr>
+          <p:cNvPicPr>
+            <a:picLocks noChangeAspect="1" noChangeArrowheads="1"/>
+          </p:cNvPicPr>
+          <p:nvPr/>
+        </p:nvPicPr>
+        <p:blipFill>
+          <a:blip r:embed="rId3">
+            <a:extLst>
+              <a:ext uri="{28A0092B-C50C-407E-A947-70E740481C1C}">
+                <a14:useLocalDpi xmlns:a14="http://schemas.microsoft.com/office/drawing/2010/main" val="0"/>
+              </a:ext>
+            </a:extLst>
+          </a:blip>
+          <a:srcRect/>
+          <a:stretch>
+            <a:fillRect/>
+          </a:stretch>
+        </p:blipFill>
+        <p:spPr bwMode="auto">
+          <a:xfrm>
+            <a:off x="0" y="3406904"/>
+            <a:ext cx="5129784" cy="3451289"/>
+          </a:xfrm>
+          <a:prstGeom prst="rect">
+            <a:avLst/>
+          </a:prstGeom>
+          <a:noFill/>
+          <a:extLst>
+            <a:ext uri="{909E8E84-426E-40DD-AFC4-6F175D3DCCD1}">
+              <a14:hiddenFill xmlns:a14="http://schemas.microsoft.com/office/drawing/2010/main">
+                <a:solidFill>
+                  <a:srgbClr val="FFFFFF"/>
+                </a:solidFill>
+              </a14:hiddenFill>
+            </a:ext>
+          </a:extLst>
+        </p:spPr>
+      </p:pic>
+      <p:pic>
+        <p:nvPicPr>
+          <p:cNvPr id="4" name="Picture 3">
+            <a:extLst>
+              <a:ext uri="{FF2B5EF4-FFF2-40B4-BE49-F238E27FC236}">
+                <a16:creationId xmlns:a16="http://schemas.microsoft.com/office/drawing/2014/main" id="{D635D75D-E033-45FC-BF53-09DFAC33E3B7}"/>
+              </a:ext>
+            </a:extLst>
+          </p:cNvPr>
+          <p:cNvPicPr>
+            <a:picLocks noChangeAspect="1"/>
+          </p:cNvPicPr>
+          <p:nvPr/>
+        </p:nvPicPr>
+        <p:blipFill>
+          <a:blip r:embed="rId4"/>
+          <a:stretch>
+            <a:fillRect/>
+          </a:stretch>
+        </p:blipFill>
+        <p:spPr>
+          <a:xfrm>
+            <a:off x="5414963" y="2678455"/>
+            <a:ext cx="6472237" cy="3620252"/>
+          </a:xfrm>
+          <a:prstGeom prst="rect">
+            <a:avLst/>
+          </a:prstGeom>
+        </p:spPr>
+      </p:pic>
+    </p:spTree>
+    <p:extLst>
+      <p:ext uri="{BB962C8B-B14F-4D97-AF65-F5344CB8AC3E}">
+        <p14:creationId xmlns:p14="http://schemas.microsoft.com/office/powerpoint/2010/main" val="2489342696"/>
+      </p:ext>
+    </p:extLst>
+  </p:cSld>
+  <p:clrMapOvr>
+    <a:masterClrMapping/>
+  </p:clrMapOvr>
+</p:sld>
+</file>
+
+<file path=ppt/slides/slide30.xml><?xml version="1.0" encoding="utf-8"?>
 <p:sld xmlns:a="http://schemas.openxmlformats.org/drawingml/2006/main" xmlns:r="http://schemas.openxmlformats.org/officeDocument/2006/relationships" xmlns:p="http://schemas.openxmlformats.org/presentationml/2006/main">
   <p:cSld>
     <p:bg>
@@ -7455,7 +11930,7 @@
 </p:sld>
 </file>
 
-<file path=ppt/slides/slide18.xml><?xml version="1.0" encoding="utf-8"?>
+<file path=ppt/slides/slide31.xml><?xml version="1.0" encoding="utf-8"?>
 <p:sld xmlns:a="http://schemas.openxmlformats.org/drawingml/2006/main" xmlns:r="http://schemas.openxmlformats.org/officeDocument/2006/relationships" xmlns:p="http://schemas.openxmlformats.org/presentationml/2006/main">
   <p:cSld>
     <p:bg>
@@ -7953,7 +12428,7 @@
 </p:sld>
 </file>
 
-<file path=ppt/slides/slide2.xml><?xml version="1.0" encoding="utf-8"?>
+<file path=ppt/slides/slide4.xml><?xml version="1.0" encoding="utf-8"?>
 <p:sld xmlns:a="http://schemas.openxmlformats.org/drawingml/2006/main" xmlns:r="http://schemas.openxmlformats.org/officeDocument/2006/relationships" xmlns:p="http://schemas.openxmlformats.org/presentationml/2006/main">
   <p:cSld>
     <p:spTree>
@@ -8007,327 +12482,6 @@
                 <a:latin typeface="Arial Nova Light" panose="020B0304020202020204" pitchFamily="34" charset="0"/>
                 <a:cs typeface="Aldhabi" panose="020B0604020202020204" pitchFamily="2" charset="-78"/>
               </a:rPr>
-              <a:t>Citi Bike Operation</a:t>
-            </a:r>
-          </a:p>
-          <a:p>
-            <a:pPr algn="l"/>
-            <a:endParaRPr lang="en-US" altLang="ko-KR" sz="3000" dirty="0">
-              <a:solidFill>
-                <a:srgbClr val="0070C0"/>
-              </a:solidFill>
-              <a:latin typeface="Arial Nova Light" panose="020B0304020202020204" pitchFamily="34" charset="0"/>
-              <a:cs typeface="Aldhabi" panose="020B0604020202020204" pitchFamily="2" charset="-78"/>
-            </a:endParaRPr>
-          </a:p>
-          <a:p>
-            <a:pPr marL="342900" indent="-342900" algn="l">
-              <a:buFont typeface="Wingdings" panose="05000000000000000000" pitchFamily="2" charset="2"/>
-              <a:buChar char=""/>
-            </a:pPr>
-            <a:r>
-              <a:rPr lang="en-US" altLang="ko-KR" sz="2000" dirty="0">
-                <a:latin typeface="Arial Nova Light" panose="020B0304020202020204" pitchFamily="34" charset="0"/>
-                <a:cs typeface="Aldhabi" panose="020B0604020202020204" pitchFamily="2" charset="-78"/>
-                <a:sym typeface="Wingdings" panose="05000000000000000000" pitchFamily="2" charset="2"/>
-              </a:rPr>
-              <a:t>Bike/Scooter sharing is a new p2p consumer business model</a:t>
-            </a:r>
-          </a:p>
-          <a:p>
-            <a:pPr algn="l"/>
-            <a:endParaRPr lang="en-US" altLang="ko-KR" sz="2000" dirty="0">
-              <a:latin typeface="Arial Nova Light" panose="020B0304020202020204" pitchFamily="34" charset="0"/>
-              <a:cs typeface="Aldhabi" panose="020B0604020202020204" pitchFamily="2" charset="-78"/>
-              <a:sym typeface="Wingdings" panose="05000000000000000000" pitchFamily="2" charset="2"/>
-            </a:endParaRPr>
-          </a:p>
-          <a:p>
-            <a:pPr marL="342900" indent="-342900" algn="l">
-              <a:buFont typeface="Wingdings" panose="05000000000000000000" pitchFamily="2" charset="2"/>
-              <a:buChar char=""/>
-            </a:pPr>
-            <a:r>
-              <a:rPr lang="en-US" altLang="ko-KR" sz="2000" dirty="0" err="1">
-                <a:latin typeface="Arial Nova Light" panose="020B0304020202020204" pitchFamily="34" charset="0"/>
-                <a:cs typeface="Aldhabi" panose="020B0604020202020204" pitchFamily="2" charset="-78"/>
-              </a:rPr>
-              <a:t>Dockstation</a:t>
-            </a:r>
-            <a:r>
-              <a:rPr lang="en-US" altLang="ko-KR" sz="2000" dirty="0">
-                <a:latin typeface="Arial Nova Light" panose="020B0304020202020204" pitchFamily="34" charset="0"/>
-                <a:cs typeface="Aldhabi" panose="020B0604020202020204" pitchFamily="2" charset="-78"/>
-              </a:rPr>
-              <a:t> version in US</a:t>
-            </a:r>
-          </a:p>
-          <a:p>
-            <a:pPr algn="l"/>
-            <a:endParaRPr lang="en-US" altLang="ko-KR" sz="2000" dirty="0">
-              <a:latin typeface="Arial Nova Light" panose="020B0304020202020204" pitchFamily="34" charset="0"/>
-              <a:cs typeface="Aldhabi" panose="020B0604020202020204" pitchFamily="2" charset="-78"/>
-            </a:endParaRPr>
-          </a:p>
-          <a:p>
-            <a:pPr marL="342900" indent="-342900" algn="l">
-              <a:buFont typeface="Wingdings" panose="05000000000000000000" pitchFamily="2" charset="2"/>
-              <a:buChar char=""/>
-            </a:pPr>
-            <a:r>
-              <a:rPr lang="en-US" altLang="ko-KR" sz="2000" dirty="0">
-                <a:latin typeface="Arial Nova Light" panose="020B0304020202020204" pitchFamily="34" charset="0"/>
-                <a:cs typeface="Aldhabi" panose="020B0604020202020204" pitchFamily="2" charset="-78"/>
-              </a:rPr>
-              <a:t>12000 </a:t>
-            </a:r>
-            <a:r>
-              <a:rPr lang="en-US" altLang="ko-KR" sz="2000" dirty="0" err="1">
-                <a:latin typeface="Arial Nova Light" panose="020B0304020202020204" pitchFamily="34" charset="0"/>
-                <a:cs typeface="Aldhabi" panose="020B0604020202020204" pitchFamily="2" charset="-78"/>
-              </a:rPr>
-              <a:t>citibikes</a:t>
-            </a:r>
-            <a:r>
-              <a:rPr lang="en-US" altLang="ko-KR" sz="2000" dirty="0">
-                <a:latin typeface="Arial Nova Light" panose="020B0304020202020204" pitchFamily="34" charset="0"/>
-                <a:cs typeface="Aldhabi" panose="020B0604020202020204" pitchFamily="2" charset="-78"/>
-              </a:rPr>
-              <a:t>, more than 750 dock stations in NYC</a:t>
-            </a:r>
-          </a:p>
-          <a:p>
-            <a:pPr marL="342900" indent="-342900" algn="l">
-              <a:buFont typeface="Wingdings" panose="05000000000000000000" pitchFamily="2" charset="2"/>
-              <a:buChar char=""/>
-            </a:pPr>
-            <a:endParaRPr lang="en-US" altLang="ko-KR" sz="2000" dirty="0">
-              <a:latin typeface="Arial Nova Light" panose="020B0304020202020204" pitchFamily="34" charset="0"/>
-              <a:cs typeface="Aldhabi" panose="020B0604020202020204" pitchFamily="2" charset="-78"/>
-            </a:endParaRPr>
-          </a:p>
-          <a:p>
-            <a:pPr marL="342900" indent="-342900" algn="l">
-              <a:buFont typeface="Wingdings" panose="05000000000000000000" pitchFamily="2" charset="2"/>
-              <a:buChar char=""/>
-            </a:pPr>
-            <a:r>
-              <a:rPr lang="en-US" altLang="ko-KR" sz="2000" dirty="0">
-                <a:latin typeface="Arial Nova Light" panose="020B0304020202020204" pitchFamily="34" charset="0"/>
-                <a:cs typeface="Aldhabi" panose="020B0604020202020204" pitchFamily="2" charset="-78"/>
-              </a:rPr>
-              <a:t>Operated by motivate, gains monopoly to operate shared-bikes in NYC</a:t>
-            </a:r>
-          </a:p>
-          <a:p>
-            <a:pPr marL="342900" indent="-342900" algn="l">
-              <a:buFont typeface="Wingdings" panose="05000000000000000000" pitchFamily="2" charset="2"/>
-              <a:buChar char=""/>
-            </a:pPr>
-            <a:endParaRPr lang="en-US" altLang="ko-KR" sz="2000" dirty="0">
-              <a:latin typeface="Arial Nova Light" panose="020B0304020202020204" pitchFamily="34" charset="0"/>
-              <a:cs typeface="Aldhabi" panose="020B0604020202020204" pitchFamily="2" charset="-78"/>
-            </a:endParaRPr>
-          </a:p>
-          <a:p>
-            <a:pPr marL="342900" indent="-342900" algn="l">
-              <a:buFont typeface="Wingdings" panose="05000000000000000000" pitchFamily="2" charset="2"/>
-              <a:buChar char=""/>
-            </a:pPr>
-            <a:r>
-              <a:rPr lang="en-US" altLang="ko-KR" sz="2000" dirty="0">
-                <a:latin typeface="Arial Nova Light" panose="020B0304020202020204" pitchFamily="34" charset="0"/>
-                <a:cs typeface="Aldhabi" panose="020B0604020202020204" pitchFamily="2" charset="-78"/>
-              </a:rPr>
-              <a:t>1. Individual </a:t>
-            </a:r>
-            <a:r>
-              <a:rPr lang="en-US" altLang="ko-KR" sz="2000" dirty="0">
-                <a:latin typeface="Arial Nova Light" panose="020B0304020202020204" pitchFamily="34" charset="0"/>
-                <a:ea typeface="Batang" panose="02030600000101010101" pitchFamily="18" charset="-127"/>
-                <a:cs typeface="Aldhabi" panose="020B0604020202020204" pitchFamily="2" charset="-78"/>
-              </a:rPr>
-              <a:t>→ Subscriber, Customer</a:t>
-            </a:r>
-          </a:p>
-          <a:p>
-            <a:pPr algn="l"/>
-            <a:r>
-              <a:rPr lang="en-US" altLang="ko-KR" sz="2000" dirty="0">
-                <a:latin typeface="Arial Nova Light" panose="020B0304020202020204" pitchFamily="34" charset="0"/>
-                <a:ea typeface="Batang" panose="02030600000101010101" pitchFamily="18" charset="-127"/>
-                <a:cs typeface="Aldhabi" panose="020B0604020202020204" pitchFamily="2" charset="-78"/>
-              </a:rPr>
-              <a:t>     2. Corporate</a:t>
-            </a:r>
-            <a:endParaRPr lang="ko-KR" altLang="en-US" sz="2000" dirty="0">
-              <a:latin typeface="Arial Nova Light" panose="020B0304020202020204" pitchFamily="34" charset="0"/>
-              <a:cs typeface="Aldhabi" panose="020B0604020202020204" pitchFamily="2" charset="-78"/>
-            </a:endParaRPr>
-          </a:p>
-        </p:txBody>
-      </p:sp>
-      <p:pic>
-        <p:nvPicPr>
-          <p:cNvPr id="1026" name="Picture 2">
-            <a:extLst>
-              <a:ext uri="{FF2B5EF4-FFF2-40B4-BE49-F238E27FC236}">
-                <a16:creationId xmlns:a16="http://schemas.microsoft.com/office/drawing/2014/main" id="{8DDE9F19-81C7-4DAD-BFF3-98A852243BDB}"/>
-              </a:ext>
-            </a:extLst>
-          </p:cNvPr>
-          <p:cNvPicPr>
-            <a:picLocks noChangeAspect="1" noChangeArrowheads="1" noCrop="1"/>
-          </p:cNvPicPr>
-          <p:nvPr/>
-        </p:nvPicPr>
-        <p:blipFill>
-          <a:blip r:embed="rId2">
-            <a:extLst>
-              <a:ext uri="{28A0092B-C50C-407E-A947-70E740481C1C}">
-                <a14:useLocalDpi xmlns:a14="http://schemas.microsoft.com/office/drawing/2010/main" val="0"/>
-              </a:ext>
-            </a:extLst>
-          </a:blip>
-          <a:srcRect/>
-          <a:stretch>
-            <a:fillRect/>
-          </a:stretch>
-        </p:blipFill>
-        <p:spPr bwMode="auto">
-          <a:xfrm>
-            <a:off x="0" y="0"/>
-            <a:ext cx="5129785" cy="3403031"/>
-          </a:xfrm>
-          <a:prstGeom prst="rect">
-            <a:avLst/>
-          </a:prstGeom>
-          <a:noFill/>
-          <a:extLst>
-            <a:ext uri="{909E8E84-426E-40DD-AFC4-6F175D3DCCD1}">
-              <a14:hiddenFill xmlns:a14="http://schemas.microsoft.com/office/drawing/2010/main">
-                <a:solidFill>
-                  <a:srgbClr val="FFFFFF"/>
-                </a:solidFill>
-              </a14:hiddenFill>
-            </a:ext>
-          </a:extLst>
-        </p:spPr>
-      </p:pic>
-      <p:pic>
-        <p:nvPicPr>
-          <p:cNvPr id="1028" name="Picture 4">
-            <a:extLst>
-              <a:ext uri="{FF2B5EF4-FFF2-40B4-BE49-F238E27FC236}">
-                <a16:creationId xmlns:a16="http://schemas.microsoft.com/office/drawing/2014/main" id="{213B05CB-2AA5-46A2-ABAF-6235DCF51190}"/>
-              </a:ext>
-            </a:extLst>
-          </p:cNvPr>
-          <p:cNvPicPr>
-            <a:picLocks noChangeAspect="1" noChangeArrowheads="1"/>
-          </p:cNvPicPr>
-          <p:nvPr/>
-        </p:nvPicPr>
-        <p:blipFill>
-          <a:blip r:embed="rId3">
-            <a:extLst>
-              <a:ext uri="{28A0092B-C50C-407E-A947-70E740481C1C}">
-                <a14:useLocalDpi xmlns:a14="http://schemas.microsoft.com/office/drawing/2010/main" val="0"/>
-              </a:ext>
-            </a:extLst>
-          </a:blip>
-          <a:srcRect/>
-          <a:stretch>
-            <a:fillRect/>
-          </a:stretch>
-        </p:blipFill>
-        <p:spPr bwMode="auto">
-          <a:xfrm>
-            <a:off x="0" y="3406904"/>
-            <a:ext cx="5129784" cy="3451289"/>
-          </a:xfrm>
-          <a:prstGeom prst="rect">
-            <a:avLst/>
-          </a:prstGeom>
-          <a:noFill/>
-          <a:extLst>
-            <a:ext uri="{909E8E84-426E-40DD-AFC4-6F175D3DCCD1}">
-              <a14:hiddenFill xmlns:a14="http://schemas.microsoft.com/office/drawing/2010/main">
-                <a:solidFill>
-                  <a:srgbClr val="FFFFFF"/>
-                </a:solidFill>
-              </a14:hiddenFill>
-            </a:ext>
-          </a:extLst>
-        </p:spPr>
-      </p:pic>
-    </p:spTree>
-    <p:extLst>
-      <p:ext uri="{BB962C8B-B14F-4D97-AF65-F5344CB8AC3E}">
-        <p14:creationId xmlns:p14="http://schemas.microsoft.com/office/powerpoint/2010/main" val="2316689150"/>
-      </p:ext>
-    </p:extLst>
-  </p:cSld>
-  <p:clrMapOvr>
-    <a:masterClrMapping/>
-  </p:clrMapOvr>
-</p:sld>
-</file>
-
-<file path=ppt/slides/slide3.xml><?xml version="1.0" encoding="utf-8"?>
-<p:sld xmlns:a="http://schemas.openxmlformats.org/drawingml/2006/main" xmlns:r="http://schemas.openxmlformats.org/officeDocument/2006/relationships" xmlns:p="http://schemas.openxmlformats.org/presentationml/2006/main">
-  <p:cSld>
-    <p:spTree>
-      <p:nvGrpSpPr>
-        <p:cNvPr id="1" name=""/>
-        <p:cNvGrpSpPr/>
-        <p:nvPr/>
-      </p:nvGrpSpPr>
-      <p:grpSpPr>
-        <a:xfrm>
-          <a:off x="0" y="0"/>
-          <a:ext cx="0" cy="0"/>
-          <a:chOff x="0" y="0"/>
-          <a:chExt cx="0" cy="0"/>
-        </a:xfrm>
-      </p:grpSpPr>
-      <p:sp>
-        <p:nvSpPr>
-          <p:cNvPr id="3" name="Subtitle 2">
-            <a:extLst>
-              <a:ext uri="{FF2B5EF4-FFF2-40B4-BE49-F238E27FC236}">
-                <a16:creationId xmlns:a16="http://schemas.microsoft.com/office/drawing/2014/main" id="{C63068C7-FF93-4F55-8D49-8E391F78232D}"/>
-              </a:ext>
-            </a:extLst>
-          </p:cNvPr>
-          <p:cNvSpPr>
-            <a:spLocks noGrp="1"/>
-          </p:cNvSpPr>
-          <p:nvPr>
-            <p:ph type="subTitle" idx="1"/>
-          </p:nvPr>
-        </p:nvSpPr>
-        <p:spPr>
-          <a:xfrm>
-            <a:off x="5572217" y="559293"/>
-            <a:ext cx="6314983" cy="5868139"/>
-          </a:xfrm>
-        </p:spPr>
-        <p:txBody>
-          <a:bodyPr>
-            <a:normAutofit/>
-          </a:bodyPr>
-          <a:lstStyle/>
-          <a:p>
-            <a:pPr algn="l"/>
-            <a:r>
-              <a:rPr lang="en-US" altLang="ko-KR" sz="3000" dirty="0">
-                <a:solidFill>
-                  <a:srgbClr val="0070C0"/>
-                </a:solidFill>
-                <a:latin typeface="Arial Nova Light" panose="020B0304020202020204" pitchFamily="34" charset="0"/>
-                <a:cs typeface="Aldhabi" panose="020B0604020202020204" pitchFamily="2" charset="-78"/>
-              </a:rPr>
               <a:t>Data</a:t>
             </a:r>
           </a:p>
@@ -8412,7 +12566,7 @@
                 <a:latin typeface="+mj-lt"/>
                 <a:sym typeface="Wingdings" panose="05000000000000000000" pitchFamily="2" charset="2"/>
               </a:rPr>
-              <a:t>NYC Weather Daily Data</a:t>
+              <a:t>Period of Data</a:t>
             </a:r>
           </a:p>
           <a:p>
@@ -8422,30 +12576,7 @@
                 <a:latin typeface="+mj-lt"/>
                 <a:sym typeface="Wingdings" panose="05000000000000000000" pitchFamily="2" charset="2"/>
               </a:rPr>
-              <a:t>    - Temperature, precipitation, snow</a:t>
-            </a:r>
-          </a:p>
-          <a:p>
-            <a:pPr marL="342900" indent="-342900" algn="l">
-              <a:buFont typeface="Wingdings" panose="05000000000000000000" pitchFamily="2" charset="2"/>
-              <a:buChar char=""/>
-            </a:pPr>
-            <a:r>
-              <a:rPr lang="en-US" altLang="ko-KR" sz="2000" dirty="0">
-                <a:latin typeface="+mj-lt"/>
-                <a:sym typeface="Wingdings" panose="05000000000000000000" pitchFamily="2" charset="2"/>
-              </a:rPr>
-              <a:t>Period of Data</a:t>
-            </a:r>
-          </a:p>
-          <a:p>
-            <a:pPr algn="l"/>
-            <a:r>
-              <a:rPr lang="en-US" altLang="ko-KR" sz="2000" dirty="0">
-                <a:latin typeface="+mj-lt"/>
-                <a:sym typeface="Wingdings" panose="05000000000000000000" pitchFamily="2" charset="2"/>
-              </a:rPr>
-              <a:t>    - September 2019 ~ August 2020</a:t>
+              <a:t>    - January 2019 ~ December 2019</a:t>
             </a:r>
           </a:p>
           <a:p>
@@ -8468,7 +12599,7 @@
                 <a:latin typeface="+mj-lt"/>
                 <a:sym typeface="Wingdings" panose="05000000000000000000" pitchFamily="2" charset="2"/>
               </a:rPr>
-              <a:t>     - 12.6 million data and 22 features</a:t>
+              <a:t>     - 1,027,583 data and 15 features</a:t>
             </a:r>
           </a:p>
           <a:p>
@@ -8600,7 +12731,7 @@
 </p:sld>
 </file>
 
-<file path=ppt/slides/slide4.xml><?xml version="1.0" encoding="utf-8"?>
+<file path=ppt/slides/slide5.xml><?xml version="1.0" encoding="utf-8"?>
 <p:sld xmlns:a="http://schemas.openxmlformats.org/drawingml/2006/main" xmlns:r="http://schemas.openxmlformats.org/officeDocument/2006/relationships" xmlns:p="http://schemas.openxmlformats.org/presentationml/2006/main">
   <p:cSld>
     <p:bg>
@@ -8688,36 +12819,6 @@
           </a:p>
         </p:txBody>
       </p:sp>
-      <p:pic>
-        <p:nvPicPr>
-          <p:cNvPr id="4" name="Picture 3">
-            <a:extLst>
-              <a:ext uri="{FF2B5EF4-FFF2-40B4-BE49-F238E27FC236}">
-                <a16:creationId xmlns:a16="http://schemas.microsoft.com/office/drawing/2014/main" id="{ECA9679F-5D56-4682-9017-00F55DA44125}"/>
-              </a:ext>
-            </a:extLst>
-          </p:cNvPr>
-          <p:cNvPicPr>
-            <a:picLocks noChangeAspect="1"/>
-          </p:cNvPicPr>
-          <p:nvPr/>
-        </p:nvPicPr>
-        <p:blipFill>
-          <a:blip r:embed="rId2"/>
-          <a:stretch>
-            <a:fillRect/>
-          </a:stretch>
-        </p:blipFill>
-        <p:spPr>
-          <a:xfrm>
-            <a:off x="5848350" y="2202270"/>
-            <a:ext cx="5890683" cy="2606626"/>
-          </a:xfrm>
-          <a:prstGeom prst="rect">
-            <a:avLst/>
-          </a:prstGeom>
-        </p:spPr>
-      </p:pic>
       <p:sp>
         <p:nvSpPr>
           <p:cNvPr id="11" name="Freeform: Shape 10">
@@ -9049,7 +13150,7 @@
         </p:nvSpPr>
         <p:spPr>
           <a:xfrm>
-            <a:off x="85725" y="2947386"/>
+            <a:off x="-198360" y="2882336"/>
             <a:ext cx="4714875" cy="933051"/>
           </a:xfrm>
         </p:spPr>
@@ -9060,15 +13161,72 @@
           <a:lstStyle/>
           <a:p>
             <a:r>
-              <a:rPr lang="en-US" altLang="ko-KR" sz="3000" b="1" i="0" dirty="0">
-                <a:effectLst/>
+              <a:rPr lang="en-US" altLang="ko-KR" sz="3000" b="1" dirty="0">
                 <a:latin typeface="Helvetica Neue"/>
               </a:rPr>
-              <a:t>Hourly Trip Count</a:t>
-            </a:r>
-          </a:p>
-        </p:txBody>
-      </p:sp>
+              <a:t>User</a:t>
+            </a:r>
+            <a:r>
+              <a:rPr lang="ko-KR" altLang="en-US" sz="3000" b="1" dirty="0">
+                <a:latin typeface="Helvetica Neue"/>
+              </a:rPr>
+              <a:t> </a:t>
+            </a:r>
+            <a:r>
+              <a:rPr lang="en-US" altLang="ko-KR" sz="3000" b="1" dirty="0">
+                <a:latin typeface="Helvetica Neue"/>
+              </a:rPr>
+              <a:t>Type</a:t>
+            </a:r>
+            <a:r>
+              <a:rPr lang="ko-KR" altLang="en-US" sz="3000" b="1" dirty="0">
+                <a:latin typeface="Helvetica Neue"/>
+              </a:rPr>
+              <a:t> </a:t>
+            </a:r>
+            <a:r>
+              <a:rPr lang="en-US" altLang="ko-KR" sz="3000" b="1" dirty="0">
+                <a:latin typeface="Helvetica Neue"/>
+              </a:rPr>
+              <a:t>Distribution</a:t>
+            </a:r>
+            <a:endParaRPr lang="en-US" altLang="ko-KR" sz="3000" b="1" i="0" dirty="0">
+              <a:effectLst/>
+              <a:latin typeface="Helvetica Neue"/>
+            </a:endParaRPr>
+          </a:p>
+        </p:txBody>
+      </p:sp>
+      <p:pic>
+        <p:nvPicPr>
+          <p:cNvPr id="5" name="Picture 4">
+            <a:extLst>
+              <a:ext uri="{FF2B5EF4-FFF2-40B4-BE49-F238E27FC236}">
+                <a16:creationId xmlns:a16="http://schemas.microsoft.com/office/drawing/2014/main" id="{E417F940-C940-45CF-B5EA-AE2A11CE965F}"/>
+              </a:ext>
+            </a:extLst>
+          </p:cNvPr>
+          <p:cNvPicPr>
+            <a:picLocks noChangeAspect="1"/>
+          </p:cNvPicPr>
+          <p:nvPr/>
+        </p:nvPicPr>
+        <p:blipFill>
+          <a:blip r:embed="rId2"/>
+          <a:stretch>
+            <a:fillRect/>
+          </a:stretch>
+        </p:blipFill>
+        <p:spPr>
+          <a:xfrm rot="10800000" flipH="1" flipV="1">
+            <a:off x="5867774" y="1970843"/>
+            <a:ext cx="6089614" cy="3932530"/>
+          </a:xfrm>
+          <a:prstGeom prst="rect">
+            <a:avLst/>
+          </a:prstGeom>
+        </p:spPr>
+      </p:pic>
     </p:spTree>
     <p:extLst>
       <p:ext uri="{BB962C8B-B14F-4D97-AF65-F5344CB8AC3E}">
@@ -9082,7 +13240,7 @@
 </p:sld>
 </file>
 
-<file path=ppt/slides/slide5.xml><?xml version="1.0" encoding="utf-8"?>
+<file path=ppt/slides/slide6.xml><?xml version="1.0" encoding="utf-8"?>
 <p:sld xmlns:a="http://schemas.openxmlformats.org/drawingml/2006/main" xmlns:r="http://schemas.openxmlformats.org/officeDocument/2006/relationships" xmlns:p="http://schemas.openxmlformats.org/presentationml/2006/main">
   <p:cSld>
     <p:bg>
@@ -9363,7 +13521,7 @@
         </p:nvSpPr>
         <p:spPr>
           <a:xfrm>
-            <a:off x="-76200" y="3027285"/>
+            <a:off x="-76200" y="2310418"/>
             <a:ext cx="4800488" cy="2230515"/>
           </a:xfrm>
         </p:spPr>
@@ -9374,15 +13532,32 @@
           <a:lstStyle/>
           <a:p>
             <a:r>
-              <a:rPr lang="en-US" altLang="ko-KR" sz="3000" b="1" i="0" dirty="0">
+              <a:rPr lang="en-US" altLang="ko-KR" sz="3000" b="1" dirty="0">
                 <a:solidFill>
                   <a:schemeClr val="bg1"/>
                 </a:solidFill>
-                <a:effectLst/>
                 <a:latin typeface="Helvetica Neue"/>
               </a:rPr>
-              <a:t>Daily Average Trip Duration</a:t>
-            </a:r>
+              <a:t>Gender Counts by </a:t>
+            </a:r>
+          </a:p>
+          <a:p>
+            <a:r>
+              <a:rPr lang="en-US" altLang="ko-KR" sz="3000" b="1" dirty="0">
+                <a:solidFill>
+                  <a:schemeClr val="bg1"/>
+                </a:solidFill>
+                <a:latin typeface="Helvetica Neue"/>
+              </a:rPr>
+              <a:t>User Type</a:t>
+            </a:r>
+            <a:endParaRPr lang="en-US" altLang="ko-KR" sz="3000" b="1" i="0" dirty="0">
+              <a:solidFill>
+                <a:schemeClr val="bg1"/>
+              </a:solidFill>
+              <a:effectLst/>
+              <a:latin typeface="Helvetica Neue"/>
+            </a:endParaRPr>
           </a:p>
           <a:p>
             <a:pPr algn="l"/>
@@ -9398,10 +13573,10 @@
       </p:sp>
       <p:pic>
         <p:nvPicPr>
-          <p:cNvPr id="6" name="Picture 5">
-            <a:extLst>
-              <a:ext uri="{FF2B5EF4-FFF2-40B4-BE49-F238E27FC236}">
-                <a16:creationId xmlns:a16="http://schemas.microsoft.com/office/drawing/2014/main" id="{A769B4C8-152D-4E08-BBF4-4183E0448ED1}"/>
+          <p:cNvPr id="4" name="Picture 3">
+            <a:extLst>
+              <a:ext uri="{FF2B5EF4-FFF2-40B4-BE49-F238E27FC236}">
+                <a16:creationId xmlns:a16="http://schemas.microsoft.com/office/drawing/2014/main" id="{1087C388-C90D-4E83-8B4C-AB42F45544CE}"/>
               </a:ext>
             </a:extLst>
           </p:cNvPr>
@@ -9418,8 +13593,8 @@
         </p:blipFill>
         <p:spPr>
           <a:xfrm>
-            <a:off x="5320996" y="2048655"/>
-            <a:ext cx="6274296" cy="2760690"/>
+            <a:off x="4724288" y="305520"/>
+            <a:ext cx="7316435" cy="3833812"/>
           </a:xfrm>
           <a:prstGeom prst="rect">
             <a:avLst/>
@@ -9439,7 +13614,7 @@
 </p:sld>
 </file>
 
-<file path=ppt/slides/slide6.xml><?xml version="1.0" encoding="utf-8"?>
+<file path=ppt/slides/slide7.xml><?xml version="1.0" encoding="utf-8"?>
 <p:sld xmlns:a="http://schemas.openxmlformats.org/drawingml/2006/main" xmlns:r="http://schemas.openxmlformats.org/officeDocument/2006/relationships" xmlns:p="http://schemas.openxmlformats.org/presentationml/2006/main">
   <p:cSld>
     <p:bg>
@@ -9720,7 +13895,7 @@
         </p:nvSpPr>
         <p:spPr>
           <a:xfrm>
-            <a:off x="0" y="2956264"/>
+            <a:off x="0" y="2274908"/>
             <a:ext cx="4724288" cy="2301536"/>
           </a:xfrm>
         </p:spPr>
@@ -9738,17 +13913,29 @@
                 <a:effectLst/>
                 <a:latin typeface="Helvetica Neue"/>
               </a:rPr>
-              <a:t>Monthly Average Trip Duration</a:t>
+              <a:t>Gender Ratio by </a:t>
+            </a:r>
+          </a:p>
+          <a:p>
+            <a:r>
+              <a:rPr lang="en-US" altLang="ko-KR" sz="3000" b="1" i="0" dirty="0">
+                <a:solidFill>
+                  <a:schemeClr val="bg1"/>
+                </a:solidFill>
+                <a:effectLst/>
+                <a:latin typeface="Helvetica Neue"/>
+              </a:rPr>
+              <a:t>User Type</a:t>
             </a:r>
           </a:p>
         </p:txBody>
       </p:sp>
       <p:pic>
         <p:nvPicPr>
-          <p:cNvPr id="4" name="Picture 3">
-            <a:extLst>
-              <a:ext uri="{FF2B5EF4-FFF2-40B4-BE49-F238E27FC236}">
-                <a16:creationId xmlns:a16="http://schemas.microsoft.com/office/drawing/2014/main" id="{B88A2DEE-B879-4900-AA32-485489108964}"/>
+          <p:cNvPr id="5" name="Picture 4">
+            <a:extLst>
+              <a:ext uri="{FF2B5EF4-FFF2-40B4-BE49-F238E27FC236}">
+                <a16:creationId xmlns:a16="http://schemas.microsoft.com/office/drawing/2014/main" id="{5C07EC44-7B3A-47F1-9857-1FD45A817655}"/>
               </a:ext>
             </a:extLst>
           </p:cNvPr>
@@ -9765,8 +13952,8 @@
         </p:blipFill>
         <p:spPr>
           <a:xfrm>
-            <a:off x="5320996" y="2032969"/>
-            <a:ext cx="6274296" cy="2792062"/>
+            <a:off x="4859866" y="176689"/>
+            <a:ext cx="7196555" cy="3930343"/>
           </a:xfrm>
           <a:prstGeom prst="rect">
             <a:avLst/>
@@ -9777,155 +13964,6 @@
     <p:extLst>
       <p:ext uri="{BB962C8B-B14F-4D97-AF65-F5344CB8AC3E}">
         <p14:creationId xmlns:p14="http://schemas.microsoft.com/office/powerpoint/2010/main" val="3741546091"/>
-      </p:ext>
-    </p:extLst>
-  </p:cSld>
-  <p:clrMapOvr>
-    <a:masterClrMapping/>
-  </p:clrMapOvr>
-</p:sld>
-</file>
-
-<file path=ppt/slides/slide7.xml><?xml version="1.0" encoding="utf-8"?>
-<p:sld xmlns:a="http://schemas.openxmlformats.org/drawingml/2006/main" xmlns:r="http://schemas.openxmlformats.org/officeDocument/2006/relationships" xmlns:p="http://schemas.openxmlformats.org/presentationml/2006/main">
-  <p:cSld>
-    <p:spTree>
-      <p:nvGrpSpPr>
-        <p:cNvPr id="1" name=""/>
-        <p:cNvGrpSpPr/>
-        <p:nvPr/>
-      </p:nvGrpSpPr>
-      <p:grpSpPr>
-        <a:xfrm>
-          <a:off x="0" y="0"/>
-          <a:ext cx="0" cy="0"/>
-          <a:chOff x="0" y="0"/>
-          <a:chExt cx="0" cy="0"/>
-        </a:xfrm>
-      </p:grpSpPr>
-      <p:sp>
-        <p:nvSpPr>
-          <p:cNvPr id="3" name="Subtitle 2">
-            <a:extLst>
-              <a:ext uri="{FF2B5EF4-FFF2-40B4-BE49-F238E27FC236}">
-                <a16:creationId xmlns:a16="http://schemas.microsoft.com/office/drawing/2014/main" id="{C63068C7-FF93-4F55-8D49-8E391F78232D}"/>
-              </a:ext>
-            </a:extLst>
-          </p:cNvPr>
-          <p:cNvSpPr>
-            <a:spLocks noGrp="1"/>
-          </p:cNvSpPr>
-          <p:nvPr>
-            <p:ph type="subTitle" idx="1"/>
-          </p:nvPr>
-        </p:nvSpPr>
-        <p:spPr>
-          <a:xfrm>
-            <a:off x="1833562" y="5926493"/>
-            <a:ext cx="7953283" cy="777164"/>
-          </a:xfrm>
-        </p:spPr>
-        <p:txBody>
-          <a:bodyPr>
-            <a:normAutofit/>
-          </a:bodyPr>
-          <a:lstStyle/>
-          <a:p>
-            <a:pPr marL="342900" indent="-342900" algn="l">
-              <a:buFontTx/>
-              <a:buChar char="-"/>
-            </a:pPr>
-            <a:r>
-              <a:rPr lang="en-US" altLang="ko-KR" sz="2000" dirty="0">
-                <a:latin typeface="Arial Nova Light" panose="020B0304020202020204" pitchFamily="34" charset="0"/>
-                <a:cs typeface="Aldhabi" panose="020B0604020202020204" pitchFamily="2" charset="-78"/>
-              </a:rPr>
-              <a:t>Trip count, distance, duration in weekends are more than weekdays</a:t>
-            </a:r>
-          </a:p>
-          <a:p>
-            <a:pPr marL="342900" indent="-342900" algn="l">
-              <a:buFontTx/>
-              <a:buChar char="-"/>
-            </a:pPr>
-            <a:r>
-              <a:rPr lang="en-US" altLang="ko-KR" sz="2000" dirty="0">
-                <a:latin typeface="Arial Nova Light" panose="020B0304020202020204" pitchFamily="34" charset="0"/>
-                <a:cs typeface="Aldhabi" panose="020B0604020202020204" pitchFamily="2" charset="-78"/>
-              </a:rPr>
-              <a:t>0 : Weekends, 1 : weekdays</a:t>
-            </a:r>
-            <a:endParaRPr lang="ko-KR" altLang="en-US" sz="2000" dirty="0">
-              <a:latin typeface="Arial Nova Light" panose="020B0304020202020204" pitchFamily="34" charset="0"/>
-              <a:cs typeface="Aldhabi" panose="020B0604020202020204" pitchFamily="2" charset="-78"/>
-            </a:endParaRPr>
-          </a:p>
-        </p:txBody>
-      </p:sp>
-      <p:pic>
-        <p:nvPicPr>
-          <p:cNvPr id="8" name="Picture 7">
-            <a:extLst>
-              <a:ext uri="{FF2B5EF4-FFF2-40B4-BE49-F238E27FC236}">
-                <a16:creationId xmlns:a16="http://schemas.microsoft.com/office/drawing/2014/main" id="{D9102A08-656E-4C68-888A-B9FD31E9CD64}"/>
-              </a:ext>
-            </a:extLst>
-          </p:cNvPr>
-          <p:cNvPicPr>
-            <a:picLocks noChangeAspect="1"/>
-          </p:cNvPicPr>
-          <p:nvPr/>
-        </p:nvPicPr>
-        <p:blipFill>
-          <a:blip r:embed="rId2"/>
-          <a:stretch>
-            <a:fillRect/>
-          </a:stretch>
-        </p:blipFill>
-        <p:spPr>
-          <a:xfrm>
-            <a:off x="1833562" y="154343"/>
-            <a:ext cx="7362825" cy="3895725"/>
-          </a:xfrm>
-          <a:prstGeom prst="rect">
-            <a:avLst/>
-          </a:prstGeom>
-        </p:spPr>
-      </p:pic>
-      <p:pic>
-        <p:nvPicPr>
-          <p:cNvPr id="10" name="Picture 9">
-            <a:extLst>
-              <a:ext uri="{FF2B5EF4-FFF2-40B4-BE49-F238E27FC236}">
-                <a16:creationId xmlns:a16="http://schemas.microsoft.com/office/drawing/2014/main" id="{98861313-BE83-4B03-9163-8DDC5891B683}"/>
-              </a:ext>
-            </a:extLst>
-          </p:cNvPr>
-          <p:cNvPicPr>
-            <a:picLocks noChangeAspect="1"/>
-          </p:cNvPicPr>
-          <p:nvPr/>
-        </p:nvPicPr>
-        <p:blipFill>
-          <a:blip r:embed="rId3"/>
-          <a:stretch>
-            <a:fillRect/>
-          </a:stretch>
-        </p:blipFill>
-        <p:spPr>
-          <a:xfrm>
-            <a:off x="1728787" y="3964343"/>
-            <a:ext cx="7381875" cy="1962150"/>
-          </a:xfrm>
-          <a:prstGeom prst="rect">
-            <a:avLst/>
-          </a:prstGeom>
-        </p:spPr>
-      </p:pic>
-    </p:spTree>
-    <p:extLst>
-      <p:ext uri="{BB962C8B-B14F-4D97-AF65-F5344CB8AC3E}">
-        <p14:creationId xmlns:p14="http://schemas.microsoft.com/office/powerpoint/2010/main" val="674472324"/>
       </p:ext>
     </p:extLst>
   </p:cSld>
@@ -9962,10 +14000,10 @@
       </p:grpSpPr>
       <p:sp>
         <p:nvSpPr>
-          <p:cNvPr id="9" name="Rectangle 8">
-            <a:extLst>
-              <a:ext uri="{FF2B5EF4-FFF2-40B4-BE49-F238E27FC236}">
-                <a16:creationId xmlns:a16="http://schemas.microsoft.com/office/drawing/2014/main" id="{ACBE1851-2230-47A9-B000-CE9046EA61B9}"/>
+          <p:cNvPr id="19" name="Rectangle 18">
+            <a:extLst>
+              <a:ext uri="{FF2B5EF4-FFF2-40B4-BE49-F238E27FC236}">
+                <a16:creationId xmlns:a16="http://schemas.microsoft.com/office/drawing/2014/main" id="{605494DE-B078-4D87-BB01-C84320618DAD}"/>
               </a:ext>
               <a:ext uri="{C183D7F6-B498-43B3-948B-1728B52AA6E4}">
                 <adec:decorative xmlns:adec="http://schemas.microsoft.com/office/drawing/2017/decorative" val="1"/>
@@ -9985,14 +14023,14 @@
         </p:nvSpPr>
         <p:spPr>
           <a:xfrm>
-            <a:off x="0" y="0"/>
-            <a:ext cx="5468548" cy="6858000"/>
+            <a:off x="0" y="-3324"/>
+            <a:ext cx="12192000" cy="6858000"/>
           </a:xfrm>
           <a:prstGeom prst="rect">
             <a:avLst/>
           </a:prstGeom>
           <a:solidFill>
-            <a:schemeClr val="accent1"/>
+            <a:srgbClr val="FFFFFF"/>
           </a:solidFill>
           <a:ln>
             <a:noFill/>
@@ -10025,68 +14063,19 @@
       </p:sp>
       <p:sp>
         <p:nvSpPr>
-          <p:cNvPr id="3" name="Subtitle 2">
-            <a:extLst>
-              <a:ext uri="{FF2B5EF4-FFF2-40B4-BE49-F238E27FC236}">
-                <a16:creationId xmlns:a16="http://schemas.microsoft.com/office/drawing/2014/main" id="{C63068C7-FF93-4F55-8D49-8E391F78232D}"/>
-              </a:ext>
-            </a:extLst>
-          </p:cNvPr>
-          <p:cNvSpPr>
-            <a:spLocks noGrp="1"/>
-          </p:cNvSpPr>
-          <p:nvPr>
-            <p:ph type="subTitle" idx="1"/>
-          </p:nvPr>
-        </p:nvSpPr>
-        <p:spPr>
-          <a:xfrm>
-            <a:off x="104775" y="1612865"/>
-            <a:ext cx="5295900" cy="2205732"/>
-          </a:xfrm>
-        </p:spPr>
-        <p:txBody>
-          <a:bodyPr anchor="t">
-            <a:normAutofit/>
-          </a:bodyPr>
-          <a:lstStyle/>
-          <a:p>
-            <a:pPr algn="r"/>
-            <a:r>
-              <a:rPr lang="en-US" altLang="ko-KR" sz="2700" dirty="0">
-                <a:solidFill>
-                  <a:srgbClr val="FFFFFF"/>
-                </a:solidFill>
-                <a:latin typeface="Arial Nova Light" panose="020B0304020202020204" pitchFamily="34" charset="0"/>
-                <a:cs typeface="Aldhabi" panose="020B0604020202020204" pitchFamily="2" charset="-78"/>
-              </a:rPr>
-              <a:t>Seasonal Trend of Citi Bike Trips</a:t>
-            </a:r>
-            <a:endParaRPr lang="ko-KR" altLang="en-US" sz="2700" dirty="0">
-              <a:solidFill>
-                <a:srgbClr val="FFFFFF"/>
-              </a:solidFill>
-              <a:latin typeface="Arial Nova Light" panose="020B0304020202020204" pitchFamily="34" charset="0"/>
-              <a:cs typeface="Aldhabi" panose="020B0604020202020204" pitchFamily="2" charset="-78"/>
-            </a:endParaRPr>
-          </a:p>
-        </p:txBody>
-      </p:sp>
-      <p:cxnSp>
-        <p:nvCxnSpPr>
-          <p:cNvPr id="11" name="Straight Connector 10">
-            <a:extLst>
-              <a:ext uri="{FF2B5EF4-FFF2-40B4-BE49-F238E27FC236}">
-                <a16:creationId xmlns:a16="http://schemas.microsoft.com/office/drawing/2014/main" id="{23B93832-6514-44F4-849B-5EE2C8A2337D}"/>
+          <p:cNvPr id="21" name="Rectangle 20">
+            <a:extLst>
+              <a:ext uri="{FF2B5EF4-FFF2-40B4-BE49-F238E27FC236}">
+                <a16:creationId xmlns:a16="http://schemas.microsoft.com/office/drawing/2014/main" id="{9A0576B0-CD8C-4661-95C8-A9F2CE7CDDB0}"/>
               </a:ext>
               <a:ext uri="{C183D7F6-B498-43B3-948B-1728B52AA6E4}">
                 <adec:decorative xmlns:adec="http://schemas.microsoft.com/office/drawing/2017/decorative" val="1"/>
               </a:ext>
             </a:extLst>
           </p:cNvPr>
-          <p:cNvCxnSpPr>
-            <a:cxnSpLocks noGrp="1" noRot="1" noChangeAspect="1" noMove="1" noResize="1" noEditPoints="1" noAdjustHandles="1" noChangeArrowheads="1" noChangeShapeType="1"/>
-          </p:cNvCxnSpPr>
+          <p:cNvSpPr>
+            <a:spLocks noGrp="1" noRot="1" noChangeAspect="1" noMove="1" noResize="1" noEditPoints="1" noAdjustHandles="1" noChangeArrowheads="1" noChangeShapeType="1" noTextEdit="1"/>
+          </p:cNvSpPr>
           <p:nvPr>
             <p:extLst>
               <p:ext uri="{386F3935-93C4-4BCD-93E2-E3B085C9AB24}">
@@ -10094,139 +14083,19 @@
               </p:ext>
             </p:extLst>
           </p:nvPr>
-        </p:nvCxnSpPr>
-        <p:spPr>
-          <a:xfrm>
-            <a:off x="786679" y="3928939"/>
-            <a:ext cx="3931920" cy="0"/>
-          </a:xfrm>
-          <a:prstGeom prst="line">
-            <a:avLst/>
-          </a:prstGeom>
-          <a:ln w="19050">
-            <a:solidFill>
-              <a:srgbClr val="FFFFFF">
-                <a:alpha val="80000"/>
-              </a:srgbClr>
-            </a:solidFill>
-          </a:ln>
-        </p:spPr>
-        <p:style>
-          <a:lnRef idx="1">
-            <a:schemeClr val="accent1"/>
-          </a:lnRef>
-          <a:fillRef idx="0">
-            <a:schemeClr val="accent1"/>
-          </a:fillRef>
-          <a:effectRef idx="0">
-            <a:schemeClr val="accent1"/>
-          </a:effectRef>
-          <a:fontRef idx="minor">
-            <a:schemeClr val="tx1"/>
-          </a:fontRef>
-        </p:style>
-      </p:cxnSp>
-      <p:pic>
-        <p:nvPicPr>
-          <p:cNvPr id="4" name="Picture 3">
-            <a:extLst>
-              <a:ext uri="{FF2B5EF4-FFF2-40B4-BE49-F238E27FC236}">
-                <a16:creationId xmlns:a16="http://schemas.microsoft.com/office/drawing/2014/main" id="{C6C171D1-349F-4ABD-9CA8-49D823C8115B}"/>
-              </a:ext>
-            </a:extLst>
-          </p:cNvPr>
-          <p:cNvPicPr>
-            <a:picLocks noChangeAspect="1"/>
-          </p:cNvPicPr>
-          <p:nvPr/>
-        </p:nvPicPr>
-        <p:blipFill>
-          <a:blip r:embed="rId2"/>
-          <a:stretch>
-            <a:fillRect/>
-          </a:stretch>
-        </p:blipFill>
-        <p:spPr>
-          <a:xfrm>
-            <a:off x="6096000" y="1300295"/>
-            <a:ext cx="5459470" cy="4258386"/>
-          </a:xfrm>
-          <a:prstGeom prst="rect">
-            <a:avLst/>
-          </a:prstGeom>
-        </p:spPr>
-      </p:pic>
-    </p:spTree>
-    <p:extLst>
-      <p:ext uri="{BB962C8B-B14F-4D97-AF65-F5344CB8AC3E}">
-        <p14:creationId xmlns:p14="http://schemas.microsoft.com/office/powerpoint/2010/main" val="10277566"/>
-      </p:ext>
-    </p:extLst>
-  </p:cSld>
-  <p:clrMapOvr>
-    <a:masterClrMapping/>
-  </p:clrMapOvr>
-</p:sld>
-</file>
-
-<file path=ppt/slides/slide9.xml><?xml version="1.0" encoding="utf-8"?>
-<p:sld xmlns:a="http://schemas.openxmlformats.org/drawingml/2006/main" xmlns:r="http://schemas.openxmlformats.org/officeDocument/2006/relationships" xmlns:p="http://schemas.openxmlformats.org/presentationml/2006/main">
-  <p:cSld>
-    <p:bg>
-      <p:bgPr>
-        <a:solidFill>
-          <a:schemeClr val="bg1"/>
-        </a:solidFill>
-        <a:effectLst/>
-      </p:bgPr>
-    </p:bg>
-    <p:spTree>
-      <p:nvGrpSpPr>
-        <p:cNvPr id="1" name=""/>
-        <p:cNvGrpSpPr/>
-        <p:nvPr/>
-      </p:nvGrpSpPr>
-      <p:grpSpPr>
-        <a:xfrm>
-          <a:off x="0" y="0"/>
-          <a:ext cx="0" cy="0"/>
-          <a:chOff x="0" y="0"/>
-          <a:chExt cx="0" cy="0"/>
-        </a:xfrm>
-      </p:grpSpPr>
-      <p:sp>
-        <p:nvSpPr>
-          <p:cNvPr id="15" name="Rectangle 8">
-            <a:extLst>
-              <a:ext uri="{FF2B5EF4-FFF2-40B4-BE49-F238E27FC236}">
-                <a16:creationId xmlns:a16="http://schemas.microsoft.com/office/drawing/2014/main" id="{605494DE-B078-4D87-BB01-C84320618DAD}"/>
-              </a:ext>
-              <a:ext uri="{C183D7F6-B498-43B3-948B-1728B52AA6E4}">
-                <adec:decorative xmlns:adec="http://schemas.microsoft.com/office/drawing/2017/decorative" val="1"/>
-              </a:ext>
-            </a:extLst>
-          </p:cNvPr>
-          <p:cNvSpPr>
-            <a:spLocks noGrp="1" noRot="1" noChangeAspect="1" noMove="1" noResize="1" noEditPoints="1" noAdjustHandles="1" noChangeArrowheads="1" noChangeShapeType="1" noTextEdit="1"/>
-          </p:cNvSpPr>
-          <p:nvPr>
-            <p:extLst>
-              <p:ext uri="{386F3935-93C4-4BCD-93E2-E3B085C9AB24}">
-                <p16:designElem xmlns:p16="http://schemas.microsoft.com/office/powerpoint/2015/main" val="1"/>
-              </p:ext>
-            </p:extLst>
-          </p:nvPr>
         </p:nvSpPr>
         <p:spPr>
           <a:xfrm>
             <a:off x="0" y="-3324"/>
-            <a:ext cx="12192000" cy="6858000"/>
+            <a:ext cx="4724288" cy="6861324"/>
           </a:xfrm>
           <a:prstGeom prst="rect">
             <a:avLst/>
           </a:prstGeom>
           <a:solidFill>
-            <a:srgbClr val="FFFFFF"/>
+            <a:srgbClr val="000000">
+              <a:alpha val="80392"/>
+            </a:srgbClr>
           </a:solidFill>
           <a:ln>
             <a:noFill/>
@@ -10259,72 +14128,7 @@
       </p:sp>
       <p:sp>
         <p:nvSpPr>
-          <p:cNvPr id="16" name="Rectangle 10">
-            <a:extLst>
-              <a:ext uri="{FF2B5EF4-FFF2-40B4-BE49-F238E27FC236}">
-                <a16:creationId xmlns:a16="http://schemas.microsoft.com/office/drawing/2014/main" id="{9A0576B0-CD8C-4661-95C8-A9F2CE7CDDB0}"/>
-              </a:ext>
-              <a:ext uri="{C183D7F6-B498-43B3-948B-1728B52AA6E4}">
-                <adec:decorative xmlns:adec="http://schemas.microsoft.com/office/drawing/2017/decorative" val="1"/>
-              </a:ext>
-            </a:extLst>
-          </p:cNvPr>
-          <p:cNvSpPr>
-            <a:spLocks noGrp="1" noRot="1" noChangeAspect="1" noMove="1" noResize="1" noEditPoints="1" noAdjustHandles="1" noChangeArrowheads="1" noChangeShapeType="1" noTextEdit="1"/>
-          </p:cNvSpPr>
-          <p:nvPr>
-            <p:extLst>
-              <p:ext uri="{386F3935-93C4-4BCD-93E2-E3B085C9AB24}">
-                <p16:designElem xmlns:p16="http://schemas.microsoft.com/office/powerpoint/2015/main" val="1"/>
-              </p:ext>
-            </p:extLst>
-          </p:nvPr>
-        </p:nvSpPr>
-        <p:spPr>
-          <a:xfrm>
-            <a:off x="0" y="-3324"/>
-            <a:ext cx="4724288" cy="6861324"/>
-          </a:xfrm>
-          <a:prstGeom prst="rect">
-            <a:avLst/>
-          </a:prstGeom>
-          <a:solidFill>
-            <a:srgbClr val="000000">
-              <a:alpha val="80392"/>
-            </a:srgbClr>
-          </a:solidFill>
-          <a:ln>
-            <a:noFill/>
-          </a:ln>
-        </p:spPr>
-        <p:style>
-          <a:lnRef idx="2">
-            <a:schemeClr val="accent1">
-              <a:shade val="50000"/>
-            </a:schemeClr>
-          </a:lnRef>
-          <a:fillRef idx="1">
-            <a:schemeClr val="accent1"/>
-          </a:fillRef>
-          <a:effectRef idx="0">
-            <a:schemeClr val="accent1"/>
-          </a:effectRef>
-          <a:fontRef idx="minor">
-            <a:schemeClr val="lt1"/>
-          </a:fontRef>
-        </p:style>
-        <p:txBody>
-          <a:bodyPr rtlCol="0" anchor="ctr"/>
-          <a:lstStyle/>
-          <a:p>
-            <a:pPr algn="ctr"/>
-            <a:endParaRPr lang="en-US"/>
-          </a:p>
-        </p:txBody>
-      </p:sp>
-      <p:sp>
-        <p:nvSpPr>
-          <p:cNvPr id="17" name="Freeform: Shape 12">
+          <p:cNvPr id="23" name="Freeform: Shape 22">
             <a:extLst>
               <a:ext uri="{FF2B5EF4-FFF2-40B4-BE49-F238E27FC236}">
                 <a16:creationId xmlns:a16="http://schemas.microsoft.com/office/drawing/2014/main" id="{3FF60E2B-3919-423C-B1FF-56CDE6681165}"/>
@@ -10450,8 +14254,8 @@
         </p:nvSpPr>
         <p:spPr>
           <a:xfrm>
-            <a:off x="266700" y="752475"/>
-            <a:ext cx="4319042" cy="4667250"/>
+            <a:off x="0" y="2274908"/>
+            <a:ext cx="4724288" cy="2301536"/>
           </a:xfrm>
         </p:spPr>
         <p:txBody>
@@ -10459,44 +14263,6 @@
             <a:normAutofit/>
           </a:bodyPr>
           <a:lstStyle/>
-          <a:p>
-            <a:pPr algn="l"/>
-            <a:endParaRPr lang="en-US" altLang="ko-KR" sz="3000" b="1" i="0" dirty="0">
-              <a:solidFill>
-                <a:schemeClr val="bg1"/>
-              </a:solidFill>
-              <a:effectLst/>
-              <a:latin typeface="Helvetica Neue"/>
-            </a:endParaRPr>
-          </a:p>
-          <a:p>
-            <a:pPr algn="l"/>
-            <a:endParaRPr lang="en-US" altLang="ko-KR" sz="3000" b="1" dirty="0">
-              <a:solidFill>
-                <a:schemeClr val="bg1"/>
-              </a:solidFill>
-              <a:latin typeface="Helvetica Neue"/>
-            </a:endParaRPr>
-          </a:p>
-          <a:p>
-            <a:pPr algn="l"/>
-            <a:endParaRPr lang="en-US" altLang="ko-KR" sz="3000" b="1" i="0" dirty="0">
-              <a:solidFill>
-                <a:schemeClr val="bg1"/>
-              </a:solidFill>
-              <a:effectLst/>
-              <a:latin typeface="Helvetica Neue"/>
-            </a:endParaRPr>
-          </a:p>
-          <a:p>
-            <a:pPr algn="l"/>
-            <a:endParaRPr lang="en-US" altLang="ko-KR" sz="3000" b="1" dirty="0">
-              <a:solidFill>
-                <a:schemeClr val="bg1"/>
-              </a:solidFill>
-              <a:latin typeface="Helvetica Neue"/>
-            </a:endParaRPr>
-          </a:p>
           <a:p>
             <a:r>
               <a:rPr lang="en-US" altLang="ko-KR" sz="3000" b="1" i="0" dirty="0">
@@ -10506,18 +14272,19 @@
                 <a:effectLst/>
                 <a:latin typeface="Helvetica Neue"/>
               </a:rPr>
-              <a:t>Temperature impact by ride counts</a:t>
-            </a:r>
-          </a:p>
-          <a:p>
-            <a:pPr algn="l"/>
-            <a:endParaRPr lang="ko-KR" altLang="en-US" sz="2000" dirty="0">
-              <a:solidFill>
-                <a:srgbClr val="FFFFFF"/>
-              </a:solidFill>
-              <a:latin typeface="Arial Nova Light" panose="020B0304020202020204" pitchFamily="34" charset="0"/>
-              <a:cs typeface="Aldhabi" panose="020B0604020202020204" pitchFamily="2" charset="-78"/>
-            </a:endParaRPr>
+              <a:t>User Type Counts by</a:t>
+            </a:r>
+          </a:p>
+          <a:p>
+            <a:r>
+              <a:rPr lang="en-US" altLang="ko-KR" sz="3000" b="1" dirty="0">
+                <a:solidFill>
+                  <a:schemeClr val="bg1"/>
+                </a:solidFill>
+                <a:latin typeface="Helvetica Neue"/>
+              </a:rPr>
+              <a:t>User Type</a:t>
+            </a:r>
           </a:p>
         </p:txBody>
       </p:sp>
@@ -10526,7 +14293,7 @@
           <p:cNvPr id="4" name="Picture 3">
             <a:extLst>
               <a:ext uri="{FF2B5EF4-FFF2-40B4-BE49-F238E27FC236}">
-                <a16:creationId xmlns:a16="http://schemas.microsoft.com/office/drawing/2014/main" id="{B71914E1-699C-406B-9267-68263BED41C6}"/>
+                <a16:creationId xmlns:a16="http://schemas.microsoft.com/office/drawing/2014/main" id="{057ECD94-9C90-488D-B24C-EE98231347A6}"/>
               </a:ext>
             </a:extLst>
           </p:cNvPr>
@@ -10543,8 +14310,8 @@
         </p:blipFill>
         <p:spPr>
           <a:xfrm>
-            <a:off x="5320996" y="1899641"/>
-            <a:ext cx="6274296" cy="3058718"/>
+            <a:off x="4724288" y="114300"/>
+            <a:ext cx="7464283" cy="3949028"/>
           </a:xfrm>
           <a:prstGeom prst="rect">
             <a:avLst/>
@@ -10554,7 +14321,402 @@
     </p:spTree>
     <p:extLst>
       <p:ext uri="{BB962C8B-B14F-4D97-AF65-F5344CB8AC3E}">
-        <p14:creationId xmlns:p14="http://schemas.microsoft.com/office/powerpoint/2010/main" val="4250273115"/>
+        <p14:creationId xmlns:p14="http://schemas.microsoft.com/office/powerpoint/2010/main" val="1763401101"/>
+      </p:ext>
+    </p:extLst>
+  </p:cSld>
+  <p:clrMapOvr>
+    <a:masterClrMapping/>
+  </p:clrMapOvr>
+</p:sld>
+</file>
+
+<file path=ppt/slides/slide9.xml><?xml version="1.0" encoding="utf-8"?>
+<p:sld xmlns:a="http://schemas.openxmlformats.org/drawingml/2006/main" xmlns:r="http://schemas.openxmlformats.org/officeDocument/2006/relationships" xmlns:p="http://schemas.openxmlformats.org/presentationml/2006/main">
+  <p:cSld>
+    <p:bg>
+      <p:bgPr>
+        <a:solidFill>
+          <a:schemeClr val="bg1"/>
+        </a:solidFill>
+        <a:effectLst/>
+      </p:bgPr>
+    </p:bg>
+    <p:spTree>
+      <p:nvGrpSpPr>
+        <p:cNvPr id="1" name=""/>
+        <p:cNvGrpSpPr/>
+        <p:nvPr/>
+      </p:nvGrpSpPr>
+      <p:grpSpPr>
+        <a:xfrm>
+          <a:off x="0" y="0"/>
+          <a:ext cx="0" cy="0"/>
+          <a:chOff x="0" y="0"/>
+          <a:chExt cx="0" cy="0"/>
+        </a:xfrm>
+      </p:grpSpPr>
+      <p:sp>
+        <p:nvSpPr>
+          <p:cNvPr id="19" name="Rectangle 18">
+            <a:extLst>
+              <a:ext uri="{FF2B5EF4-FFF2-40B4-BE49-F238E27FC236}">
+                <a16:creationId xmlns:a16="http://schemas.microsoft.com/office/drawing/2014/main" id="{605494DE-B078-4D87-BB01-C84320618DAD}"/>
+              </a:ext>
+              <a:ext uri="{C183D7F6-B498-43B3-948B-1728B52AA6E4}">
+                <adec:decorative xmlns:adec="http://schemas.microsoft.com/office/drawing/2017/decorative" val="1"/>
+              </a:ext>
+            </a:extLst>
+          </p:cNvPr>
+          <p:cNvSpPr>
+            <a:spLocks noGrp="1" noRot="1" noChangeAspect="1" noMove="1" noResize="1" noEditPoints="1" noAdjustHandles="1" noChangeArrowheads="1" noChangeShapeType="1" noTextEdit="1"/>
+          </p:cNvSpPr>
+          <p:nvPr>
+            <p:extLst>
+              <p:ext uri="{386F3935-93C4-4BCD-93E2-E3B085C9AB24}">
+                <p16:designElem xmlns:p16="http://schemas.microsoft.com/office/powerpoint/2015/main" val="1"/>
+              </p:ext>
+            </p:extLst>
+          </p:nvPr>
+        </p:nvSpPr>
+        <p:spPr>
+          <a:xfrm>
+            <a:off x="0" y="-3324"/>
+            <a:ext cx="12192000" cy="6858000"/>
+          </a:xfrm>
+          <a:prstGeom prst="rect">
+            <a:avLst/>
+          </a:prstGeom>
+          <a:solidFill>
+            <a:srgbClr val="FFFFFF"/>
+          </a:solidFill>
+          <a:ln>
+            <a:noFill/>
+          </a:ln>
+        </p:spPr>
+        <p:style>
+          <a:lnRef idx="2">
+            <a:schemeClr val="accent1">
+              <a:shade val="50000"/>
+            </a:schemeClr>
+          </a:lnRef>
+          <a:fillRef idx="1">
+            <a:schemeClr val="accent1"/>
+          </a:fillRef>
+          <a:effectRef idx="0">
+            <a:schemeClr val="accent1"/>
+          </a:effectRef>
+          <a:fontRef idx="minor">
+            <a:schemeClr val="lt1"/>
+          </a:fontRef>
+        </p:style>
+        <p:txBody>
+          <a:bodyPr rtlCol="0" anchor="ctr"/>
+          <a:lstStyle/>
+          <a:p>
+            <a:pPr algn="ctr"/>
+            <a:endParaRPr lang="en-US"/>
+          </a:p>
+        </p:txBody>
+      </p:sp>
+      <p:sp>
+        <p:nvSpPr>
+          <p:cNvPr id="21" name="Rectangle 20">
+            <a:extLst>
+              <a:ext uri="{FF2B5EF4-FFF2-40B4-BE49-F238E27FC236}">
+                <a16:creationId xmlns:a16="http://schemas.microsoft.com/office/drawing/2014/main" id="{9A0576B0-CD8C-4661-95C8-A9F2CE7CDDB0}"/>
+              </a:ext>
+              <a:ext uri="{C183D7F6-B498-43B3-948B-1728B52AA6E4}">
+                <adec:decorative xmlns:adec="http://schemas.microsoft.com/office/drawing/2017/decorative" val="1"/>
+              </a:ext>
+            </a:extLst>
+          </p:cNvPr>
+          <p:cNvSpPr>
+            <a:spLocks noGrp="1" noRot="1" noChangeAspect="1" noMove="1" noResize="1" noEditPoints="1" noAdjustHandles="1" noChangeArrowheads="1" noChangeShapeType="1" noTextEdit="1"/>
+          </p:cNvSpPr>
+          <p:nvPr>
+            <p:extLst>
+              <p:ext uri="{386F3935-93C4-4BCD-93E2-E3B085C9AB24}">
+                <p16:designElem xmlns:p16="http://schemas.microsoft.com/office/powerpoint/2015/main" val="1"/>
+              </p:ext>
+            </p:extLst>
+          </p:nvPr>
+        </p:nvSpPr>
+        <p:spPr>
+          <a:xfrm>
+            <a:off x="0" y="-3324"/>
+            <a:ext cx="4724288" cy="6861324"/>
+          </a:xfrm>
+          <a:prstGeom prst="rect">
+            <a:avLst/>
+          </a:prstGeom>
+          <a:solidFill>
+            <a:srgbClr val="000000">
+              <a:alpha val="80392"/>
+            </a:srgbClr>
+          </a:solidFill>
+          <a:ln>
+            <a:noFill/>
+          </a:ln>
+        </p:spPr>
+        <p:style>
+          <a:lnRef idx="2">
+            <a:schemeClr val="accent1">
+              <a:shade val="50000"/>
+            </a:schemeClr>
+          </a:lnRef>
+          <a:fillRef idx="1">
+            <a:schemeClr val="accent1"/>
+          </a:fillRef>
+          <a:effectRef idx="0">
+            <a:schemeClr val="accent1"/>
+          </a:effectRef>
+          <a:fontRef idx="minor">
+            <a:schemeClr val="lt1"/>
+          </a:fontRef>
+        </p:style>
+        <p:txBody>
+          <a:bodyPr rtlCol="0" anchor="ctr"/>
+          <a:lstStyle/>
+          <a:p>
+            <a:pPr algn="ctr"/>
+            <a:endParaRPr lang="en-US"/>
+          </a:p>
+        </p:txBody>
+      </p:sp>
+      <p:sp>
+        <p:nvSpPr>
+          <p:cNvPr id="23" name="Freeform: Shape 22">
+            <a:extLst>
+              <a:ext uri="{FF2B5EF4-FFF2-40B4-BE49-F238E27FC236}">
+                <a16:creationId xmlns:a16="http://schemas.microsoft.com/office/drawing/2014/main" id="{3FF60E2B-3919-423C-B1FF-56CDE6681165}"/>
+              </a:ext>
+              <a:ext uri="{C183D7F6-B498-43B3-948B-1728B52AA6E4}">
+                <adec:decorative xmlns:adec="http://schemas.microsoft.com/office/drawing/2017/decorative" val="1"/>
+              </a:ext>
+            </a:extLst>
+          </p:cNvPr>
+          <p:cNvSpPr>
+            <a:spLocks noGrp="1" noRot="1" noChangeAspect="1" noMove="1" noResize="1" noEditPoints="1" noAdjustHandles="1" noChangeArrowheads="1" noChangeShapeType="1" noTextEdit="1"/>
+          </p:cNvSpPr>
+          <p:nvPr>
+            <p:extLst>
+              <p:ext uri="{386F3935-93C4-4BCD-93E2-E3B085C9AB24}">
+                <p16:designElem xmlns:p16="http://schemas.microsoft.com/office/powerpoint/2015/main" val="1"/>
+              </p:ext>
+            </p:extLst>
+          </p:nvPr>
+        </p:nvSpPr>
+        <p:spPr>
+          <a:xfrm>
+            <a:off x="0" y="0"/>
+            <a:ext cx="4319042" cy="6858000"/>
+          </a:xfrm>
+          <a:custGeom>
+            <a:avLst/>
+            <a:gdLst>
+              <a:gd name="connsiteX0" fmla="*/ 0 w 4319042"/>
+              <a:gd name="connsiteY0" fmla="*/ 0 h 6858000"/>
+              <a:gd name="connsiteX1" fmla="*/ 1142888 w 4319042"/>
+              <a:gd name="connsiteY1" fmla="*/ 0 h 6858000"/>
+              <a:gd name="connsiteX2" fmla="*/ 4319042 w 4319042"/>
+              <a:gd name="connsiteY2" fmla="*/ 6858000 h 6858000"/>
+              <a:gd name="connsiteX3" fmla="*/ 0 w 4319042"/>
+              <a:gd name="connsiteY3" fmla="*/ 6858000 h 6858000"/>
+            </a:gdLst>
+            <a:ahLst/>
+            <a:cxnLst>
+              <a:cxn ang="0">
+                <a:pos x="connsiteX0" y="connsiteY0"/>
+              </a:cxn>
+              <a:cxn ang="0">
+                <a:pos x="connsiteX1" y="connsiteY1"/>
+              </a:cxn>
+              <a:cxn ang="0">
+                <a:pos x="connsiteX2" y="connsiteY2"/>
+              </a:cxn>
+              <a:cxn ang="0">
+                <a:pos x="connsiteX3" y="connsiteY3"/>
+              </a:cxn>
+            </a:cxnLst>
+            <a:rect l="l" t="t" r="r" b="b"/>
+            <a:pathLst>
+              <a:path w="4319042" h="6858000">
+                <a:moveTo>
+                  <a:pt x="0" y="0"/>
+                </a:moveTo>
+                <a:lnTo>
+                  <a:pt x="1142888" y="0"/>
+                </a:lnTo>
+                <a:lnTo>
+                  <a:pt x="4319042" y="6858000"/>
+                </a:lnTo>
+                <a:lnTo>
+                  <a:pt x="0" y="6858000"/>
+                </a:lnTo>
+                <a:close/>
+              </a:path>
+            </a:pathLst>
+          </a:custGeom>
+          <a:solidFill>
+            <a:srgbClr val="000000">
+              <a:alpha val="34902"/>
+            </a:srgbClr>
+          </a:solidFill>
+          <a:ln>
+            <a:noFill/>
+          </a:ln>
+        </p:spPr>
+        <p:style>
+          <a:lnRef idx="2">
+            <a:schemeClr val="accent1">
+              <a:shade val="50000"/>
+            </a:schemeClr>
+          </a:lnRef>
+          <a:fillRef idx="1">
+            <a:schemeClr val="accent1"/>
+          </a:fillRef>
+          <a:effectRef idx="0">
+            <a:schemeClr val="accent1"/>
+          </a:effectRef>
+          <a:fontRef idx="minor">
+            <a:schemeClr val="lt1"/>
+          </a:fontRef>
+        </p:style>
+        <p:txBody>
+          <a:bodyPr wrap="square" rtlCol="0" anchor="ctr">
+            <a:noAutofit/>
+          </a:bodyPr>
+          <a:lstStyle/>
+          <a:p>
+            <a:pPr algn="ctr"/>
+            <a:endParaRPr lang="en-US"/>
+          </a:p>
+        </p:txBody>
+      </p:sp>
+      <p:sp>
+        <p:nvSpPr>
+          <p:cNvPr id="3" name="Subtitle 2">
+            <a:extLst>
+              <a:ext uri="{FF2B5EF4-FFF2-40B4-BE49-F238E27FC236}">
+                <a16:creationId xmlns:a16="http://schemas.microsoft.com/office/drawing/2014/main" id="{C63068C7-FF93-4F55-8D49-8E391F78232D}"/>
+              </a:ext>
+            </a:extLst>
+          </p:cNvPr>
+          <p:cNvSpPr>
+            <a:spLocks noGrp="1"/>
+          </p:cNvSpPr>
+          <p:nvPr>
+            <p:ph type="subTitle" idx="1"/>
+          </p:nvPr>
+        </p:nvSpPr>
+        <p:spPr>
+          <a:xfrm>
+            <a:off x="0" y="2274908"/>
+            <a:ext cx="4724288" cy="2301536"/>
+          </a:xfrm>
+        </p:spPr>
+        <p:txBody>
+          <a:bodyPr>
+            <a:normAutofit/>
+          </a:bodyPr>
+          <a:lstStyle/>
+          <a:p>
+            <a:r>
+              <a:rPr lang="en-US" altLang="ko-KR" sz="3000" b="1" i="0" dirty="0">
+                <a:solidFill>
+                  <a:schemeClr val="bg1"/>
+                </a:solidFill>
+                <a:effectLst/>
+                <a:latin typeface="Helvetica Neue"/>
+              </a:rPr>
+              <a:t>Age Distribution by </a:t>
+            </a:r>
+          </a:p>
+          <a:p>
+            <a:r>
+              <a:rPr lang="en-US" altLang="ko-KR" sz="3000" b="1" i="0" dirty="0">
+                <a:solidFill>
+                  <a:schemeClr val="bg1"/>
+                </a:solidFill>
+                <a:effectLst/>
+                <a:latin typeface="Helvetica Neue"/>
+              </a:rPr>
+              <a:t>User Type</a:t>
+            </a:r>
+            <a:endParaRPr lang="en-US" altLang="ko-KR" sz="3000" b="1" dirty="0">
+              <a:solidFill>
+                <a:schemeClr val="bg1"/>
+              </a:solidFill>
+              <a:latin typeface="Helvetica Neue"/>
+            </a:endParaRPr>
+          </a:p>
+        </p:txBody>
+      </p:sp>
+      <p:pic>
+        <p:nvPicPr>
+          <p:cNvPr id="4" name="Picture 3">
+            <a:extLst>
+              <a:ext uri="{FF2B5EF4-FFF2-40B4-BE49-F238E27FC236}">
+                <a16:creationId xmlns:a16="http://schemas.microsoft.com/office/drawing/2014/main" id="{271290CA-F2B8-4F97-842A-B9ED1B8BF89C}"/>
+              </a:ext>
+            </a:extLst>
+          </p:cNvPr>
+          <p:cNvPicPr>
+            <a:picLocks noChangeAspect="1"/>
+          </p:cNvPicPr>
+          <p:nvPr/>
+        </p:nvPicPr>
+        <p:blipFill>
+          <a:blip r:embed="rId2"/>
+          <a:stretch>
+            <a:fillRect/>
+          </a:stretch>
+        </p:blipFill>
+        <p:spPr>
+          <a:xfrm>
+            <a:off x="6096000" y="133351"/>
+            <a:ext cx="3876675" cy="3302119"/>
+          </a:xfrm>
+          <a:prstGeom prst="rect">
+            <a:avLst/>
+          </a:prstGeom>
+        </p:spPr>
+      </p:pic>
+      <p:pic>
+        <p:nvPicPr>
+          <p:cNvPr id="8" name="Picture 7">
+            <a:extLst>
+              <a:ext uri="{FF2B5EF4-FFF2-40B4-BE49-F238E27FC236}">
+                <a16:creationId xmlns:a16="http://schemas.microsoft.com/office/drawing/2014/main" id="{0FDFB059-010E-4F37-B059-794294DE4EED}"/>
+              </a:ext>
+            </a:extLst>
+          </p:cNvPr>
+          <p:cNvPicPr>
+            <a:picLocks noChangeAspect="1"/>
+          </p:cNvPicPr>
+          <p:nvPr/>
+        </p:nvPicPr>
+        <p:blipFill>
+          <a:blip r:embed="rId3"/>
+          <a:stretch>
+            <a:fillRect/>
+          </a:stretch>
+        </p:blipFill>
+        <p:spPr>
+          <a:xfrm>
+            <a:off x="6248400" y="3578459"/>
+            <a:ext cx="3876675" cy="3295805"/>
+          </a:xfrm>
+          <a:prstGeom prst="rect">
+            <a:avLst/>
+          </a:prstGeom>
+        </p:spPr>
+      </p:pic>
+    </p:spTree>
+    <p:extLst>
+      <p:ext uri="{BB962C8B-B14F-4D97-AF65-F5344CB8AC3E}">
+        <p14:creationId xmlns:p14="http://schemas.microsoft.com/office/powerpoint/2010/main" val="3978907576"/>
       </p:ext>
     </p:extLst>
   </p:cSld>

--- a/Citi Bike.pptx
+++ b/Citi Bike.pptx
@@ -22,20 +22,13 @@
     <p:sldId id="282" r:id="rId16"/>
     <p:sldId id="288" r:id="rId17"/>
     <p:sldId id="284" r:id="rId18"/>
-    <p:sldId id="286" r:id="rId19"/>
-    <p:sldId id="285" r:id="rId20"/>
+    <p:sldId id="285" r:id="rId19"/>
+    <p:sldId id="286" r:id="rId20"/>
     <p:sldId id="283" r:id="rId21"/>
-    <p:sldId id="262" r:id="rId22"/>
-    <p:sldId id="263" r:id="rId23"/>
-    <p:sldId id="265" r:id="rId24"/>
-    <p:sldId id="266" r:id="rId25"/>
-    <p:sldId id="267" r:id="rId26"/>
-    <p:sldId id="268" r:id="rId27"/>
-    <p:sldId id="269" r:id="rId28"/>
-    <p:sldId id="270" r:id="rId29"/>
-    <p:sldId id="271" r:id="rId30"/>
-    <p:sldId id="274" r:id="rId31"/>
-    <p:sldId id="275" r:id="rId32"/>
+    <p:sldId id="269" r:id="rId22"/>
+    <p:sldId id="270" r:id="rId23"/>
+    <p:sldId id="271" r:id="rId24"/>
+    <p:sldId id="274" r:id="rId25"/>
   </p:sldIdLst>
   <p:sldSz cx="12192000" cy="6858000"/>
   <p:notesSz cx="6858000" cy="9144000"/>
@@ -291,7 +284,7 @@
           <a:p>
             <a:fld id="{94B95F32-165F-409D-9DFB-67458F6B5B60}" type="datetimeFigureOut">
               <a:rPr lang="ko-KR" altLang="en-US" smtClean="0"/>
-              <a:t>2020-12-26</a:t>
+              <a:t>2020-12-28</a:t>
             </a:fld>
             <a:endParaRPr lang="ko-KR" altLang="en-US"/>
           </a:p>
@@ -491,7 +484,7 @@
           <a:p>
             <a:fld id="{94B95F32-165F-409D-9DFB-67458F6B5B60}" type="datetimeFigureOut">
               <a:rPr lang="ko-KR" altLang="en-US" smtClean="0"/>
-              <a:t>2020-12-26</a:t>
+              <a:t>2020-12-28</a:t>
             </a:fld>
             <a:endParaRPr lang="ko-KR" altLang="en-US"/>
           </a:p>
@@ -701,7 +694,7 @@
           <a:p>
             <a:fld id="{94B95F32-165F-409D-9DFB-67458F6B5B60}" type="datetimeFigureOut">
               <a:rPr lang="ko-KR" altLang="en-US" smtClean="0"/>
-              <a:t>2020-12-26</a:t>
+              <a:t>2020-12-28</a:t>
             </a:fld>
             <a:endParaRPr lang="ko-KR" altLang="en-US"/>
           </a:p>
@@ -901,7 +894,7 @@
           <a:p>
             <a:fld id="{94B95F32-165F-409D-9DFB-67458F6B5B60}" type="datetimeFigureOut">
               <a:rPr lang="ko-KR" altLang="en-US" smtClean="0"/>
-              <a:t>2020-12-26</a:t>
+              <a:t>2020-12-28</a:t>
             </a:fld>
             <a:endParaRPr lang="ko-KR" altLang="en-US"/>
           </a:p>
@@ -1177,7 +1170,7 @@
           <a:p>
             <a:fld id="{94B95F32-165F-409D-9DFB-67458F6B5B60}" type="datetimeFigureOut">
               <a:rPr lang="ko-KR" altLang="en-US" smtClean="0"/>
-              <a:t>2020-12-26</a:t>
+              <a:t>2020-12-28</a:t>
             </a:fld>
             <a:endParaRPr lang="ko-KR" altLang="en-US"/>
           </a:p>
@@ -1445,7 +1438,7 @@
           <a:p>
             <a:fld id="{94B95F32-165F-409D-9DFB-67458F6B5B60}" type="datetimeFigureOut">
               <a:rPr lang="ko-KR" altLang="en-US" smtClean="0"/>
-              <a:t>2020-12-26</a:t>
+              <a:t>2020-12-28</a:t>
             </a:fld>
             <a:endParaRPr lang="ko-KR" altLang="en-US"/>
           </a:p>
@@ -1860,7 +1853,7 @@
           <a:p>
             <a:fld id="{94B95F32-165F-409D-9DFB-67458F6B5B60}" type="datetimeFigureOut">
               <a:rPr lang="ko-KR" altLang="en-US" smtClean="0"/>
-              <a:t>2020-12-26</a:t>
+              <a:t>2020-12-28</a:t>
             </a:fld>
             <a:endParaRPr lang="ko-KR" altLang="en-US"/>
           </a:p>
@@ -2002,7 +1995,7 @@
           <a:p>
             <a:fld id="{94B95F32-165F-409D-9DFB-67458F6B5B60}" type="datetimeFigureOut">
               <a:rPr lang="ko-KR" altLang="en-US" smtClean="0"/>
-              <a:t>2020-12-26</a:t>
+              <a:t>2020-12-28</a:t>
             </a:fld>
             <a:endParaRPr lang="ko-KR" altLang="en-US"/>
           </a:p>
@@ -2115,7 +2108,7 @@
           <a:p>
             <a:fld id="{94B95F32-165F-409D-9DFB-67458F6B5B60}" type="datetimeFigureOut">
               <a:rPr lang="ko-KR" altLang="en-US" smtClean="0"/>
-              <a:t>2020-12-26</a:t>
+              <a:t>2020-12-28</a:t>
             </a:fld>
             <a:endParaRPr lang="ko-KR" altLang="en-US"/>
           </a:p>
@@ -2428,7 +2421,7 @@
           <a:p>
             <a:fld id="{94B95F32-165F-409D-9DFB-67458F6B5B60}" type="datetimeFigureOut">
               <a:rPr lang="ko-KR" altLang="en-US" smtClean="0"/>
-              <a:t>2020-12-26</a:t>
+              <a:t>2020-12-28</a:t>
             </a:fld>
             <a:endParaRPr lang="ko-KR" altLang="en-US"/>
           </a:p>
@@ -2717,7 +2710,7 @@
           <a:p>
             <a:fld id="{94B95F32-165F-409D-9DFB-67458F6B5B60}" type="datetimeFigureOut">
               <a:rPr lang="ko-KR" altLang="en-US" smtClean="0"/>
-              <a:t>2020-12-26</a:t>
+              <a:t>2020-12-28</a:t>
             </a:fld>
             <a:endParaRPr lang="ko-KR" altLang="en-US"/>
           </a:p>
@@ -2960,7 +2953,7 @@
           <a:p>
             <a:fld id="{94B95F32-165F-409D-9DFB-67458F6B5B60}" type="datetimeFigureOut">
               <a:rPr lang="ko-KR" altLang="en-US" smtClean="0"/>
-              <a:t>2020-12-26</a:t>
+              <a:t>2020-12-28</a:t>
             </a:fld>
             <a:endParaRPr lang="ko-KR" altLang="en-US"/>
           </a:p>
@@ -5296,35 +5289,6 @@
           <a:chExt cx="0" cy="0"/>
         </a:xfrm>
       </p:grpSpPr>
-      <p:pic>
-        <p:nvPicPr>
-          <p:cNvPr id="4" name="Picture 3" descr="Chart, bar chart, histogram&#10;&#10;Description automatically generated">
-            <a:extLst>
-              <a:ext uri="{FF2B5EF4-FFF2-40B4-BE49-F238E27FC236}">
-                <a16:creationId xmlns:a16="http://schemas.microsoft.com/office/drawing/2014/main" id="{A76461FB-4D4B-4F81-A24C-1205F8689F92}"/>
-              </a:ext>
-            </a:extLst>
-          </p:cNvPr>
-          <p:cNvPicPr>
-            <a:picLocks noChangeAspect="1"/>
-          </p:cNvPicPr>
-          <p:nvPr/>
-        </p:nvPicPr>
-        <p:blipFill rotWithShape="1">
-          <a:blip r:embed="rId2"/>
-          <a:srcRect l="5534" r="2" b="2"/>
-          <a:stretch/>
-        </p:blipFill>
-        <p:spPr>
-          <a:xfrm>
-            <a:off x="320040" y="320040"/>
-            <a:ext cx="11548872" cy="4462272"/>
-          </a:xfrm>
-          <a:prstGeom prst="rect">
-            <a:avLst/>
-          </a:prstGeom>
-        </p:spPr>
-      </p:pic>
       <p:sp>
         <p:nvSpPr>
           <p:cNvPr id="28" name="Rectangle 27">
@@ -5521,6 +5485,80 @@
           </a:fontRef>
         </p:style>
       </p:cxnSp>
+      <p:pic>
+        <p:nvPicPr>
+          <p:cNvPr id="6" name="Picture 5">
+            <a:extLst>
+              <a:ext uri="{FF2B5EF4-FFF2-40B4-BE49-F238E27FC236}">
+                <a16:creationId xmlns:a16="http://schemas.microsoft.com/office/drawing/2014/main" id="{FEA2A1BD-F782-4693-867E-FDC9E6B91DC6}"/>
+              </a:ext>
+            </a:extLst>
+          </p:cNvPr>
+          <p:cNvPicPr>
+            <a:picLocks noChangeAspect="1"/>
+          </p:cNvPicPr>
+          <p:nvPr/>
+        </p:nvPicPr>
+        <p:blipFill>
+          <a:blip r:embed="rId2"/>
+          <a:stretch>
+            <a:fillRect/>
+          </a:stretch>
+        </p:blipFill>
+        <p:spPr>
+          <a:xfrm>
+            <a:off x="211836" y="259737"/>
+            <a:ext cx="11658600" cy="4305300"/>
+          </a:xfrm>
+          <a:prstGeom prst="rect">
+            <a:avLst/>
+          </a:prstGeom>
+        </p:spPr>
+      </p:pic>
+      <p:sp>
+        <p:nvSpPr>
+          <p:cNvPr id="7" name="TextBox 6">
+            <a:extLst>
+              <a:ext uri="{FF2B5EF4-FFF2-40B4-BE49-F238E27FC236}">
+                <a16:creationId xmlns:a16="http://schemas.microsoft.com/office/drawing/2014/main" id="{DFCF509B-5B08-46A6-B6EC-570BC9C8583C}"/>
+              </a:ext>
+            </a:extLst>
+          </p:cNvPr>
+          <p:cNvSpPr txBox="1"/>
+          <p:nvPr/>
+        </p:nvSpPr>
+        <p:spPr>
+          <a:xfrm>
+            <a:off x="4257675" y="5264106"/>
+            <a:ext cx="7286243" cy="923330"/>
+          </a:xfrm>
+          <a:prstGeom prst="rect">
+            <a:avLst/>
+          </a:prstGeom>
+          <a:noFill/>
+        </p:spPr>
+        <p:txBody>
+          <a:bodyPr wrap="square" rtlCol="0">
+            <a:spAutoFit/>
+          </a:bodyPr>
+          <a:lstStyle/>
+          <a:p>
+            <a:r>
+              <a:rPr lang="en-US" altLang="ko-KR">
+                <a:solidFill>
+                  <a:schemeClr val="bg1"/>
+                </a:solidFill>
+              </a:rPr>
+              <a:t>Customer is mostly distributed during the day when people are usually active. However, Subscribers are the most frequent during rush hour, 7, 8, 9 AM and 14, 15, 16, and 17 PM.</a:t>
+            </a:r>
+            <a:endParaRPr lang="ko-KR" altLang="en-US" dirty="0">
+              <a:solidFill>
+                <a:schemeClr val="bg1"/>
+              </a:solidFill>
+            </a:endParaRPr>
+          </a:p>
+        </p:txBody>
+      </p:sp>
     </p:spTree>
     <p:extLst>
       <p:ext uri="{BB962C8B-B14F-4D97-AF65-F5344CB8AC3E}">
@@ -5577,8 +5615,8 @@
         </p:nvSpPr>
         <p:spPr>
           <a:xfrm>
-            <a:off x="0" y="4822479"/>
-            <a:ext cx="12192000" cy="2035520"/>
+            <a:off x="2762250" y="5353049"/>
+            <a:ext cx="7915275" cy="1504949"/>
           </a:xfrm>
           <a:noFill/>
         </p:spPr>
@@ -5589,9 +5627,21 @@
           <a:lstStyle/>
           <a:p>
             <a:pPr algn="l"/>
-            <a:endParaRPr lang="en-US" altLang="ko-KR" sz="2000" b="1" dirty="0">
-              <a:latin typeface="Helvetica Neue"/>
-            </a:endParaRPr>
+            <a:r>
+              <a:rPr lang="en-US" altLang="ko-KR" sz="2000" b="1" dirty="0">
+                <a:latin typeface="Helvetica Neue"/>
+              </a:rPr>
+              <a:t>Subscribers in weekday are three time more than weekend. </a:t>
+            </a:r>
+          </a:p>
+          <a:p>
+            <a:pPr algn="l"/>
+            <a:r>
+              <a:rPr lang="en-US" altLang="ko-KR" sz="2000" b="1" dirty="0">
+                <a:latin typeface="Helvetica Neue"/>
+              </a:rPr>
+              <a:t>Customers almost similar weekday and weekend.</a:t>
+            </a:r>
           </a:p>
         </p:txBody>
       </p:sp>
@@ -5734,10 +5784,10 @@
       </p:sp>
       <p:pic>
         <p:nvPicPr>
-          <p:cNvPr id="4" name="Picture 3">
-            <a:extLst>
-              <a:ext uri="{FF2B5EF4-FFF2-40B4-BE49-F238E27FC236}">
-                <a16:creationId xmlns:a16="http://schemas.microsoft.com/office/drawing/2014/main" id="{C7B33E3A-3B41-4556-9DDC-472D779E68D2}"/>
+          <p:cNvPr id="5" name="Picture 4">
+            <a:extLst>
+              <a:ext uri="{FF2B5EF4-FFF2-40B4-BE49-F238E27FC236}">
+                <a16:creationId xmlns:a16="http://schemas.microsoft.com/office/drawing/2014/main" id="{F8AA1655-AC11-4CE4-87C1-A8EA727295BF}"/>
               </a:ext>
             </a:extLst>
           </p:cNvPr>
@@ -5746,20 +5796,20 @@
           </p:cNvPicPr>
           <p:nvPr/>
         </p:nvPicPr>
-        <p:blipFill rotWithShape="1">
+        <p:blipFill>
           <a:blip r:embed="rId2"/>
-          <a:srcRect t="1126" r="1" b="11814"/>
-          <a:stretch/>
+          <a:stretch>
+            <a:fillRect/>
+          </a:stretch>
         </p:blipFill>
         <p:spPr>
           <a:xfrm>
-            <a:off x="2170029" y="804672"/>
-            <a:ext cx="7851943" cy="3554676"/>
+            <a:off x="1655194" y="-6277"/>
+            <a:ext cx="9127106" cy="4828756"/>
           </a:xfrm>
           <a:prstGeom prst="rect">
             <a:avLst/>
           </a:prstGeom>
-          <a:effectLst/>
         </p:spPr>
       </p:pic>
     </p:spTree>
@@ -6025,6 +6075,50 @@
           </a:fontRef>
         </p:style>
       </p:cxnSp>
+      <p:sp>
+        <p:nvSpPr>
+          <p:cNvPr id="7" name="TextBox 6">
+            <a:extLst>
+              <a:ext uri="{FF2B5EF4-FFF2-40B4-BE49-F238E27FC236}">
+                <a16:creationId xmlns:a16="http://schemas.microsoft.com/office/drawing/2014/main" id="{830CF99C-2EEC-4F72-B999-DC08C9295E22}"/>
+              </a:ext>
+            </a:extLst>
+          </p:cNvPr>
+          <p:cNvSpPr txBox="1"/>
+          <p:nvPr/>
+        </p:nvSpPr>
+        <p:spPr>
+          <a:xfrm>
+            <a:off x="4255362" y="5060632"/>
+            <a:ext cx="7463159" cy="1200329"/>
+          </a:xfrm>
+          <a:prstGeom prst="rect">
+            <a:avLst/>
+          </a:prstGeom>
+          <a:noFill/>
+        </p:spPr>
+        <p:txBody>
+          <a:bodyPr wrap="square">
+            <a:spAutoFit/>
+          </a:bodyPr>
+          <a:lstStyle/>
+          <a:p>
+            <a:r>
+              <a:rPr lang="en-US" altLang="ko-KR" dirty="0">
+                <a:solidFill>
+                  <a:schemeClr val="bg1"/>
+                </a:solidFill>
+              </a:rPr>
+              <a:t>Subscriber and Customer are the most sharply divided parts. Customer is the weekend, Subscribers are the most distributed during the week. Along with Hour, it can be seen as a feature that best describes the characteristics of the two user types.</a:t>
+            </a:r>
+            <a:endParaRPr lang="ko-KR" altLang="en-US" dirty="0">
+              <a:solidFill>
+                <a:schemeClr val="bg1"/>
+              </a:solidFill>
+            </a:endParaRPr>
+          </a:p>
+        </p:txBody>
+      </p:sp>
     </p:spTree>
     <p:extLst>
       <p:ext uri="{BB962C8B-B14F-4D97-AF65-F5344CB8AC3E}">
@@ -6600,7 +6694,7 @@
                 <a:effectLst/>
                 <a:latin typeface="Helvetica Neue"/>
               </a:rPr>
-              <a:t>User Type Counts by</a:t>
+              <a:t>Machine</a:t>
             </a:r>
           </a:p>
           <a:p>
@@ -6611,15 +6705,61 @@
                 </a:solidFill>
                 <a:latin typeface="Helvetica Neue"/>
               </a:rPr>
-              <a:t>User Type</a:t>
-            </a:r>
+              <a:t>Learning</a:t>
+            </a:r>
+          </a:p>
+        </p:txBody>
+      </p:sp>
+      <p:sp>
+        <p:nvSpPr>
+          <p:cNvPr id="2" name="TextBox 1">
+            <a:extLst>
+              <a:ext uri="{FF2B5EF4-FFF2-40B4-BE49-F238E27FC236}">
+                <a16:creationId xmlns:a16="http://schemas.microsoft.com/office/drawing/2014/main" id="{C7CB06D3-460A-47F2-978C-1F515D06354D}"/>
+              </a:ext>
+            </a:extLst>
+          </p:cNvPr>
+          <p:cNvSpPr txBox="1"/>
+          <p:nvPr/>
+        </p:nvSpPr>
+        <p:spPr>
+          <a:xfrm>
+            <a:off x="5175682" y="523783"/>
+            <a:ext cx="6516209" cy="646331"/>
+          </a:xfrm>
+          <a:prstGeom prst="rect">
+            <a:avLst/>
+          </a:prstGeom>
+          <a:noFill/>
+        </p:spPr>
+        <p:txBody>
+          <a:bodyPr wrap="square" rtlCol="0">
+            <a:spAutoFit/>
+          </a:bodyPr>
+          <a:lstStyle/>
+          <a:p>
+            <a:pPr marL="285750" indent="-285750">
+              <a:buFont typeface="Arial" panose="020B0604020202020204" pitchFamily="34" charset="0"/>
+              <a:buChar char="•"/>
+            </a:pPr>
+            <a:r>
+              <a:rPr lang="en-US" altLang="ko-KR" dirty="0"/>
+              <a:t>Logistic Regression</a:t>
+            </a:r>
+          </a:p>
+          <a:p>
+            <a:r>
+              <a:rPr lang="en-US" altLang="ko-KR" dirty="0"/>
+              <a:t>    - </a:t>
+            </a:r>
+            <a:endParaRPr lang="ko-KR" altLang="en-US" dirty="0"/>
           </a:p>
         </p:txBody>
       </p:sp>
     </p:spTree>
     <p:extLst>
       <p:ext uri="{BB962C8B-B14F-4D97-AF65-F5344CB8AC3E}">
-        <p14:creationId xmlns:p14="http://schemas.microsoft.com/office/powerpoint/2010/main" val="2348069422"/>
+        <p14:creationId xmlns:p14="http://schemas.microsoft.com/office/powerpoint/2010/main" val="3971973679"/>
       </p:ext>
     </p:extLst>
   </p:cSld>
@@ -6928,7 +7068,7 @@
                 <a:effectLst/>
                 <a:latin typeface="Helvetica Neue"/>
               </a:rPr>
-              <a:t>User Type Counts by</a:t>
+              <a:t>Machine</a:t>
             </a:r>
           </a:p>
           <a:p>
@@ -6939,15 +7079,45 @@
                 </a:solidFill>
                 <a:latin typeface="Helvetica Neue"/>
               </a:rPr>
-              <a:t>User Type</a:t>
-            </a:r>
-          </a:p>
-        </p:txBody>
-      </p:sp>
+              <a:t>Learning</a:t>
+            </a:r>
+          </a:p>
+        </p:txBody>
+      </p:sp>
+      <p:pic>
+        <p:nvPicPr>
+          <p:cNvPr id="4" name="Picture 3">
+            <a:extLst>
+              <a:ext uri="{FF2B5EF4-FFF2-40B4-BE49-F238E27FC236}">
+                <a16:creationId xmlns:a16="http://schemas.microsoft.com/office/drawing/2014/main" id="{B43BC56B-0632-4B17-8524-6066FA70352F}"/>
+              </a:ext>
+            </a:extLst>
+          </p:cNvPr>
+          <p:cNvPicPr>
+            <a:picLocks noChangeAspect="1"/>
+          </p:cNvPicPr>
+          <p:nvPr/>
+        </p:nvPicPr>
+        <p:blipFill>
+          <a:blip r:embed="rId2"/>
+          <a:stretch>
+            <a:fillRect/>
+          </a:stretch>
+        </p:blipFill>
+        <p:spPr>
+          <a:xfrm>
+            <a:off x="6368513" y="0"/>
+            <a:ext cx="4408714" cy="6858000"/>
+          </a:xfrm>
+          <a:prstGeom prst="rect">
+            <a:avLst/>
+          </a:prstGeom>
+        </p:spPr>
+      </p:pic>
     </p:spTree>
     <p:extLst>
       <p:ext uri="{BB962C8B-B14F-4D97-AF65-F5344CB8AC3E}">
-        <p14:creationId xmlns:p14="http://schemas.microsoft.com/office/powerpoint/2010/main" val="3971973679"/>
+        <p14:creationId xmlns:p14="http://schemas.microsoft.com/office/powerpoint/2010/main" val="2348069422"/>
       </p:ext>
     </p:extLst>
   </p:cSld>
@@ -7609,14 +7779,6 @@
 <file path=ppt/slides/slide21.xml><?xml version="1.0" encoding="utf-8"?>
 <p:sld xmlns:a="http://schemas.openxmlformats.org/drawingml/2006/main" xmlns:r="http://schemas.openxmlformats.org/officeDocument/2006/relationships" xmlns:p="http://schemas.openxmlformats.org/presentationml/2006/main">
   <p:cSld>
-    <p:bg>
-      <p:bgPr>
-        <a:solidFill>
-          <a:schemeClr val="bg1"/>
-        </a:solidFill>
-        <a:effectLst/>
-      </p:bgPr>
-    </p:bg>
     <p:spTree>
       <p:nvGrpSpPr>
         <p:cNvPr id="1" name=""/>
@@ -7633,204 +7795,243 @@
       </p:grpSpPr>
       <p:sp>
         <p:nvSpPr>
-          <p:cNvPr id="9" name="Rectangle 8">
-            <a:extLst>
-              <a:ext uri="{FF2B5EF4-FFF2-40B4-BE49-F238E27FC236}">
-                <a16:creationId xmlns:a16="http://schemas.microsoft.com/office/drawing/2014/main" id="{ACBE1851-2230-47A9-B000-CE9046EA61B9}"/>
-              </a:ext>
-              <a:ext uri="{C183D7F6-B498-43B3-948B-1728B52AA6E4}">
-                <adec:decorative xmlns:adec="http://schemas.microsoft.com/office/drawing/2017/decorative" val="1"/>
-              </a:ext>
-            </a:extLst>
-          </p:cNvPr>
-          <p:cNvSpPr>
-            <a:spLocks noGrp="1" noRot="1" noChangeAspect="1" noMove="1" noResize="1" noEditPoints="1" noAdjustHandles="1" noChangeArrowheads="1" noChangeShapeType="1" noTextEdit="1"/>
-          </p:cNvSpPr>
-          <p:nvPr>
-            <p:extLst>
-              <p:ext uri="{386F3935-93C4-4BCD-93E2-E3B085C9AB24}">
-                <p16:designElem xmlns:p16="http://schemas.microsoft.com/office/powerpoint/2015/main" val="1"/>
-              </p:ext>
-            </p:extLst>
+          <p:cNvPr id="3" name="Subtitle 2">
+            <a:extLst>
+              <a:ext uri="{FF2B5EF4-FFF2-40B4-BE49-F238E27FC236}">
+                <a16:creationId xmlns:a16="http://schemas.microsoft.com/office/drawing/2014/main" id="{C63068C7-FF93-4F55-8D49-8E391F78232D}"/>
+              </a:ext>
+            </a:extLst>
+          </p:cNvPr>
+          <p:cNvSpPr>
+            <a:spLocks noGrp="1"/>
+          </p:cNvSpPr>
+          <p:nvPr>
+            <p:ph type="subTitle" idx="1"/>
           </p:nvPr>
         </p:nvSpPr>
         <p:spPr>
           <a:xfrm>
-            <a:off x="0" y="0"/>
-            <a:ext cx="5468548" cy="6858000"/>
-          </a:xfrm>
-          <a:prstGeom prst="rect">
-            <a:avLst/>
-          </a:prstGeom>
-          <a:solidFill>
-            <a:schemeClr val="accent1"/>
-          </a:solidFill>
-          <a:ln>
-            <a:noFill/>
-          </a:ln>
-        </p:spPr>
-        <p:style>
-          <a:lnRef idx="2">
-            <a:schemeClr val="accent1">
-              <a:shade val="50000"/>
-            </a:schemeClr>
-          </a:lnRef>
-          <a:fillRef idx="1">
-            <a:schemeClr val="accent1"/>
-          </a:fillRef>
-          <a:effectRef idx="0">
-            <a:schemeClr val="accent1"/>
-          </a:effectRef>
-          <a:fontRef idx="minor">
-            <a:schemeClr val="lt1"/>
-          </a:fontRef>
-        </p:style>
-        <p:txBody>
-          <a:bodyPr rtlCol="0" anchor="ctr"/>
-          <a:lstStyle/>
-          <a:p>
-            <a:pPr algn="ctr"/>
-            <a:endParaRPr lang="en-US"/>
-          </a:p>
-        </p:txBody>
-      </p:sp>
-      <p:sp>
-        <p:nvSpPr>
-          <p:cNvPr id="3" name="Subtitle 2">
-            <a:extLst>
-              <a:ext uri="{FF2B5EF4-FFF2-40B4-BE49-F238E27FC236}">
-                <a16:creationId xmlns:a16="http://schemas.microsoft.com/office/drawing/2014/main" id="{C63068C7-FF93-4F55-8D49-8E391F78232D}"/>
-              </a:ext>
-            </a:extLst>
-          </p:cNvPr>
-          <p:cNvSpPr>
-            <a:spLocks noGrp="1"/>
-          </p:cNvSpPr>
-          <p:nvPr>
-            <p:ph type="subTitle" idx="1"/>
-          </p:nvPr>
-        </p:nvSpPr>
-        <p:spPr>
-          <a:xfrm>
-            <a:off x="104775" y="1612865"/>
-            <a:ext cx="5295900" cy="2205732"/>
-          </a:xfrm>
-        </p:spPr>
-        <p:txBody>
-          <a:bodyPr anchor="t">
+            <a:off x="5572217" y="559293"/>
+            <a:ext cx="6314983" cy="5868139"/>
+          </a:xfrm>
+        </p:spPr>
+        <p:txBody>
+          <a:bodyPr>
             <a:normAutofit/>
           </a:bodyPr>
           <a:lstStyle/>
           <a:p>
-            <a:pPr algn="r"/>
-            <a:r>
-              <a:rPr lang="en-US" altLang="ko-KR" sz="2700" dirty="0">
+            <a:pPr algn="l"/>
+            <a:r>
+              <a:rPr lang="en-US" altLang="ko-KR" sz="3000" dirty="0">
                 <a:solidFill>
-                  <a:srgbClr val="FFFFFF"/>
+                  <a:srgbClr val="00B0F0"/>
                 </a:solidFill>
                 <a:latin typeface="Arial Nova Light" panose="020B0304020202020204" pitchFamily="34" charset="0"/>
                 <a:cs typeface="Aldhabi" panose="020B0604020202020204" pitchFamily="2" charset="-78"/>
               </a:rPr>
-              <a:t>Seasonal Trend of Citi Bike Trips</a:t>
-            </a:r>
-            <a:endParaRPr lang="ko-KR" altLang="en-US" sz="2700" dirty="0">
+              <a:t>Target Variable </a:t>
+            </a:r>
+          </a:p>
+          <a:p>
+            <a:pPr algn="l"/>
+            <a:r>
+              <a:rPr lang="en-US" altLang="ko-KR" sz="2000" dirty="0">
+                <a:latin typeface="Arial Nova Light" panose="020B0304020202020204" pitchFamily="34" charset="0"/>
+                <a:cs typeface="Aldhabi" panose="020B0604020202020204" pitchFamily="2" charset="-78"/>
+                <a:sym typeface="Wingdings" panose="05000000000000000000" pitchFamily="2" charset="2"/>
+              </a:rPr>
+              <a:t> </a:t>
+            </a:r>
+            <a:r>
+              <a:rPr lang="en-US" altLang="ko-KR" sz="2000" dirty="0">
+                <a:latin typeface="Arial Nova Light" panose="020B0304020202020204" pitchFamily="34" charset="0"/>
+                <a:cs typeface="Aldhabi" panose="020B0604020202020204" pitchFamily="2" charset="-78"/>
+              </a:rPr>
+              <a:t>start station checkout counts</a:t>
+            </a:r>
+          </a:p>
+          <a:p>
+            <a:pPr algn="l"/>
+            <a:endParaRPr lang="en-US" altLang="ko-KR" sz="3000" dirty="0">
               <a:solidFill>
-                <a:srgbClr val="FFFFFF"/>
+                <a:srgbClr val="00B0F0"/>
               </a:solidFill>
               <a:latin typeface="Arial Nova Light" panose="020B0304020202020204" pitchFamily="34" charset="0"/>
               <a:cs typeface="Aldhabi" panose="020B0604020202020204" pitchFamily="2" charset="-78"/>
             </a:endParaRPr>
           </a:p>
-        </p:txBody>
-      </p:sp>
-      <p:cxnSp>
-        <p:nvCxnSpPr>
-          <p:cNvPr id="11" name="Straight Connector 10">
-            <a:extLst>
-              <a:ext uri="{FF2B5EF4-FFF2-40B4-BE49-F238E27FC236}">
-                <a16:creationId xmlns:a16="http://schemas.microsoft.com/office/drawing/2014/main" id="{23B93832-6514-44F4-849B-5EE2C8A2337D}"/>
-              </a:ext>
-              <a:ext uri="{C183D7F6-B498-43B3-948B-1728B52AA6E4}">
-                <adec:decorative xmlns:adec="http://schemas.microsoft.com/office/drawing/2017/decorative" val="1"/>
-              </a:ext>
-            </a:extLst>
-          </p:cNvPr>
-          <p:cNvCxnSpPr>
-            <a:cxnSpLocks noGrp="1" noRot="1" noChangeAspect="1" noMove="1" noResize="1" noEditPoints="1" noAdjustHandles="1" noChangeArrowheads="1" noChangeShapeType="1"/>
-          </p:cNvCxnSpPr>
-          <p:nvPr>
-            <p:extLst>
-              <p:ext uri="{386F3935-93C4-4BCD-93E2-E3B085C9AB24}">
-                <p16:designElem xmlns:p16="http://schemas.microsoft.com/office/powerpoint/2015/main" val="1"/>
-              </p:ext>
-            </p:extLst>
-          </p:nvPr>
-        </p:nvCxnSpPr>
-        <p:spPr>
-          <a:xfrm>
-            <a:off x="786679" y="3928939"/>
-            <a:ext cx="3931920" cy="0"/>
-          </a:xfrm>
-          <a:prstGeom prst="line">
-            <a:avLst/>
-          </a:prstGeom>
-          <a:ln w="19050">
-            <a:solidFill>
-              <a:srgbClr val="FFFFFF">
-                <a:alpha val="80000"/>
-              </a:srgbClr>
-            </a:solidFill>
-          </a:ln>
-        </p:spPr>
-        <p:style>
-          <a:lnRef idx="1">
-            <a:schemeClr val="accent1"/>
-          </a:lnRef>
-          <a:fillRef idx="0">
-            <a:schemeClr val="accent1"/>
-          </a:fillRef>
-          <a:effectRef idx="0">
-            <a:schemeClr val="accent1"/>
-          </a:effectRef>
-          <a:fontRef idx="minor">
-            <a:schemeClr val="tx1"/>
-          </a:fontRef>
-        </p:style>
-      </p:cxnSp>
+          <a:p>
+            <a:pPr algn="l"/>
+            <a:r>
+              <a:rPr lang="en-US" altLang="ko-KR" sz="3000" dirty="0">
+                <a:solidFill>
+                  <a:srgbClr val="00B0F0"/>
+                </a:solidFill>
+                <a:latin typeface="Arial Nova Light" panose="020B0304020202020204" pitchFamily="34" charset="0"/>
+                <a:cs typeface="Aldhabi" panose="020B0604020202020204" pitchFamily="2" charset="-78"/>
+              </a:rPr>
+              <a:t>Multiple Linear Regression, Ridge</a:t>
+            </a:r>
+            <a:endParaRPr lang="ko-KR" altLang="en-US" sz="3000" dirty="0">
+              <a:solidFill>
+                <a:srgbClr val="00B0F0"/>
+              </a:solidFill>
+              <a:latin typeface="Arial Nova Light" panose="020B0304020202020204" pitchFamily="34" charset="0"/>
+              <a:cs typeface="Aldhabi" panose="020B0604020202020204" pitchFamily="2" charset="-78"/>
+            </a:endParaRPr>
+          </a:p>
+          <a:p>
+            <a:pPr algn="l"/>
+            <a:endParaRPr lang="en-US" altLang="ko-KR" sz="3000" dirty="0">
+              <a:solidFill>
+                <a:srgbClr val="00B0F0"/>
+              </a:solidFill>
+              <a:latin typeface="Arial Nova Light" panose="020B0304020202020204" pitchFamily="34" charset="0"/>
+              <a:cs typeface="Aldhabi" panose="020B0604020202020204" pitchFamily="2" charset="-78"/>
+            </a:endParaRPr>
+          </a:p>
+          <a:p>
+            <a:pPr algn="l"/>
+            <a:r>
+              <a:rPr lang="en-US" altLang="ko-KR" sz="2000" dirty="0">
+                <a:latin typeface="Arial Nova Light" panose="020B0304020202020204" pitchFamily="34" charset="0"/>
+                <a:cs typeface="Aldhabi" panose="020B0604020202020204" pitchFamily="2" charset="-78"/>
+                <a:sym typeface="Wingdings" panose="05000000000000000000" pitchFamily="2" charset="2"/>
+              </a:rPr>
+              <a:t></a:t>
+            </a:r>
+            <a:r>
+              <a:rPr lang="en-US" altLang="ko-KR" sz="2000" dirty="0">
+                <a:solidFill>
+                  <a:srgbClr val="00B0F0"/>
+                </a:solidFill>
+                <a:latin typeface="Arial Nova Light" panose="020B0304020202020204" pitchFamily="34" charset="0"/>
+                <a:cs typeface="Aldhabi" panose="020B0604020202020204" pitchFamily="2" charset="-78"/>
+                <a:sym typeface="Wingdings" panose="05000000000000000000" pitchFamily="2" charset="2"/>
+              </a:rPr>
+              <a:t> </a:t>
+            </a:r>
+            <a:r>
+              <a:rPr lang="en-US" altLang="ko-KR" sz="2000" dirty="0">
+                <a:latin typeface="Arial Nova Light" panose="020B0304020202020204" pitchFamily="34" charset="0"/>
+                <a:cs typeface="Aldhabi" panose="020B0604020202020204" pitchFamily="2" charset="-78"/>
+                <a:sym typeface="Wingdings" panose="05000000000000000000" pitchFamily="2" charset="2"/>
+              </a:rPr>
+              <a:t>Model Accuracy: 77.97 % on test data</a:t>
+            </a:r>
+            <a:endParaRPr lang="en-US" altLang="ko-KR" sz="2000" dirty="0">
+              <a:latin typeface="Arial Nova Light" panose="020B0304020202020204" pitchFamily="34" charset="0"/>
+              <a:cs typeface="Aldhabi" panose="020B0604020202020204" pitchFamily="2" charset="-78"/>
+            </a:endParaRPr>
+          </a:p>
+          <a:p>
+            <a:pPr algn="l"/>
+            <a:endParaRPr lang="en-US" altLang="ko-KR" sz="2000" dirty="0">
+              <a:latin typeface="Arial Nova Light" panose="020B0304020202020204" pitchFamily="34" charset="0"/>
+              <a:cs typeface="Aldhabi" panose="020B0604020202020204" pitchFamily="2" charset="-78"/>
+            </a:endParaRPr>
+          </a:p>
+        </p:txBody>
+      </p:sp>
       <p:pic>
         <p:nvPicPr>
-          <p:cNvPr id="4" name="Picture 3">
-            <a:extLst>
-              <a:ext uri="{FF2B5EF4-FFF2-40B4-BE49-F238E27FC236}">
-                <a16:creationId xmlns:a16="http://schemas.microsoft.com/office/drawing/2014/main" id="{C6C171D1-349F-4ABD-9CA8-49D823C8115B}"/>
+          <p:cNvPr id="1026" name="Picture 2">
+            <a:extLst>
+              <a:ext uri="{FF2B5EF4-FFF2-40B4-BE49-F238E27FC236}">
+                <a16:creationId xmlns:a16="http://schemas.microsoft.com/office/drawing/2014/main" id="{8DDE9F19-81C7-4DAD-BFF3-98A852243BDB}"/>
               </a:ext>
             </a:extLst>
           </p:cNvPr>
           <p:cNvPicPr>
-            <a:picLocks noChangeAspect="1"/>
+            <a:picLocks noChangeAspect="1" noChangeArrowheads="1" noCrop="1"/>
           </p:cNvPicPr>
           <p:nvPr/>
         </p:nvPicPr>
         <p:blipFill>
-          <a:blip r:embed="rId2"/>
+          <a:blip r:embed="rId2">
+            <a:extLst>
+              <a:ext uri="{28A0092B-C50C-407E-A947-70E740481C1C}">
+                <a14:useLocalDpi xmlns:a14="http://schemas.microsoft.com/office/drawing/2010/main" val="0"/>
+              </a:ext>
+            </a:extLst>
+          </a:blip>
+          <a:srcRect/>
           <a:stretch>
             <a:fillRect/>
           </a:stretch>
         </p:blipFill>
-        <p:spPr>
-          <a:xfrm>
-            <a:off x="6096000" y="1300295"/>
-            <a:ext cx="5459470" cy="4258386"/>
+        <p:spPr bwMode="auto">
+          <a:xfrm>
+            <a:off x="0" y="0"/>
+            <a:ext cx="5129785" cy="3403031"/>
           </a:xfrm>
           <a:prstGeom prst="rect">
             <a:avLst/>
           </a:prstGeom>
+          <a:noFill/>
+          <a:extLst>
+            <a:ext uri="{909E8E84-426E-40DD-AFC4-6F175D3DCCD1}">
+              <a14:hiddenFill xmlns:a14="http://schemas.microsoft.com/office/drawing/2010/main">
+                <a:solidFill>
+                  <a:srgbClr val="FFFFFF"/>
+                </a:solidFill>
+              </a14:hiddenFill>
+            </a:ext>
+          </a:extLst>
+        </p:spPr>
+      </p:pic>
+      <p:pic>
+        <p:nvPicPr>
+          <p:cNvPr id="1028" name="Picture 4">
+            <a:extLst>
+              <a:ext uri="{FF2B5EF4-FFF2-40B4-BE49-F238E27FC236}">
+                <a16:creationId xmlns:a16="http://schemas.microsoft.com/office/drawing/2014/main" id="{213B05CB-2AA5-46A2-ABAF-6235DCF51190}"/>
+              </a:ext>
+            </a:extLst>
+          </p:cNvPr>
+          <p:cNvPicPr>
+            <a:picLocks noChangeAspect="1" noChangeArrowheads="1"/>
+          </p:cNvPicPr>
+          <p:nvPr/>
+        </p:nvPicPr>
+        <p:blipFill>
+          <a:blip r:embed="rId3">
+            <a:extLst>
+              <a:ext uri="{28A0092B-C50C-407E-A947-70E740481C1C}">
+                <a14:useLocalDpi xmlns:a14="http://schemas.microsoft.com/office/drawing/2010/main" val="0"/>
+              </a:ext>
+            </a:extLst>
+          </a:blip>
+          <a:srcRect/>
+          <a:stretch>
+            <a:fillRect/>
+          </a:stretch>
+        </p:blipFill>
+        <p:spPr bwMode="auto">
+          <a:xfrm>
+            <a:off x="0" y="3406904"/>
+            <a:ext cx="5129784" cy="3451289"/>
+          </a:xfrm>
+          <a:prstGeom prst="rect">
+            <a:avLst/>
+          </a:prstGeom>
+          <a:noFill/>
+          <a:extLst>
+            <a:ext uri="{909E8E84-426E-40DD-AFC4-6F175D3DCCD1}">
+              <a14:hiddenFill xmlns:a14="http://schemas.microsoft.com/office/drawing/2010/main">
+                <a:solidFill>
+                  <a:srgbClr val="FFFFFF"/>
+                </a:solidFill>
+              </a14:hiddenFill>
+            </a:ext>
+          </a:extLst>
         </p:spPr>
       </p:pic>
     </p:spTree>
     <p:extLst>
       <p:ext uri="{BB962C8B-B14F-4D97-AF65-F5344CB8AC3E}">
-        <p14:creationId xmlns:p14="http://schemas.microsoft.com/office/powerpoint/2010/main" val="10277566"/>
+        <p14:creationId xmlns:p14="http://schemas.microsoft.com/office/powerpoint/2010/main" val="3446981779"/>
       </p:ext>
     </p:extLst>
   </p:cSld>
@@ -7867,7 +8068,7 @@
       </p:grpSpPr>
       <p:sp>
         <p:nvSpPr>
-          <p:cNvPr id="15" name="Rectangle 8">
+          <p:cNvPr id="9" name="Rectangle 8">
             <a:extLst>
               <a:ext uri="{FF2B5EF4-FFF2-40B4-BE49-F238E27FC236}">
                 <a16:creationId xmlns:a16="http://schemas.microsoft.com/office/drawing/2014/main" id="{605494DE-B078-4D87-BB01-C84320618DAD}"/>
@@ -7930,7 +8131,7 @@
       </p:sp>
       <p:sp>
         <p:nvSpPr>
-          <p:cNvPr id="16" name="Rectangle 10">
+          <p:cNvPr id="11" name="Rectangle 10">
             <a:extLst>
               <a:ext uri="{FF2B5EF4-FFF2-40B4-BE49-F238E27FC236}">
                 <a16:creationId xmlns:a16="http://schemas.microsoft.com/office/drawing/2014/main" id="{9A0576B0-CD8C-4661-95C8-A9F2CE7CDDB0}"/>
@@ -7995,7 +8196,7 @@
       </p:sp>
       <p:sp>
         <p:nvSpPr>
-          <p:cNvPr id="17" name="Freeform: Shape 12">
+          <p:cNvPr id="13" name="Freeform: Shape 12">
             <a:extLst>
               <a:ext uri="{FF2B5EF4-FFF2-40B4-BE49-F238E27FC236}">
                 <a16:creationId xmlns:a16="http://schemas.microsoft.com/office/drawing/2014/main" id="{3FF60E2B-3919-423C-B1FF-56CDE6681165}"/>
@@ -8121,70 +8322,95 @@
         </p:nvSpPr>
         <p:spPr>
           <a:xfrm>
-            <a:off x="266700" y="752475"/>
-            <a:ext cx="4319042" cy="4667250"/>
+            <a:off x="104775" y="2687638"/>
+            <a:ext cx="4495799" cy="1655762"/>
           </a:xfrm>
         </p:spPr>
         <p:txBody>
           <a:bodyPr>
-            <a:normAutofit/>
+            <a:normAutofit fontScale="92500" lnSpcReduction="10000"/>
           </a:bodyPr>
           <a:lstStyle/>
           <a:p>
             <a:pPr algn="l"/>
-            <a:endParaRPr lang="en-US" altLang="ko-KR" sz="3000" b="1" i="0" dirty="0">
+            <a:r>
+              <a:rPr lang="ko-KR" altLang="en-US" sz="2000" dirty="0">
+                <a:solidFill>
+                  <a:schemeClr val="bg1"/>
+                </a:solidFill>
+                <a:latin typeface="Arial Nova Light" panose="020B0304020202020204" pitchFamily="34" charset="0"/>
+                <a:cs typeface="Aldhabi" panose="020B0604020202020204" pitchFamily="2" charset="-78"/>
+                <a:sym typeface="Wingdings" panose="05000000000000000000" pitchFamily="2" charset="2"/>
+              </a:rPr>
+              <a:t></a:t>
+            </a:r>
+            <a:r>
+              <a:rPr lang="en-US" altLang="ko-KR" sz="3000" dirty="0">
+                <a:solidFill>
+                  <a:schemeClr val="bg1"/>
+                </a:solidFill>
+                <a:latin typeface="Arial Nova Light" panose="020B0304020202020204" pitchFamily="34" charset="0"/>
+                <a:cs typeface="Aldhabi" panose="020B0604020202020204" pitchFamily="2" charset="-78"/>
+                <a:sym typeface="Wingdings" panose="05000000000000000000" pitchFamily="2" charset="2"/>
+              </a:rPr>
+              <a:t>Feature Importance</a:t>
+            </a:r>
+          </a:p>
+          <a:p>
+            <a:pPr marL="342900" indent="-342900" algn="l">
+              <a:buFontTx/>
+              <a:buChar char="-"/>
+            </a:pPr>
+            <a:r>
+              <a:rPr lang="en-US" altLang="ko-KR" sz="2000" dirty="0">
+                <a:solidFill>
+                  <a:schemeClr val="bg1"/>
+                </a:solidFill>
+                <a:latin typeface="Arial Nova Light" panose="020B0304020202020204" pitchFamily="34" charset="0"/>
+                <a:cs typeface="Aldhabi" panose="020B0604020202020204" pitchFamily="2" charset="-78"/>
+                <a:sym typeface="Wingdings" panose="05000000000000000000" pitchFamily="2" charset="2"/>
+              </a:rPr>
+              <a:t>Start hour is excessively biased</a:t>
+            </a:r>
+          </a:p>
+          <a:p>
+            <a:pPr algn="l"/>
+            <a:endParaRPr lang="en-US" altLang="ko-KR" sz="2000" dirty="0">
               <a:solidFill>
                 <a:schemeClr val="bg1"/>
               </a:solidFill>
-              <a:effectLst/>
-              <a:latin typeface="Helvetica Neue"/>
+              <a:latin typeface="Arial Nova Light" panose="020B0304020202020204" pitchFamily="34" charset="0"/>
+              <a:cs typeface="Aldhabi" panose="020B0604020202020204" pitchFamily="2" charset="-78"/>
+              <a:sym typeface="Wingdings" panose="05000000000000000000" pitchFamily="2" charset="2"/>
             </a:endParaRPr>
           </a:p>
           <a:p>
             <a:pPr algn="l"/>
-            <a:endParaRPr lang="en-US" altLang="ko-KR" sz="3000" b="1" dirty="0">
-              <a:solidFill>
-                <a:schemeClr val="bg1"/>
-              </a:solidFill>
-              <a:latin typeface="Helvetica Neue"/>
-            </a:endParaRPr>
-          </a:p>
-          <a:p>
-            <a:pPr algn="l"/>
-            <a:endParaRPr lang="en-US" altLang="ko-KR" sz="3000" b="1" i="0" dirty="0">
-              <a:solidFill>
-                <a:schemeClr val="bg1"/>
-              </a:solidFill>
-              <a:effectLst/>
-              <a:latin typeface="Helvetica Neue"/>
-            </a:endParaRPr>
-          </a:p>
-          <a:p>
-            <a:pPr algn="l"/>
-            <a:endParaRPr lang="en-US" altLang="ko-KR" sz="3000" b="1" dirty="0">
-              <a:solidFill>
-                <a:schemeClr val="bg1"/>
-              </a:solidFill>
-              <a:latin typeface="Helvetica Neue"/>
-            </a:endParaRPr>
-          </a:p>
-          <a:p>
-            <a:r>
-              <a:rPr lang="en-US" altLang="ko-KR" sz="3000" b="1" i="0" dirty="0">
+            <a:r>
+              <a:rPr lang="en-US" altLang="ko-KR" sz="2000" dirty="0">
                 <a:solidFill>
                   <a:schemeClr val="bg1"/>
                 </a:solidFill>
-                <a:effectLst/>
-                <a:latin typeface="Helvetica Neue"/>
+                <a:latin typeface="Arial Nova Light" panose="020B0304020202020204" pitchFamily="34" charset="0"/>
+                <a:cs typeface="Aldhabi" panose="020B0604020202020204" pitchFamily="2" charset="-78"/>
+                <a:sym typeface="Wingdings" panose="05000000000000000000" pitchFamily="2" charset="2"/>
               </a:rPr>
-              <a:t>Temperature impact by ride counts</a:t>
-            </a:r>
-          </a:p>
-          <a:p>
-            <a:pPr algn="l"/>
-            <a:endParaRPr lang="ko-KR" altLang="en-US" sz="2000" dirty="0">
+              <a:t> </a:t>
+            </a:r>
+            <a:r>
+              <a:rPr lang="en-US" altLang="ko-KR" sz="3000" dirty="0">
+                <a:solidFill>
+                  <a:schemeClr val="bg1"/>
+                </a:solidFill>
+                <a:latin typeface="Arial Nova Light" panose="020B0304020202020204" pitchFamily="34" charset="0"/>
+                <a:cs typeface="Aldhabi" panose="020B0604020202020204" pitchFamily="2" charset="-78"/>
+                <a:sym typeface="Wingdings" panose="05000000000000000000" pitchFamily="2" charset="2"/>
+              </a:rPr>
+              <a:t>Test data 82.4 %</a:t>
+            </a:r>
+            <a:endParaRPr lang="ko-KR" altLang="en-US" sz="3000" dirty="0">
               <a:solidFill>
-                <a:srgbClr val="FFFFFF"/>
+                <a:schemeClr val="bg1"/>
               </a:solidFill>
               <a:latin typeface="Arial Nova Light" panose="020B0304020202020204" pitchFamily="34" charset="0"/>
               <a:cs typeface="Aldhabi" panose="020B0604020202020204" pitchFamily="2" charset="-78"/>
@@ -8197,7 +8423,7 @@
           <p:cNvPr id="4" name="Picture 3">
             <a:extLst>
               <a:ext uri="{FF2B5EF4-FFF2-40B4-BE49-F238E27FC236}">
-                <a16:creationId xmlns:a16="http://schemas.microsoft.com/office/drawing/2014/main" id="{B71914E1-699C-406B-9267-68263BED41C6}"/>
+                <a16:creationId xmlns:a16="http://schemas.microsoft.com/office/drawing/2014/main" id="{48804F73-28E9-4977-8713-70258DE972D9}"/>
               </a:ext>
             </a:extLst>
           </p:cNvPr>
@@ -8214,8 +8440,8 @@
         </p:blipFill>
         <p:spPr>
           <a:xfrm>
-            <a:off x="5320996" y="1899641"/>
-            <a:ext cx="6274296" cy="3058718"/>
+            <a:off x="5320996" y="1083982"/>
+            <a:ext cx="6274296" cy="4690036"/>
           </a:xfrm>
           <a:prstGeom prst="rect">
             <a:avLst/>
@@ -8225,7 +8451,7 @@
     </p:spTree>
     <p:extLst>
       <p:ext uri="{BB962C8B-B14F-4D97-AF65-F5344CB8AC3E}">
-        <p14:creationId xmlns:p14="http://schemas.microsoft.com/office/powerpoint/2010/main" val="4250273115"/>
+        <p14:creationId xmlns:p14="http://schemas.microsoft.com/office/powerpoint/2010/main" val="1414430633"/>
       </p:ext>
     </p:extLst>
   </p:cSld>
@@ -8262,7 +8488,7 @@
       </p:grpSpPr>
       <p:sp>
         <p:nvSpPr>
-          <p:cNvPr id="15" name="Rectangle 8">
+          <p:cNvPr id="9" name="Rectangle 8">
             <a:extLst>
               <a:ext uri="{FF2B5EF4-FFF2-40B4-BE49-F238E27FC236}">
                 <a16:creationId xmlns:a16="http://schemas.microsoft.com/office/drawing/2014/main" id="{0DE6A193-4755-479A-BC6F-A7EBCA73BE1A}"/>
@@ -8325,10 +8551,10 @@
       </p:sp>
       <p:pic>
         <p:nvPicPr>
-          <p:cNvPr id="4" name="Picture 3" descr="Chart, bar chart&#10;&#10;Description automatically generated">
-            <a:extLst>
-              <a:ext uri="{FF2B5EF4-FFF2-40B4-BE49-F238E27FC236}">
-                <a16:creationId xmlns:a16="http://schemas.microsoft.com/office/drawing/2014/main" id="{BF418C17-A129-480F-870D-395FA1A9769A}"/>
+          <p:cNvPr id="4" name="Picture 3">
+            <a:extLst>
+              <a:ext uri="{FF2B5EF4-FFF2-40B4-BE49-F238E27FC236}">
+                <a16:creationId xmlns:a16="http://schemas.microsoft.com/office/drawing/2014/main" id="{B35A02A3-C9B3-4AEC-8594-A2C1F6FA1F8D}"/>
               </a:ext>
             </a:extLst>
           </p:cNvPr>
@@ -8345,8 +8571,8 @@
         </p:blipFill>
         <p:spPr>
           <a:xfrm>
-            <a:off x="5886450" y="1779957"/>
-            <a:ext cx="5852583" cy="3175025"/>
+            <a:off x="5848350" y="1303940"/>
+            <a:ext cx="5890683" cy="4403286"/>
           </a:xfrm>
           <a:prstGeom prst="rect">
             <a:avLst/>
@@ -8355,10 +8581,10 @@
       </p:pic>
       <p:sp>
         <p:nvSpPr>
-          <p:cNvPr id="16" name="Freeform: Shape 10">
-            <a:extLst>
-              <a:ext uri="{FF2B5EF4-FFF2-40B4-BE49-F238E27FC236}">
-                <a16:creationId xmlns:a16="http://schemas.microsoft.com/office/drawing/2014/main" id="{B2DC8709-0A70-45A9-A160-4B831CAB1A43}"/>
+          <p:cNvPr id="11" name="Freeform: Shape 10">
+            <a:extLst>
+              <a:ext uri="{FF2B5EF4-FFF2-40B4-BE49-F238E27FC236}">
+                <a16:creationId xmlns:a16="http://schemas.microsoft.com/office/drawing/2014/main" id="{5A55B759-31A7-423C-9BC2-A8BC09FE98B9}"/>
               </a:ext>
               <a:ext uri="{C183D7F6-B498-43B3-948B-1728B52AA6E4}">
                 <adec:decorative xmlns:adec="http://schemas.microsoft.com/office/drawing/2017/decorative" val="1"/>
@@ -8377,9 +8603,9 @@
           </p:nvPr>
         </p:nvSpPr>
         <p:spPr>
-          <a:xfrm>
+          <a:xfrm flipV="1">
             <a:off x="0" y="-478"/>
-            <a:ext cx="6820929" cy="6858478"/>
+            <a:ext cx="6754318" cy="6858478"/>
           </a:xfrm>
           <a:custGeom>
             <a:avLst/>
@@ -8512,10 +8738,10 @@
       </p:sp>
       <p:sp>
         <p:nvSpPr>
-          <p:cNvPr id="17" name="Freeform: Shape 12">
-            <a:extLst>
-              <a:ext uri="{FF2B5EF4-FFF2-40B4-BE49-F238E27FC236}">
-                <a16:creationId xmlns:a16="http://schemas.microsoft.com/office/drawing/2014/main" id="{E613F699-B53E-4E9A-B7E8-4979FEF428EA}"/>
+          <p:cNvPr id="13" name="Freeform: Shape 12">
+            <a:extLst>
+              <a:ext uri="{FF2B5EF4-FFF2-40B4-BE49-F238E27FC236}">
+                <a16:creationId xmlns:a16="http://schemas.microsoft.com/office/drawing/2014/main" id="{F78796AF-79A0-47AC-BEFD-BFFC00F968C4}"/>
               </a:ext>
               <a:ext uri="{C183D7F6-B498-43B3-948B-1728B52AA6E4}">
                 <adec:decorative xmlns:adec="http://schemas.microsoft.com/office/drawing/2017/decorative" val="1"/>
@@ -8534,9 +8760,9 @@
           </p:nvPr>
         </p:nvSpPr>
         <p:spPr>
-          <a:xfrm>
-            <a:off x="0" y="-478"/>
-            <a:ext cx="6012496" cy="6858478"/>
+          <a:xfrm flipV="1">
+            <a:off x="1" y="-478"/>
+            <a:ext cx="5953780" cy="6858478"/>
           </a:xfrm>
           <a:custGeom>
             <a:avLst/>
@@ -8684,26 +8910,80 @@
         </p:nvSpPr>
         <p:spPr>
           <a:xfrm>
-            <a:off x="804672" y="2752344"/>
-            <a:ext cx="3209544" cy="1155525"/>
-          </a:xfrm>
-        </p:spPr>
-        <p:txBody>
-          <a:bodyPr anchor="b">
-            <a:normAutofit fontScale="85000" lnSpcReduction="10000"/>
+            <a:off x="0" y="1962150"/>
+            <a:ext cx="4514850" cy="2333625"/>
+          </a:xfrm>
+        </p:spPr>
+        <p:txBody>
+          <a:bodyPr anchor="t">
+            <a:normAutofit fontScale="92500" lnSpcReduction="10000"/>
           </a:bodyPr>
           <a:lstStyle/>
           <a:p>
-            <a:r>
-              <a:rPr lang="en-US" altLang="ko-KR" sz="3000" b="1" i="0" dirty="0">
-                <a:effectLst/>
-                <a:latin typeface="Helvetica Neue"/>
+            <a:pPr algn="l"/>
+            <a:r>
+              <a:rPr lang="ko-KR" altLang="en-US" sz="3000" dirty="0">
+                <a:latin typeface="Arial Nova Light" panose="020B0304020202020204" pitchFamily="34" charset="0"/>
+                <a:cs typeface="Aldhabi" panose="020B0604020202020204" pitchFamily="2" charset="-78"/>
+                <a:sym typeface="Wingdings" panose="05000000000000000000" pitchFamily="2" charset="2"/>
               </a:rPr>
-              <a:t> Weather Conditions impact by Ride Counts</a:t>
+              <a:t></a:t>
+            </a:r>
+            <a:r>
+              <a:rPr lang="en-US" altLang="ko-KR" sz="3000" dirty="0">
+                <a:latin typeface="Arial Nova Light" panose="020B0304020202020204" pitchFamily="34" charset="0"/>
+                <a:cs typeface="Aldhabi" panose="020B0604020202020204" pitchFamily="2" charset="-78"/>
+                <a:sym typeface="Wingdings" panose="05000000000000000000" pitchFamily="2" charset="2"/>
+              </a:rPr>
+              <a:t>Feature Importance</a:t>
+            </a:r>
+          </a:p>
+          <a:p>
+            <a:pPr marL="342900" indent="-342900" algn="l">
+              <a:buFontTx/>
+              <a:buChar char="-"/>
+            </a:pPr>
+            <a:r>
+              <a:rPr lang="en-US" altLang="ko-KR" sz="2000" dirty="0">
+                <a:latin typeface="Arial Nova Light" panose="020B0304020202020204" pitchFamily="34" charset="0"/>
+                <a:cs typeface="Aldhabi" panose="020B0604020202020204" pitchFamily="2" charset="-78"/>
+                <a:sym typeface="Wingdings" panose="05000000000000000000" pitchFamily="2" charset="2"/>
+              </a:rPr>
+              <a:t>Start hour is excessively biased as well</a:t>
             </a:r>
           </a:p>
           <a:p>
             <a:pPr algn="l"/>
+            <a:endParaRPr lang="en-US" altLang="ko-KR" sz="3000" dirty="0">
+              <a:latin typeface="Arial Nova Light" panose="020B0304020202020204" pitchFamily="34" charset="0"/>
+              <a:cs typeface="Aldhabi" panose="020B0604020202020204" pitchFamily="2" charset="-78"/>
+              <a:sym typeface="Wingdings" panose="05000000000000000000" pitchFamily="2" charset="2"/>
+            </a:endParaRPr>
+          </a:p>
+          <a:p>
+            <a:pPr marL="457200" indent="-457200" algn="l">
+              <a:buFont typeface="Wingdings" panose="05000000000000000000" pitchFamily="2" charset="2"/>
+              <a:buChar char=""/>
+            </a:pPr>
+            <a:r>
+              <a:rPr lang="en-US" altLang="ko-KR" sz="3000" dirty="0">
+                <a:latin typeface="Arial Nova Light" panose="020B0304020202020204" pitchFamily="34" charset="0"/>
+                <a:cs typeface="Aldhabi" panose="020B0604020202020204" pitchFamily="2" charset="-78"/>
+                <a:sym typeface="Wingdings" panose="05000000000000000000" pitchFamily="2" charset="2"/>
+              </a:rPr>
+              <a:t>Test data 84.0 %</a:t>
+            </a:r>
+          </a:p>
+          <a:p>
+            <a:pPr algn="l"/>
+            <a:r>
+              <a:rPr lang="en-US" altLang="ko-KR" sz="3000" dirty="0">
+                <a:latin typeface="Arial Nova Light" panose="020B0304020202020204" pitchFamily="34" charset="0"/>
+                <a:cs typeface="Aldhabi" panose="020B0604020202020204" pitchFamily="2" charset="-78"/>
+                <a:sym typeface="Wingdings" panose="05000000000000000000" pitchFamily="2" charset="2"/>
+              </a:rPr>
+              <a:t>     </a:t>
+            </a:r>
             <a:endParaRPr lang="ko-KR" altLang="en-US" sz="2000" dirty="0">
               <a:latin typeface="Arial Nova Light" panose="020B0304020202020204" pitchFamily="34" charset="0"/>
               <a:cs typeface="Aldhabi" panose="020B0604020202020204" pitchFamily="2" charset="-78"/>
@@ -8714,7 +8994,7 @@
     </p:spTree>
     <p:extLst>
       <p:ext uri="{BB962C8B-B14F-4D97-AF65-F5344CB8AC3E}">
-        <p14:creationId xmlns:p14="http://schemas.microsoft.com/office/powerpoint/2010/main" val="610751415"/>
+        <p14:creationId xmlns:p14="http://schemas.microsoft.com/office/powerpoint/2010/main" val="4275576414"/>
       </p:ext>
     </p:extLst>
   </p:cSld>
@@ -8812,36 +9092,6 @@
           </a:p>
         </p:txBody>
       </p:sp>
-      <p:pic>
-        <p:nvPicPr>
-          <p:cNvPr id="4" name="Picture 3">
-            <a:extLst>
-              <a:ext uri="{FF2B5EF4-FFF2-40B4-BE49-F238E27FC236}">
-                <a16:creationId xmlns:a16="http://schemas.microsoft.com/office/drawing/2014/main" id="{7894FBD9-2DDC-4B1E-B14D-5533E1DF295E}"/>
-              </a:ext>
-            </a:extLst>
-          </p:cNvPr>
-          <p:cNvPicPr>
-            <a:picLocks noChangeAspect="1"/>
-          </p:cNvPicPr>
-          <p:nvPr/>
-        </p:nvPicPr>
-        <p:blipFill>
-          <a:blip r:embed="rId2"/>
-          <a:stretch>
-            <a:fillRect/>
-          </a:stretch>
-        </p:blipFill>
-        <p:spPr>
-          <a:xfrm>
-            <a:off x="5848350" y="1245034"/>
-            <a:ext cx="5890683" cy="4521098"/>
-          </a:xfrm>
-          <a:prstGeom prst="rect">
-            <a:avLst/>
-          </a:prstGeom>
-        </p:spPr>
-      </p:pic>
       <p:sp>
         <p:nvSpPr>
           <p:cNvPr id="11" name="Freeform: Shape 10">
@@ -9173,25 +9423,30 @@
         </p:nvSpPr>
         <p:spPr>
           <a:xfrm>
-            <a:off x="97654" y="1970844"/>
-            <a:ext cx="3975525" cy="2503502"/>
+            <a:off x="154916" y="1574584"/>
+            <a:ext cx="4132756" cy="2124075"/>
           </a:xfrm>
         </p:spPr>
         <p:txBody>
           <a:bodyPr anchor="t">
-            <a:normAutofit fontScale="92500"/>
+            <a:normAutofit fontScale="92500" lnSpcReduction="10000"/>
           </a:bodyPr>
           <a:lstStyle/>
           <a:p>
             <a:r>
-              <a:rPr lang="en-US" altLang="ko-KR" sz="4000" dirty="0">
+              <a:rPr lang="en-US" altLang="ko-KR" sz="3200" b="1" i="0" dirty="0">
+                <a:effectLst/>
+                <a:latin typeface="Helvetica Neue"/>
+              </a:rPr>
+              <a:t>Most Popular Start, End Stations by Subscribers in Rush Hours</a:t>
+            </a:r>
+            <a:r>
+              <a:rPr lang="ko-KR" altLang="en-US" sz="4000" dirty="0">
                 <a:latin typeface="Arial Nova Light" panose="020B0304020202020204" pitchFamily="34" charset="0"/>
                 <a:cs typeface="Aldhabi" panose="020B0604020202020204" pitchFamily="2" charset="-78"/>
               </a:rPr>
-              <a:t>Ride by User Type</a:t>
-            </a:r>
-          </a:p>
-          <a:p>
+              <a:t>  </a:t>
+            </a:r>
             <a:endParaRPr lang="en-US" altLang="ko-KR" sz="4000" dirty="0">
               <a:latin typeface="Arial Nova Light" panose="020B0304020202020204" pitchFamily="34" charset="0"/>
               <a:cs typeface="Aldhabi" panose="020B0604020202020204" pitchFamily="2" charset="-78"/>
@@ -9203,16 +9458,7 @@
                 <a:latin typeface="Arial Nova Light" panose="020B0304020202020204" pitchFamily="34" charset="0"/>
                 <a:cs typeface="Aldhabi" panose="020B0604020202020204" pitchFamily="2" charset="-78"/>
               </a:rPr>
-              <a:t>0 = Subscriber</a:t>
-            </a:r>
-          </a:p>
-          <a:p>
-            <a:r>
-              <a:rPr lang="en-US" altLang="ko-KR" sz="3000" dirty="0">
-                <a:latin typeface="Arial Nova Light" panose="020B0304020202020204" pitchFamily="34" charset="0"/>
-                <a:cs typeface="Aldhabi" panose="020B0604020202020204" pitchFamily="2" charset="-78"/>
-              </a:rPr>
-              <a:t>1 = Customer</a:t>
+              <a:t>[7, 8, 9, 16, 17, 18, 19]</a:t>
             </a:r>
             <a:endParaRPr lang="ko-KR" altLang="en-US" sz="3000" dirty="0">
               <a:latin typeface="Arial Nova Light" panose="020B0304020202020204" pitchFamily="34" charset="0"/>
@@ -9221,10 +9467,70 @@
           </a:p>
         </p:txBody>
       </p:sp>
+      <p:pic>
+        <p:nvPicPr>
+          <p:cNvPr id="5" name="Picture 4">
+            <a:extLst>
+              <a:ext uri="{FF2B5EF4-FFF2-40B4-BE49-F238E27FC236}">
+                <a16:creationId xmlns:a16="http://schemas.microsoft.com/office/drawing/2014/main" id="{26FAF3E6-B129-47A1-B41B-366C0F9BC768}"/>
+              </a:ext>
+            </a:extLst>
+          </p:cNvPr>
+          <p:cNvPicPr>
+            <a:picLocks noChangeAspect="1"/>
+          </p:cNvPicPr>
+          <p:nvPr/>
+        </p:nvPicPr>
+        <p:blipFill>
+          <a:blip r:embed="rId2"/>
+          <a:stretch>
+            <a:fillRect/>
+          </a:stretch>
+        </p:blipFill>
+        <p:spPr>
+          <a:xfrm>
+            <a:off x="4502845" y="457200"/>
+            <a:ext cx="3702409" cy="6086475"/>
+          </a:xfrm>
+          <a:prstGeom prst="rect">
+            <a:avLst/>
+          </a:prstGeom>
+        </p:spPr>
+      </p:pic>
+      <p:pic>
+        <p:nvPicPr>
+          <p:cNvPr id="7" name="Picture 6">
+            <a:extLst>
+              <a:ext uri="{FF2B5EF4-FFF2-40B4-BE49-F238E27FC236}">
+                <a16:creationId xmlns:a16="http://schemas.microsoft.com/office/drawing/2014/main" id="{764FBA3E-FCFA-4ECF-8925-0984474A451D}"/>
+              </a:ext>
+            </a:extLst>
+          </p:cNvPr>
+          <p:cNvPicPr>
+            <a:picLocks noChangeAspect="1"/>
+          </p:cNvPicPr>
+          <p:nvPr/>
+        </p:nvPicPr>
+        <p:blipFill>
+          <a:blip r:embed="rId3"/>
+          <a:stretch>
+            <a:fillRect/>
+          </a:stretch>
+        </p:blipFill>
+        <p:spPr>
+          <a:xfrm>
+            <a:off x="8205254" y="381000"/>
+            <a:ext cx="3831830" cy="6198548"/>
+          </a:xfrm>
+          <a:prstGeom prst="rect">
+            <a:avLst/>
+          </a:prstGeom>
+        </p:spPr>
+      </p:pic>
     </p:spTree>
     <p:extLst>
       <p:ext uri="{BB962C8B-B14F-4D97-AF65-F5344CB8AC3E}">
-        <p14:creationId xmlns:p14="http://schemas.microsoft.com/office/powerpoint/2010/main" val="4109268515"/>
+        <p14:creationId xmlns:p14="http://schemas.microsoft.com/office/powerpoint/2010/main" val="3650049261"/>
       </p:ext>
     </p:extLst>
   </p:cSld>
@@ -9234,7 +9540,517 @@
 </p:sld>
 </file>
 
-<file path=ppt/slides/slide25.xml><?xml version="1.0" encoding="utf-8"?>
+<file path=ppt/slides/slide3.xml><?xml version="1.0" encoding="utf-8"?>
+<p:sld xmlns:a="http://schemas.openxmlformats.org/drawingml/2006/main" xmlns:r="http://schemas.openxmlformats.org/officeDocument/2006/relationships" xmlns:p="http://schemas.openxmlformats.org/presentationml/2006/main">
+  <p:cSld>
+    <p:spTree>
+      <p:nvGrpSpPr>
+        <p:cNvPr id="1" name=""/>
+        <p:cNvGrpSpPr/>
+        <p:nvPr/>
+      </p:nvGrpSpPr>
+      <p:grpSpPr>
+        <a:xfrm>
+          <a:off x="0" y="0"/>
+          <a:ext cx="0" cy="0"/>
+          <a:chOff x="0" y="0"/>
+          <a:chExt cx="0" cy="0"/>
+        </a:xfrm>
+      </p:grpSpPr>
+      <p:sp>
+        <p:nvSpPr>
+          <p:cNvPr id="3" name="Subtitle 2">
+            <a:extLst>
+              <a:ext uri="{FF2B5EF4-FFF2-40B4-BE49-F238E27FC236}">
+                <a16:creationId xmlns:a16="http://schemas.microsoft.com/office/drawing/2014/main" id="{C63068C7-FF93-4F55-8D49-8E391F78232D}"/>
+              </a:ext>
+            </a:extLst>
+          </p:cNvPr>
+          <p:cNvSpPr>
+            <a:spLocks noGrp="1"/>
+          </p:cNvSpPr>
+          <p:nvPr>
+            <p:ph type="subTitle" idx="1"/>
+          </p:nvPr>
+        </p:nvSpPr>
+        <p:spPr>
+          <a:xfrm>
+            <a:off x="5572217" y="559293"/>
+            <a:ext cx="6314983" cy="5868139"/>
+          </a:xfrm>
+        </p:spPr>
+        <p:txBody>
+          <a:bodyPr>
+            <a:normAutofit/>
+          </a:bodyPr>
+          <a:lstStyle/>
+          <a:p>
+            <a:pPr algn="l"/>
+            <a:r>
+              <a:rPr lang="en-US" altLang="ko-KR" sz="3000" dirty="0">
+                <a:solidFill>
+                  <a:srgbClr val="0070C0"/>
+                </a:solidFill>
+                <a:latin typeface="Arial Nova Light" panose="020B0304020202020204" pitchFamily="34" charset="0"/>
+                <a:cs typeface="Aldhabi" panose="020B0604020202020204" pitchFamily="2" charset="-78"/>
+              </a:rPr>
+              <a:t>Purpose</a:t>
+            </a:r>
+          </a:p>
+          <a:p>
+            <a:pPr algn="l"/>
+            <a:r>
+              <a:rPr lang="en-US" altLang="ko-KR" sz="2000" dirty="0">
+                <a:latin typeface="Arial Nova Light" panose="020B0304020202020204" pitchFamily="34" charset="0"/>
+                <a:cs typeface="Aldhabi" panose="020B0604020202020204" pitchFamily="2" charset="-78"/>
+                <a:sym typeface="Wingdings" panose="05000000000000000000" pitchFamily="2" charset="2"/>
+              </a:rPr>
+              <a:t>The growth of Citi Bike is stagnant due to many sharing competitors. To find out which factors are most important and affect the increase in Subscribers, the most important factor for business growth, and to provide alternatives.</a:t>
+            </a:r>
+          </a:p>
+        </p:txBody>
+      </p:sp>
+      <p:pic>
+        <p:nvPicPr>
+          <p:cNvPr id="1026" name="Picture 2">
+            <a:extLst>
+              <a:ext uri="{FF2B5EF4-FFF2-40B4-BE49-F238E27FC236}">
+                <a16:creationId xmlns:a16="http://schemas.microsoft.com/office/drawing/2014/main" id="{8DDE9F19-81C7-4DAD-BFF3-98A852243BDB}"/>
+              </a:ext>
+            </a:extLst>
+          </p:cNvPr>
+          <p:cNvPicPr>
+            <a:picLocks noChangeAspect="1" noChangeArrowheads="1" noCrop="1"/>
+          </p:cNvPicPr>
+          <p:nvPr/>
+        </p:nvPicPr>
+        <p:blipFill>
+          <a:blip r:embed="rId2">
+            <a:extLst>
+              <a:ext uri="{28A0092B-C50C-407E-A947-70E740481C1C}">
+                <a14:useLocalDpi xmlns:a14="http://schemas.microsoft.com/office/drawing/2010/main" val="0"/>
+              </a:ext>
+            </a:extLst>
+          </a:blip>
+          <a:srcRect/>
+          <a:stretch>
+            <a:fillRect/>
+          </a:stretch>
+        </p:blipFill>
+        <p:spPr bwMode="auto">
+          <a:xfrm>
+            <a:off x="0" y="0"/>
+            <a:ext cx="5129785" cy="3403031"/>
+          </a:xfrm>
+          <a:prstGeom prst="rect">
+            <a:avLst/>
+          </a:prstGeom>
+          <a:noFill/>
+          <a:extLst>
+            <a:ext uri="{909E8E84-426E-40DD-AFC4-6F175D3DCCD1}">
+              <a14:hiddenFill xmlns:a14="http://schemas.microsoft.com/office/drawing/2010/main">
+                <a:solidFill>
+                  <a:srgbClr val="FFFFFF"/>
+                </a:solidFill>
+              </a14:hiddenFill>
+            </a:ext>
+          </a:extLst>
+        </p:spPr>
+      </p:pic>
+      <p:pic>
+        <p:nvPicPr>
+          <p:cNvPr id="1028" name="Picture 4">
+            <a:extLst>
+              <a:ext uri="{FF2B5EF4-FFF2-40B4-BE49-F238E27FC236}">
+                <a16:creationId xmlns:a16="http://schemas.microsoft.com/office/drawing/2014/main" id="{213B05CB-2AA5-46A2-ABAF-6235DCF51190}"/>
+              </a:ext>
+            </a:extLst>
+          </p:cNvPr>
+          <p:cNvPicPr>
+            <a:picLocks noChangeAspect="1" noChangeArrowheads="1"/>
+          </p:cNvPicPr>
+          <p:nvPr/>
+        </p:nvPicPr>
+        <p:blipFill>
+          <a:blip r:embed="rId3">
+            <a:extLst>
+              <a:ext uri="{28A0092B-C50C-407E-A947-70E740481C1C}">
+                <a14:useLocalDpi xmlns:a14="http://schemas.microsoft.com/office/drawing/2010/main" val="0"/>
+              </a:ext>
+            </a:extLst>
+          </a:blip>
+          <a:srcRect/>
+          <a:stretch>
+            <a:fillRect/>
+          </a:stretch>
+        </p:blipFill>
+        <p:spPr bwMode="auto">
+          <a:xfrm>
+            <a:off x="0" y="3406904"/>
+            <a:ext cx="5129784" cy="3451289"/>
+          </a:xfrm>
+          <a:prstGeom prst="rect">
+            <a:avLst/>
+          </a:prstGeom>
+          <a:noFill/>
+          <a:extLst>
+            <a:ext uri="{909E8E84-426E-40DD-AFC4-6F175D3DCCD1}">
+              <a14:hiddenFill xmlns:a14="http://schemas.microsoft.com/office/drawing/2010/main">
+                <a:solidFill>
+                  <a:srgbClr val="FFFFFF"/>
+                </a:solidFill>
+              </a14:hiddenFill>
+            </a:ext>
+          </a:extLst>
+        </p:spPr>
+      </p:pic>
+      <p:pic>
+        <p:nvPicPr>
+          <p:cNvPr id="4" name="Picture 3">
+            <a:extLst>
+              <a:ext uri="{FF2B5EF4-FFF2-40B4-BE49-F238E27FC236}">
+                <a16:creationId xmlns:a16="http://schemas.microsoft.com/office/drawing/2014/main" id="{D635D75D-E033-45FC-BF53-09DFAC33E3B7}"/>
+              </a:ext>
+            </a:extLst>
+          </p:cNvPr>
+          <p:cNvPicPr>
+            <a:picLocks noChangeAspect="1"/>
+          </p:cNvPicPr>
+          <p:nvPr/>
+        </p:nvPicPr>
+        <p:blipFill>
+          <a:blip r:embed="rId4"/>
+          <a:stretch>
+            <a:fillRect/>
+          </a:stretch>
+        </p:blipFill>
+        <p:spPr>
+          <a:xfrm>
+            <a:off x="5414963" y="2678455"/>
+            <a:ext cx="6472237" cy="3620252"/>
+          </a:xfrm>
+          <a:prstGeom prst="rect">
+            <a:avLst/>
+          </a:prstGeom>
+        </p:spPr>
+      </p:pic>
+    </p:spTree>
+    <p:extLst>
+      <p:ext uri="{BB962C8B-B14F-4D97-AF65-F5344CB8AC3E}">
+        <p14:creationId xmlns:p14="http://schemas.microsoft.com/office/powerpoint/2010/main" val="2489342696"/>
+      </p:ext>
+    </p:extLst>
+  </p:cSld>
+  <p:clrMapOvr>
+    <a:masterClrMapping/>
+  </p:clrMapOvr>
+</p:sld>
+</file>
+
+<file path=ppt/slides/slide4.xml><?xml version="1.0" encoding="utf-8"?>
+<p:sld xmlns:a="http://schemas.openxmlformats.org/drawingml/2006/main" xmlns:r="http://schemas.openxmlformats.org/officeDocument/2006/relationships" xmlns:p="http://schemas.openxmlformats.org/presentationml/2006/main">
+  <p:cSld>
+    <p:spTree>
+      <p:nvGrpSpPr>
+        <p:cNvPr id="1" name=""/>
+        <p:cNvGrpSpPr/>
+        <p:nvPr/>
+      </p:nvGrpSpPr>
+      <p:grpSpPr>
+        <a:xfrm>
+          <a:off x="0" y="0"/>
+          <a:ext cx="0" cy="0"/>
+          <a:chOff x="0" y="0"/>
+          <a:chExt cx="0" cy="0"/>
+        </a:xfrm>
+      </p:grpSpPr>
+      <p:sp>
+        <p:nvSpPr>
+          <p:cNvPr id="3" name="Subtitle 2">
+            <a:extLst>
+              <a:ext uri="{FF2B5EF4-FFF2-40B4-BE49-F238E27FC236}">
+                <a16:creationId xmlns:a16="http://schemas.microsoft.com/office/drawing/2014/main" id="{C63068C7-FF93-4F55-8D49-8E391F78232D}"/>
+              </a:ext>
+            </a:extLst>
+          </p:cNvPr>
+          <p:cNvSpPr>
+            <a:spLocks noGrp="1"/>
+          </p:cNvSpPr>
+          <p:nvPr>
+            <p:ph type="subTitle" idx="1"/>
+          </p:nvPr>
+        </p:nvSpPr>
+        <p:spPr>
+          <a:xfrm>
+            <a:off x="5572217" y="559293"/>
+            <a:ext cx="6314983" cy="5868139"/>
+          </a:xfrm>
+        </p:spPr>
+        <p:txBody>
+          <a:bodyPr>
+            <a:normAutofit/>
+          </a:bodyPr>
+          <a:lstStyle/>
+          <a:p>
+            <a:pPr algn="l"/>
+            <a:r>
+              <a:rPr lang="en-US" altLang="ko-KR" sz="3000" dirty="0">
+                <a:solidFill>
+                  <a:srgbClr val="0070C0"/>
+                </a:solidFill>
+                <a:latin typeface="Arial Nova Light" panose="020B0304020202020204" pitchFamily="34" charset="0"/>
+                <a:cs typeface="Aldhabi" panose="020B0604020202020204" pitchFamily="2" charset="-78"/>
+              </a:rPr>
+              <a:t>Data</a:t>
+            </a:r>
+          </a:p>
+          <a:p>
+            <a:pPr algn="l"/>
+            <a:endParaRPr lang="en-US" altLang="ko-KR" sz="3000" dirty="0">
+              <a:solidFill>
+                <a:srgbClr val="0070C0"/>
+              </a:solidFill>
+              <a:latin typeface="Arial Nova Light" panose="020B0304020202020204" pitchFamily="34" charset="0"/>
+              <a:cs typeface="Aldhabi" panose="020B0604020202020204" pitchFamily="2" charset="-78"/>
+            </a:endParaRPr>
+          </a:p>
+          <a:p>
+            <a:pPr marL="342900" indent="-342900" algn="l">
+              <a:buFont typeface="Wingdings" panose="05000000000000000000" pitchFamily="2" charset="2"/>
+              <a:buChar char=""/>
+            </a:pPr>
+            <a:r>
+              <a:rPr lang="en-US" altLang="ko-KR" sz="2000" dirty="0">
+                <a:latin typeface="Arial Nova Light" panose="020B0304020202020204" pitchFamily="34" charset="0"/>
+                <a:cs typeface="Aldhabi" panose="020B0604020202020204" pitchFamily="2" charset="-78"/>
+                <a:sym typeface="Wingdings" panose="05000000000000000000" pitchFamily="2" charset="2"/>
+              </a:rPr>
+              <a:t>Citi Bike Monthly Trip Data</a:t>
+            </a:r>
+          </a:p>
+          <a:p>
+            <a:pPr algn="l"/>
+            <a:r>
+              <a:rPr lang="en-US" altLang="ko-KR" sz="2000" dirty="0">
+                <a:solidFill>
+                  <a:srgbClr val="0070C0"/>
+                </a:solidFill>
+                <a:latin typeface="Arial Nova Light" panose="020B0304020202020204" pitchFamily="34" charset="0"/>
+                <a:cs typeface="Aldhabi" panose="020B0604020202020204" pitchFamily="2" charset="-78"/>
+                <a:sym typeface="Wingdings" panose="05000000000000000000" pitchFamily="2" charset="2"/>
+              </a:rPr>
+              <a:t>     -  </a:t>
+            </a:r>
+            <a:r>
+              <a:rPr lang="en-US" altLang="ko-KR" sz="2000" dirty="0">
+                <a:latin typeface="+mj-lt"/>
+              </a:rPr>
+              <a:t>Trip data including trip duration, Bike ID, </a:t>
+            </a:r>
+          </a:p>
+          <a:p>
+            <a:pPr algn="l"/>
+            <a:r>
+              <a:rPr lang="en-US" altLang="ko-KR" sz="2000" dirty="0">
+                <a:latin typeface="+mj-lt"/>
+              </a:rPr>
+              <a:t>      start and end time, start and end locations, </a:t>
+            </a:r>
+          </a:p>
+          <a:p>
+            <a:pPr algn="l"/>
+            <a:r>
+              <a:rPr lang="en-US" altLang="ko-KR" sz="2000" dirty="0">
+                <a:latin typeface="+mj-lt"/>
+              </a:rPr>
+              <a:t>      user type, gender, age</a:t>
+            </a:r>
+          </a:p>
+          <a:p>
+            <a:pPr algn="l"/>
+            <a:r>
+              <a:rPr lang="en-US" altLang="ko-KR" sz="2000" dirty="0">
+                <a:latin typeface="+mj-lt"/>
+              </a:rPr>
+              <a:t>    - 5% of each month data</a:t>
+            </a:r>
+          </a:p>
+          <a:p>
+            <a:pPr marL="342900" indent="-342900" algn="l">
+              <a:buFont typeface="Wingdings" panose="05000000000000000000" pitchFamily="2" charset="2"/>
+              <a:buChar char=""/>
+            </a:pPr>
+            <a:r>
+              <a:rPr lang="en-US" altLang="ko-KR" sz="2000" dirty="0">
+                <a:latin typeface="+mj-lt"/>
+                <a:sym typeface="Wingdings" panose="05000000000000000000" pitchFamily="2" charset="2"/>
+              </a:rPr>
+              <a:t>Period of Data</a:t>
+            </a:r>
+          </a:p>
+          <a:p>
+            <a:pPr algn="l"/>
+            <a:r>
+              <a:rPr lang="en-US" altLang="ko-KR" sz="2000" dirty="0">
+                <a:latin typeface="+mj-lt"/>
+                <a:sym typeface="Wingdings" panose="05000000000000000000" pitchFamily="2" charset="2"/>
+              </a:rPr>
+              <a:t>    - January 2019 ~ December 2019</a:t>
+            </a:r>
+          </a:p>
+          <a:p>
+            <a:pPr marL="342900" indent="-342900" algn="l">
+              <a:buFont typeface="Wingdings" panose="05000000000000000000" pitchFamily="2" charset="2"/>
+              <a:buChar char=""/>
+            </a:pPr>
+            <a:r>
+              <a:rPr lang="en-US" altLang="ko-KR" sz="2000" dirty="0">
+                <a:latin typeface="+mj-lt"/>
+                <a:sym typeface="Wingdings" panose="05000000000000000000" pitchFamily="2" charset="2"/>
+              </a:rPr>
+              <a:t>Data</a:t>
+            </a:r>
+          </a:p>
+          <a:p>
+            <a:pPr algn="l"/>
+            <a:r>
+              <a:rPr lang="en-US" altLang="ko-KR" sz="2000" dirty="0">
+                <a:latin typeface="+mj-lt"/>
+                <a:sym typeface="Wingdings" panose="05000000000000000000" pitchFamily="2" charset="2"/>
+              </a:rPr>
+              <a:t>     - 1,027,583 data and 15 features</a:t>
+            </a:r>
+          </a:p>
+          <a:p>
+            <a:pPr algn="l"/>
+            <a:endParaRPr lang="en-US" altLang="ko-KR" sz="2000" dirty="0">
+              <a:latin typeface="+mj-lt"/>
+            </a:endParaRPr>
+          </a:p>
+          <a:p>
+            <a:pPr algn="l"/>
+            <a:endParaRPr lang="en-US" altLang="ko-KR" sz="2000" dirty="0">
+              <a:latin typeface="Arial Nova Light" panose="020B0304020202020204" pitchFamily="34" charset="0"/>
+              <a:cs typeface="Aldhabi" panose="020B0604020202020204" pitchFamily="2" charset="-78"/>
+            </a:endParaRPr>
+          </a:p>
+          <a:p>
+            <a:pPr algn="l"/>
+            <a:endParaRPr lang="ko-KR" altLang="en-US" sz="2000" dirty="0">
+              <a:latin typeface="Arial Nova Light" panose="020B0304020202020204" pitchFamily="34" charset="0"/>
+              <a:cs typeface="Aldhabi" panose="020B0604020202020204" pitchFamily="2" charset="-78"/>
+            </a:endParaRPr>
+          </a:p>
+        </p:txBody>
+      </p:sp>
+      <p:pic>
+        <p:nvPicPr>
+          <p:cNvPr id="1026" name="Picture 2">
+            <a:extLst>
+              <a:ext uri="{FF2B5EF4-FFF2-40B4-BE49-F238E27FC236}">
+                <a16:creationId xmlns:a16="http://schemas.microsoft.com/office/drawing/2014/main" id="{8DDE9F19-81C7-4DAD-BFF3-98A852243BDB}"/>
+              </a:ext>
+            </a:extLst>
+          </p:cNvPr>
+          <p:cNvPicPr>
+            <a:picLocks noChangeAspect="1" noChangeArrowheads="1" noCrop="1"/>
+          </p:cNvPicPr>
+          <p:nvPr/>
+        </p:nvPicPr>
+        <p:blipFill>
+          <a:blip r:embed="rId2">
+            <a:extLst>
+              <a:ext uri="{28A0092B-C50C-407E-A947-70E740481C1C}">
+                <a14:useLocalDpi xmlns:a14="http://schemas.microsoft.com/office/drawing/2010/main" val="0"/>
+              </a:ext>
+            </a:extLst>
+          </a:blip>
+          <a:srcRect/>
+          <a:stretch>
+            <a:fillRect/>
+          </a:stretch>
+        </p:blipFill>
+        <p:spPr bwMode="auto">
+          <a:xfrm>
+            <a:off x="0" y="0"/>
+            <a:ext cx="5129785" cy="3403031"/>
+          </a:xfrm>
+          <a:prstGeom prst="rect">
+            <a:avLst/>
+          </a:prstGeom>
+          <a:noFill/>
+          <a:extLst>
+            <a:ext uri="{909E8E84-426E-40DD-AFC4-6F175D3DCCD1}">
+              <a14:hiddenFill xmlns:a14="http://schemas.microsoft.com/office/drawing/2010/main">
+                <a:solidFill>
+                  <a:srgbClr val="FFFFFF"/>
+                </a:solidFill>
+              </a14:hiddenFill>
+            </a:ext>
+          </a:extLst>
+        </p:spPr>
+      </p:pic>
+      <p:pic>
+        <p:nvPicPr>
+          <p:cNvPr id="1028" name="Picture 4">
+            <a:extLst>
+              <a:ext uri="{FF2B5EF4-FFF2-40B4-BE49-F238E27FC236}">
+                <a16:creationId xmlns:a16="http://schemas.microsoft.com/office/drawing/2014/main" id="{213B05CB-2AA5-46A2-ABAF-6235DCF51190}"/>
+              </a:ext>
+            </a:extLst>
+          </p:cNvPr>
+          <p:cNvPicPr>
+            <a:picLocks noChangeAspect="1" noChangeArrowheads="1"/>
+          </p:cNvPicPr>
+          <p:nvPr/>
+        </p:nvPicPr>
+        <p:blipFill>
+          <a:blip r:embed="rId3">
+            <a:extLst>
+              <a:ext uri="{28A0092B-C50C-407E-A947-70E740481C1C}">
+                <a14:useLocalDpi xmlns:a14="http://schemas.microsoft.com/office/drawing/2010/main" val="0"/>
+              </a:ext>
+            </a:extLst>
+          </a:blip>
+          <a:srcRect/>
+          <a:stretch>
+            <a:fillRect/>
+          </a:stretch>
+        </p:blipFill>
+        <p:spPr bwMode="auto">
+          <a:xfrm>
+            <a:off x="0" y="3406904"/>
+            <a:ext cx="5129784" cy="3451289"/>
+          </a:xfrm>
+          <a:prstGeom prst="rect">
+            <a:avLst/>
+          </a:prstGeom>
+          <a:noFill/>
+          <a:extLst>
+            <a:ext uri="{909E8E84-426E-40DD-AFC4-6F175D3DCCD1}">
+              <a14:hiddenFill xmlns:a14="http://schemas.microsoft.com/office/drawing/2010/main">
+                <a:solidFill>
+                  <a:srgbClr val="FFFFFF"/>
+                </a:solidFill>
+              </a14:hiddenFill>
+            </a:ext>
+          </a:extLst>
+        </p:spPr>
+      </p:pic>
+    </p:spTree>
+    <p:extLst>
+      <p:ext uri="{BB962C8B-B14F-4D97-AF65-F5344CB8AC3E}">
+        <p14:creationId xmlns:p14="http://schemas.microsoft.com/office/powerpoint/2010/main" val="1537800296"/>
+      </p:ext>
+    </p:extLst>
+  </p:cSld>
+  <p:clrMapOvr>
+    <a:masterClrMapping/>
+  </p:clrMapOvr>
+</p:sld>
+</file>
+
+<file path=ppt/slides/slide5.xml><?xml version="1.0" encoding="utf-8"?>
 <p:sld xmlns:a="http://schemas.openxmlformats.org/drawingml/2006/main" xmlns:r="http://schemas.openxmlformats.org/officeDocument/2006/relationships" xmlns:p="http://schemas.openxmlformats.org/presentationml/2006/main">
   <p:cSld>
     <p:bg>
@@ -9264,7 +10080,7 @@
           <p:cNvPr id="9" name="Rectangle 8">
             <a:extLst>
               <a:ext uri="{FF2B5EF4-FFF2-40B4-BE49-F238E27FC236}">
-                <a16:creationId xmlns:a16="http://schemas.microsoft.com/office/drawing/2014/main" id="{605494DE-B078-4D87-BB01-C84320618DAD}"/>
+                <a16:creationId xmlns:a16="http://schemas.microsoft.com/office/drawing/2014/main" id="{0DE6A193-4755-479A-BC6F-A7EBCA73BE1A}"/>
               </a:ext>
               <a:ext uri="{C183D7F6-B498-43B3-948B-1728B52AA6E4}">
                 <adec:decorative xmlns:adec="http://schemas.microsoft.com/office/drawing/2017/decorative" val="1"/>
@@ -9284,14 +10100,14 @@
         </p:nvSpPr>
         <p:spPr>
           <a:xfrm>
-            <a:off x="0" y="-3324"/>
-            <a:ext cx="12192000" cy="6858000"/>
+            <a:off x="0" y="0"/>
+            <a:ext cx="12192001" cy="6858000"/>
           </a:xfrm>
           <a:prstGeom prst="rect">
             <a:avLst/>
           </a:prstGeom>
           <a:solidFill>
-            <a:srgbClr val="FFFFFF"/>
+            <a:schemeClr val="tx1"/>
           </a:solidFill>
           <a:ln>
             <a:noFill/>
@@ -9322,1479 +10138,6 @@
           </a:p>
         </p:txBody>
       </p:sp>
-      <p:sp>
-        <p:nvSpPr>
-          <p:cNvPr id="11" name="Rectangle 10">
-            <a:extLst>
-              <a:ext uri="{FF2B5EF4-FFF2-40B4-BE49-F238E27FC236}">
-                <a16:creationId xmlns:a16="http://schemas.microsoft.com/office/drawing/2014/main" id="{9A0576B0-CD8C-4661-95C8-A9F2CE7CDDB0}"/>
-              </a:ext>
-              <a:ext uri="{C183D7F6-B498-43B3-948B-1728B52AA6E4}">
-                <adec:decorative xmlns:adec="http://schemas.microsoft.com/office/drawing/2017/decorative" val="1"/>
-              </a:ext>
-            </a:extLst>
-          </p:cNvPr>
-          <p:cNvSpPr>
-            <a:spLocks noGrp="1" noRot="1" noChangeAspect="1" noMove="1" noResize="1" noEditPoints="1" noAdjustHandles="1" noChangeArrowheads="1" noChangeShapeType="1" noTextEdit="1"/>
-          </p:cNvSpPr>
-          <p:nvPr>
-            <p:extLst>
-              <p:ext uri="{386F3935-93C4-4BCD-93E2-E3B085C9AB24}">
-                <p16:designElem xmlns:p16="http://schemas.microsoft.com/office/powerpoint/2015/main" val="1"/>
-              </p:ext>
-            </p:extLst>
-          </p:nvPr>
-        </p:nvSpPr>
-        <p:spPr>
-          <a:xfrm>
-            <a:off x="0" y="-3324"/>
-            <a:ext cx="4724288" cy="6861324"/>
-          </a:xfrm>
-          <a:prstGeom prst="rect">
-            <a:avLst/>
-          </a:prstGeom>
-          <a:solidFill>
-            <a:srgbClr val="000000">
-              <a:alpha val="80392"/>
-            </a:srgbClr>
-          </a:solidFill>
-          <a:ln>
-            <a:noFill/>
-          </a:ln>
-        </p:spPr>
-        <p:style>
-          <a:lnRef idx="2">
-            <a:schemeClr val="accent1">
-              <a:shade val="50000"/>
-            </a:schemeClr>
-          </a:lnRef>
-          <a:fillRef idx="1">
-            <a:schemeClr val="accent1"/>
-          </a:fillRef>
-          <a:effectRef idx="0">
-            <a:schemeClr val="accent1"/>
-          </a:effectRef>
-          <a:fontRef idx="minor">
-            <a:schemeClr val="lt1"/>
-          </a:fontRef>
-        </p:style>
-        <p:txBody>
-          <a:bodyPr rtlCol="0" anchor="ctr"/>
-          <a:lstStyle/>
-          <a:p>
-            <a:pPr algn="ctr"/>
-            <a:endParaRPr lang="en-US"/>
-          </a:p>
-        </p:txBody>
-      </p:sp>
-      <p:sp>
-        <p:nvSpPr>
-          <p:cNvPr id="13" name="Freeform: Shape 12">
-            <a:extLst>
-              <a:ext uri="{FF2B5EF4-FFF2-40B4-BE49-F238E27FC236}">
-                <a16:creationId xmlns:a16="http://schemas.microsoft.com/office/drawing/2014/main" id="{3FF60E2B-3919-423C-B1FF-56CDE6681165}"/>
-              </a:ext>
-              <a:ext uri="{C183D7F6-B498-43B3-948B-1728B52AA6E4}">
-                <adec:decorative xmlns:adec="http://schemas.microsoft.com/office/drawing/2017/decorative" val="1"/>
-              </a:ext>
-            </a:extLst>
-          </p:cNvPr>
-          <p:cNvSpPr>
-            <a:spLocks noGrp="1" noRot="1" noChangeAspect="1" noMove="1" noResize="1" noEditPoints="1" noAdjustHandles="1" noChangeArrowheads="1" noChangeShapeType="1" noTextEdit="1"/>
-          </p:cNvSpPr>
-          <p:nvPr>
-            <p:extLst>
-              <p:ext uri="{386F3935-93C4-4BCD-93E2-E3B085C9AB24}">
-                <p16:designElem xmlns:p16="http://schemas.microsoft.com/office/powerpoint/2015/main" val="1"/>
-              </p:ext>
-            </p:extLst>
-          </p:nvPr>
-        </p:nvSpPr>
-        <p:spPr>
-          <a:xfrm>
-            <a:off x="0" y="0"/>
-            <a:ext cx="4319042" cy="6858000"/>
-          </a:xfrm>
-          <a:custGeom>
-            <a:avLst/>
-            <a:gdLst>
-              <a:gd name="connsiteX0" fmla="*/ 0 w 4319042"/>
-              <a:gd name="connsiteY0" fmla="*/ 0 h 6858000"/>
-              <a:gd name="connsiteX1" fmla="*/ 1142888 w 4319042"/>
-              <a:gd name="connsiteY1" fmla="*/ 0 h 6858000"/>
-              <a:gd name="connsiteX2" fmla="*/ 4319042 w 4319042"/>
-              <a:gd name="connsiteY2" fmla="*/ 6858000 h 6858000"/>
-              <a:gd name="connsiteX3" fmla="*/ 0 w 4319042"/>
-              <a:gd name="connsiteY3" fmla="*/ 6858000 h 6858000"/>
-            </a:gdLst>
-            <a:ahLst/>
-            <a:cxnLst>
-              <a:cxn ang="0">
-                <a:pos x="connsiteX0" y="connsiteY0"/>
-              </a:cxn>
-              <a:cxn ang="0">
-                <a:pos x="connsiteX1" y="connsiteY1"/>
-              </a:cxn>
-              <a:cxn ang="0">
-                <a:pos x="connsiteX2" y="connsiteY2"/>
-              </a:cxn>
-              <a:cxn ang="0">
-                <a:pos x="connsiteX3" y="connsiteY3"/>
-              </a:cxn>
-            </a:cxnLst>
-            <a:rect l="l" t="t" r="r" b="b"/>
-            <a:pathLst>
-              <a:path w="4319042" h="6858000">
-                <a:moveTo>
-                  <a:pt x="0" y="0"/>
-                </a:moveTo>
-                <a:lnTo>
-                  <a:pt x="1142888" y="0"/>
-                </a:lnTo>
-                <a:lnTo>
-                  <a:pt x="4319042" y="6858000"/>
-                </a:lnTo>
-                <a:lnTo>
-                  <a:pt x="0" y="6858000"/>
-                </a:lnTo>
-                <a:close/>
-              </a:path>
-            </a:pathLst>
-          </a:custGeom>
-          <a:solidFill>
-            <a:srgbClr val="000000">
-              <a:alpha val="34902"/>
-            </a:srgbClr>
-          </a:solidFill>
-          <a:ln>
-            <a:noFill/>
-          </a:ln>
-        </p:spPr>
-        <p:style>
-          <a:lnRef idx="2">
-            <a:schemeClr val="accent1">
-              <a:shade val="50000"/>
-            </a:schemeClr>
-          </a:lnRef>
-          <a:fillRef idx="1">
-            <a:schemeClr val="accent1"/>
-          </a:fillRef>
-          <a:effectRef idx="0">
-            <a:schemeClr val="accent1"/>
-          </a:effectRef>
-          <a:fontRef idx="minor">
-            <a:schemeClr val="lt1"/>
-          </a:fontRef>
-        </p:style>
-        <p:txBody>
-          <a:bodyPr wrap="square" rtlCol="0" anchor="ctr">
-            <a:noAutofit/>
-          </a:bodyPr>
-          <a:lstStyle/>
-          <a:p>
-            <a:pPr algn="ctr"/>
-            <a:endParaRPr lang="en-US"/>
-          </a:p>
-        </p:txBody>
-      </p:sp>
-      <p:sp>
-        <p:nvSpPr>
-          <p:cNvPr id="3" name="Subtitle 2">
-            <a:extLst>
-              <a:ext uri="{FF2B5EF4-FFF2-40B4-BE49-F238E27FC236}">
-                <a16:creationId xmlns:a16="http://schemas.microsoft.com/office/drawing/2014/main" id="{C63068C7-FF93-4F55-8D49-8E391F78232D}"/>
-              </a:ext>
-            </a:extLst>
-          </p:cNvPr>
-          <p:cNvSpPr>
-            <a:spLocks noGrp="1"/>
-          </p:cNvSpPr>
-          <p:nvPr>
-            <p:ph type="subTitle" idx="1"/>
-          </p:nvPr>
-        </p:nvSpPr>
-        <p:spPr>
-          <a:xfrm>
-            <a:off x="226324" y="1926454"/>
-            <a:ext cx="4403323" cy="3675355"/>
-          </a:xfrm>
-        </p:spPr>
-        <p:txBody>
-          <a:bodyPr>
-            <a:normAutofit/>
-          </a:bodyPr>
-          <a:lstStyle/>
-          <a:p>
-            <a:pPr algn="l"/>
-            <a:r>
-              <a:rPr lang="en-US" altLang="ko-KR" sz="4000" dirty="0">
-                <a:solidFill>
-                  <a:schemeClr val="bg1"/>
-                </a:solidFill>
-                <a:latin typeface="Arial Nova Light" panose="020B0304020202020204" pitchFamily="34" charset="0"/>
-                <a:cs typeface="Aldhabi" panose="020B0604020202020204" pitchFamily="2" charset="-78"/>
-              </a:rPr>
-              <a:t>Ride by Gender</a:t>
-            </a:r>
-          </a:p>
-          <a:p>
-            <a:pPr algn="l"/>
-            <a:endParaRPr lang="en-US" altLang="ko-KR" sz="4100" dirty="0">
-              <a:solidFill>
-                <a:schemeClr val="bg1"/>
-              </a:solidFill>
-              <a:latin typeface="Arial Nova Light" panose="020B0304020202020204" pitchFamily="34" charset="0"/>
-              <a:cs typeface="Aldhabi" panose="020B0604020202020204" pitchFamily="2" charset="-78"/>
-            </a:endParaRPr>
-          </a:p>
-          <a:p>
-            <a:pPr algn="l"/>
-            <a:r>
-              <a:rPr lang="en-US" altLang="ko-KR" sz="3000" dirty="0">
-                <a:solidFill>
-                  <a:schemeClr val="bg1"/>
-                </a:solidFill>
-                <a:latin typeface="Arial Nova Light" panose="020B0304020202020204" pitchFamily="34" charset="0"/>
-                <a:cs typeface="Aldhabi" panose="020B0604020202020204" pitchFamily="2" charset="-78"/>
-              </a:rPr>
-              <a:t>0=unknown; </a:t>
-            </a:r>
-          </a:p>
-          <a:p>
-            <a:pPr algn="l"/>
-            <a:r>
-              <a:rPr lang="en-US" altLang="ko-KR" sz="3000" dirty="0">
-                <a:solidFill>
-                  <a:schemeClr val="bg1"/>
-                </a:solidFill>
-                <a:latin typeface="Arial Nova Light" panose="020B0304020202020204" pitchFamily="34" charset="0"/>
-                <a:cs typeface="Aldhabi" panose="020B0604020202020204" pitchFamily="2" charset="-78"/>
-              </a:rPr>
-              <a:t>1=male; </a:t>
-            </a:r>
-          </a:p>
-          <a:p>
-            <a:pPr algn="l"/>
-            <a:r>
-              <a:rPr lang="en-US" altLang="ko-KR" sz="3000" dirty="0">
-                <a:solidFill>
-                  <a:schemeClr val="bg1"/>
-                </a:solidFill>
-                <a:latin typeface="Arial Nova Light" panose="020B0304020202020204" pitchFamily="34" charset="0"/>
-                <a:cs typeface="Aldhabi" panose="020B0604020202020204" pitchFamily="2" charset="-78"/>
-              </a:rPr>
-              <a:t>2=female</a:t>
-            </a:r>
-            <a:endParaRPr lang="ko-KR" altLang="en-US" sz="3000" dirty="0">
-              <a:solidFill>
-                <a:schemeClr val="bg1"/>
-              </a:solidFill>
-              <a:latin typeface="Arial Nova Light" panose="020B0304020202020204" pitchFamily="34" charset="0"/>
-              <a:cs typeface="Aldhabi" panose="020B0604020202020204" pitchFamily="2" charset="-78"/>
-            </a:endParaRPr>
-          </a:p>
-        </p:txBody>
-      </p:sp>
-      <p:pic>
-        <p:nvPicPr>
-          <p:cNvPr id="4" name="Picture 3">
-            <a:extLst>
-              <a:ext uri="{FF2B5EF4-FFF2-40B4-BE49-F238E27FC236}">
-                <a16:creationId xmlns:a16="http://schemas.microsoft.com/office/drawing/2014/main" id="{A2ED8F22-84A1-48B8-BA5D-A607A6D46843}"/>
-              </a:ext>
-            </a:extLst>
-          </p:cNvPr>
-          <p:cNvPicPr>
-            <a:picLocks noChangeAspect="1"/>
-          </p:cNvPicPr>
-          <p:nvPr/>
-        </p:nvPicPr>
-        <p:blipFill>
-          <a:blip r:embed="rId2"/>
-          <a:stretch>
-            <a:fillRect/>
-          </a:stretch>
-        </p:blipFill>
-        <p:spPr>
-          <a:xfrm>
-            <a:off x="5320996" y="950653"/>
-            <a:ext cx="6274296" cy="4956693"/>
-          </a:xfrm>
-          <a:prstGeom prst="rect">
-            <a:avLst/>
-          </a:prstGeom>
-        </p:spPr>
-      </p:pic>
-    </p:spTree>
-    <p:extLst>
-      <p:ext uri="{BB962C8B-B14F-4D97-AF65-F5344CB8AC3E}">
-        <p14:creationId xmlns:p14="http://schemas.microsoft.com/office/powerpoint/2010/main" val="326585949"/>
-      </p:ext>
-    </p:extLst>
-  </p:cSld>
-  <p:clrMapOvr>
-    <a:masterClrMapping/>
-  </p:clrMapOvr>
-</p:sld>
-</file>
-
-<file path=ppt/slides/slide26.xml><?xml version="1.0" encoding="utf-8"?>
-<p:sld xmlns:a="http://schemas.openxmlformats.org/drawingml/2006/main" xmlns:r="http://schemas.openxmlformats.org/officeDocument/2006/relationships" xmlns:p="http://schemas.openxmlformats.org/presentationml/2006/main">
-  <p:cSld>
-    <p:bg>
-      <p:bgPr>
-        <a:solidFill>
-          <a:schemeClr val="bg1"/>
-        </a:solidFill>
-        <a:effectLst/>
-      </p:bgPr>
-    </p:bg>
-    <p:spTree>
-      <p:nvGrpSpPr>
-        <p:cNvPr id="1" name=""/>
-        <p:cNvGrpSpPr/>
-        <p:nvPr/>
-      </p:nvGrpSpPr>
-      <p:grpSpPr>
-        <a:xfrm>
-          <a:off x="0" y="0"/>
-          <a:ext cx="0" cy="0"/>
-          <a:chOff x="0" y="0"/>
-          <a:chExt cx="0" cy="0"/>
-        </a:xfrm>
-      </p:grpSpPr>
-      <p:sp>
-        <p:nvSpPr>
-          <p:cNvPr id="15" name="Rectangle 8">
-            <a:extLst>
-              <a:ext uri="{FF2B5EF4-FFF2-40B4-BE49-F238E27FC236}">
-                <a16:creationId xmlns:a16="http://schemas.microsoft.com/office/drawing/2014/main" id="{605494DE-B078-4D87-BB01-C84320618DAD}"/>
-              </a:ext>
-              <a:ext uri="{C183D7F6-B498-43B3-948B-1728B52AA6E4}">
-                <adec:decorative xmlns:adec="http://schemas.microsoft.com/office/drawing/2017/decorative" val="1"/>
-              </a:ext>
-            </a:extLst>
-          </p:cNvPr>
-          <p:cNvSpPr>
-            <a:spLocks noGrp="1" noRot="1" noChangeAspect="1" noMove="1" noResize="1" noEditPoints="1" noAdjustHandles="1" noChangeArrowheads="1" noChangeShapeType="1" noTextEdit="1"/>
-          </p:cNvSpPr>
-          <p:nvPr>
-            <p:extLst>
-              <p:ext uri="{386F3935-93C4-4BCD-93E2-E3B085C9AB24}">
-                <p16:designElem xmlns:p16="http://schemas.microsoft.com/office/powerpoint/2015/main" val="1"/>
-              </p:ext>
-            </p:extLst>
-          </p:nvPr>
-        </p:nvSpPr>
-        <p:spPr>
-          <a:xfrm>
-            <a:off x="0" y="-3324"/>
-            <a:ext cx="12192000" cy="6858000"/>
-          </a:xfrm>
-          <a:prstGeom prst="rect">
-            <a:avLst/>
-          </a:prstGeom>
-          <a:solidFill>
-            <a:srgbClr val="FFFFFF"/>
-          </a:solidFill>
-          <a:ln>
-            <a:noFill/>
-          </a:ln>
-        </p:spPr>
-        <p:style>
-          <a:lnRef idx="2">
-            <a:schemeClr val="accent1">
-              <a:shade val="50000"/>
-            </a:schemeClr>
-          </a:lnRef>
-          <a:fillRef idx="1">
-            <a:schemeClr val="accent1"/>
-          </a:fillRef>
-          <a:effectRef idx="0">
-            <a:schemeClr val="accent1"/>
-          </a:effectRef>
-          <a:fontRef idx="minor">
-            <a:schemeClr val="lt1"/>
-          </a:fontRef>
-        </p:style>
-        <p:txBody>
-          <a:bodyPr rtlCol="0" anchor="ctr"/>
-          <a:lstStyle/>
-          <a:p>
-            <a:pPr algn="ctr"/>
-            <a:endParaRPr lang="en-US"/>
-          </a:p>
-        </p:txBody>
-      </p:sp>
-      <p:sp>
-        <p:nvSpPr>
-          <p:cNvPr id="16" name="Rectangle 10">
-            <a:extLst>
-              <a:ext uri="{FF2B5EF4-FFF2-40B4-BE49-F238E27FC236}">
-                <a16:creationId xmlns:a16="http://schemas.microsoft.com/office/drawing/2014/main" id="{9A0576B0-CD8C-4661-95C8-A9F2CE7CDDB0}"/>
-              </a:ext>
-              <a:ext uri="{C183D7F6-B498-43B3-948B-1728B52AA6E4}">
-                <adec:decorative xmlns:adec="http://schemas.microsoft.com/office/drawing/2017/decorative" val="1"/>
-              </a:ext>
-            </a:extLst>
-          </p:cNvPr>
-          <p:cNvSpPr>
-            <a:spLocks noGrp="1" noRot="1" noChangeAspect="1" noMove="1" noResize="1" noEditPoints="1" noAdjustHandles="1" noChangeArrowheads="1" noChangeShapeType="1" noTextEdit="1"/>
-          </p:cNvSpPr>
-          <p:nvPr>
-            <p:extLst>
-              <p:ext uri="{386F3935-93C4-4BCD-93E2-E3B085C9AB24}">
-                <p16:designElem xmlns:p16="http://schemas.microsoft.com/office/powerpoint/2015/main" val="1"/>
-              </p:ext>
-            </p:extLst>
-          </p:nvPr>
-        </p:nvSpPr>
-        <p:spPr>
-          <a:xfrm>
-            <a:off x="0" y="-3324"/>
-            <a:ext cx="4724288" cy="6861324"/>
-          </a:xfrm>
-          <a:prstGeom prst="rect">
-            <a:avLst/>
-          </a:prstGeom>
-          <a:solidFill>
-            <a:srgbClr val="000000">
-              <a:alpha val="80392"/>
-            </a:srgbClr>
-          </a:solidFill>
-          <a:ln>
-            <a:noFill/>
-          </a:ln>
-        </p:spPr>
-        <p:style>
-          <a:lnRef idx="2">
-            <a:schemeClr val="accent1">
-              <a:shade val="50000"/>
-            </a:schemeClr>
-          </a:lnRef>
-          <a:fillRef idx="1">
-            <a:schemeClr val="accent1"/>
-          </a:fillRef>
-          <a:effectRef idx="0">
-            <a:schemeClr val="accent1"/>
-          </a:effectRef>
-          <a:fontRef idx="minor">
-            <a:schemeClr val="lt1"/>
-          </a:fontRef>
-        </p:style>
-        <p:txBody>
-          <a:bodyPr rtlCol="0" anchor="ctr"/>
-          <a:lstStyle/>
-          <a:p>
-            <a:pPr algn="ctr"/>
-            <a:endParaRPr lang="en-US"/>
-          </a:p>
-        </p:txBody>
-      </p:sp>
-      <p:sp>
-        <p:nvSpPr>
-          <p:cNvPr id="17" name="Freeform: Shape 12">
-            <a:extLst>
-              <a:ext uri="{FF2B5EF4-FFF2-40B4-BE49-F238E27FC236}">
-                <a16:creationId xmlns:a16="http://schemas.microsoft.com/office/drawing/2014/main" id="{3FF60E2B-3919-423C-B1FF-56CDE6681165}"/>
-              </a:ext>
-              <a:ext uri="{C183D7F6-B498-43B3-948B-1728B52AA6E4}">
-                <adec:decorative xmlns:adec="http://schemas.microsoft.com/office/drawing/2017/decorative" val="1"/>
-              </a:ext>
-            </a:extLst>
-          </p:cNvPr>
-          <p:cNvSpPr>
-            <a:spLocks noGrp="1" noRot="1" noChangeAspect="1" noMove="1" noResize="1" noEditPoints="1" noAdjustHandles="1" noChangeArrowheads="1" noChangeShapeType="1" noTextEdit="1"/>
-          </p:cNvSpPr>
-          <p:nvPr>
-            <p:extLst>
-              <p:ext uri="{386F3935-93C4-4BCD-93E2-E3B085C9AB24}">
-                <p16:designElem xmlns:p16="http://schemas.microsoft.com/office/powerpoint/2015/main" val="1"/>
-              </p:ext>
-            </p:extLst>
-          </p:nvPr>
-        </p:nvSpPr>
-        <p:spPr>
-          <a:xfrm>
-            <a:off x="0" y="0"/>
-            <a:ext cx="4319042" cy="6858000"/>
-          </a:xfrm>
-          <a:custGeom>
-            <a:avLst/>
-            <a:gdLst>
-              <a:gd name="connsiteX0" fmla="*/ 0 w 4319042"/>
-              <a:gd name="connsiteY0" fmla="*/ 0 h 6858000"/>
-              <a:gd name="connsiteX1" fmla="*/ 1142888 w 4319042"/>
-              <a:gd name="connsiteY1" fmla="*/ 0 h 6858000"/>
-              <a:gd name="connsiteX2" fmla="*/ 4319042 w 4319042"/>
-              <a:gd name="connsiteY2" fmla="*/ 6858000 h 6858000"/>
-              <a:gd name="connsiteX3" fmla="*/ 0 w 4319042"/>
-              <a:gd name="connsiteY3" fmla="*/ 6858000 h 6858000"/>
-            </a:gdLst>
-            <a:ahLst/>
-            <a:cxnLst>
-              <a:cxn ang="0">
-                <a:pos x="connsiteX0" y="connsiteY0"/>
-              </a:cxn>
-              <a:cxn ang="0">
-                <a:pos x="connsiteX1" y="connsiteY1"/>
-              </a:cxn>
-              <a:cxn ang="0">
-                <a:pos x="connsiteX2" y="connsiteY2"/>
-              </a:cxn>
-              <a:cxn ang="0">
-                <a:pos x="connsiteX3" y="connsiteY3"/>
-              </a:cxn>
-            </a:cxnLst>
-            <a:rect l="l" t="t" r="r" b="b"/>
-            <a:pathLst>
-              <a:path w="4319042" h="6858000">
-                <a:moveTo>
-                  <a:pt x="0" y="0"/>
-                </a:moveTo>
-                <a:lnTo>
-                  <a:pt x="1142888" y="0"/>
-                </a:lnTo>
-                <a:lnTo>
-                  <a:pt x="4319042" y="6858000"/>
-                </a:lnTo>
-                <a:lnTo>
-                  <a:pt x="0" y="6858000"/>
-                </a:lnTo>
-                <a:close/>
-              </a:path>
-            </a:pathLst>
-          </a:custGeom>
-          <a:solidFill>
-            <a:srgbClr val="000000">
-              <a:alpha val="34902"/>
-            </a:srgbClr>
-          </a:solidFill>
-          <a:ln>
-            <a:noFill/>
-          </a:ln>
-        </p:spPr>
-        <p:style>
-          <a:lnRef idx="2">
-            <a:schemeClr val="accent1">
-              <a:shade val="50000"/>
-            </a:schemeClr>
-          </a:lnRef>
-          <a:fillRef idx="1">
-            <a:schemeClr val="accent1"/>
-          </a:fillRef>
-          <a:effectRef idx="0">
-            <a:schemeClr val="accent1"/>
-          </a:effectRef>
-          <a:fontRef idx="minor">
-            <a:schemeClr val="lt1"/>
-          </a:fontRef>
-        </p:style>
-        <p:txBody>
-          <a:bodyPr wrap="square" rtlCol="0" anchor="ctr">
-            <a:noAutofit/>
-          </a:bodyPr>
-          <a:lstStyle/>
-          <a:p>
-            <a:pPr algn="ctr"/>
-            <a:endParaRPr lang="en-US"/>
-          </a:p>
-        </p:txBody>
-      </p:sp>
-      <p:sp>
-        <p:nvSpPr>
-          <p:cNvPr id="3" name="Subtitle 2">
-            <a:extLst>
-              <a:ext uri="{FF2B5EF4-FFF2-40B4-BE49-F238E27FC236}">
-                <a16:creationId xmlns:a16="http://schemas.microsoft.com/office/drawing/2014/main" id="{C63068C7-FF93-4F55-8D49-8E391F78232D}"/>
-              </a:ext>
-            </a:extLst>
-          </p:cNvPr>
-          <p:cNvSpPr>
-            <a:spLocks noGrp="1"/>
-          </p:cNvSpPr>
-          <p:nvPr>
-            <p:ph type="subTitle" idx="1"/>
-          </p:nvPr>
-        </p:nvSpPr>
-        <p:spPr>
-          <a:xfrm>
-            <a:off x="102547" y="2894691"/>
-            <a:ext cx="4514849" cy="1655762"/>
-          </a:xfrm>
-        </p:spPr>
-        <p:txBody>
-          <a:bodyPr>
-            <a:normAutofit/>
-          </a:bodyPr>
-          <a:lstStyle/>
-          <a:p>
-            <a:r>
-              <a:rPr lang="en-US" altLang="ko-KR" sz="4000" dirty="0">
-                <a:solidFill>
-                  <a:srgbClr val="FFFFFF"/>
-                </a:solidFill>
-                <a:latin typeface="Arial Nova Light" panose="020B0304020202020204" pitchFamily="34" charset="0"/>
-                <a:cs typeface="Aldhabi" panose="020B0604020202020204" pitchFamily="2" charset="-78"/>
-              </a:rPr>
-              <a:t>Ride by Ages</a:t>
-            </a:r>
-            <a:endParaRPr lang="ko-KR" altLang="en-US" sz="4000" dirty="0">
-              <a:solidFill>
-                <a:srgbClr val="FFFFFF"/>
-              </a:solidFill>
-              <a:latin typeface="Arial Nova Light" panose="020B0304020202020204" pitchFamily="34" charset="0"/>
-              <a:cs typeface="Aldhabi" panose="020B0604020202020204" pitchFamily="2" charset="-78"/>
-            </a:endParaRPr>
-          </a:p>
-        </p:txBody>
-      </p:sp>
-      <p:pic>
-        <p:nvPicPr>
-          <p:cNvPr id="4" name="Picture 3">
-            <a:extLst>
-              <a:ext uri="{FF2B5EF4-FFF2-40B4-BE49-F238E27FC236}">
-                <a16:creationId xmlns:a16="http://schemas.microsoft.com/office/drawing/2014/main" id="{01210C30-9F65-4B92-A424-6E89EBAF2A49}"/>
-              </a:ext>
-            </a:extLst>
-          </p:cNvPr>
-          <p:cNvPicPr>
-            <a:picLocks noChangeAspect="1"/>
-          </p:cNvPicPr>
-          <p:nvPr/>
-        </p:nvPicPr>
-        <p:blipFill>
-          <a:blip r:embed="rId2"/>
-          <a:stretch>
-            <a:fillRect/>
-          </a:stretch>
-        </p:blipFill>
-        <p:spPr>
-          <a:xfrm>
-            <a:off x="5320996" y="2072184"/>
-            <a:ext cx="6274296" cy="2713632"/>
-          </a:xfrm>
-          <a:prstGeom prst="rect">
-            <a:avLst/>
-          </a:prstGeom>
-        </p:spPr>
-      </p:pic>
-    </p:spTree>
-    <p:extLst>
-      <p:ext uri="{BB962C8B-B14F-4D97-AF65-F5344CB8AC3E}">
-        <p14:creationId xmlns:p14="http://schemas.microsoft.com/office/powerpoint/2010/main" val="3291032692"/>
-      </p:ext>
-    </p:extLst>
-  </p:cSld>
-  <p:clrMapOvr>
-    <a:masterClrMapping/>
-  </p:clrMapOvr>
-</p:sld>
-</file>
-
-<file path=ppt/slides/slide27.xml><?xml version="1.0" encoding="utf-8"?>
-<p:sld xmlns:a="http://schemas.openxmlformats.org/drawingml/2006/main" xmlns:r="http://schemas.openxmlformats.org/officeDocument/2006/relationships" xmlns:p="http://schemas.openxmlformats.org/presentationml/2006/main">
-  <p:cSld>
-    <p:spTree>
-      <p:nvGrpSpPr>
-        <p:cNvPr id="1" name=""/>
-        <p:cNvGrpSpPr/>
-        <p:nvPr/>
-      </p:nvGrpSpPr>
-      <p:grpSpPr>
-        <a:xfrm>
-          <a:off x="0" y="0"/>
-          <a:ext cx="0" cy="0"/>
-          <a:chOff x="0" y="0"/>
-          <a:chExt cx="0" cy="0"/>
-        </a:xfrm>
-      </p:grpSpPr>
-      <p:sp>
-        <p:nvSpPr>
-          <p:cNvPr id="3" name="Subtitle 2">
-            <a:extLst>
-              <a:ext uri="{FF2B5EF4-FFF2-40B4-BE49-F238E27FC236}">
-                <a16:creationId xmlns:a16="http://schemas.microsoft.com/office/drawing/2014/main" id="{C63068C7-FF93-4F55-8D49-8E391F78232D}"/>
-              </a:ext>
-            </a:extLst>
-          </p:cNvPr>
-          <p:cNvSpPr>
-            <a:spLocks noGrp="1"/>
-          </p:cNvSpPr>
-          <p:nvPr>
-            <p:ph type="subTitle" idx="1"/>
-          </p:nvPr>
-        </p:nvSpPr>
-        <p:spPr>
-          <a:xfrm>
-            <a:off x="5572217" y="559293"/>
-            <a:ext cx="6314983" cy="5868139"/>
-          </a:xfrm>
-        </p:spPr>
-        <p:txBody>
-          <a:bodyPr>
-            <a:normAutofit/>
-          </a:bodyPr>
-          <a:lstStyle/>
-          <a:p>
-            <a:pPr algn="l"/>
-            <a:r>
-              <a:rPr lang="en-US" altLang="ko-KR" sz="3000" dirty="0">
-                <a:solidFill>
-                  <a:srgbClr val="00B0F0"/>
-                </a:solidFill>
-                <a:latin typeface="Arial Nova Light" panose="020B0304020202020204" pitchFamily="34" charset="0"/>
-                <a:cs typeface="Aldhabi" panose="020B0604020202020204" pitchFamily="2" charset="-78"/>
-              </a:rPr>
-              <a:t>Target Variable </a:t>
-            </a:r>
-          </a:p>
-          <a:p>
-            <a:pPr algn="l"/>
-            <a:r>
-              <a:rPr lang="en-US" altLang="ko-KR" sz="2000" dirty="0">
-                <a:latin typeface="Arial Nova Light" panose="020B0304020202020204" pitchFamily="34" charset="0"/>
-                <a:cs typeface="Aldhabi" panose="020B0604020202020204" pitchFamily="2" charset="-78"/>
-                <a:sym typeface="Wingdings" panose="05000000000000000000" pitchFamily="2" charset="2"/>
-              </a:rPr>
-              <a:t> </a:t>
-            </a:r>
-            <a:r>
-              <a:rPr lang="en-US" altLang="ko-KR" sz="2000" dirty="0">
-                <a:latin typeface="Arial Nova Light" panose="020B0304020202020204" pitchFamily="34" charset="0"/>
-                <a:cs typeface="Aldhabi" panose="020B0604020202020204" pitchFamily="2" charset="-78"/>
-              </a:rPr>
-              <a:t>start station checkout counts</a:t>
-            </a:r>
-          </a:p>
-          <a:p>
-            <a:pPr algn="l"/>
-            <a:endParaRPr lang="en-US" altLang="ko-KR" sz="3000" dirty="0">
-              <a:solidFill>
-                <a:srgbClr val="00B0F0"/>
-              </a:solidFill>
-              <a:latin typeface="Arial Nova Light" panose="020B0304020202020204" pitchFamily="34" charset="0"/>
-              <a:cs typeface="Aldhabi" panose="020B0604020202020204" pitchFamily="2" charset="-78"/>
-            </a:endParaRPr>
-          </a:p>
-          <a:p>
-            <a:pPr algn="l"/>
-            <a:r>
-              <a:rPr lang="en-US" altLang="ko-KR" sz="3000" dirty="0">
-                <a:solidFill>
-                  <a:srgbClr val="00B0F0"/>
-                </a:solidFill>
-                <a:latin typeface="Arial Nova Light" panose="020B0304020202020204" pitchFamily="34" charset="0"/>
-                <a:cs typeface="Aldhabi" panose="020B0604020202020204" pitchFamily="2" charset="-78"/>
-              </a:rPr>
-              <a:t>Multiple Linear Regression, Ridge</a:t>
-            </a:r>
-            <a:endParaRPr lang="ko-KR" altLang="en-US" sz="3000" dirty="0">
-              <a:solidFill>
-                <a:srgbClr val="00B0F0"/>
-              </a:solidFill>
-              <a:latin typeface="Arial Nova Light" panose="020B0304020202020204" pitchFamily="34" charset="0"/>
-              <a:cs typeface="Aldhabi" panose="020B0604020202020204" pitchFamily="2" charset="-78"/>
-            </a:endParaRPr>
-          </a:p>
-          <a:p>
-            <a:pPr algn="l"/>
-            <a:endParaRPr lang="en-US" altLang="ko-KR" sz="3000" dirty="0">
-              <a:solidFill>
-                <a:srgbClr val="00B0F0"/>
-              </a:solidFill>
-              <a:latin typeface="Arial Nova Light" panose="020B0304020202020204" pitchFamily="34" charset="0"/>
-              <a:cs typeface="Aldhabi" panose="020B0604020202020204" pitchFamily="2" charset="-78"/>
-            </a:endParaRPr>
-          </a:p>
-          <a:p>
-            <a:pPr algn="l"/>
-            <a:r>
-              <a:rPr lang="en-US" altLang="ko-KR" sz="2000" dirty="0">
-                <a:latin typeface="Arial Nova Light" panose="020B0304020202020204" pitchFamily="34" charset="0"/>
-                <a:cs typeface="Aldhabi" panose="020B0604020202020204" pitchFamily="2" charset="-78"/>
-                <a:sym typeface="Wingdings" panose="05000000000000000000" pitchFamily="2" charset="2"/>
-              </a:rPr>
-              <a:t></a:t>
-            </a:r>
-            <a:r>
-              <a:rPr lang="en-US" altLang="ko-KR" sz="2000" dirty="0">
-                <a:solidFill>
-                  <a:srgbClr val="00B0F0"/>
-                </a:solidFill>
-                <a:latin typeface="Arial Nova Light" panose="020B0304020202020204" pitchFamily="34" charset="0"/>
-                <a:cs typeface="Aldhabi" panose="020B0604020202020204" pitchFamily="2" charset="-78"/>
-                <a:sym typeface="Wingdings" panose="05000000000000000000" pitchFamily="2" charset="2"/>
-              </a:rPr>
-              <a:t> </a:t>
-            </a:r>
-            <a:r>
-              <a:rPr lang="en-US" altLang="ko-KR" sz="2000" dirty="0">
-                <a:latin typeface="Arial Nova Light" panose="020B0304020202020204" pitchFamily="34" charset="0"/>
-                <a:cs typeface="Aldhabi" panose="020B0604020202020204" pitchFamily="2" charset="-78"/>
-                <a:sym typeface="Wingdings" panose="05000000000000000000" pitchFamily="2" charset="2"/>
-              </a:rPr>
-              <a:t>Model Accuracy: 77.97 % on test data</a:t>
-            </a:r>
-            <a:endParaRPr lang="en-US" altLang="ko-KR" sz="2000" dirty="0">
-              <a:latin typeface="Arial Nova Light" panose="020B0304020202020204" pitchFamily="34" charset="0"/>
-              <a:cs typeface="Aldhabi" panose="020B0604020202020204" pitchFamily="2" charset="-78"/>
-            </a:endParaRPr>
-          </a:p>
-          <a:p>
-            <a:pPr algn="l"/>
-            <a:endParaRPr lang="en-US" altLang="ko-KR" sz="2000" dirty="0">
-              <a:latin typeface="Arial Nova Light" panose="020B0304020202020204" pitchFamily="34" charset="0"/>
-              <a:cs typeface="Aldhabi" panose="020B0604020202020204" pitchFamily="2" charset="-78"/>
-            </a:endParaRPr>
-          </a:p>
-        </p:txBody>
-      </p:sp>
-      <p:pic>
-        <p:nvPicPr>
-          <p:cNvPr id="1026" name="Picture 2">
-            <a:extLst>
-              <a:ext uri="{FF2B5EF4-FFF2-40B4-BE49-F238E27FC236}">
-                <a16:creationId xmlns:a16="http://schemas.microsoft.com/office/drawing/2014/main" id="{8DDE9F19-81C7-4DAD-BFF3-98A852243BDB}"/>
-              </a:ext>
-            </a:extLst>
-          </p:cNvPr>
-          <p:cNvPicPr>
-            <a:picLocks noChangeAspect="1" noChangeArrowheads="1" noCrop="1"/>
-          </p:cNvPicPr>
-          <p:nvPr/>
-        </p:nvPicPr>
-        <p:blipFill>
-          <a:blip r:embed="rId2">
-            <a:extLst>
-              <a:ext uri="{28A0092B-C50C-407E-A947-70E740481C1C}">
-                <a14:useLocalDpi xmlns:a14="http://schemas.microsoft.com/office/drawing/2010/main" val="0"/>
-              </a:ext>
-            </a:extLst>
-          </a:blip>
-          <a:srcRect/>
-          <a:stretch>
-            <a:fillRect/>
-          </a:stretch>
-        </p:blipFill>
-        <p:spPr bwMode="auto">
-          <a:xfrm>
-            <a:off x="0" y="0"/>
-            <a:ext cx="5129785" cy="3403031"/>
-          </a:xfrm>
-          <a:prstGeom prst="rect">
-            <a:avLst/>
-          </a:prstGeom>
-          <a:noFill/>
-          <a:extLst>
-            <a:ext uri="{909E8E84-426E-40DD-AFC4-6F175D3DCCD1}">
-              <a14:hiddenFill xmlns:a14="http://schemas.microsoft.com/office/drawing/2010/main">
-                <a:solidFill>
-                  <a:srgbClr val="FFFFFF"/>
-                </a:solidFill>
-              </a14:hiddenFill>
-            </a:ext>
-          </a:extLst>
-        </p:spPr>
-      </p:pic>
-      <p:pic>
-        <p:nvPicPr>
-          <p:cNvPr id="1028" name="Picture 4">
-            <a:extLst>
-              <a:ext uri="{FF2B5EF4-FFF2-40B4-BE49-F238E27FC236}">
-                <a16:creationId xmlns:a16="http://schemas.microsoft.com/office/drawing/2014/main" id="{213B05CB-2AA5-46A2-ABAF-6235DCF51190}"/>
-              </a:ext>
-            </a:extLst>
-          </p:cNvPr>
-          <p:cNvPicPr>
-            <a:picLocks noChangeAspect="1" noChangeArrowheads="1"/>
-          </p:cNvPicPr>
-          <p:nvPr/>
-        </p:nvPicPr>
-        <p:blipFill>
-          <a:blip r:embed="rId3">
-            <a:extLst>
-              <a:ext uri="{28A0092B-C50C-407E-A947-70E740481C1C}">
-                <a14:useLocalDpi xmlns:a14="http://schemas.microsoft.com/office/drawing/2010/main" val="0"/>
-              </a:ext>
-            </a:extLst>
-          </a:blip>
-          <a:srcRect/>
-          <a:stretch>
-            <a:fillRect/>
-          </a:stretch>
-        </p:blipFill>
-        <p:spPr bwMode="auto">
-          <a:xfrm>
-            <a:off x="0" y="3406904"/>
-            <a:ext cx="5129784" cy="3451289"/>
-          </a:xfrm>
-          <a:prstGeom prst="rect">
-            <a:avLst/>
-          </a:prstGeom>
-          <a:noFill/>
-          <a:extLst>
-            <a:ext uri="{909E8E84-426E-40DD-AFC4-6F175D3DCCD1}">
-              <a14:hiddenFill xmlns:a14="http://schemas.microsoft.com/office/drawing/2010/main">
-                <a:solidFill>
-                  <a:srgbClr val="FFFFFF"/>
-                </a:solidFill>
-              </a14:hiddenFill>
-            </a:ext>
-          </a:extLst>
-        </p:spPr>
-      </p:pic>
-    </p:spTree>
-    <p:extLst>
-      <p:ext uri="{BB962C8B-B14F-4D97-AF65-F5344CB8AC3E}">
-        <p14:creationId xmlns:p14="http://schemas.microsoft.com/office/powerpoint/2010/main" val="3446981779"/>
-      </p:ext>
-    </p:extLst>
-  </p:cSld>
-  <p:clrMapOvr>
-    <a:masterClrMapping/>
-  </p:clrMapOvr>
-</p:sld>
-</file>
-
-<file path=ppt/slides/slide28.xml><?xml version="1.0" encoding="utf-8"?>
-<p:sld xmlns:a="http://schemas.openxmlformats.org/drawingml/2006/main" xmlns:r="http://schemas.openxmlformats.org/officeDocument/2006/relationships" xmlns:p="http://schemas.openxmlformats.org/presentationml/2006/main">
-  <p:cSld>
-    <p:bg>
-      <p:bgPr>
-        <a:solidFill>
-          <a:schemeClr val="bg1"/>
-        </a:solidFill>
-        <a:effectLst/>
-      </p:bgPr>
-    </p:bg>
-    <p:spTree>
-      <p:nvGrpSpPr>
-        <p:cNvPr id="1" name=""/>
-        <p:cNvGrpSpPr/>
-        <p:nvPr/>
-      </p:nvGrpSpPr>
-      <p:grpSpPr>
-        <a:xfrm>
-          <a:off x="0" y="0"/>
-          <a:ext cx="0" cy="0"/>
-          <a:chOff x="0" y="0"/>
-          <a:chExt cx="0" cy="0"/>
-        </a:xfrm>
-      </p:grpSpPr>
-      <p:sp>
-        <p:nvSpPr>
-          <p:cNvPr id="9" name="Rectangle 8">
-            <a:extLst>
-              <a:ext uri="{FF2B5EF4-FFF2-40B4-BE49-F238E27FC236}">
-                <a16:creationId xmlns:a16="http://schemas.microsoft.com/office/drawing/2014/main" id="{605494DE-B078-4D87-BB01-C84320618DAD}"/>
-              </a:ext>
-              <a:ext uri="{C183D7F6-B498-43B3-948B-1728B52AA6E4}">
-                <adec:decorative xmlns:adec="http://schemas.microsoft.com/office/drawing/2017/decorative" val="1"/>
-              </a:ext>
-            </a:extLst>
-          </p:cNvPr>
-          <p:cNvSpPr>
-            <a:spLocks noGrp="1" noRot="1" noChangeAspect="1" noMove="1" noResize="1" noEditPoints="1" noAdjustHandles="1" noChangeArrowheads="1" noChangeShapeType="1" noTextEdit="1"/>
-          </p:cNvSpPr>
-          <p:nvPr>
-            <p:extLst>
-              <p:ext uri="{386F3935-93C4-4BCD-93E2-E3B085C9AB24}">
-                <p16:designElem xmlns:p16="http://schemas.microsoft.com/office/powerpoint/2015/main" val="1"/>
-              </p:ext>
-            </p:extLst>
-          </p:nvPr>
-        </p:nvSpPr>
-        <p:spPr>
-          <a:xfrm>
-            <a:off x="0" y="-3324"/>
-            <a:ext cx="12192000" cy="6858000"/>
-          </a:xfrm>
-          <a:prstGeom prst="rect">
-            <a:avLst/>
-          </a:prstGeom>
-          <a:solidFill>
-            <a:srgbClr val="FFFFFF"/>
-          </a:solidFill>
-          <a:ln>
-            <a:noFill/>
-          </a:ln>
-        </p:spPr>
-        <p:style>
-          <a:lnRef idx="2">
-            <a:schemeClr val="accent1">
-              <a:shade val="50000"/>
-            </a:schemeClr>
-          </a:lnRef>
-          <a:fillRef idx="1">
-            <a:schemeClr val="accent1"/>
-          </a:fillRef>
-          <a:effectRef idx="0">
-            <a:schemeClr val="accent1"/>
-          </a:effectRef>
-          <a:fontRef idx="minor">
-            <a:schemeClr val="lt1"/>
-          </a:fontRef>
-        </p:style>
-        <p:txBody>
-          <a:bodyPr rtlCol="0" anchor="ctr"/>
-          <a:lstStyle/>
-          <a:p>
-            <a:pPr algn="ctr"/>
-            <a:endParaRPr lang="en-US"/>
-          </a:p>
-        </p:txBody>
-      </p:sp>
-      <p:sp>
-        <p:nvSpPr>
-          <p:cNvPr id="11" name="Rectangle 10">
-            <a:extLst>
-              <a:ext uri="{FF2B5EF4-FFF2-40B4-BE49-F238E27FC236}">
-                <a16:creationId xmlns:a16="http://schemas.microsoft.com/office/drawing/2014/main" id="{9A0576B0-CD8C-4661-95C8-A9F2CE7CDDB0}"/>
-              </a:ext>
-              <a:ext uri="{C183D7F6-B498-43B3-948B-1728B52AA6E4}">
-                <adec:decorative xmlns:adec="http://schemas.microsoft.com/office/drawing/2017/decorative" val="1"/>
-              </a:ext>
-            </a:extLst>
-          </p:cNvPr>
-          <p:cNvSpPr>
-            <a:spLocks noGrp="1" noRot="1" noChangeAspect="1" noMove="1" noResize="1" noEditPoints="1" noAdjustHandles="1" noChangeArrowheads="1" noChangeShapeType="1" noTextEdit="1"/>
-          </p:cNvSpPr>
-          <p:nvPr>
-            <p:extLst>
-              <p:ext uri="{386F3935-93C4-4BCD-93E2-E3B085C9AB24}">
-                <p16:designElem xmlns:p16="http://schemas.microsoft.com/office/powerpoint/2015/main" val="1"/>
-              </p:ext>
-            </p:extLst>
-          </p:nvPr>
-        </p:nvSpPr>
-        <p:spPr>
-          <a:xfrm>
-            <a:off x="0" y="-3324"/>
-            <a:ext cx="4724288" cy="6861324"/>
-          </a:xfrm>
-          <a:prstGeom prst="rect">
-            <a:avLst/>
-          </a:prstGeom>
-          <a:solidFill>
-            <a:srgbClr val="000000">
-              <a:alpha val="80392"/>
-            </a:srgbClr>
-          </a:solidFill>
-          <a:ln>
-            <a:noFill/>
-          </a:ln>
-        </p:spPr>
-        <p:style>
-          <a:lnRef idx="2">
-            <a:schemeClr val="accent1">
-              <a:shade val="50000"/>
-            </a:schemeClr>
-          </a:lnRef>
-          <a:fillRef idx="1">
-            <a:schemeClr val="accent1"/>
-          </a:fillRef>
-          <a:effectRef idx="0">
-            <a:schemeClr val="accent1"/>
-          </a:effectRef>
-          <a:fontRef idx="minor">
-            <a:schemeClr val="lt1"/>
-          </a:fontRef>
-        </p:style>
-        <p:txBody>
-          <a:bodyPr rtlCol="0" anchor="ctr"/>
-          <a:lstStyle/>
-          <a:p>
-            <a:pPr algn="ctr"/>
-            <a:endParaRPr lang="en-US"/>
-          </a:p>
-        </p:txBody>
-      </p:sp>
-      <p:sp>
-        <p:nvSpPr>
-          <p:cNvPr id="13" name="Freeform: Shape 12">
-            <a:extLst>
-              <a:ext uri="{FF2B5EF4-FFF2-40B4-BE49-F238E27FC236}">
-                <a16:creationId xmlns:a16="http://schemas.microsoft.com/office/drawing/2014/main" id="{3FF60E2B-3919-423C-B1FF-56CDE6681165}"/>
-              </a:ext>
-              <a:ext uri="{C183D7F6-B498-43B3-948B-1728B52AA6E4}">
-                <adec:decorative xmlns:adec="http://schemas.microsoft.com/office/drawing/2017/decorative" val="1"/>
-              </a:ext>
-            </a:extLst>
-          </p:cNvPr>
-          <p:cNvSpPr>
-            <a:spLocks noGrp="1" noRot="1" noChangeAspect="1" noMove="1" noResize="1" noEditPoints="1" noAdjustHandles="1" noChangeArrowheads="1" noChangeShapeType="1" noTextEdit="1"/>
-          </p:cNvSpPr>
-          <p:nvPr>
-            <p:extLst>
-              <p:ext uri="{386F3935-93C4-4BCD-93E2-E3B085C9AB24}">
-                <p16:designElem xmlns:p16="http://schemas.microsoft.com/office/powerpoint/2015/main" val="1"/>
-              </p:ext>
-            </p:extLst>
-          </p:nvPr>
-        </p:nvSpPr>
-        <p:spPr>
-          <a:xfrm>
-            <a:off x="0" y="0"/>
-            <a:ext cx="4319042" cy="6858000"/>
-          </a:xfrm>
-          <a:custGeom>
-            <a:avLst/>
-            <a:gdLst>
-              <a:gd name="connsiteX0" fmla="*/ 0 w 4319042"/>
-              <a:gd name="connsiteY0" fmla="*/ 0 h 6858000"/>
-              <a:gd name="connsiteX1" fmla="*/ 1142888 w 4319042"/>
-              <a:gd name="connsiteY1" fmla="*/ 0 h 6858000"/>
-              <a:gd name="connsiteX2" fmla="*/ 4319042 w 4319042"/>
-              <a:gd name="connsiteY2" fmla="*/ 6858000 h 6858000"/>
-              <a:gd name="connsiteX3" fmla="*/ 0 w 4319042"/>
-              <a:gd name="connsiteY3" fmla="*/ 6858000 h 6858000"/>
-            </a:gdLst>
-            <a:ahLst/>
-            <a:cxnLst>
-              <a:cxn ang="0">
-                <a:pos x="connsiteX0" y="connsiteY0"/>
-              </a:cxn>
-              <a:cxn ang="0">
-                <a:pos x="connsiteX1" y="connsiteY1"/>
-              </a:cxn>
-              <a:cxn ang="0">
-                <a:pos x="connsiteX2" y="connsiteY2"/>
-              </a:cxn>
-              <a:cxn ang="0">
-                <a:pos x="connsiteX3" y="connsiteY3"/>
-              </a:cxn>
-            </a:cxnLst>
-            <a:rect l="l" t="t" r="r" b="b"/>
-            <a:pathLst>
-              <a:path w="4319042" h="6858000">
-                <a:moveTo>
-                  <a:pt x="0" y="0"/>
-                </a:moveTo>
-                <a:lnTo>
-                  <a:pt x="1142888" y="0"/>
-                </a:lnTo>
-                <a:lnTo>
-                  <a:pt x="4319042" y="6858000"/>
-                </a:lnTo>
-                <a:lnTo>
-                  <a:pt x="0" y="6858000"/>
-                </a:lnTo>
-                <a:close/>
-              </a:path>
-            </a:pathLst>
-          </a:custGeom>
-          <a:solidFill>
-            <a:srgbClr val="000000">
-              <a:alpha val="34902"/>
-            </a:srgbClr>
-          </a:solidFill>
-          <a:ln>
-            <a:noFill/>
-          </a:ln>
-        </p:spPr>
-        <p:style>
-          <a:lnRef idx="2">
-            <a:schemeClr val="accent1">
-              <a:shade val="50000"/>
-            </a:schemeClr>
-          </a:lnRef>
-          <a:fillRef idx="1">
-            <a:schemeClr val="accent1"/>
-          </a:fillRef>
-          <a:effectRef idx="0">
-            <a:schemeClr val="accent1"/>
-          </a:effectRef>
-          <a:fontRef idx="minor">
-            <a:schemeClr val="lt1"/>
-          </a:fontRef>
-        </p:style>
-        <p:txBody>
-          <a:bodyPr wrap="square" rtlCol="0" anchor="ctr">
-            <a:noAutofit/>
-          </a:bodyPr>
-          <a:lstStyle/>
-          <a:p>
-            <a:pPr algn="ctr"/>
-            <a:endParaRPr lang="en-US"/>
-          </a:p>
-        </p:txBody>
-      </p:sp>
-      <p:sp>
-        <p:nvSpPr>
-          <p:cNvPr id="3" name="Subtitle 2">
-            <a:extLst>
-              <a:ext uri="{FF2B5EF4-FFF2-40B4-BE49-F238E27FC236}">
-                <a16:creationId xmlns:a16="http://schemas.microsoft.com/office/drawing/2014/main" id="{C63068C7-FF93-4F55-8D49-8E391F78232D}"/>
-              </a:ext>
-            </a:extLst>
-          </p:cNvPr>
-          <p:cNvSpPr>
-            <a:spLocks noGrp="1"/>
-          </p:cNvSpPr>
-          <p:nvPr>
-            <p:ph type="subTitle" idx="1"/>
-          </p:nvPr>
-        </p:nvSpPr>
-        <p:spPr>
-          <a:xfrm>
-            <a:off x="104775" y="2687638"/>
-            <a:ext cx="4495799" cy="1655762"/>
-          </a:xfrm>
-        </p:spPr>
-        <p:txBody>
-          <a:bodyPr>
-            <a:normAutofit fontScale="92500" lnSpcReduction="10000"/>
-          </a:bodyPr>
-          <a:lstStyle/>
-          <a:p>
-            <a:pPr algn="l"/>
-            <a:r>
-              <a:rPr lang="ko-KR" altLang="en-US" sz="2000" dirty="0">
-                <a:solidFill>
-                  <a:schemeClr val="bg1"/>
-                </a:solidFill>
-                <a:latin typeface="Arial Nova Light" panose="020B0304020202020204" pitchFamily="34" charset="0"/>
-                <a:cs typeface="Aldhabi" panose="020B0604020202020204" pitchFamily="2" charset="-78"/>
-                <a:sym typeface="Wingdings" panose="05000000000000000000" pitchFamily="2" charset="2"/>
-              </a:rPr>
-              <a:t></a:t>
-            </a:r>
-            <a:r>
-              <a:rPr lang="en-US" altLang="ko-KR" sz="3000" dirty="0">
-                <a:solidFill>
-                  <a:schemeClr val="bg1"/>
-                </a:solidFill>
-                <a:latin typeface="Arial Nova Light" panose="020B0304020202020204" pitchFamily="34" charset="0"/>
-                <a:cs typeface="Aldhabi" panose="020B0604020202020204" pitchFamily="2" charset="-78"/>
-                <a:sym typeface="Wingdings" panose="05000000000000000000" pitchFamily="2" charset="2"/>
-              </a:rPr>
-              <a:t>Feature Importance</a:t>
-            </a:r>
-          </a:p>
-          <a:p>
-            <a:pPr marL="342900" indent="-342900" algn="l">
-              <a:buFontTx/>
-              <a:buChar char="-"/>
-            </a:pPr>
-            <a:r>
-              <a:rPr lang="en-US" altLang="ko-KR" sz="2000" dirty="0">
-                <a:solidFill>
-                  <a:schemeClr val="bg1"/>
-                </a:solidFill>
-                <a:latin typeface="Arial Nova Light" panose="020B0304020202020204" pitchFamily="34" charset="0"/>
-                <a:cs typeface="Aldhabi" panose="020B0604020202020204" pitchFamily="2" charset="-78"/>
-                <a:sym typeface="Wingdings" panose="05000000000000000000" pitchFamily="2" charset="2"/>
-              </a:rPr>
-              <a:t>Start hour is excessively biased</a:t>
-            </a:r>
-          </a:p>
-          <a:p>
-            <a:pPr algn="l"/>
-            <a:endParaRPr lang="en-US" altLang="ko-KR" sz="2000" dirty="0">
-              <a:solidFill>
-                <a:schemeClr val="bg1"/>
-              </a:solidFill>
-              <a:latin typeface="Arial Nova Light" panose="020B0304020202020204" pitchFamily="34" charset="0"/>
-              <a:cs typeface="Aldhabi" panose="020B0604020202020204" pitchFamily="2" charset="-78"/>
-              <a:sym typeface="Wingdings" panose="05000000000000000000" pitchFamily="2" charset="2"/>
-            </a:endParaRPr>
-          </a:p>
-          <a:p>
-            <a:pPr algn="l"/>
-            <a:r>
-              <a:rPr lang="en-US" altLang="ko-KR" sz="2000" dirty="0">
-                <a:solidFill>
-                  <a:schemeClr val="bg1"/>
-                </a:solidFill>
-                <a:latin typeface="Arial Nova Light" panose="020B0304020202020204" pitchFamily="34" charset="0"/>
-                <a:cs typeface="Aldhabi" panose="020B0604020202020204" pitchFamily="2" charset="-78"/>
-                <a:sym typeface="Wingdings" panose="05000000000000000000" pitchFamily="2" charset="2"/>
-              </a:rPr>
-              <a:t> </a:t>
-            </a:r>
-            <a:r>
-              <a:rPr lang="en-US" altLang="ko-KR" sz="3000" dirty="0">
-                <a:solidFill>
-                  <a:schemeClr val="bg1"/>
-                </a:solidFill>
-                <a:latin typeface="Arial Nova Light" panose="020B0304020202020204" pitchFamily="34" charset="0"/>
-                <a:cs typeface="Aldhabi" panose="020B0604020202020204" pitchFamily="2" charset="-78"/>
-                <a:sym typeface="Wingdings" panose="05000000000000000000" pitchFamily="2" charset="2"/>
-              </a:rPr>
-              <a:t>Test data 82.4 %</a:t>
-            </a:r>
-            <a:endParaRPr lang="ko-KR" altLang="en-US" sz="3000" dirty="0">
-              <a:solidFill>
-                <a:schemeClr val="bg1"/>
-              </a:solidFill>
-              <a:latin typeface="Arial Nova Light" panose="020B0304020202020204" pitchFamily="34" charset="0"/>
-              <a:cs typeface="Aldhabi" panose="020B0604020202020204" pitchFamily="2" charset="-78"/>
-            </a:endParaRPr>
-          </a:p>
-        </p:txBody>
-      </p:sp>
-      <p:pic>
-        <p:nvPicPr>
-          <p:cNvPr id="4" name="Picture 3">
-            <a:extLst>
-              <a:ext uri="{FF2B5EF4-FFF2-40B4-BE49-F238E27FC236}">
-                <a16:creationId xmlns:a16="http://schemas.microsoft.com/office/drawing/2014/main" id="{48804F73-28E9-4977-8713-70258DE972D9}"/>
-              </a:ext>
-            </a:extLst>
-          </p:cNvPr>
-          <p:cNvPicPr>
-            <a:picLocks noChangeAspect="1"/>
-          </p:cNvPicPr>
-          <p:nvPr/>
-        </p:nvPicPr>
-        <p:blipFill>
-          <a:blip r:embed="rId2"/>
-          <a:stretch>
-            <a:fillRect/>
-          </a:stretch>
-        </p:blipFill>
-        <p:spPr>
-          <a:xfrm>
-            <a:off x="5320996" y="1083982"/>
-            <a:ext cx="6274296" cy="4690036"/>
-          </a:xfrm>
-          <a:prstGeom prst="rect">
-            <a:avLst/>
-          </a:prstGeom>
-        </p:spPr>
-      </p:pic>
-    </p:spTree>
-    <p:extLst>
-      <p:ext uri="{BB962C8B-B14F-4D97-AF65-F5344CB8AC3E}">
-        <p14:creationId xmlns:p14="http://schemas.microsoft.com/office/powerpoint/2010/main" val="1414430633"/>
-      </p:ext>
-    </p:extLst>
-  </p:cSld>
-  <p:clrMapOvr>
-    <a:masterClrMapping/>
-  </p:clrMapOvr>
-</p:sld>
-</file>
-
-<file path=ppt/slides/slide29.xml><?xml version="1.0" encoding="utf-8"?>
-<p:sld xmlns:a="http://schemas.openxmlformats.org/drawingml/2006/main" xmlns:r="http://schemas.openxmlformats.org/officeDocument/2006/relationships" xmlns:p="http://schemas.openxmlformats.org/presentationml/2006/main">
-  <p:cSld>
-    <p:bg>
-      <p:bgPr>
-        <a:solidFill>
-          <a:schemeClr val="bg1"/>
-        </a:solidFill>
-        <a:effectLst/>
-      </p:bgPr>
-    </p:bg>
-    <p:spTree>
-      <p:nvGrpSpPr>
-        <p:cNvPr id="1" name=""/>
-        <p:cNvGrpSpPr/>
-        <p:nvPr/>
-      </p:nvGrpSpPr>
-      <p:grpSpPr>
-        <a:xfrm>
-          <a:off x="0" y="0"/>
-          <a:ext cx="0" cy="0"/>
-          <a:chOff x="0" y="0"/>
-          <a:chExt cx="0" cy="0"/>
-        </a:xfrm>
-      </p:grpSpPr>
-      <p:sp>
-        <p:nvSpPr>
-          <p:cNvPr id="9" name="Rectangle 8">
-            <a:extLst>
-              <a:ext uri="{FF2B5EF4-FFF2-40B4-BE49-F238E27FC236}">
-                <a16:creationId xmlns:a16="http://schemas.microsoft.com/office/drawing/2014/main" id="{0DE6A193-4755-479A-BC6F-A7EBCA73BE1A}"/>
-              </a:ext>
-              <a:ext uri="{C183D7F6-B498-43B3-948B-1728B52AA6E4}">
-                <adec:decorative xmlns:adec="http://schemas.microsoft.com/office/drawing/2017/decorative" val="1"/>
-              </a:ext>
-            </a:extLst>
-          </p:cNvPr>
-          <p:cNvSpPr>
-            <a:spLocks noGrp="1" noRot="1" noChangeAspect="1" noMove="1" noResize="1" noEditPoints="1" noAdjustHandles="1" noChangeArrowheads="1" noChangeShapeType="1" noTextEdit="1"/>
-          </p:cNvSpPr>
-          <p:nvPr>
-            <p:extLst>
-              <p:ext uri="{386F3935-93C4-4BCD-93E2-E3B085C9AB24}">
-                <p16:designElem xmlns:p16="http://schemas.microsoft.com/office/powerpoint/2015/main" val="1"/>
-              </p:ext>
-            </p:extLst>
-          </p:nvPr>
-        </p:nvSpPr>
-        <p:spPr>
-          <a:xfrm>
-            <a:off x="0" y="0"/>
-            <a:ext cx="12192001" cy="6858000"/>
-          </a:xfrm>
-          <a:prstGeom prst="rect">
-            <a:avLst/>
-          </a:prstGeom>
-          <a:solidFill>
-            <a:schemeClr val="tx1"/>
-          </a:solidFill>
-          <a:ln>
-            <a:noFill/>
-          </a:ln>
-        </p:spPr>
-        <p:style>
-          <a:lnRef idx="2">
-            <a:schemeClr val="accent1">
-              <a:shade val="50000"/>
-            </a:schemeClr>
-          </a:lnRef>
-          <a:fillRef idx="1">
-            <a:schemeClr val="accent1"/>
-          </a:fillRef>
-          <a:effectRef idx="0">
-            <a:schemeClr val="accent1"/>
-          </a:effectRef>
-          <a:fontRef idx="minor">
-            <a:schemeClr val="lt1"/>
-          </a:fontRef>
-        </p:style>
-        <p:txBody>
-          <a:bodyPr rtlCol="0" anchor="ctr"/>
-          <a:lstStyle/>
-          <a:p>
-            <a:pPr algn="ctr"/>
-            <a:endParaRPr lang="en-US"/>
-          </a:p>
-        </p:txBody>
-      </p:sp>
-      <p:pic>
-        <p:nvPicPr>
-          <p:cNvPr id="4" name="Picture 3">
-            <a:extLst>
-              <a:ext uri="{FF2B5EF4-FFF2-40B4-BE49-F238E27FC236}">
-                <a16:creationId xmlns:a16="http://schemas.microsoft.com/office/drawing/2014/main" id="{B35A02A3-C9B3-4AEC-8594-A2C1F6FA1F8D}"/>
-              </a:ext>
-            </a:extLst>
-          </p:cNvPr>
-          <p:cNvPicPr>
-            <a:picLocks noChangeAspect="1"/>
-          </p:cNvPicPr>
-          <p:nvPr/>
-        </p:nvPicPr>
-        <p:blipFill>
-          <a:blip r:embed="rId2"/>
-          <a:stretch>
-            <a:fillRect/>
-          </a:stretch>
-        </p:blipFill>
-        <p:spPr>
-          <a:xfrm>
-            <a:off x="5848350" y="1303940"/>
-            <a:ext cx="5890683" cy="4403286"/>
-          </a:xfrm>
-          <a:prstGeom prst="rect">
-            <a:avLst/>
-          </a:prstGeom>
-        </p:spPr>
-      </p:pic>
       <p:sp>
         <p:nvSpPr>
           <p:cNvPr id="11" name="Freeform: Shape 10">
@@ -11126,2030 +10469,6 @@
         </p:nvSpPr>
         <p:spPr>
           <a:xfrm>
-            <a:off x="0" y="1962150"/>
-            <a:ext cx="4514850" cy="2333625"/>
-          </a:xfrm>
-        </p:spPr>
-        <p:txBody>
-          <a:bodyPr anchor="t">
-            <a:normAutofit fontScale="92500" lnSpcReduction="10000"/>
-          </a:bodyPr>
-          <a:lstStyle/>
-          <a:p>
-            <a:pPr algn="l"/>
-            <a:r>
-              <a:rPr lang="ko-KR" altLang="en-US" sz="3000" dirty="0">
-                <a:latin typeface="Arial Nova Light" panose="020B0304020202020204" pitchFamily="34" charset="0"/>
-                <a:cs typeface="Aldhabi" panose="020B0604020202020204" pitchFamily="2" charset="-78"/>
-                <a:sym typeface="Wingdings" panose="05000000000000000000" pitchFamily="2" charset="2"/>
-              </a:rPr>
-              <a:t></a:t>
-            </a:r>
-            <a:r>
-              <a:rPr lang="en-US" altLang="ko-KR" sz="3000" dirty="0">
-                <a:latin typeface="Arial Nova Light" panose="020B0304020202020204" pitchFamily="34" charset="0"/>
-                <a:cs typeface="Aldhabi" panose="020B0604020202020204" pitchFamily="2" charset="-78"/>
-                <a:sym typeface="Wingdings" panose="05000000000000000000" pitchFamily="2" charset="2"/>
-              </a:rPr>
-              <a:t>Feature Importance</a:t>
-            </a:r>
-          </a:p>
-          <a:p>
-            <a:pPr marL="342900" indent="-342900" algn="l">
-              <a:buFontTx/>
-              <a:buChar char="-"/>
-            </a:pPr>
-            <a:r>
-              <a:rPr lang="en-US" altLang="ko-KR" sz="2000" dirty="0">
-                <a:latin typeface="Arial Nova Light" panose="020B0304020202020204" pitchFamily="34" charset="0"/>
-                <a:cs typeface="Aldhabi" panose="020B0604020202020204" pitchFamily="2" charset="-78"/>
-                <a:sym typeface="Wingdings" panose="05000000000000000000" pitchFamily="2" charset="2"/>
-              </a:rPr>
-              <a:t>Start hour is excessively biased as well</a:t>
-            </a:r>
-          </a:p>
-          <a:p>
-            <a:pPr algn="l"/>
-            <a:endParaRPr lang="en-US" altLang="ko-KR" sz="3000" dirty="0">
-              <a:latin typeface="Arial Nova Light" panose="020B0304020202020204" pitchFamily="34" charset="0"/>
-              <a:cs typeface="Aldhabi" panose="020B0604020202020204" pitchFamily="2" charset="-78"/>
-              <a:sym typeface="Wingdings" panose="05000000000000000000" pitchFamily="2" charset="2"/>
-            </a:endParaRPr>
-          </a:p>
-          <a:p>
-            <a:pPr marL="457200" indent="-457200" algn="l">
-              <a:buFont typeface="Wingdings" panose="05000000000000000000" pitchFamily="2" charset="2"/>
-              <a:buChar char=""/>
-            </a:pPr>
-            <a:r>
-              <a:rPr lang="en-US" altLang="ko-KR" sz="3000" dirty="0">
-                <a:latin typeface="Arial Nova Light" panose="020B0304020202020204" pitchFamily="34" charset="0"/>
-                <a:cs typeface="Aldhabi" panose="020B0604020202020204" pitchFamily="2" charset="-78"/>
-                <a:sym typeface="Wingdings" panose="05000000000000000000" pitchFamily="2" charset="2"/>
-              </a:rPr>
-              <a:t>Test data 84.0 %</a:t>
-            </a:r>
-          </a:p>
-          <a:p>
-            <a:pPr algn="l"/>
-            <a:r>
-              <a:rPr lang="en-US" altLang="ko-KR" sz="3000" dirty="0">
-                <a:latin typeface="Arial Nova Light" panose="020B0304020202020204" pitchFamily="34" charset="0"/>
-                <a:cs typeface="Aldhabi" panose="020B0604020202020204" pitchFamily="2" charset="-78"/>
-                <a:sym typeface="Wingdings" panose="05000000000000000000" pitchFamily="2" charset="2"/>
-              </a:rPr>
-              <a:t>     </a:t>
-            </a:r>
-            <a:endParaRPr lang="ko-KR" altLang="en-US" sz="2000" dirty="0">
-              <a:latin typeface="Arial Nova Light" panose="020B0304020202020204" pitchFamily="34" charset="0"/>
-              <a:cs typeface="Aldhabi" panose="020B0604020202020204" pitchFamily="2" charset="-78"/>
-            </a:endParaRPr>
-          </a:p>
-        </p:txBody>
-      </p:sp>
-    </p:spTree>
-    <p:extLst>
-      <p:ext uri="{BB962C8B-B14F-4D97-AF65-F5344CB8AC3E}">
-        <p14:creationId xmlns:p14="http://schemas.microsoft.com/office/powerpoint/2010/main" val="4275576414"/>
-      </p:ext>
-    </p:extLst>
-  </p:cSld>
-  <p:clrMapOvr>
-    <a:overrideClrMapping bg1="dk1" tx1="lt1" bg2="dk2" tx2="lt2" accent1="accent1" accent2="accent2" accent3="accent3" accent4="accent4" accent5="accent5" accent6="accent6" hlink="hlink" folHlink="folHlink"/>
-  </p:clrMapOvr>
-</p:sld>
-</file>
-
-<file path=ppt/slides/slide3.xml><?xml version="1.0" encoding="utf-8"?>
-<p:sld xmlns:a="http://schemas.openxmlformats.org/drawingml/2006/main" xmlns:r="http://schemas.openxmlformats.org/officeDocument/2006/relationships" xmlns:p="http://schemas.openxmlformats.org/presentationml/2006/main">
-  <p:cSld>
-    <p:spTree>
-      <p:nvGrpSpPr>
-        <p:cNvPr id="1" name=""/>
-        <p:cNvGrpSpPr/>
-        <p:nvPr/>
-      </p:nvGrpSpPr>
-      <p:grpSpPr>
-        <a:xfrm>
-          <a:off x="0" y="0"/>
-          <a:ext cx="0" cy="0"/>
-          <a:chOff x="0" y="0"/>
-          <a:chExt cx="0" cy="0"/>
-        </a:xfrm>
-      </p:grpSpPr>
-      <p:sp>
-        <p:nvSpPr>
-          <p:cNvPr id="3" name="Subtitle 2">
-            <a:extLst>
-              <a:ext uri="{FF2B5EF4-FFF2-40B4-BE49-F238E27FC236}">
-                <a16:creationId xmlns:a16="http://schemas.microsoft.com/office/drawing/2014/main" id="{C63068C7-FF93-4F55-8D49-8E391F78232D}"/>
-              </a:ext>
-            </a:extLst>
-          </p:cNvPr>
-          <p:cNvSpPr>
-            <a:spLocks noGrp="1"/>
-          </p:cNvSpPr>
-          <p:nvPr>
-            <p:ph type="subTitle" idx="1"/>
-          </p:nvPr>
-        </p:nvSpPr>
-        <p:spPr>
-          <a:xfrm>
-            <a:off x="5572217" y="559293"/>
-            <a:ext cx="6314983" cy="5868139"/>
-          </a:xfrm>
-        </p:spPr>
-        <p:txBody>
-          <a:bodyPr>
-            <a:normAutofit/>
-          </a:bodyPr>
-          <a:lstStyle/>
-          <a:p>
-            <a:pPr algn="l"/>
-            <a:r>
-              <a:rPr lang="en-US" altLang="ko-KR" sz="3000" dirty="0">
-                <a:solidFill>
-                  <a:srgbClr val="0070C0"/>
-                </a:solidFill>
-                <a:latin typeface="Arial Nova Light" panose="020B0304020202020204" pitchFamily="34" charset="0"/>
-                <a:cs typeface="Aldhabi" panose="020B0604020202020204" pitchFamily="2" charset="-78"/>
-              </a:rPr>
-              <a:t>Purpose</a:t>
-            </a:r>
-          </a:p>
-          <a:p>
-            <a:pPr algn="l"/>
-            <a:r>
-              <a:rPr lang="en-US" altLang="ko-KR" sz="2000" dirty="0">
-                <a:latin typeface="Arial Nova Light" panose="020B0304020202020204" pitchFamily="34" charset="0"/>
-                <a:cs typeface="Aldhabi" panose="020B0604020202020204" pitchFamily="2" charset="-78"/>
-                <a:sym typeface="Wingdings" panose="05000000000000000000" pitchFamily="2" charset="2"/>
-              </a:rPr>
-              <a:t>The growth of Citi Bike is stagnant due to many sharing competitors. To find out which factors are most important and affect the increase in Subscribers, the most important factor for business growth, and to provide alternatives.</a:t>
-            </a:r>
-          </a:p>
-        </p:txBody>
-      </p:sp>
-      <p:pic>
-        <p:nvPicPr>
-          <p:cNvPr id="1026" name="Picture 2">
-            <a:extLst>
-              <a:ext uri="{FF2B5EF4-FFF2-40B4-BE49-F238E27FC236}">
-                <a16:creationId xmlns:a16="http://schemas.microsoft.com/office/drawing/2014/main" id="{8DDE9F19-81C7-4DAD-BFF3-98A852243BDB}"/>
-              </a:ext>
-            </a:extLst>
-          </p:cNvPr>
-          <p:cNvPicPr>
-            <a:picLocks noChangeAspect="1" noChangeArrowheads="1" noCrop="1"/>
-          </p:cNvPicPr>
-          <p:nvPr/>
-        </p:nvPicPr>
-        <p:blipFill>
-          <a:blip r:embed="rId2">
-            <a:extLst>
-              <a:ext uri="{28A0092B-C50C-407E-A947-70E740481C1C}">
-                <a14:useLocalDpi xmlns:a14="http://schemas.microsoft.com/office/drawing/2010/main" val="0"/>
-              </a:ext>
-            </a:extLst>
-          </a:blip>
-          <a:srcRect/>
-          <a:stretch>
-            <a:fillRect/>
-          </a:stretch>
-        </p:blipFill>
-        <p:spPr bwMode="auto">
-          <a:xfrm>
-            <a:off x="0" y="0"/>
-            <a:ext cx="5129785" cy="3403031"/>
-          </a:xfrm>
-          <a:prstGeom prst="rect">
-            <a:avLst/>
-          </a:prstGeom>
-          <a:noFill/>
-          <a:extLst>
-            <a:ext uri="{909E8E84-426E-40DD-AFC4-6F175D3DCCD1}">
-              <a14:hiddenFill xmlns:a14="http://schemas.microsoft.com/office/drawing/2010/main">
-                <a:solidFill>
-                  <a:srgbClr val="FFFFFF"/>
-                </a:solidFill>
-              </a14:hiddenFill>
-            </a:ext>
-          </a:extLst>
-        </p:spPr>
-      </p:pic>
-      <p:pic>
-        <p:nvPicPr>
-          <p:cNvPr id="1028" name="Picture 4">
-            <a:extLst>
-              <a:ext uri="{FF2B5EF4-FFF2-40B4-BE49-F238E27FC236}">
-                <a16:creationId xmlns:a16="http://schemas.microsoft.com/office/drawing/2014/main" id="{213B05CB-2AA5-46A2-ABAF-6235DCF51190}"/>
-              </a:ext>
-            </a:extLst>
-          </p:cNvPr>
-          <p:cNvPicPr>
-            <a:picLocks noChangeAspect="1" noChangeArrowheads="1"/>
-          </p:cNvPicPr>
-          <p:nvPr/>
-        </p:nvPicPr>
-        <p:blipFill>
-          <a:blip r:embed="rId3">
-            <a:extLst>
-              <a:ext uri="{28A0092B-C50C-407E-A947-70E740481C1C}">
-                <a14:useLocalDpi xmlns:a14="http://schemas.microsoft.com/office/drawing/2010/main" val="0"/>
-              </a:ext>
-            </a:extLst>
-          </a:blip>
-          <a:srcRect/>
-          <a:stretch>
-            <a:fillRect/>
-          </a:stretch>
-        </p:blipFill>
-        <p:spPr bwMode="auto">
-          <a:xfrm>
-            <a:off x="0" y="3406904"/>
-            <a:ext cx="5129784" cy="3451289"/>
-          </a:xfrm>
-          <a:prstGeom prst="rect">
-            <a:avLst/>
-          </a:prstGeom>
-          <a:noFill/>
-          <a:extLst>
-            <a:ext uri="{909E8E84-426E-40DD-AFC4-6F175D3DCCD1}">
-              <a14:hiddenFill xmlns:a14="http://schemas.microsoft.com/office/drawing/2010/main">
-                <a:solidFill>
-                  <a:srgbClr val="FFFFFF"/>
-                </a:solidFill>
-              </a14:hiddenFill>
-            </a:ext>
-          </a:extLst>
-        </p:spPr>
-      </p:pic>
-      <p:pic>
-        <p:nvPicPr>
-          <p:cNvPr id="4" name="Picture 3">
-            <a:extLst>
-              <a:ext uri="{FF2B5EF4-FFF2-40B4-BE49-F238E27FC236}">
-                <a16:creationId xmlns:a16="http://schemas.microsoft.com/office/drawing/2014/main" id="{D635D75D-E033-45FC-BF53-09DFAC33E3B7}"/>
-              </a:ext>
-            </a:extLst>
-          </p:cNvPr>
-          <p:cNvPicPr>
-            <a:picLocks noChangeAspect="1"/>
-          </p:cNvPicPr>
-          <p:nvPr/>
-        </p:nvPicPr>
-        <p:blipFill>
-          <a:blip r:embed="rId4"/>
-          <a:stretch>
-            <a:fillRect/>
-          </a:stretch>
-        </p:blipFill>
-        <p:spPr>
-          <a:xfrm>
-            <a:off x="5414963" y="2678455"/>
-            <a:ext cx="6472237" cy="3620252"/>
-          </a:xfrm>
-          <a:prstGeom prst="rect">
-            <a:avLst/>
-          </a:prstGeom>
-        </p:spPr>
-      </p:pic>
-    </p:spTree>
-    <p:extLst>
-      <p:ext uri="{BB962C8B-B14F-4D97-AF65-F5344CB8AC3E}">
-        <p14:creationId xmlns:p14="http://schemas.microsoft.com/office/powerpoint/2010/main" val="2489342696"/>
-      </p:ext>
-    </p:extLst>
-  </p:cSld>
-  <p:clrMapOvr>
-    <a:masterClrMapping/>
-  </p:clrMapOvr>
-</p:sld>
-</file>
-
-<file path=ppt/slides/slide30.xml><?xml version="1.0" encoding="utf-8"?>
-<p:sld xmlns:a="http://schemas.openxmlformats.org/drawingml/2006/main" xmlns:r="http://schemas.openxmlformats.org/officeDocument/2006/relationships" xmlns:p="http://schemas.openxmlformats.org/presentationml/2006/main">
-  <p:cSld>
-    <p:bg>
-      <p:bgPr>
-        <a:solidFill>
-          <a:schemeClr val="bg1"/>
-        </a:solidFill>
-        <a:effectLst/>
-      </p:bgPr>
-    </p:bg>
-    <p:spTree>
-      <p:nvGrpSpPr>
-        <p:cNvPr id="1" name=""/>
-        <p:cNvGrpSpPr/>
-        <p:nvPr/>
-      </p:nvGrpSpPr>
-      <p:grpSpPr>
-        <a:xfrm>
-          <a:off x="0" y="0"/>
-          <a:ext cx="0" cy="0"/>
-          <a:chOff x="0" y="0"/>
-          <a:chExt cx="0" cy="0"/>
-        </a:xfrm>
-      </p:grpSpPr>
-      <p:sp>
-        <p:nvSpPr>
-          <p:cNvPr id="9" name="Rectangle 8">
-            <a:extLst>
-              <a:ext uri="{FF2B5EF4-FFF2-40B4-BE49-F238E27FC236}">
-                <a16:creationId xmlns:a16="http://schemas.microsoft.com/office/drawing/2014/main" id="{0DE6A193-4755-479A-BC6F-A7EBCA73BE1A}"/>
-              </a:ext>
-              <a:ext uri="{C183D7F6-B498-43B3-948B-1728B52AA6E4}">
-                <adec:decorative xmlns:adec="http://schemas.microsoft.com/office/drawing/2017/decorative" val="1"/>
-              </a:ext>
-            </a:extLst>
-          </p:cNvPr>
-          <p:cNvSpPr>
-            <a:spLocks noGrp="1" noRot="1" noChangeAspect="1" noMove="1" noResize="1" noEditPoints="1" noAdjustHandles="1" noChangeArrowheads="1" noChangeShapeType="1" noTextEdit="1"/>
-          </p:cNvSpPr>
-          <p:nvPr>
-            <p:extLst>
-              <p:ext uri="{386F3935-93C4-4BCD-93E2-E3B085C9AB24}">
-                <p16:designElem xmlns:p16="http://schemas.microsoft.com/office/powerpoint/2015/main" val="1"/>
-              </p:ext>
-            </p:extLst>
-          </p:nvPr>
-        </p:nvSpPr>
-        <p:spPr>
-          <a:xfrm>
-            <a:off x="0" y="0"/>
-            <a:ext cx="12192001" cy="6858000"/>
-          </a:xfrm>
-          <a:prstGeom prst="rect">
-            <a:avLst/>
-          </a:prstGeom>
-          <a:solidFill>
-            <a:schemeClr val="tx1"/>
-          </a:solidFill>
-          <a:ln>
-            <a:noFill/>
-          </a:ln>
-        </p:spPr>
-        <p:style>
-          <a:lnRef idx="2">
-            <a:schemeClr val="accent1">
-              <a:shade val="50000"/>
-            </a:schemeClr>
-          </a:lnRef>
-          <a:fillRef idx="1">
-            <a:schemeClr val="accent1"/>
-          </a:fillRef>
-          <a:effectRef idx="0">
-            <a:schemeClr val="accent1"/>
-          </a:effectRef>
-          <a:fontRef idx="minor">
-            <a:schemeClr val="lt1"/>
-          </a:fontRef>
-        </p:style>
-        <p:txBody>
-          <a:bodyPr rtlCol="0" anchor="ctr"/>
-          <a:lstStyle/>
-          <a:p>
-            <a:pPr algn="ctr"/>
-            <a:endParaRPr lang="en-US"/>
-          </a:p>
-        </p:txBody>
-      </p:sp>
-      <p:sp>
-        <p:nvSpPr>
-          <p:cNvPr id="11" name="Freeform: Shape 10">
-            <a:extLst>
-              <a:ext uri="{FF2B5EF4-FFF2-40B4-BE49-F238E27FC236}">
-                <a16:creationId xmlns:a16="http://schemas.microsoft.com/office/drawing/2014/main" id="{5A55B759-31A7-423C-9BC2-A8BC09FE98B9}"/>
-              </a:ext>
-              <a:ext uri="{C183D7F6-B498-43B3-948B-1728B52AA6E4}">
-                <adec:decorative xmlns:adec="http://schemas.microsoft.com/office/drawing/2017/decorative" val="1"/>
-              </a:ext>
-            </a:extLst>
-          </p:cNvPr>
-          <p:cNvSpPr>
-            <a:spLocks noGrp="1" noRot="1" noChangeAspect="1" noMove="1" noResize="1" noEditPoints="1" noAdjustHandles="1" noChangeArrowheads="1" noChangeShapeType="1" noTextEdit="1"/>
-          </p:cNvSpPr>
-          <p:nvPr>
-            <p:extLst>
-              <p:ext uri="{386F3935-93C4-4BCD-93E2-E3B085C9AB24}">
-                <p16:designElem xmlns:p16="http://schemas.microsoft.com/office/powerpoint/2015/main" val="1"/>
-              </p:ext>
-            </p:extLst>
-          </p:nvPr>
-        </p:nvSpPr>
-        <p:spPr>
-          <a:xfrm flipV="1">
-            <a:off x="0" y="-478"/>
-            <a:ext cx="6754318" cy="6858478"/>
-          </a:xfrm>
-          <a:custGeom>
-            <a:avLst/>
-            <a:gdLst>
-              <a:gd name="connsiteX0" fmla="*/ 0 w 6754318"/>
-              <a:gd name="connsiteY0" fmla="*/ 6858478 h 6858478"/>
-              <a:gd name="connsiteX1" fmla="*/ 6754318 w 6754318"/>
-              <a:gd name="connsiteY1" fmla="*/ 6858478 h 6858478"/>
-              <a:gd name="connsiteX2" fmla="*/ 3577943 w 6754318"/>
-              <a:gd name="connsiteY2" fmla="*/ 0 h 6858478"/>
-              <a:gd name="connsiteX3" fmla="*/ 3572366 w 6754318"/>
-              <a:gd name="connsiteY3" fmla="*/ 0 h 6858478"/>
-              <a:gd name="connsiteX4" fmla="*/ 2506138 w 6754318"/>
-              <a:gd name="connsiteY4" fmla="*/ 0 h 6858478"/>
-              <a:gd name="connsiteX5" fmla="*/ 0 w 6754318"/>
-              <a:gd name="connsiteY5" fmla="*/ 0 h 6858478"/>
-            </a:gdLst>
-            <a:ahLst/>
-            <a:cxnLst>
-              <a:cxn ang="0">
-                <a:pos x="connsiteX0" y="connsiteY0"/>
-              </a:cxn>
-              <a:cxn ang="0">
-                <a:pos x="connsiteX1" y="connsiteY1"/>
-              </a:cxn>
-              <a:cxn ang="0">
-                <a:pos x="connsiteX2" y="connsiteY2"/>
-              </a:cxn>
-              <a:cxn ang="0">
-                <a:pos x="connsiteX3" y="connsiteY3"/>
-              </a:cxn>
-              <a:cxn ang="0">
-                <a:pos x="connsiteX4" y="connsiteY4"/>
-              </a:cxn>
-              <a:cxn ang="0">
-                <a:pos x="connsiteX5" y="connsiteY5"/>
-              </a:cxn>
-            </a:cxnLst>
-            <a:rect l="l" t="t" r="r" b="b"/>
-            <a:pathLst>
-              <a:path w="6754318" h="6858478">
-                <a:moveTo>
-                  <a:pt x="0" y="6858478"/>
-                </a:moveTo>
-                <a:lnTo>
-                  <a:pt x="6754318" y="6858478"/>
-                </a:lnTo>
-                <a:lnTo>
-                  <a:pt x="3577943" y="0"/>
-                </a:lnTo>
-                <a:lnTo>
-                  <a:pt x="3572366" y="0"/>
-                </a:lnTo>
-                <a:lnTo>
-                  <a:pt x="2506138" y="0"/>
-                </a:lnTo>
-                <a:lnTo>
-                  <a:pt x="0" y="0"/>
-                </a:lnTo>
-                <a:close/>
-              </a:path>
-            </a:pathLst>
-          </a:custGeom>
-          <a:solidFill>
-            <a:schemeClr val="bg1">
-              <a:lumMod val="85000"/>
-              <a:lumOff val="15000"/>
-              <a:alpha val="70000"/>
-            </a:schemeClr>
-          </a:solidFill>
-          <a:ln>
-            <a:noFill/>
-          </a:ln>
-        </p:spPr>
-        <p:style>
-          <a:lnRef idx="2">
-            <a:schemeClr val="accent1">
-              <a:shade val="50000"/>
-            </a:schemeClr>
-          </a:lnRef>
-          <a:fillRef idx="1">
-            <a:schemeClr val="accent1"/>
-          </a:fillRef>
-          <a:effectRef idx="0">
-            <a:schemeClr val="accent1"/>
-          </a:effectRef>
-          <a:fontRef idx="minor">
-            <a:schemeClr val="lt1"/>
-          </a:fontRef>
-        </p:style>
-        <p:txBody>
-          <a:bodyPr wrap="square" rtlCol="0" anchor="ctr">
-            <a:noAutofit/>
-          </a:bodyPr>
-          <a:lstStyle/>
-          <a:p>
-            <a:pPr marL="0" marR="0" lvl="0" indent="0" algn="ctr" defTabSz="914400" rtl="0" eaLnBrk="1" fontAlgn="auto" latinLnBrk="0" hangingPunct="1">
-              <a:lnSpc>
-                <a:spcPct val="100000"/>
-              </a:lnSpc>
-              <a:spcBef>
-                <a:spcPts val="0"/>
-              </a:spcBef>
-              <a:spcAft>
-                <a:spcPts val="0"/>
-              </a:spcAft>
-              <a:buClrTx/>
-              <a:buSzTx/>
-              <a:buFontTx/>
-              <a:buNone/>
-              <a:tabLst/>
-              <a:defRPr/>
-            </a:pPr>
-            <a:endParaRPr kumimoji="0" lang="en-US" sz="1800" b="0" i="0" u="none" strike="noStrike" kern="1200" cap="none" spc="0" normalizeH="0" baseline="0" noProof="0">
-              <a:ln>
-                <a:noFill/>
-              </a:ln>
-              <a:solidFill>
-                <a:prstClr val="white"/>
-              </a:solidFill>
-              <a:effectLst/>
-              <a:uLnTx/>
-              <a:uFillTx/>
-              <a:latin typeface="Calibri" panose="020F0502020204030204"/>
-              <a:ea typeface="+mn-ea"/>
-              <a:cs typeface="+mn-cs"/>
-            </a:endParaRPr>
-          </a:p>
-        </p:txBody>
-      </p:sp>
-      <p:sp>
-        <p:nvSpPr>
-          <p:cNvPr id="13" name="Freeform: Shape 12">
-            <a:extLst>
-              <a:ext uri="{FF2B5EF4-FFF2-40B4-BE49-F238E27FC236}">
-                <a16:creationId xmlns:a16="http://schemas.microsoft.com/office/drawing/2014/main" id="{F78796AF-79A0-47AC-BEFD-BFFC00F968C4}"/>
-              </a:ext>
-              <a:ext uri="{C183D7F6-B498-43B3-948B-1728B52AA6E4}">
-                <adec:decorative xmlns:adec="http://schemas.microsoft.com/office/drawing/2017/decorative" val="1"/>
-              </a:ext>
-            </a:extLst>
-          </p:cNvPr>
-          <p:cNvSpPr>
-            <a:spLocks noGrp="1" noRot="1" noChangeAspect="1" noMove="1" noResize="1" noEditPoints="1" noAdjustHandles="1" noChangeArrowheads="1" noChangeShapeType="1" noTextEdit="1"/>
-          </p:cNvSpPr>
-          <p:nvPr>
-            <p:extLst>
-              <p:ext uri="{386F3935-93C4-4BCD-93E2-E3B085C9AB24}">
-                <p16:designElem xmlns:p16="http://schemas.microsoft.com/office/powerpoint/2015/main" val="1"/>
-              </p:ext>
-            </p:extLst>
-          </p:nvPr>
-        </p:nvSpPr>
-        <p:spPr>
-          <a:xfrm flipV="1">
-            <a:off x="1" y="-478"/>
-            <a:ext cx="5953780" cy="6858478"/>
-          </a:xfrm>
-          <a:custGeom>
-            <a:avLst/>
-            <a:gdLst>
-              <a:gd name="connsiteX0" fmla="*/ 0 w 5953780"/>
-              <a:gd name="connsiteY0" fmla="*/ 6858478 h 6858478"/>
-              <a:gd name="connsiteX1" fmla="*/ 5953780 w 5953780"/>
-              <a:gd name="connsiteY1" fmla="*/ 6858478 h 6858478"/>
-              <a:gd name="connsiteX2" fmla="*/ 2777405 w 5953780"/>
-              <a:gd name="connsiteY2" fmla="*/ 0 h 6858478"/>
-              <a:gd name="connsiteX3" fmla="*/ 2771828 w 5953780"/>
-              <a:gd name="connsiteY3" fmla="*/ 0 h 6858478"/>
-              <a:gd name="connsiteX4" fmla="*/ 1705600 w 5953780"/>
-              <a:gd name="connsiteY4" fmla="*/ 0 h 6858478"/>
-              <a:gd name="connsiteX5" fmla="*/ 0 w 5953780"/>
-              <a:gd name="connsiteY5" fmla="*/ 0 h 6858478"/>
-            </a:gdLst>
-            <a:ahLst/>
-            <a:cxnLst>
-              <a:cxn ang="0">
-                <a:pos x="connsiteX0" y="connsiteY0"/>
-              </a:cxn>
-              <a:cxn ang="0">
-                <a:pos x="connsiteX1" y="connsiteY1"/>
-              </a:cxn>
-              <a:cxn ang="0">
-                <a:pos x="connsiteX2" y="connsiteY2"/>
-              </a:cxn>
-              <a:cxn ang="0">
-                <a:pos x="connsiteX3" y="connsiteY3"/>
-              </a:cxn>
-              <a:cxn ang="0">
-                <a:pos x="connsiteX4" y="connsiteY4"/>
-              </a:cxn>
-              <a:cxn ang="0">
-                <a:pos x="connsiteX5" y="connsiteY5"/>
-              </a:cxn>
-            </a:cxnLst>
-            <a:rect l="l" t="t" r="r" b="b"/>
-            <a:pathLst>
-              <a:path w="5953780" h="6858478">
-                <a:moveTo>
-                  <a:pt x="0" y="6858478"/>
-                </a:moveTo>
-                <a:lnTo>
-                  <a:pt x="5953780" y="6858478"/>
-                </a:lnTo>
-                <a:lnTo>
-                  <a:pt x="2777405" y="0"/>
-                </a:lnTo>
-                <a:lnTo>
-                  <a:pt x="2771828" y="0"/>
-                </a:lnTo>
-                <a:lnTo>
-                  <a:pt x="1705600" y="0"/>
-                </a:lnTo>
-                <a:lnTo>
-                  <a:pt x="0" y="0"/>
-                </a:lnTo>
-                <a:close/>
-              </a:path>
-            </a:pathLst>
-          </a:custGeom>
-          <a:solidFill>
-            <a:schemeClr val="bg1">
-              <a:lumMod val="85000"/>
-              <a:lumOff val="15000"/>
-            </a:schemeClr>
-          </a:solidFill>
-          <a:ln>
-            <a:noFill/>
-          </a:ln>
-        </p:spPr>
-        <p:style>
-          <a:lnRef idx="2">
-            <a:schemeClr val="accent1">
-              <a:shade val="50000"/>
-            </a:schemeClr>
-          </a:lnRef>
-          <a:fillRef idx="1">
-            <a:schemeClr val="accent1"/>
-          </a:fillRef>
-          <a:effectRef idx="0">
-            <a:schemeClr val="accent1"/>
-          </a:effectRef>
-          <a:fontRef idx="minor">
-            <a:schemeClr val="lt1"/>
-          </a:fontRef>
-        </p:style>
-        <p:txBody>
-          <a:bodyPr wrap="square" rtlCol="0" anchor="ctr">
-            <a:noAutofit/>
-          </a:bodyPr>
-          <a:lstStyle/>
-          <a:p>
-            <a:pPr marL="0" marR="0" lvl="0" indent="0" algn="ctr" defTabSz="914400" rtl="0" eaLnBrk="1" fontAlgn="auto" latinLnBrk="0" hangingPunct="1">
-              <a:lnSpc>
-                <a:spcPct val="100000"/>
-              </a:lnSpc>
-              <a:spcBef>
-                <a:spcPts val="0"/>
-              </a:spcBef>
-              <a:spcAft>
-                <a:spcPts val="0"/>
-              </a:spcAft>
-              <a:buClrTx/>
-              <a:buSzTx/>
-              <a:buFontTx/>
-              <a:buNone/>
-              <a:tabLst/>
-              <a:defRPr/>
-            </a:pPr>
-            <a:endParaRPr kumimoji="0" lang="en-US" sz="1800" b="0" i="0" u="none" strike="noStrike" kern="1200" cap="none" spc="0" normalizeH="0" baseline="0" noProof="0">
-              <a:ln>
-                <a:noFill/>
-              </a:ln>
-              <a:solidFill>
-                <a:prstClr val="white"/>
-              </a:solidFill>
-              <a:effectLst/>
-              <a:uLnTx/>
-              <a:uFillTx/>
-              <a:latin typeface="Calibri" panose="020F0502020204030204"/>
-              <a:ea typeface="+mn-ea"/>
-              <a:cs typeface="+mn-cs"/>
-            </a:endParaRPr>
-          </a:p>
-        </p:txBody>
-      </p:sp>
-      <p:sp>
-        <p:nvSpPr>
-          <p:cNvPr id="3" name="Subtitle 2">
-            <a:extLst>
-              <a:ext uri="{FF2B5EF4-FFF2-40B4-BE49-F238E27FC236}">
-                <a16:creationId xmlns:a16="http://schemas.microsoft.com/office/drawing/2014/main" id="{C63068C7-FF93-4F55-8D49-8E391F78232D}"/>
-              </a:ext>
-            </a:extLst>
-          </p:cNvPr>
-          <p:cNvSpPr>
-            <a:spLocks noGrp="1"/>
-          </p:cNvSpPr>
-          <p:nvPr>
-            <p:ph type="subTitle" idx="1"/>
-          </p:nvPr>
-        </p:nvSpPr>
-        <p:spPr>
-          <a:xfrm>
-            <a:off x="163019" y="2790825"/>
-            <a:ext cx="4132756" cy="2124075"/>
-          </a:xfrm>
-        </p:spPr>
-        <p:txBody>
-          <a:bodyPr anchor="t">
-            <a:normAutofit/>
-          </a:bodyPr>
-          <a:lstStyle/>
-          <a:p>
-            <a:r>
-              <a:rPr lang="en-US" altLang="ko-KR" sz="3200" b="1" i="0" dirty="0">
-                <a:effectLst/>
-                <a:latin typeface="Helvetica Neue"/>
-              </a:rPr>
-              <a:t>Rush Hours effect on Target Variable</a:t>
-            </a:r>
-          </a:p>
-          <a:p>
-            <a:pPr algn="l"/>
-            <a:r>
-              <a:rPr lang="ko-KR" altLang="en-US" sz="4000" dirty="0">
-                <a:latin typeface="Arial Nova Light" panose="020B0304020202020204" pitchFamily="34" charset="0"/>
-                <a:cs typeface="Aldhabi" panose="020B0604020202020204" pitchFamily="2" charset="-78"/>
-              </a:rPr>
-              <a:t>  </a:t>
-            </a:r>
-            <a:r>
-              <a:rPr lang="en-US" altLang="ko-KR" sz="3000" dirty="0">
-                <a:latin typeface="Arial Nova Light" panose="020B0304020202020204" pitchFamily="34" charset="0"/>
-                <a:cs typeface="Aldhabi" panose="020B0604020202020204" pitchFamily="2" charset="-78"/>
-              </a:rPr>
-              <a:t>[7, 8, 9, 16, 17, 18]</a:t>
-            </a:r>
-            <a:endParaRPr lang="ko-KR" altLang="en-US" sz="3000" dirty="0">
-              <a:latin typeface="Arial Nova Light" panose="020B0304020202020204" pitchFamily="34" charset="0"/>
-              <a:cs typeface="Aldhabi" panose="020B0604020202020204" pitchFamily="2" charset="-78"/>
-            </a:endParaRPr>
-          </a:p>
-        </p:txBody>
-      </p:sp>
-      <p:pic>
-        <p:nvPicPr>
-          <p:cNvPr id="2" name="Picture 1">
-            <a:extLst>
-              <a:ext uri="{FF2B5EF4-FFF2-40B4-BE49-F238E27FC236}">
-                <a16:creationId xmlns:a16="http://schemas.microsoft.com/office/drawing/2014/main" id="{7771E9DB-C053-422E-BA7A-597CBB155D89}"/>
-              </a:ext>
-            </a:extLst>
-          </p:cNvPr>
-          <p:cNvPicPr>
-            <a:picLocks noChangeAspect="1"/>
-          </p:cNvPicPr>
-          <p:nvPr/>
-        </p:nvPicPr>
-        <p:blipFill>
-          <a:blip r:embed="rId2"/>
-          <a:stretch>
-            <a:fillRect/>
-          </a:stretch>
-        </p:blipFill>
-        <p:spPr>
-          <a:xfrm>
-            <a:off x="5600702" y="2309812"/>
-            <a:ext cx="6591300" cy="3362325"/>
-          </a:xfrm>
-          <a:prstGeom prst="rect">
-            <a:avLst/>
-          </a:prstGeom>
-        </p:spPr>
-      </p:pic>
-    </p:spTree>
-    <p:extLst>
-      <p:ext uri="{BB962C8B-B14F-4D97-AF65-F5344CB8AC3E}">
-        <p14:creationId xmlns:p14="http://schemas.microsoft.com/office/powerpoint/2010/main" val="3650049261"/>
-      </p:ext>
-    </p:extLst>
-  </p:cSld>
-  <p:clrMapOvr>
-    <a:overrideClrMapping bg1="dk1" tx1="lt1" bg2="dk2" tx2="lt2" accent1="accent1" accent2="accent2" accent3="accent3" accent4="accent4" accent5="accent5" accent6="accent6" hlink="hlink" folHlink="folHlink"/>
-  </p:clrMapOvr>
-</p:sld>
-</file>
-
-<file path=ppt/slides/slide31.xml><?xml version="1.0" encoding="utf-8"?>
-<p:sld xmlns:a="http://schemas.openxmlformats.org/drawingml/2006/main" xmlns:r="http://schemas.openxmlformats.org/officeDocument/2006/relationships" xmlns:p="http://schemas.openxmlformats.org/presentationml/2006/main">
-  <p:cSld>
-    <p:bg>
-      <p:bgPr>
-        <a:solidFill>
-          <a:schemeClr val="bg1"/>
-        </a:solidFill>
-        <a:effectLst/>
-      </p:bgPr>
-    </p:bg>
-    <p:spTree>
-      <p:nvGrpSpPr>
-        <p:cNvPr id="1" name=""/>
-        <p:cNvGrpSpPr/>
-        <p:nvPr/>
-      </p:nvGrpSpPr>
-      <p:grpSpPr>
-        <a:xfrm>
-          <a:off x="0" y="0"/>
-          <a:ext cx="0" cy="0"/>
-          <a:chOff x="0" y="0"/>
-          <a:chExt cx="0" cy="0"/>
-        </a:xfrm>
-      </p:grpSpPr>
-      <p:sp>
-        <p:nvSpPr>
-          <p:cNvPr id="16" name="Rectangle 9">
-            <a:extLst>
-              <a:ext uri="{FF2B5EF4-FFF2-40B4-BE49-F238E27FC236}">
-                <a16:creationId xmlns:a16="http://schemas.microsoft.com/office/drawing/2014/main" id="{0DE6A193-4755-479A-BC6F-A7EBCA73BE1A}"/>
-              </a:ext>
-              <a:ext uri="{C183D7F6-B498-43B3-948B-1728B52AA6E4}">
-                <adec:decorative xmlns:adec="http://schemas.microsoft.com/office/drawing/2017/decorative" val="1"/>
-              </a:ext>
-            </a:extLst>
-          </p:cNvPr>
-          <p:cNvSpPr>
-            <a:spLocks noGrp="1" noRot="1" noChangeAspect="1" noMove="1" noResize="1" noEditPoints="1" noAdjustHandles="1" noChangeArrowheads="1" noChangeShapeType="1" noTextEdit="1"/>
-          </p:cNvSpPr>
-          <p:nvPr>
-            <p:extLst>
-              <p:ext uri="{386F3935-93C4-4BCD-93E2-E3B085C9AB24}">
-                <p16:designElem xmlns:p16="http://schemas.microsoft.com/office/powerpoint/2015/main" val="1"/>
-              </p:ext>
-            </p:extLst>
-          </p:nvPr>
-        </p:nvSpPr>
-        <p:spPr>
-          <a:xfrm>
-            <a:off x="0" y="0"/>
-            <a:ext cx="12192001" cy="6858000"/>
-          </a:xfrm>
-          <a:prstGeom prst="rect">
-            <a:avLst/>
-          </a:prstGeom>
-          <a:solidFill>
-            <a:schemeClr val="tx1"/>
-          </a:solidFill>
-          <a:ln>
-            <a:noFill/>
-          </a:ln>
-        </p:spPr>
-        <p:style>
-          <a:lnRef idx="2">
-            <a:schemeClr val="accent1">
-              <a:shade val="50000"/>
-            </a:schemeClr>
-          </a:lnRef>
-          <a:fillRef idx="1">
-            <a:schemeClr val="accent1"/>
-          </a:fillRef>
-          <a:effectRef idx="0">
-            <a:schemeClr val="accent1"/>
-          </a:effectRef>
-          <a:fontRef idx="minor">
-            <a:schemeClr val="lt1"/>
-          </a:fontRef>
-        </p:style>
-        <p:txBody>
-          <a:bodyPr rtlCol="0" anchor="ctr"/>
-          <a:lstStyle/>
-          <a:p>
-            <a:pPr algn="ctr"/>
-            <a:endParaRPr lang="en-US"/>
-          </a:p>
-        </p:txBody>
-      </p:sp>
-      <p:pic>
-        <p:nvPicPr>
-          <p:cNvPr id="5" name="Picture 4">
-            <a:extLst>
-              <a:ext uri="{FF2B5EF4-FFF2-40B4-BE49-F238E27FC236}">
-                <a16:creationId xmlns:a16="http://schemas.microsoft.com/office/drawing/2014/main" id="{A63E5001-4D78-4E79-BD87-FC4B21FA4494}"/>
-              </a:ext>
-            </a:extLst>
-          </p:cNvPr>
-          <p:cNvPicPr>
-            <a:picLocks noChangeAspect="1"/>
-          </p:cNvPicPr>
-          <p:nvPr/>
-        </p:nvPicPr>
-        <p:blipFill>
-          <a:blip r:embed="rId2"/>
-          <a:stretch>
-            <a:fillRect/>
-          </a:stretch>
-        </p:blipFill>
-        <p:spPr>
-          <a:xfrm>
-            <a:off x="5886450" y="2123796"/>
-            <a:ext cx="5852583" cy="2487347"/>
-          </a:xfrm>
-          <a:prstGeom prst="rect">
-            <a:avLst/>
-          </a:prstGeom>
-        </p:spPr>
-      </p:pic>
-      <p:sp>
-        <p:nvSpPr>
-          <p:cNvPr id="17" name="Freeform: Shape 11">
-            <a:extLst>
-              <a:ext uri="{FF2B5EF4-FFF2-40B4-BE49-F238E27FC236}">
-                <a16:creationId xmlns:a16="http://schemas.microsoft.com/office/drawing/2014/main" id="{B2DC8709-0A70-45A9-A160-4B831CAB1A43}"/>
-              </a:ext>
-              <a:ext uri="{C183D7F6-B498-43B3-948B-1728B52AA6E4}">
-                <adec:decorative xmlns:adec="http://schemas.microsoft.com/office/drawing/2017/decorative" val="1"/>
-              </a:ext>
-            </a:extLst>
-          </p:cNvPr>
-          <p:cNvSpPr>
-            <a:spLocks noGrp="1" noRot="1" noChangeAspect="1" noMove="1" noResize="1" noEditPoints="1" noAdjustHandles="1" noChangeArrowheads="1" noChangeShapeType="1" noTextEdit="1"/>
-          </p:cNvSpPr>
-          <p:nvPr>
-            <p:extLst>
-              <p:ext uri="{386F3935-93C4-4BCD-93E2-E3B085C9AB24}">
-                <p16:designElem xmlns:p16="http://schemas.microsoft.com/office/powerpoint/2015/main" val="1"/>
-              </p:ext>
-            </p:extLst>
-          </p:nvPr>
-        </p:nvSpPr>
-        <p:spPr>
-          <a:xfrm>
-            <a:off x="0" y="-478"/>
-            <a:ext cx="6820929" cy="6858478"/>
-          </a:xfrm>
-          <a:custGeom>
-            <a:avLst/>
-            <a:gdLst>
-              <a:gd name="connsiteX0" fmla="*/ 0 w 6754318"/>
-              <a:gd name="connsiteY0" fmla="*/ 6858478 h 6858478"/>
-              <a:gd name="connsiteX1" fmla="*/ 6754318 w 6754318"/>
-              <a:gd name="connsiteY1" fmla="*/ 6858478 h 6858478"/>
-              <a:gd name="connsiteX2" fmla="*/ 3577943 w 6754318"/>
-              <a:gd name="connsiteY2" fmla="*/ 0 h 6858478"/>
-              <a:gd name="connsiteX3" fmla="*/ 3572366 w 6754318"/>
-              <a:gd name="connsiteY3" fmla="*/ 0 h 6858478"/>
-              <a:gd name="connsiteX4" fmla="*/ 2506138 w 6754318"/>
-              <a:gd name="connsiteY4" fmla="*/ 0 h 6858478"/>
-              <a:gd name="connsiteX5" fmla="*/ 0 w 6754318"/>
-              <a:gd name="connsiteY5" fmla="*/ 0 h 6858478"/>
-            </a:gdLst>
-            <a:ahLst/>
-            <a:cxnLst>
-              <a:cxn ang="0">
-                <a:pos x="connsiteX0" y="connsiteY0"/>
-              </a:cxn>
-              <a:cxn ang="0">
-                <a:pos x="connsiteX1" y="connsiteY1"/>
-              </a:cxn>
-              <a:cxn ang="0">
-                <a:pos x="connsiteX2" y="connsiteY2"/>
-              </a:cxn>
-              <a:cxn ang="0">
-                <a:pos x="connsiteX3" y="connsiteY3"/>
-              </a:cxn>
-              <a:cxn ang="0">
-                <a:pos x="connsiteX4" y="connsiteY4"/>
-              </a:cxn>
-              <a:cxn ang="0">
-                <a:pos x="connsiteX5" y="connsiteY5"/>
-              </a:cxn>
-            </a:cxnLst>
-            <a:rect l="l" t="t" r="r" b="b"/>
-            <a:pathLst>
-              <a:path w="6754318" h="6858478">
-                <a:moveTo>
-                  <a:pt x="0" y="6858478"/>
-                </a:moveTo>
-                <a:lnTo>
-                  <a:pt x="6754318" y="6858478"/>
-                </a:lnTo>
-                <a:lnTo>
-                  <a:pt x="3577943" y="0"/>
-                </a:lnTo>
-                <a:lnTo>
-                  <a:pt x="3572366" y="0"/>
-                </a:lnTo>
-                <a:lnTo>
-                  <a:pt x="2506138" y="0"/>
-                </a:lnTo>
-                <a:lnTo>
-                  <a:pt x="0" y="0"/>
-                </a:lnTo>
-                <a:close/>
-              </a:path>
-            </a:pathLst>
-          </a:custGeom>
-          <a:solidFill>
-            <a:schemeClr val="bg1">
-              <a:lumMod val="85000"/>
-              <a:lumOff val="15000"/>
-              <a:alpha val="70000"/>
-            </a:schemeClr>
-          </a:solidFill>
-          <a:ln>
-            <a:noFill/>
-          </a:ln>
-        </p:spPr>
-        <p:style>
-          <a:lnRef idx="2">
-            <a:schemeClr val="accent1">
-              <a:shade val="50000"/>
-            </a:schemeClr>
-          </a:lnRef>
-          <a:fillRef idx="1">
-            <a:schemeClr val="accent1"/>
-          </a:fillRef>
-          <a:effectRef idx="0">
-            <a:schemeClr val="accent1"/>
-          </a:effectRef>
-          <a:fontRef idx="minor">
-            <a:schemeClr val="lt1"/>
-          </a:fontRef>
-        </p:style>
-        <p:txBody>
-          <a:bodyPr wrap="square" rtlCol="0" anchor="ctr">
-            <a:noAutofit/>
-          </a:bodyPr>
-          <a:lstStyle/>
-          <a:p>
-            <a:pPr marL="0" marR="0" lvl="0" indent="0" algn="ctr" defTabSz="914400" rtl="0" eaLnBrk="1" fontAlgn="auto" latinLnBrk="0" hangingPunct="1">
-              <a:lnSpc>
-                <a:spcPct val="100000"/>
-              </a:lnSpc>
-              <a:spcBef>
-                <a:spcPts val="0"/>
-              </a:spcBef>
-              <a:spcAft>
-                <a:spcPts val="0"/>
-              </a:spcAft>
-              <a:buClrTx/>
-              <a:buSzTx/>
-              <a:buFontTx/>
-              <a:buNone/>
-              <a:tabLst/>
-              <a:defRPr/>
-            </a:pPr>
-            <a:endParaRPr kumimoji="0" lang="en-US" sz="1800" b="0" i="0" u="none" strike="noStrike" kern="1200" cap="none" spc="0" normalizeH="0" baseline="0" noProof="0">
-              <a:ln>
-                <a:noFill/>
-              </a:ln>
-              <a:solidFill>
-                <a:prstClr val="white"/>
-              </a:solidFill>
-              <a:effectLst/>
-              <a:uLnTx/>
-              <a:uFillTx/>
-              <a:latin typeface="Calibri" panose="020F0502020204030204"/>
-              <a:ea typeface="+mn-ea"/>
-              <a:cs typeface="+mn-cs"/>
-            </a:endParaRPr>
-          </a:p>
-        </p:txBody>
-      </p:sp>
-      <p:sp>
-        <p:nvSpPr>
-          <p:cNvPr id="18" name="Freeform: Shape 13">
-            <a:extLst>
-              <a:ext uri="{FF2B5EF4-FFF2-40B4-BE49-F238E27FC236}">
-                <a16:creationId xmlns:a16="http://schemas.microsoft.com/office/drawing/2014/main" id="{E613F699-B53E-4E9A-B7E8-4979FEF428EA}"/>
-              </a:ext>
-              <a:ext uri="{C183D7F6-B498-43B3-948B-1728B52AA6E4}">
-                <adec:decorative xmlns:adec="http://schemas.microsoft.com/office/drawing/2017/decorative" val="1"/>
-              </a:ext>
-            </a:extLst>
-          </p:cNvPr>
-          <p:cNvSpPr>
-            <a:spLocks noGrp="1" noRot="1" noChangeAspect="1" noMove="1" noResize="1" noEditPoints="1" noAdjustHandles="1" noChangeArrowheads="1" noChangeShapeType="1" noTextEdit="1"/>
-          </p:cNvSpPr>
-          <p:nvPr>
-            <p:extLst>
-              <p:ext uri="{386F3935-93C4-4BCD-93E2-E3B085C9AB24}">
-                <p16:designElem xmlns:p16="http://schemas.microsoft.com/office/powerpoint/2015/main" val="1"/>
-              </p:ext>
-            </p:extLst>
-          </p:nvPr>
-        </p:nvSpPr>
-        <p:spPr>
-          <a:xfrm>
-            <a:off x="0" y="-478"/>
-            <a:ext cx="6012496" cy="6858478"/>
-          </a:xfrm>
-          <a:custGeom>
-            <a:avLst/>
-            <a:gdLst>
-              <a:gd name="connsiteX0" fmla="*/ 0 w 5953780"/>
-              <a:gd name="connsiteY0" fmla="*/ 6858478 h 6858478"/>
-              <a:gd name="connsiteX1" fmla="*/ 5953780 w 5953780"/>
-              <a:gd name="connsiteY1" fmla="*/ 6858478 h 6858478"/>
-              <a:gd name="connsiteX2" fmla="*/ 2777405 w 5953780"/>
-              <a:gd name="connsiteY2" fmla="*/ 0 h 6858478"/>
-              <a:gd name="connsiteX3" fmla="*/ 2771828 w 5953780"/>
-              <a:gd name="connsiteY3" fmla="*/ 0 h 6858478"/>
-              <a:gd name="connsiteX4" fmla="*/ 1705600 w 5953780"/>
-              <a:gd name="connsiteY4" fmla="*/ 0 h 6858478"/>
-              <a:gd name="connsiteX5" fmla="*/ 0 w 5953780"/>
-              <a:gd name="connsiteY5" fmla="*/ 0 h 6858478"/>
-            </a:gdLst>
-            <a:ahLst/>
-            <a:cxnLst>
-              <a:cxn ang="0">
-                <a:pos x="connsiteX0" y="connsiteY0"/>
-              </a:cxn>
-              <a:cxn ang="0">
-                <a:pos x="connsiteX1" y="connsiteY1"/>
-              </a:cxn>
-              <a:cxn ang="0">
-                <a:pos x="connsiteX2" y="connsiteY2"/>
-              </a:cxn>
-              <a:cxn ang="0">
-                <a:pos x="connsiteX3" y="connsiteY3"/>
-              </a:cxn>
-              <a:cxn ang="0">
-                <a:pos x="connsiteX4" y="connsiteY4"/>
-              </a:cxn>
-              <a:cxn ang="0">
-                <a:pos x="connsiteX5" y="connsiteY5"/>
-              </a:cxn>
-            </a:cxnLst>
-            <a:rect l="l" t="t" r="r" b="b"/>
-            <a:pathLst>
-              <a:path w="5953780" h="6858478">
-                <a:moveTo>
-                  <a:pt x="0" y="6858478"/>
-                </a:moveTo>
-                <a:lnTo>
-                  <a:pt x="5953780" y="6858478"/>
-                </a:lnTo>
-                <a:lnTo>
-                  <a:pt x="2777405" y="0"/>
-                </a:lnTo>
-                <a:lnTo>
-                  <a:pt x="2771828" y="0"/>
-                </a:lnTo>
-                <a:lnTo>
-                  <a:pt x="1705600" y="0"/>
-                </a:lnTo>
-                <a:lnTo>
-                  <a:pt x="0" y="0"/>
-                </a:lnTo>
-                <a:close/>
-              </a:path>
-            </a:pathLst>
-          </a:custGeom>
-          <a:solidFill>
-            <a:schemeClr val="bg1">
-              <a:lumMod val="85000"/>
-              <a:lumOff val="15000"/>
-            </a:schemeClr>
-          </a:solidFill>
-          <a:ln>
-            <a:noFill/>
-          </a:ln>
-        </p:spPr>
-        <p:style>
-          <a:lnRef idx="2">
-            <a:schemeClr val="accent1">
-              <a:shade val="50000"/>
-            </a:schemeClr>
-          </a:lnRef>
-          <a:fillRef idx="1">
-            <a:schemeClr val="accent1"/>
-          </a:fillRef>
-          <a:effectRef idx="0">
-            <a:schemeClr val="accent1"/>
-          </a:effectRef>
-          <a:fontRef idx="minor">
-            <a:schemeClr val="lt1"/>
-          </a:fontRef>
-        </p:style>
-        <p:txBody>
-          <a:bodyPr wrap="square" rtlCol="0" anchor="ctr">
-            <a:noAutofit/>
-          </a:bodyPr>
-          <a:lstStyle/>
-          <a:p>
-            <a:pPr marL="0" marR="0" lvl="0" indent="0" algn="ctr" defTabSz="914400" rtl="0" eaLnBrk="1" fontAlgn="auto" latinLnBrk="0" hangingPunct="1">
-              <a:lnSpc>
-                <a:spcPct val="100000"/>
-              </a:lnSpc>
-              <a:spcBef>
-                <a:spcPts val="0"/>
-              </a:spcBef>
-              <a:spcAft>
-                <a:spcPts val="0"/>
-              </a:spcAft>
-              <a:buClrTx/>
-              <a:buSzTx/>
-              <a:buFontTx/>
-              <a:buNone/>
-              <a:tabLst/>
-              <a:defRPr/>
-            </a:pPr>
-            <a:endParaRPr kumimoji="0" lang="en-US" sz="1800" b="0" i="0" u="none" strike="noStrike" kern="1200" cap="none" spc="0" normalizeH="0" baseline="0" noProof="0">
-              <a:ln>
-                <a:noFill/>
-              </a:ln>
-              <a:solidFill>
-                <a:prstClr val="white"/>
-              </a:solidFill>
-              <a:effectLst/>
-              <a:uLnTx/>
-              <a:uFillTx/>
-              <a:latin typeface="Calibri" panose="020F0502020204030204"/>
-              <a:ea typeface="+mn-ea"/>
-              <a:cs typeface="+mn-cs"/>
-            </a:endParaRPr>
-          </a:p>
-        </p:txBody>
-      </p:sp>
-      <p:sp>
-        <p:nvSpPr>
-          <p:cNvPr id="3" name="Subtitle 2">
-            <a:extLst>
-              <a:ext uri="{FF2B5EF4-FFF2-40B4-BE49-F238E27FC236}">
-                <a16:creationId xmlns:a16="http://schemas.microsoft.com/office/drawing/2014/main" id="{C63068C7-FF93-4F55-8D49-8E391F78232D}"/>
-              </a:ext>
-            </a:extLst>
-          </p:cNvPr>
-          <p:cNvSpPr>
-            <a:spLocks noGrp="1"/>
-          </p:cNvSpPr>
-          <p:nvPr>
-            <p:ph type="subTitle" idx="1"/>
-          </p:nvPr>
-        </p:nvSpPr>
-        <p:spPr>
-          <a:xfrm>
-            <a:off x="-161641" y="2510774"/>
-            <a:ext cx="4385569" cy="1713389"/>
-          </a:xfrm>
-        </p:spPr>
-        <p:txBody>
-          <a:bodyPr anchor="b">
-            <a:normAutofit lnSpcReduction="10000"/>
-          </a:bodyPr>
-          <a:lstStyle/>
-          <a:p>
-            <a:r>
-              <a:rPr lang="en-US" altLang="ko-KR" sz="4000" b="1" i="0" dirty="0">
-                <a:effectLst/>
-                <a:latin typeface="Helvetica Neue"/>
-              </a:rPr>
-              <a:t>Temperature effect on </a:t>
-            </a:r>
-          </a:p>
-          <a:p>
-            <a:r>
-              <a:rPr lang="en-US" altLang="ko-KR" sz="4000" b="1" i="0" dirty="0">
-                <a:effectLst/>
-                <a:latin typeface="Helvetica Neue"/>
-              </a:rPr>
-              <a:t>Target Variable</a:t>
-            </a:r>
-          </a:p>
-          <a:p>
-            <a:pPr algn="l"/>
-            <a:endParaRPr lang="ko-KR" altLang="en-US" sz="2000" dirty="0">
-              <a:latin typeface="Arial Nova Light" panose="020B0304020202020204" pitchFamily="34" charset="0"/>
-              <a:cs typeface="Aldhabi" panose="020B0604020202020204" pitchFamily="2" charset="-78"/>
-            </a:endParaRPr>
-          </a:p>
-        </p:txBody>
-      </p:sp>
-    </p:spTree>
-    <p:extLst>
-      <p:ext uri="{BB962C8B-B14F-4D97-AF65-F5344CB8AC3E}">
-        <p14:creationId xmlns:p14="http://schemas.microsoft.com/office/powerpoint/2010/main" val="1332735626"/>
-      </p:ext>
-    </p:extLst>
-  </p:cSld>
-  <p:clrMapOvr>
-    <a:overrideClrMapping bg1="dk1" tx1="lt1" bg2="dk2" tx2="lt2" accent1="accent1" accent2="accent2" accent3="accent3" accent4="accent4" accent5="accent5" accent6="accent6" hlink="hlink" folHlink="folHlink"/>
-  </p:clrMapOvr>
-</p:sld>
-</file>
-
-<file path=ppt/slides/slide4.xml><?xml version="1.0" encoding="utf-8"?>
-<p:sld xmlns:a="http://schemas.openxmlformats.org/drawingml/2006/main" xmlns:r="http://schemas.openxmlformats.org/officeDocument/2006/relationships" xmlns:p="http://schemas.openxmlformats.org/presentationml/2006/main">
-  <p:cSld>
-    <p:spTree>
-      <p:nvGrpSpPr>
-        <p:cNvPr id="1" name=""/>
-        <p:cNvGrpSpPr/>
-        <p:nvPr/>
-      </p:nvGrpSpPr>
-      <p:grpSpPr>
-        <a:xfrm>
-          <a:off x="0" y="0"/>
-          <a:ext cx="0" cy="0"/>
-          <a:chOff x="0" y="0"/>
-          <a:chExt cx="0" cy="0"/>
-        </a:xfrm>
-      </p:grpSpPr>
-      <p:sp>
-        <p:nvSpPr>
-          <p:cNvPr id="3" name="Subtitle 2">
-            <a:extLst>
-              <a:ext uri="{FF2B5EF4-FFF2-40B4-BE49-F238E27FC236}">
-                <a16:creationId xmlns:a16="http://schemas.microsoft.com/office/drawing/2014/main" id="{C63068C7-FF93-4F55-8D49-8E391F78232D}"/>
-              </a:ext>
-            </a:extLst>
-          </p:cNvPr>
-          <p:cNvSpPr>
-            <a:spLocks noGrp="1"/>
-          </p:cNvSpPr>
-          <p:nvPr>
-            <p:ph type="subTitle" idx="1"/>
-          </p:nvPr>
-        </p:nvSpPr>
-        <p:spPr>
-          <a:xfrm>
-            <a:off x="5572217" y="559293"/>
-            <a:ext cx="6314983" cy="5868139"/>
-          </a:xfrm>
-        </p:spPr>
-        <p:txBody>
-          <a:bodyPr>
-            <a:normAutofit/>
-          </a:bodyPr>
-          <a:lstStyle/>
-          <a:p>
-            <a:pPr algn="l"/>
-            <a:r>
-              <a:rPr lang="en-US" altLang="ko-KR" sz="3000" dirty="0">
-                <a:solidFill>
-                  <a:srgbClr val="0070C0"/>
-                </a:solidFill>
-                <a:latin typeface="Arial Nova Light" panose="020B0304020202020204" pitchFamily="34" charset="0"/>
-                <a:cs typeface="Aldhabi" panose="020B0604020202020204" pitchFamily="2" charset="-78"/>
-              </a:rPr>
-              <a:t>Data</a:t>
-            </a:r>
-          </a:p>
-          <a:p>
-            <a:pPr algn="l"/>
-            <a:endParaRPr lang="en-US" altLang="ko-KR" sz="3000" dirty="0">
-              <a:solidFill>
-                <a:srgbClr val="0070C0"/>
-              </a:solidFill>
-              <a:latin typeface="Arial Nova Light" panose="020B0304020202020204" pitchFamily="34" charset="0"/>
-              <a:cs typeface="Aldhabi" panose="020B0604020202020204" pitchFamily="2" charset="-78"/>
-            </a:endParaRPr>
-          </a:p>
-          <a:p>
-            <a:pPr marL="342900" indent="-342900" algn="l">
-              <a:buFont typeface="Wingdings" panose="05000000000000000000" pitchFamily="2" charset="2"/>
-              <a:buChar char=""/>
-            </a:pPr>
-            <a:r>
-              <a:rPr lang="en-US" altLang="ko-KR" sz="2000" dirty="0">
-                <a:latin typeface="Arial Nova Light" panose="020B0304020202020204" pitchFamily="34" charset="0"/>
-                <a:cs typeface="Aldhabi" panose="020B0604020202020204" pitchFamily="2" charset="-78"/>
-                <a:sym typeface="Wingdings" panose="05000000000000000000" pitchFamily="2" charset="2"/>
-              </a:rPr>
-              <a:t>Citi Bike Monthly Trip Data</a:t>
-            </a:r>
-          </a:p>
-          <a:p>
-            <a:pPr algn="l"/>
-            <a:r>
-              <a:rPr lang="en-US" altLang="ko-KR" sz="2000" dirty="0">
-                <a:solidFill>
-                  <a:srgbClr val="0070C0"/>
-                </a:solidFill>
-                <a:latin typeface="Arial Nova Light" panose="020B0304020202020204" pitchFamily="34" charset="0"/>
-                <a:cs typeface="Aldhabi" panose="020B0604020202020204" pitchFamily="2" charset="-78"/>
-                <a:sym typeface="Wingdings" panose="05000000000000000000" pitchFamily="2" charset="2"/>
-              </a:rPr>
-              <a:t>     -  </a:t>
-            </a:r>
-            <a:r>
-              <a:rPr lang="en-US" altLang="ko-KR" sz="2000" dirty="0">
-                <a:latin typeface="+mj-lt"/>
-              </a:rPr>
-              <a:t>Trip data including trip duration, Bike ID, </a:t>
-            </a:r>
-          </a:p>
-          <a:p>
-            <a:pPr algn="l"/>
-            <a:r>
-              <a:rPr lang="en-US" altLang="ko-KR" sz="2000" dirty="0">
-                <a:latin typeface="+mj-lt"/>
-              </a:rPr>
-              <a:t>      start and end time, start and end locations, </a:t>
-            </a:r>
-          </a:p>
-          <a:p>
-            <a:pPr algn="l"/>
-            <a:r>
-              <a:rPr lang="en-US" altLang="ko-KR" sz="2000" dirty="0">
-                <a:latin typeface="+mj-lt"/>
-              </a:rPr>
-              <a:t>      user type, gender, age</a:t>
-            </a:r>
-          </a:p>
-          <a:p>
-            <a:pPr algn="l"/>
-            <a:r>
-              <a:rPr lang="en-US" altLang="ko-KR" sz="2000" dirty="0">
-                <a:latin typeface="+mj-lt"/>
-              </a:rPr>
-              <a:t>    - 5% of each month data</a:t>
-            </a:r>
-          </a:p>
-          <a:p>
-            <a:pPr marL="342900" indent="-342900" algn="l">
-              <a:buFont typeface="Wingdings" panose="05000000000000000000" pitchFamily="2" charset="2"/>
-              <a:buChar char=""/>
-            </a:pPr>
-            <a:r>
-              <a:rPr lang="en-US" altLang="ko-KR" sz="2000" dirty="0">
-                <a:latin typeface="+mj-lt"/>
-                <a:sym typeface="Wingdings" panose="05000000000000000000" pitchFamily="2" charset="2"/>
-              </a:rPr>
-              <a:t>Period of Data</a:t>
-            </a:r>
-          </a:p>
-          <a:p>
-            <a:pPr algn="l"/>
-            <a:r>
-              <a:rPr lang="en-US" altLang="ko-KR" sz="2000" dirty="0">
-                <a:latin typeface="+mj-lt"/>
-                <a:sym typeface="Wingdings" panose="05000000000000000000" pitchFamily="2" charset="2"/>
-              </a:rPr>
-              <a:t>    - January 2019 ~ December 2019</a:t>
-            </a:r>
-          </a:p>
-          <a:p>
-            <a:pPr marL="342900" indent="-342900" algn="l">
-              <a:buFont typeface="Wingdings" panose="05000000000000000000" pitchFamily="2" charset="2"/>
-              <a:buChar char=""/>
-            </a:pPr>
-            <a:r>
-              <a:rPr lang="en-US" altLang="ko-KR" sz="2000" dirty="0">
-                <a:latin typeface="+mj-lt"/>
-                <a:sym typeface="Wingdings" panose="05000000000000000000" pitchFamily="2" charset="2"/>
-              </a:rPr>
-              <a:t>Data</a:t>
-            </a:r>
-          </a:p>
-          <a:p>
-            <a:pPr algn="l"/>
-            <a:r>
-              <a:rPr lang="en-US" altLang="ko-KR" sz="2000" dirty="0">
-                <a:latin typeface="+mj-lt"/>
-                <a:sym typeface="Wingdings" panose="05000000000000000000" pitchFamily="2" charset="2"/>
-              </a:rPr>
-              <a:t>     - 1,027,583 data and 15 features</a:t>
-            </a:r>
-          </a:p>
-          <a:p>
-            <a:pPr algn="l"/>
-            <a:endParaRPr lang="en-US" altLang="ko-KR" sz="2000" dirty="0">
-              <a:latin typeface="+mj-lt"/>
-            </a:endParaRPr>
-          </a:p>
-          <a:p>
-            <a:pPr algn="l"/>
-            <a:endParaRPr lang="en-US" altLang="ko-KR" sz="2000" dirty="0">
-              <a:latin typeface="Arial Nova Light" panose="020B0304020202020204" pitchFamily="34" charset="0"/>
-              <a:cs typeface="Aldhabi" panose="020B0604020202020204" pitchFamily="2" charset="-78"/>
-            </a:endParaRPr>
-          </a:p>
-          <a:p>
-            <a:pPr algn="l"/>
-            <a:endParaRPr lang="ko-KR" altLang="en-US" sz="2000" dirty="0">
-              <a:latin typeface="Arial Nova Light" panose="020B0304020202020204" pitchFamily="34" charset="0"/>
-              <a:cs typeface="Aldhabi" panose="020B0604020202020204" pitchFamily="2" charset="-78"/>
-            </a:endParaRPr>
-          </a:p>
-        </p:txBody>
-      </p:sp>
-      <p:pic>
-        <p:nvPicPr>
-          <p:cNvPr id="1026" name="Picture 2">
-            <a:extLst>
-              <a:ext uri="{FF2B5EF4-FFF2-40B4-BE49-F238E27FC236}">
-                <a16:creationId xmlns:a16="http://schemas.microsoft.com/office/drawing/2014/main" id="{8DDE9F19-81C7-4DAD-BFF3-98A852243BDB}"/>
-              </a:ext>
-            </a:extLst>
-          </p:cNvPr>
-          <p:cNvPicPr>
-            <a:picLocks noChangeAspect="1" noChangeArrowheads="1" noCrop="1"/>
-          </p:cNvPicPr>
-          <p:nvPr/>
-        </p:nvPicPr>
-        <p:blipFill>
-          <a:blip r:embed="rId2">
-            <a:extLst>
-              <a:ext uri="{28A0092B-C50C-407E-A947-70E740481C1C}">
-                <a14:useLocalDpi xmlns:a14="http://schemas.microsoft.com/office/drawing/2010/main" val="0"/>
-              </a:ext>
-            </a:extLst>
-          </a:blip>
-          <a:srcRect/>
-          <a:stretch>
-            <a:fillRect/>
-          </a:stretch>
-        </p:blipFill>
-        <p:spPr bwMode="auto">
-          <a:xfrm>
-            <a:off x="0" y="0"/>
-            <a:ext cx="5129785" cy="3403031"/>
-          </a:xfrm>
-          <a:prstGeom prst="rect">
-            <a:avLst/>
-          </a:prstGeom>
-          <a:noFill/>
-          <a:extLst>
-            <a:ext uri="{909E8E84-426E-40DD-AFC4-6F175D3DCCD1}">
-              <a14:hiddenFill xmlns:a14="http://schemas.microsoft.com/office/drawing/2010/main">
-                <a:solidFill>
-                  <a:srgbClr val="FFFFFF"/>
-                </a:solidFill>
-              </a14:hiddenFill>
-            </a:ext>
-          </a:extLst>
-        </p:spPr>
-      </p:pic>
-      <p:pic>
-        <p:nvPicPr>
-          <p:cNvPr id="1028" name="Picture 4">
-            <a:extLst>
-              <a:ext uri="{FF2B5EF4-FFF2-40B4-BE49-F238E27FC236}">
-                <a16:creationId xmlns:a16="http://schemas.microsoft.com/office/drawing/2014/main" id="{213B05CB-2AA5-46A2-ABAF-6235DCF51190}"/>
-              </a:ext>
-            </a:extLst>
-          </p:cNvPr>
-          <p:cNvPicPr>
-            <a:picLocks noChangeAspect="1" noChangeArrowheads="1"/>
-          </p:cNvPicPr>
-          <p:nvPr/>
-        </p:nvPicPr>
-        <p:blipFill>
-          <a:blip r:embed="rId3">
-            <a:extLst>
-              <a:ext uri="{28A0092B-C50C-407E-A947-70E740481C1C}">
-                <a14:useLocalDpi xmlns:a14="http://schemas.microsoft.com/office/drawing/2010/main" val="0"/>
-              </a:ext>
-            </a:extLst>
-          </a:blip>
-          <a:srcRect/>
-          <a:stretch>
-            <a:fillRect/>
-          </a:stretch>
-        </p:blipFill>
-        <p:spPr bwMode="auto">
-          <a:xfrm>
-            <a:off x="0" y="3406904"/>
-            <a:ext cx="5129784" cy="3451289"/>
-          </a:xfrm>
-          <a:prstGeom prst="rect">
-            <a:avLst/>
-          </a:prstGeom>
-          <a:noFill/>
-          <a:extLst>
-            <a:ext uri="{909E8E84-426E-40DD-AFC4-6F175D3DCCD1}">
-              <a14:hiddenFill xmlns:a14="http://schemas.microsoft.com/office/drawing/2010/main">
-                <a:solidFill>
-                  <a:srgbClr val="FFFFFF"/>
-                </a:solidFill>
-              </a14:hiddenFill>
-            </a:ext>
-          </a:extLst>
-        </p:spPr>
-      </p:pic>
-    </p:spTree>
-    <p:extLst>
-      <p:ext uri="{BB962C8B-B14F-4D97-AF65-F5344CB8AC3E}">
-        <p14:creationId xmlns:p14="http://schemas.microsoft.com/office/powerpoint/2010/main" val="1537800296"/>
-      </p:ext>
-    </p:extLst>
-  </p:cSld>
-  <p:clrMapOvr>
-    <a:masterClrMapping/>
-  </p:clrMapOvr>
-</p:sld>
-</file>
-
-<file path=ppt/slides/slide5.xml><?xml version="1.0" encoding="utf-8"?>
-<p:sld xmlns:a="http://schemas.openxmlformats.org/drawingml/2006/main" xmlns:r="http://schemas.openxmlformats.org/officeDocument/2006/relationships" xmlns:p="http://schemas.openxmlformats.org/presentationml/2006/main">
-  <p:cSld>
-    <p:bg>
-      <p:bgPr>
-        <a:solidFill>
-          <a:schemeClr val="bg1"/>
-        </a:solidFill>
-        <a:effectLst/>
-      </p:bgPr>
-    </p:bg>
-    <p:spTree>
-      <p:nvGrpSpPr>
-        <p:cNvPr id="1" name=""/>
-        <p:cNvGrpSpPr/>
-        <p:nvPr/>
-      </p:nvGrpSpPr>
-      <p:grpSpPr>
-        <a:xfrm>
-          <a:off x="0" y="0"/>
-          <a:ext cx="0" cy="0"/>
-          <a:chOff x="0" y="0"/>
-          <a:chExt cx="0" cy="0"/>
-        </a:xfrm>
-      </p:grpSpPr>
-      <p:sp>
-        <p:nvSpPr>
-          <p:cNvPr id="9" name="Rectangle 8">
-            <a:extLst>
-              <a:ext uri="{FF2B5EF4-FFF2-40B4-BE49-F238E27FC236}">
-                <a16:creationId xmlns:a16="http://schemas.microsoft.com/office/drawing/2014/main" id="{0DE6A193-4755-479A-BC6F-A7EBCA73BE1A}"/>
-              </a:ext>
-              <a:ext uri="{C183D7F6-B498-43B3-948B-1728B52AA6E4}">
-                <adec:decorative xmlns:adec="http://schemas.microsoft.com/office/drawing/2017/decorative" val="1"/>
-              </a:ext>
-            </a:extLst>
-          </p:cNvPr>
-          <p:cNvSpPr>
-            <a:spLocks noGrp="1" noRot="1" noChangeAspect="1" noMove="1" noResize="1" noEditPoints="1" noAdjustHandles="1" noChangeArrowheads="1" noChangeShapeType="1" noTextEdit="1"/>
-          </p:cNvSpPr>
-          <p:nvPr>
-            <p:extLst>
-              <p:ext uri="{386F3935-93C4-4BCD-93E2-E3B085C9AB24}">
-                <p16:designElem xmlns:p16="http://schemas.microsoft.com/office/powerpoint/2015/main" val="1"/>
-              </p:ext>
-            </p:extLst>
-          </p:nvPr>
-        </p:nvSpPr>
-        <p:spPr>
-          <a:xfrm>
-            <a:off x="0" y="0"/>
-            <a:ext cx="12192001" cy="6858000"/>
-          </a:xfrm>
-          <a:prstGeom prst="rect">
-            <a:avLst/>
-          </a:prstGeom>
-          <a:solidFill>
-            <a:schemeClr val="tx1"/>
-          </a:solidFill>
-          <a:ln>
-            <a:noFill/>
-          </a:ln>
-        </p:spPr>
-        <p:style>
-          <a:lnRef idx="2">
-            <a:schemeClr val="accent1">
-              <a:shade val="50000"/>
-            </a:schemeClr>
-          </a:lnRef>
-          <a:fillRef idx="1">
-            <a:schemeClr val="accent1"/>
-          </a:fillRef>
-          <a:effectRef idx="0">
-            <a:schemeClr val="accent1"/>
-          </a:effectRef>
-          <a:fontRef idx="minor">
-            <a:schemeClr val="lt1"/>
-          </a:fontRef>
-        </p:style>
-        <p:txBody>
-          <a:bodyPr rtlCol="0" anchor="ctr"/>
-          <a:lstStyle/>
-          <a:p>
-            <a:pPr algn="ctr"/>
-            <a:endParaRPr lang="en-US"/>
-          </a:p>
-        </p:txBody>
-      </p:sp>
-      <p:sp>
-        <p:nvSpPr>
-          <p:cNvPr id="11" name="Freeform: Shape 10">
-            <a:extLst>
-              <a:ext uri="{FF2B5EF4-FFF2-40B4-BE49-F238E27FC236}">
-                <a16:creationId xmlns:a16="http://schemas.microsoft.com/office/drawing/2014/main" id="{5A55B759-31A7-423C-9BC2-A8BC09FE98B9}"/>
-              </a:ext>
-              <a:ext uri="{C183D7F6-B498-43B3-948B-1728B52AA6E4}">
-                <adec:decorative xmlns:adec="http://schemas.microsoft.com/office/drawing/2017/decorative" val="1"/>
-              </a:ext>
-            </a:extLst>
-          </p:cNvPr>
-          <p:cNvSpPr>
-            <a:spLocks noGrp="1" noRot="1" noChangeAspect="1" noMove="1" noResize="1" noEditPoints="1" noAdjustHandles="1" noChangeArrowheads="1" noChangeShapeType="1" noTextEdit="1"/>
-          </p:cNvSpPr>
-          <p:nvPr>
-            <p:extLst>
-              <p:ext uri="{386F3935-93C4-4BCD-93E2-E3B085C9AB24}">
-                <p16:designElem xmlns:p16="http://schemas.microsoft.com/office/powerpoint/2015/main" val="1"/>
-              </p:ext>
-            </p:extLst>
-          </p:nvPr>
-        </p:nvSpPr>
-        <p:spPr>
-          <a:xfrm flipV="1">
-            <a:off x="0" y="-478"/>
-            <a:ext cx="6754318" cy="6858478"/>
-          </a:xfrm>
-          <a:custGeom>
-            <a:avLst/>
-            <a:gdLst>
-              <a:gd name="connsiteX0" fmla="*/ 0 w 6754318"/>
-              <a:gd name="connsiteY0" fmla="*/ 6858478 h 6858478"/>
-              <a:gd name="connsiteX1" fmla="*/ 6754318 w 6754318"/>
-              <a:gd name="connsiteY1" fmla="*/ 6858478 h 6858478"/>
-              <a:gd name="connsiteX2" fmla="*/ 3577943 w 6754318"/>
-              <a:gd name="connsiteY2" fmla="*/ 0 h 6858478"/>
-              <a:gd name="connsiteX3" fmla="*/ 3572366 w 6754318"/>
-              <a:gd name="connsiteY3" fmla="*/ 0 h 6858478"/>
-              <a:gd name="connsiteX4" fmla="*/ 2506138 w 6754318"/>
-              <a:gd name="connsiteY4" fmla="*/ 0 h 6858478"/>
-              <a:gd name="connsiteX5" fmla="*/ 0 w 6754318"/>
-              <a:gd name="connsiteY5" fmla="*/ 0 h 6858478"/>
-            </a:gdLst>
-            <a:ahLst/>
-            <a:cxnLst>
-              <a:cxn ang="0">
-                <a:pos x="connsiteX0" y="connsiteY0"/>
-              </a:cxn>
-              <a:cxn ang="0">
-                <a:pos x="connsiteX1" y="connsiteY1"/>
-              </a:cxn>
-              <a:cxn ang="0">
-                <a:pos x="connsiteX2" y="connsiteY2"/>
-              </a:cxn>
-              <a:cxn ang="0">
-                <a:pos x="connsiteX3" y="connsiteY3"/>
-              </a:cxn>
-              <a:cxn ang="0">
-                <a:pos x="connsiteX4" y="connsiteY4"/>
-              </a:cxn>
-              <a:cxn ang="0">
-                <a:pos x="connsiteX5" y="connsiteY5"/>
-              </a:cxn>
-            </a:cxnLst>
-            <a:rect l="l" t="t" r="r" b="b"/>
-            <a:pathLst>
-              <a:path w="6754318" h="6858478">
-                <a:moveTo>
-                  <a:pt x="0" y="6858478"/>
-                </a:moveTo>
-                <a:lnTo>
-                  <a:pt x="6754318" y="6858478"/>
-                </a:lnTo>
-                <a:lnTo>
-                  <a:pt x="3577943" y="0"/>
-                </a:lnTo>
-                <a:lnTo>
-                  <a:pt x="3572366" y="0"/>
-                </a:lnTo>
-                <a:lnTo>
-                  <a:pt x="2506138" y="0"/>
-                </a:lnTo>
-                <a:lnTo>
-                  <a:pt x="0" y="0"/>
-                </a:lnTo>
-                <a:close/>
-              </a:path>
-            </a:pathLst>
-          </a:custGeom>
-          <a:solidFill>
-            <a:schemeClr val="bg1">
-              <a:lumMod val="85000"/>
-              <a:lumOff val="15000"/>
-              <a:alpha val="70000"/>
-            </a:schemeClr>
-          </a:solidFill>
-          <a:ln>
-            <a:noFill/>
-          </a:ln>
-        </p:spPr>
-        <p:style>
-          <a:lnRef idx="2">
-            <a:schemeClr val="accent1">
-              <a:shade val="50000"/>
-            </a:schemeClr>
-          </a:lnRef>
-          <a:fillRef idx="1">
-            <a:schemeClr val="accent1"/>
-          </a:fillRef>
-          <a:effectRef idx="0">
-            <a:schemeClr val="accent1"/>
-          </a:effectRef>
-          <a:fontRef idx="minor">
-            <a:schemeClr val="lt1"/>
-          </a:fontRef>
-        </p:style>
-        <p:txBody>
-          <a:bodyPr wrap="square" rtlCol="0" anchor="ctr">
-            <a:noAutofit/>
-          </a:bodyPr>
-          <a:lstStyle/>
-          <a:p>
-            <a:pPr marL="0" marR="0" lvl="0" indent="0" algn="ctr" defTabSz="914400" rtl="0" eaLnBrk="1" fontAlgn="auto" latinLnBrk="0" hangingPunct="1">
-              <a:lnSpc>
-                <a:spcPct val="100000"/>
-              </a:lnSpc>
-              <a:spcBef>
-                <a:spcPts val="0"/>
-              </a:spcBef>
-              <a:spcAft>
-                <a:spcPts val="0"/>
-              </a:spcAft>
-              <a:buClrTx/>
-              <a:buSzTx/>
-              <a:buFontTx/>
-              <a:buNone/>
-              <a:tabLst/>
-              <a:defRPr/>
-            </a:pPr>
-            <a:endParaRPr kumimoji="0" lang="en-US" sz="1800" b="0" i="0" u="none" strike="noStrike" kern="1200" cap="none" spc="0" normalizeH="0" baseline="0" noProof="0">
-              <a:ln>
-                <a:noFill/>
-              </a:ln>
-              <a:solidFill>
-                <a:prstClr val="white"/>
-              </a:solidFill>
-              <a:effectLst/>
-              <a:uLnTx/>
-              <a:uFillTx/>
-              <a:latin typeface="Calibri" panose="020F0502020204030204"/>
-              <a:ea typeface="+mn-ea"/>
-              <a:cs typeface="+mn-cs"/>
-            </a:endParaRPr>
-          </a:p>
-        </p:txBody>
-      </p:sp>
-      <p:sp>
-        <p:nvSpPr>
-          <p:cNvPr id="13" name="Freeform: Shape 12">
-            <a:extLst>
-              <a:ext uri="{FF2B5EF4-FFF2-40B4-BE49-F238E27FC236}">
-                <a16:creationId xmlns:a16="http://schemas.microsoft.com/office/drawing/2014/main" id="{F78796AF-79A0-47AC-BEFD-BFFC00F968C4}"/>
-              </a:ext>
-              <a:ext uri="{C183D7F6-B498-43B3-948B-1728B52AA6E4}">
-                <adec:decorative xmlns:adec="http://schemas.microsoft.com/office/drawing/2017/decorative" val="1"/>
-              </a:ext>
-            </a:extLst>
-          </p:cNvPr>
-          <p:cNvSpPr>
-            <a:spLocks noGrp="1" noRot="1" noChangeAspect="1" noMove="1" noResize="1" noEditPoints="1" noAdjustHandles="1" noChangeArrowheads="1" noChangeShapeType="1" noTextEdit="1"/>
-          </p:cNvSpPr>
-          <p:nvPr>
-            <p:extLst>
-              <p:ext uri="{386F3935-93C4-4BCD-93E2-E3B085C9AB24}">
-                <p16:designElem xmlns:p16="http://schemas.microsoft.com/office/powerpoint/2015/main" val="1"/>
-              </p:ext>
-            </p:extLst>
-          </p:nvPr>
-        </p:nvSpPr>
-        <p:spPr>
-          <a:xfrm flipV="1">
-            <a:off x="1" y="-478"/>
-            <a:ext cx="5953780" cy="6858478"/>
-          </a:xfrm>
-          <a:custGeom>
-            <a:avLst/>
-            <a:gdLst>
-              <a:gd name="connsiteX0" fmla="*/ 0 w 5953780"/>
-              <a:gd name="connsiteY0" fmla="*/ 6858478 h 6858478"/>
-              <a:gd name="connsiteX1" fmla="*/ 5953780 w 5953780"/>
-              <a:gd name="connsiteY1" fmla="*/ 6858478 h 6858478"/>
-              <a:gd name="connsiteX2" fmla="*/ 2777405 w 5953780"/>
-              <a:gd name="connsiteY2" fmla="*/ 0 h 6858478"/>
-              <a:gd name="connsiteX3" fmla="*/ 2771828 w 5953780"/>
-              <a:gd name="connsiteY3" fmla="*/ 0 h 6858478"/>
-              <a:gd name="connsiteX4" fmla="*/ 1705600 w 5953780"/>
-              <a:gd name="connsiteY4" fmla="*/ 0 h 6858478"/>
-              <a:gd name="connsiteX5" fmla="*/ 0 w 5953780"/>
-              <a:gd name="connsiteY5" fmla="*/ 0 h 6858478"/>
-            </a:gdLst>
-            <a:ahLst/>
-            <a:cxnLst>
-              <a:cxn ang="0">
-                <a:pos x="connsiteX0" y="connsiteY0"/>
-              </a:cxn>
-              <a:cxn ang="0">
-                <a:pos x="connsiteX1" y="connsiteY1"/>
-              </a:cxn>
-              <a:cxn ang="0">
-                <a:pos x="connsiteX2" y="connsiteY2"/>
-              </a:cxn>
-              <a:cxn ang="0">
-                <a:pos x="connsiteX3" y="connsiteY3"/>
-              </a:cxn>
-              <a:cxn ang="0">
-                <a:pos x="connsiteX4" y="connsiteY4"/>
-              </a:cxn>
-              <a:cxn ang="0">
-                <a:pos x="connsiteX5" y="connsiteY5"/>
-              </a:cxn>
-            </a:cxnLst>
-            <a:rect l="l" t="t" r="r" b="b"/>
-            <a:pathLst>
-              <a:path w="5953780" h="6858478">
-                <a:moveTo>
-                  <a:pt x="0" y="6858478"/>
-                </a:moveTo>
-                <a:lnTo>
-                  <a:pt x="5953780" y="6858478"/>
-                </a:lnTo>
-                <a:lnTo>
-                  <a:pt x="2777405" y="0"/>
-                </a:lnTo>
-                <a:lnTo>
-                  <a:pt x="2771828" y="0"/>
-                </a:lnTo>
-                <a:lnTo>
-                  <a:pt x="1705600" y="0"/>
-                </a:lnTo>
-                <a:lnTo>
-                  <a:pt x="0" y="0"/>
-                </a:lnTo>
-                <a:close/>
-              </a:path>
-            </a:pathLst>
-          </a:custGeom>
-          <a:solidFill>
-            <a:schemeClr val="bg1">
-              <a:lumMod val="85000"/>
-              <a:lumOff val="15000"/>
-            </a:schemeClr>
-          </a:solidFill>
-          <a:ln>
-            <a:noFill/>
-          </a:ln>
-        </p:spPr>
-        <p:style>
-          <a:lnRef idx="2">
-            <a:schemeClr val="accent1">
-              <a:shade val="50000"/>
-            </a:schemeClr>
-          </a:lnRef>
-          <a:fillRef idx="1">
-            <a:schemeClr val="accent1"/>
-          </a:fillRef>
-          <a:effectRef idx="0">
-            <a:schemeClr val="accent1"/>
-          </a:effectRef>
-          <a:fontRef idx="minor">
-            <a:schemeClr val="lt1"/>
-          </a:fontRef>
-        </p:style>
-        <p:txBody>
-          <a:bodyPr wrap="square" rtlCol="0" anchor="ctr">
-            <a:noAutofit/>
-          </a:bodyPr>
-          <a:lstStyle/>
-          <a:p>
-            <a:pPr marL="0" marR="0" lvl="0" indent="0" algn="ctr" defTabSz="914400" rtl="0" eaLnBrk="1" fontAlgn="auto" latinLnBrk="0" hangingPunct="1">
-              <a:lnSpc>
-                <a:spcPct val="100000"/>
-              </a:lnSpc>
-              <a:spcBef>
-                <a:spcPts val="0"/>
-              </a:spcBef>
-              <a:spcAft>
-                <a:spcPts val="0"/>
-              </a:spcAft>
-              <a:buClrTx/>
-              <a:buSzTx/>
-              <a:buFontTx/>
-              <a:buNone/>
-              <a:tabLst/>
-              <a:defRPr/>
-            </a:pPr>
-            <a:endParaRPr kumimoji="0" lang="en-US" sz="1800" b="0" i="0" u="none" strike="noStrike" kern="1200" cap="none" spc="0" normalizeH="0" baseline="0" noProof="0">
-              <a:ln>
-                <a:noFill/>
-              </a:ln>
-              <a:solidFill>
-                <a:prstClr val="white"/>
-              </a:solidFill>
-              <a:effectLst/>
-              <a:uLnTx/>
-              <a:uFillTx/>
-              <a:latin typeface="Calibri" panose="020F0502020204030204"/>
-              <a:ea typeface="+mn-ea"/>
-              <a:cs typeface="+mn-cs"/>
-            </a:endParaRPr>
-          </a:p>
-        </p:txBody>
-      </p:sp>
-      <p:sp>
-        <p:nvSpPr>
-          <p:cNvPr id="3" name="Subtitle 2">
-            <a:extLst>
-              <a:ext uri="{FF2B5EF4-FFF2-40B4-BE49-F238E27FC236}">
-                <a16:creationId xmlns:a16="http://schemas.microsoft.com/office/drawing/2014/main" id="{C63068C7-FF93-4F55-8D49-8E391F78232D}"/>
-              </a:ext>
-            </a:extLst>
-          </p:cNvPr>
-          <p:cNvSpPr>
-            <a:spLocks noGrp="1"/>
-          </p:cNvSpPr>
-          <p:nvPr>
-            <p:ph type="subTitle" idx="1"/>
-          </p:nvPr>
-        </p:nvSpPr>
-        <p:spPr>
-          <a:xfrm>
             <a:off x="-198360" y="2882336"/>
             <a:ext cx="4714875" cy="933051"/>
           </a:xfrm>
@@ -13601,6 +10920,251 @@
           </a:prstGeom>
         </p:spPr>
       </p:pic>
+      <p:sp>
+        <p:nvSpPr>
+          <p:cNvPr id="7" name="Subtitle 2">
+            <a:extLst>
+              <a:ext uri="{FF2B5EF4-FFF2-40B4-BE49-F238E27FC236}">
+                <a16:creationId xmlns:a16="http://schemas.microsoft.com/office/drawing/2014/main" id="{E9487EA2-2FA5-4ACC-B043-3B31E545B7A1}"/>
+              </a:ext>
+            </a:extLst>
+          </p:cNvPr>
+          <p:cNvSpPr txBox="1">
+            <a:spLocks/>
+          </p:cNvSpPr>
+          <p:nvPr/>
+        </p:nvSpPr>
+        <p:spPr>
+          <a:xfrm>
+            <a:off x="5000625" y="4321965"/>
+            <a:ext cx="6972300" cy="2230515"/>
+          </a:xfrm>
+          <a:prstGeom prst="rect">
+            <a:avLst/>
+          </a:prstGeom>
+        </p:spPr>
+        <p:txBody>
+          <a:bodyPr vert="horz" lIns="91440" tIns="45720" rIns="91440" bIns="45720" rtlCol="0">
+            <a:normAutofit/>
+          </a:bodyPr>
+          <a:lstStyle>
+            <a:lvl1pPr marL="0" indent="0" algn="ctr" defTabSz="914400" rtl="0" eaLnBrk="1" latinLnBrk="1" hangingPunct="1">
+              <a:lnSpc>
+                <a:spcPct val="90000"/>
+              </a:lnSpc>
+              <a:spcBef>
+                <a:spcPts val="1000"/>
+              </a:spcBef>
+              <a:buFont typeface="Arial" panose="020B0604020202020204" pitchFamily="34" charset="0"/>
+              <a:buNone/>
+              <a:defRPr sz="2400" kern="1200">
+                <a:solidFill>
+                  <a:schemeClr val="tx1"/>
+                </a:solidFill>
+                <a:latin typeface="+mn-lt"/>
+                <a:ea typeface="+mn-ea"/>
+                <a:cs typeface="+mn-cs"/>
+              </a:defRPr>
+            </a:lvl1pPr>
+            <a:lvl2pPr marL="457200" indent="0" algn="ctr" defTabSz="914400" rtl="0" eaLnBrk="1" latinLnBrk="1" hangingPunct="1">
+              <a:lnSpc>
+                <a:spcPct val="90000"/>
+              </a:lnSpc>
+              <a:spcBef>
+                <a:spcPts val="500"/>
+              </a:spcBef>
+              <a:buFont typeface="Arial" panose="020B0604020202020204" pitchFamily="34" charset="0"/>
+              <a:buNone/>
+              <a:defRPr sz="2000" kern="1200">
+                <a:solidFill>
+                  <a:schemeClr val="tx1"/>
+                </a:solidFill>
+                <a:latin typeface="+mn-lt"/>
+                <a:ea typeface="+mn-ea"/>
+                <a:cs typeface="+mn-cs"/>
+              </a:defRPr>
+            </a:lvl2pPr>
+            <a:lvl3pPr marL="914400" indent="0" algn="ctr" defTabSz="914400" rtl="0" eaLnBrk="1" latinLnBrk="1" hangingPunct="1">
+              <a:lnSpc>
+                <a:spcPct val="90000"/>
+              </a:lnSpc>
+              <a:spcBef>
+                <a:spcPts val="500"/>
+              </a:spcBef>
+              <a:buFont typeface="Arial" panose="020B0604020202020204" pitchFamily="34" charset="0"/>
+              <a:buNone/>
+              <a:defRPr sz="1800" kern="1200">
+                <a:solidFill>
+                  <a:schemeClr val="tx1"/>
+                </a:solidFill>
+                <a:latin typeface="+mn-lt"/>
+                <a:ea typeface="+mn-ea"/>
+                <a:cs typeface="+mn-cs"/>
+              </a:defRPr>
+            </a:lvl3pPr>
+            <a:lvl4pPr marL="1371600" indent="0" algn="ctr" defTabSz="914400" rtl="0" eaLnBrk="1" latinLnBrk="1" hangingPunct="1">
+              <a:lnSpc>
+                <a:spcPct val="90000"/>
+              </a:lnSpc>
+              <a:spcBef>
+                <a:spcPts val="500"/>
+              </a:spcBef>
+              <a:buFont typeface="Arial" panose="020B0604020202020204" pitchFamily="34" charset="0"/>
+              <a:buNone/>
+              <a:defRPr sz="1600" kern="1200">
+                <a:solidFill>
+                  <a:schemeClr val="tx1"/>
+                </a:solidFill>
+                <a:latin typeface="+mn-lt"/>
+                <a:ea typeface="+mn-ea"/>
+                <a:cs typeface="+mn-cs"/>
+              </a:defRPr>
+            </a:lvl4pPr>
+            <a:lvl5pPr marL="1828800" indent="0" algn="ctr" defTabSz="914400" rtl="0" eaLnBrk="1" latinLnBrk="1" hangingPunct="1">
+              <a:lnSpc>
+                <a:spcPct val="90000"/>
+              </a:lnSpc>
+              <a:spcBef>
+                <a:spcPts val="500"/>
+              </a:spcBef>
+              <a:buFont typeface="Arial" panose="020B0604020202020204" pitchFamily="34" charset="0"/>
+              <a:buNone/>
+              <a:defRPr sz="1600" kern="1200">
+                <a:solidFill>
+                  <a:schemeClr val="tx1"/>
+                </a:solidFill>
+                <a:latin typeface="+mn-lt"/>
+                <a:ea typeface="+mn-ea"/>
+                <a:cs typeface="+mn-cs"/>
+              </a:defRPr>
+            </a:lvl5pPr>
+            <a:lvl6pPr marL="2286000" indent="0" algn="ctr" defTabSz="914400" rtl="0" eaLnBrk="1" latinLnBrk="1" hangingPunct="1">
+              <a:lnSpc>
+                <a:spcPct val="90000"/>
+              </a:lnSpc>
+              <a:spcBef>
+                <a:spcPts val="500"/>
+              </a:spcBef>
+              <a:buFont typeface="Arial" panose="020B0604020202020204" pitchFamily="34" charset="0"/>
+              <a:buNone/>
+              <a:defRPr sz="1600" kern="1200">
+                <a:solidFill>
+                  <a:schemeClr val="tx1"/>
+                </a:solidFill>
+                <a:latin typeface="+mn-lt"/>
+                <a:ea typeface="+mn-ea"/>
+                <a:cs typeface="+mn-cs"/>
+              </a:defRPr>
+            </a:lvl6pPr>
+            <a:lvl7pPr marL="2743200" indent="0" algn="ctr" defTabSz="914400" rtl="0" eaLnBrk="1" latinLnBrk="1" hangingPunct="1">
+              <a:lnSpc>
+                <a:spcPct val="90000"/>
+              </a:lnSpc>
+              <a:spcBef>
+                <a:spcPts val="500"/>
+              </a:spcBef>
+              <a:buFont typeface="Arial" panose="020B0604020202020204" pitchFamily="34" charset="0"/>
+              <a:buNone/>
+              <a:defRPr sz="1600" kern="1200">
+                <a:solidFill>
+                  <a:schemeClr val="tx1"/>
+                </a:solidFill>
+                <a:latin typeface="+mn-lt"/>
+                <a:ea typeface="+mn-ea"/>
+                <a:cs typeface="+mn-cs"/>
+              </a:defRPr>
+            </a:lvl7pPr>
+            <a:lvl8pPr marL="3200400" indent="0" algn="ctr" defTabSz="914400" rtl="0" eaLnBrk="1" latinLnBrk="1" hangingPunct="1">
+              <a:lnSpc>
+                <a:spcPct val="90000"/>
+              </a:lnSpc>
+              <a:spcBef>
+                <a:spcPts val="500"/>
+              </a:spcBef>
+              <a:buFont typeface="Arial" panose="020B0604020202020204" pitchFamily="34" charset="0"/>
+              <a:buNone/>
+              <a:defRPr sz="1600" kern="1200">
+                <a:solidFill>
+                  <a:schemeClr val="tx1"/>
+                </a:solidFill>
+                <a:latin typeface="+mn-lt"/>
+                <a:ea typeface="+mn-ea"/>
+                <a:cs typeface="+mn-cs"/>
+              </a:defRPr>
+            </a:lvl8pPr>
+            <a:lvl9pPr marL="3657600" indent="0" algn="ctr" defTabSz="914400" rtl="0" eaLnBrk="1" latinLnBrk="1" hangingPunct="1">
+              <a:lnSpc>
+                <a:spcPct val="90000"/>
+              </a:lnSpc>
+              <a:spcBef>
+                <a:spcPts val="500"/>
+              </a:spcBef>
+              <a:buFont typeface="Arial" panose="020B0604020202020204" pitchFamily="34" charset="0"/>
+              <a:buNone/>
+              <a:defRPr sz="1600" kern="1200">
+                <a:solidFill>
+                  <a:schemeClr val="tx1"/>
+                </a:solidFill>
+                <a:latin typeface="+mn-lt"/>
+                <a:ea typeface="+mn-ea"/>
+                <a:cs typeface="+mn-cs"/>
+              </a:defRPr>
+            </a:lvl9pPr>
+          </a:lstStyle>
+          <a:p>
+            <a:pPr algn="l"/>
+            <a:endParaRPr lang="ko-KR" altLang="en-US" sz="2000" dirty="0">
+              <a:solidFill>
+                <a:srgbClr val="FFFFFF"/>
+              </a:solidFill>
+              <a:latin typeface="Arial Nova Light" panose="020B0304020202020204" pitchFamily="34" charset="0"/>
+              <a:cs typeface="Aldhabi" panose="020B0604020202020204" pitchFamily="2" charset="-78"/>
+            </a:endParaRPr>
+          </a:p>
+        </p:txBody>
+      </p:sp>
+      <p:sp>
+        <p:nvSpPr>
+          <p:cNvPr id="9" name="TextBox 8">
+            <a:extLst>
+              <a:ext uri="{FF2B5EF4-FFF2-40B4-BE49-F238E27FC236}">
+                <a16:creationId xmlns:a16="http://schemas.microsoft.com/office/drawing/2014/main" id="{E151851C-B8C1-4171-9723-E3DDDA39A54F}"/>
+              </a:ext>
+            </a:extLst>
+          </p:cNvPr>
+          <p:cNvSpPr txBox="1"/>
+          <p:nvPr/>
+        </p:nvSpPr>
+        <p:spPr>
+          <a:xfrm>
+            <a:off x="5117976" y="4448176"/>
+            <a:ext cx="6724835" cy="707886"/>
+          </a:xfrm>
+          <a:prstGeom prst="rect">
+            <a:avLst/>
+          </a:prstGeom>
+          <a:noFill/>
+        </p:spPr>
+        <p:txBody>
+          <a:bodyPr wrap="square">
+            <a:spAutoFit/>
+          </a:bodyPr>
+          <a:lstStyle/>
+          <a:p>
+            <a:r>
+              <a:rPr lang="en-US" altLang="ko-KR" sz="2000" b="1" dirty="0"/>
+              <a:t>Customer is almost the same, but in Subscribers, </a:t>
+            </a:r>
+          </a:p>
+          <a:p>
+            <a:r>
+              <a:rPr lang="en-US" altLang="ko-KR" sz="2000" b="1" dirty="0"/>
+              <a:t>Male is about three times more than Female.</a:t>
+            </a:r>
+            <a:endParaRPr lang="ko-KR" altLang="en-US" sz="2000" b="1" dirty="0"/>
+          </a:p>
+        </p:txBody>
+      </p:sp>
     </p:spTree>
     <p:extLst>
       <p:ext uri="{BB962C8B-B14F-4D97-AF65-F5344CB8AC3E}">
@@ -14318,6 +11882,42 @@
           </a:prstGeom>
         </p:spPr>
       </p:pic>
+      <p:sp>
+        <p:nvSpPr>
+          <p:cNvPr id="8" name="TextBox 7">
+            <a:extLst>
+              <a:ext uri="{FF2B5EF4-FFF2-40B4-BE49-F238E27FC236}">
+                <a16:creationId xmlns:a16="http://schemas.microsoft.com/office/drawing/2014/main" id="{7D34CFE6-6E3A-4F7D-89E7-B5BE12537EB6}"/>
+              </a:ext>
+            </a:extLst>
+          </p:cNvPr>
+          <p:cNvSpPr txBox="1"/>
+          <p:nvPr/>
+        </p:nvSpPr>
+        <p:spPr>
+          <a:xfrm>
+            <a:off x="5302187" y="4407736"/>
+            <a:ext cx="6886383" cy="1015663"/>
+          </a:xfrm>
+          <a:prstGeom prst="rect">
+            <a:avLst/>
+          </a:prstGeom>
+          <a:noFill/>
+        </p:spPr>
+        <p:txBody>
+          <a:bodyPr wrap="square">
+            <a:spAutoFit/>
+          </a:bodyPr>
+          <a:lstStyle/>
+          <a:p>
+            <a:r>
+              <a:rPr lang="en-US" altLang="ko-KR" sz="2000" b="1" dirty="0"/>
+              <a:t>Male Subscribers account for 60% of the total, overwhelmingly. We'll have to target Male Subscribers and create a business plan.</a:t>
+            </a:r>
+            <a:endParaRPr lang="ko-KR" altLang="en-US" sz="2000" b="1" dirty="0"/>
+          </a:p>
+        </p:txBody>
+      </p:sp>
     </p:spTree>
     <p:extLst>
       <p:ext uri="{BB962C8B-B14F-4D97-AF65-F5344CB8AC3E}">

--- a/Citi Bike.pptx
+++ b/Citi Bike.pptx
@@ -22,13 +22,11 @@
     <p:sldId id="282" r:id="rId16"/>
     <p:sldId id="288" r:id="rId17"/>
     <p:sldId id="284" r:id="rId18"/>
-    <p:sldId id="285" r:id="rId19"/>
+    <p:sldId id="283" r:id="rId19"/>
     <p:sldId id="286" r:id="rId20"/>
-    <p:sldId id="283" r:id="rId21"/>
-    <p:sldId id="269" r:id="rId22"/>
-    <p:sldId id="270" r:id="rId23"/>
-    <p:sldId id="271" r:id="rId24"/>
-    <p:sldId id="274" r:id="rId25"/>
+    <p:sldId id="292" r:id="rId21"/>
+    <p:sldId id="291" r:id="rId22"/>
+    <p:sldId id="274" r:id="rId23"/>
   </p:sldIdLst>
   <p:sldSz cx="12192000" cy="6858000"/>
   <p:notesSz cx="6858000" cy="9144000"/>
@@ -284,7 +282,7 @@
           <a:p>
             <a:fld id="{94B95F32-165F-409D-9DFB-67458F6B5B60}" type="datetimeFigureOut">
               <a:rPr lang="ko-KR" altLang="en-US" smtClean="0"/>
-              <a:t>2020-12-28</a:t>
+              <a:t>2020-12-29</a:t>
             </a:fld>
             <a:endParaRPr lang="ko-KR" altLang="en-US"/>
           </a:p>
@@ -484,7 +482,7 @@
           <a:p>
             <a:fld id="{94B95F32-165F-409D-9DFB-67458F6B5B60}" type="datetimeFigureOut">
               <a:rPr lang="ko-KR" altLang="en-US" smtClean="0"/>
-              <a:t>2020-12-28</a:t>
+              <a:t>2020-12-29</a:t>
             </a:fld>
             <a:endParaRPr lang="ko-KR" altLang="en-US"/>
           </a:p>
@@ -694,7 +692,7 @@
           <a:p>
             <a:fld id="{94B95F32-165F-409D-9DFB-67458F6B5B60}" type="datetimeFigureOut">
               <a:rPr lang="ko-KR" altLang="en-US" smtClean="0"/>
-              <a:t>2020-12-28</a:t>
+              <a:t>2020-12-29</a:t>
             </a:fld>
             <a:endParaRPr lang="ko-KR" altLang="en-US"/>
           </a:p>
@@ -894,7 +892,7 @@
           <a:p>
             <a:fld id="{94B95F32-165F-409D-9DFB-67458F6B5B60}" type="datetimeFigureOut">
               <a:rPr lang="ko-KR" altLang="en-US" smtClean="0"/>
-              <a:t>2020-12-28</a:t>
+              <a:t>2020-12-29</a:t>
             </a:fld>
             <a:endParaRPr lang="ko-KR" altLang="en-US"/>
           </a:p>
@@ -1170,7 +1168,7 @@
           <a:p>
             <a:fld id="{94B95F32-165F-409D-9DFB-67458F6B5B60}" type="datetimeFigureOut">
               <a:rPr lang="ko-KR" altLang="en-US" smtClean="0"/>
-              <a:t>2020-12-28</a:t>
+              <a:t>2020-12-29</a:t>
             </a:fld>
             <a:endParaRPr lang="ko-KR" altLang="en-US"/>
           </a:p>
@@ -1438,7 +1436,7 @@
           <a:p>
             <a:fld id="{94B95F32-165F-409D-9DFB-67458F6B5B60}" type="datetimeFigureOut">
               <a:rPr lang="ko-KR" altLang="en-US" smtClean="0"/>
-              <a:t>2020-12-28</a:t>
+              <a:t>2020-12-29</a:t>
             </a:fld>
             <a:endParaRPr lang="ko-KR" altLang="en-US"/>
           </a:p>
@@ -1853,7 +1851,7 @@
           <a:p>
             <a:fld id="{94B95F32-165F-409D-9DFB-67458F6B5B60}" type="datetimeFigureOut">
               <a:rPr lang="ko-KR" altLang="en-US" smtClean="0"/>
-              <a:t>2020-12-28</a:t>
+              <a:t>2020-12-29</a:t>
             </a:fld>
             <a:endParaRPr lang="ko-KR" altLang="en-US"/>
           </a:p>
@@ -1995,7 +1993,7 @@
           <a:p>
             <a:fld id="{94B95F32-165F-409D-9DFB-67458F6B5B60}" type="datetimeFigureOut">
               <a:rPr lang="ko-KR" altLang="en-US" smtClean="0"/>
-              <a:t>2020-12-28</a:t>
+              <a:t>2020-12-29</a:t>
             </a:fld>
             <a:endParaRPr lang="ko-KR" altLang="en-US"/>
           </a:p>
@@ -2108,7 +2106,7 @@
           <a:p>
             <a:fld id="{94B95F32-165F-409D-9DFB-67458F6B5B60}" type="datetimeFigureOut">
               <a:rPr lang="ko-KR" altLang="en-US" smtClean="0"/>
-              <a:t>2020-12-28</a:t>
+              <a:t>2020-12-29</a:t>
             </a:fld>
             <a:endParaRPr lang="ko-KR" altLang="en-US"/>
           </a:p>
@@ -2421,7 +2419,7 @@
           <a:p>
             <a:fld id="{94B95F32-165F-409D-9DFB-67458F6B5B60}" type="datetimeFigureOut">
               <a:rPr lang="ko-KR" altLang="en-US" smtClean="0"/>
-              <a:t>2020-12-28</a:t>
+              <a:t>2020-12-29</a:t>
             </a:fld>
             <a:endParaRPr lang="ko-KR" altLang="en-US"/>
           </a:p>
@@ -2710,7 +2708,7 @@
           <a:p>
             <a:fld id="{94B95F32-165F-409D-9DFB-67458F6B5B60}" type="datetimeFigureOut">
               <a:rPr lang="ko-KR" altLang="en-US" smtClean="0"/>
-              <a:t>2020-12-28</a:t>
+              <a:t>2020-12-29</a:t>
             </a:fld>
             <a:endParaRPr lang="ko-KR" altLang="en-US"/>
           </a:p>
@@ -2953,7 +2951,7 @@
           <a:p>
             <a:fld id="{94B95F32-165F-409D-9DFB-67458F6B5B60}" type="datetimeFigureOut">
               <a:rPr lang="ko-KR" altLang="en-US" smtClean="0"/>
-              <a:t>2020-12-28</a:t>
+              <a:t>2020-12-29</a:t>
             </a:fld>
             <a:endParaRPr lang="ko-KR" altLang="en-US"/>
           </a:p>
@@ -4975,10 +4973,10 @@
       </p:sp>
       <p:pic>
         <p:nvPicPr>
-          <p:cNvPr id="4" name="Picture 3">
-            <a:extLst>
-              <a:ext uri="{FF2B5EF4-FFF2-40B4-BE49-F238E27FC236}">
-                <a16:creationId xmlns:a16="http://schemas.microsoft.com/office/drawing/2014/main" id="{B9177FF9-822B-4E42-A057-4F1D5BCDA2B7}"/>
+          <p:cNvPr id="5" name="Picture 4">
+            <a:extLst>
+              <a:ext uri="{FF2B5EF4-FFF2-40B4-BE49-F238E27FC236}">
+                <a16:creationId xmlns:a16="http://schemas.microsoft.com/office/drawing/2014/main" id="{C64D7708-B859-4B9A-9007-1A24C1961074}"/>
               </a:ext>
             </a:extLst>
           </p:cNvPr>
@@ -4987,20 +4985,20 @@
           </p:cNvPicPr>
           <p:nvPr/>
         </p:nvPicPr>
-        <p:blipFill rotWithShape="1">
+        <p:blipFill>
           <a:blip r:embed="rId2"/>
-          <a:srcRect r="1" b="16551"/>
-          <a:stretch/>
+          <a:stretch>
+            <a:fillRect/>
+          </a:stretch>
         </p:blipFill>
         <p:spPr>
           <a:xfrm>
-            <a:off x="2170029" y="804672"/>
-            <a:ext cx="7851943" cy="3554676"/>
+            <a:off x="-2" y="-1"/>
+            <a:ext cx="12218321" cy="6791325"/>
           </a:xfrm>
           <a:prstGeom prst="rect">
             <a:avLst/>
           </a:prstGeom>
-          <a:effectLst/>
         </p:spPr>
       </p:pic>
     </p:spTree>
@@ -5243,8 +5241,8 @@
         </p:blipFill>
         <p:spPr>
           <a:xfrm>
-            <a:off x="2004562" y="185709"/>
-            <a:ext cx="8252942" cy="4335492"/>
+            <a:off x="-2" y="102"/>
+            <a:ext cx="12192000" cy="6404785"/>
           </a:xfrm>
           <a:prstGeom prst="rect">
             <a:avLst/>
@@ -5515,50 +5513,6 @@
           </a:prstGeom>
         </p:spPr>
       </p:pic>
-      <p:sp>
-        <p:nvSpPr>
-          <p:cNvPr id="7" name="TextBox 6">
-            <a:extLst>
-              <a:ext uri="{FF2B5EF4-FFF2-40B4-BE49-F238E27FC236}">
-                <a16:creationId xmlns:a16="http://schemas.microsoft.com/office/drawing/2014/main" id="{DFCF509B-5B08-46A6-B6EC-570BC9C8583C}"/>
-              </a:ext>
-            </a:extLst>
-          </p:cNvPr>
-          <p:cNvSpPr txBox="1"/>
-          <p:nvPr/>
-        </p:nvSpPr>
-        <p:spPr>
-          <a:xfrm>
-            <a:off x="4257675" y="5264106"/>
-            <a:ext cx="7286243" cy="923330"/>
-          </a:xfrm>
-          <a:prstGeom prst="rect">
-            <a:avLst/>
-          </a:prstGeom>
-          <a:noFill/>
-        </p:spPr>
-        <p:txBody>
-          <a:bodyPr wrap="square" rtlCol="0">
-            <a:spAutoFit/>
-          </a:bodyPr>
-          <a:lstStyle/>
-          <a:p>
-            <a:r>
-              <a:rPr lang="en-US" altLang="ko-KR">
-                <a:solidFill>
-                  <a:schemeClr val="bg1"/>
-                </a:solidFill>
-              </a:rPr>
-              <a:t>Customer is mostly distributed during the day when people are usually active. However, Subscribers are the most frequent during rush hour, 7, 8, 9 AM and 14, 15, 16, and 17 PM.</a:t>
-            </a:r>
-            <a:endParaRPr lang="ko-KR" altLang="en-US" dirty="0">
-              <a:solidFill>
-                <a:schemeClr val="bg1"/>
-              </a:solidFill>
-            </a:endParaRPr>
-          </a:p>
-        </p:txBody>
-      </p:sp>
     </p:spTree>
     <p:extLst>
       <p:ext uri="{BB962C8B-B14F-4D97-AF65-F5344CB8AC3E}">
@@ -5597,54 +5551,6 @@
           <a:chExt cx="0" cy="0"/>
         </a:xfrm>
       </p:grpSpPr>
-      <p:sp>
-        <p:nvSpPr>
-          <p:cNvPr id="3" name="Subtitle 2">
-            <a:extLst>
-              <a:ext uri="{FF2B5EF4-FFF2-40B4-BE49-F238E27FC236}">
-                <a16:creationId xmlns:a16="http://schemas.microsoft.com/office/drawing/2014/main" id="{C63068C7-FF93-4F55-8D49-8E391F78232D}"/>
-              </a:ext>
-            </a:extLst>
-          </p:cNvPr>
-          <p:cNvSpPr>
-            <a:spLocks noGrp="1"/>
-          </p:cNvSpPr>
-          <p:nvPr>
-            <p:ph type="subTitle" idx="1"/>
-          </p:nvPr>
-        </p:nvSpPr>
-        <p:spPr>
-          <a:xfrm>
-            <a:off x="2762250" y="5353049"/>
-            <a:ext cx="7915275" cy="1504949"/>
-          </a:xfrm>
-          <a:noFill/>
-        </p:spPr>
-        <p:txBody>
-          <a:bodyPr>
-            <a:normAutofit/>
-          </a:bodyPr>
-          <a:lstStyle/>
-          <a:p>
-            <a:pPr algn="l"/>
-            <a:r>
-              <a:rPr lang="en-US" altLang="ko-KR" sz="2000" b="1" dirty="0">
-                <a:latin typeface="Helvetica Neue"/>
-              </a:rPr>
-              <a:t>Subscribers in weekday are three time more than weekend. </a:t>
-            </a:r>
-          </a:p>
-          <a:p>
-            <a:pPr algn="l"/>
-            <a:r>
-              <a:rPr lang="en-US" altLang="ko-KR" sz="2000" b="1" dirty="0">
-                <a:latin typeface="Helvetica Neue"/>
-              </a:rPr>
-              <a:t>Customers almost similar weekday and weekend.</a:t>
-            </a:r>
-          </a:p>
-        </p:txBody>
-      </p:sp>
       <p:sp>
         <p:nvSpPr>
           <p:cNvPr id="39" name="Rectangle 38">
@@ -6075,50 +5981,6 @@
           </a:fontRef>
         </p:style>
       </p:cxnSp>
-      <p:sp>
-        <p:nvSpPr>
-          <p:cNvPr id="7" name="TextBox 6">
-            <a:extLst>
-              <a:ext uri="{FF2B5EF4-FFF2-40B4-BE49-F238E27FC236}">
-                <a16:creationId xmlns:a16="http://schemas.microsoft.com/office/drawing/2014/main" id="{830CF99C-2EEC-4F72-B999-DC08C9295E22}"/>
-              </a:ext>
-            </a:extLst>
-          </p:cNvPr>
-          <p:cNvSpPr txBox="1"/>
-          <p:nvPr/>
-        </p:nvSpPr>
-        <p:spPr>
-          <a:xfrm>
-            <a:off x="4255362" y="5060632"/>
-            <a:ext cx="7463159" cy="1200329"/>
-          </a:xfrm>
-          <a:prstGeom prst="rect">
-            <a:avLst/>
-          </a:prstGeom>
-          <a:noFill/>
-        </p:spPr>
-        <p:txBody>
-          <a:bodyPr wrap="square">
-            <a:spAutoFit/>
-          </a:bodyPr>
-          <a:lstStyle/>
-          <a:p>
-            <a:r>
-              <a:rPr lang="en-US" altLang="ko-KR" dirty="0">
-                <a:solidFill>
-                  <a:schemeClr val="bg1"/>
-                </a:solidFill>
-              </a:rPr>
-              <a:t>Subscriber and Customer are the most sharply divided parts. Customer is the weekend, Subscribers are the most distributed during the week. Along with Hour, it can be seen as a feature that best describes the characteristics of the two user types.</a:t>
-            </a:r>
-            <a:endParaRPr lang="ko-KR" altLang="en-US" dirty="0">
-              <a:solidFill>
-                <a:schemeClr val="bg1"/>
-              </a:solidFill>
-            </a:endParaRPr>
-          </a:p>
-        </p:txBody>
-      </p:sp>
     </p:spTree>
     <p:extLst>
       <p:ext uri="{BB962C8B-B14F-4D97-AF65-F5344CB8AC3E}">
@@ -6715,7 +6577,7 @@
           <p:cNvPr id="2" name="TextBox 1">
             <a:extLst>
               <a:ext uri="{FF2B5EF4-FFF2-40B4-BE49-F238E27FC236}">
-                <a16:creationId xmlns:a16="http://schemas.microsoft.com/office/drawing/2014/main" id="{C7CB06D3-460A-47F2-978C-1F515D06354D}"/>
+                <a16:creationId xmlns:a16="http://schemas.microsoft.com/office/drawing/2014/main" id="{5689FEB6-179D-4006-893C-1CC1EFB157C9}"/>
               </a:ext>
             </a:extLst>
           </p:cNvPr>
@@ -6724,8 +6586,8 @@
         </p:nvSpPr>
         <p:spPr>
           <a:xfrm>
-            <a:off x="5175682" y="523783"/>
-            <a:ext cx="6516209" cy="646331"/>
+            <a:off x="5033639" y="168676"/>
+            <a:ext cx="5592932" cy="1477328"/>
           </a:xfrm>
           <a:prstGeom prst="rect">
             <a:avLst/>
@@ -6744,22 +6606,81 @@
             </a:pPr>
             <a:r>
               <a:rPr lang="en-US" altLang="ko-KR" dirty="0"/>
-              <a:t>Logistic Regression</a:t>
-            </a:r>
-          </a:p>
-          <a:p>
+              <a:t>Using Logistic Regression</a:t>
+            </a:r>
+          </a:p>
+          <a:p>
+            <a:pPr marL="285750" indent="-285750">
+              <a:buFont typeface="Arial" panose="020B0604020202020204" pitchFamily="34" charset="0"/>
+              <a:buChar char="•"/>
+            </a:pPr>
             <a:r>
               <a:rPr lang="en-US" altLang="ko-KR" dirty="0"/>
-              <a:t>    - </a:t>
-            </a:r>
-            <a:endParaRPr lang="ko-KR" altLang="en-US" dirty="0"/>
-          </a:p>
-        </p:txBody>
-      </p:sp>
+              <a:t>1,027,583 data and 15 features</a:t>
+            </a:r>
+          </a:p>
+          <a:p>
+            <a:pPr marL="285750" indent="-285750">
+              <a:buFont typeface="Arial" panose="020B0604020202020204" pitchFamily="34" charset="0"/>
+              <a:buChar char="•"/>
+            </a:pPr>
+            <a:r>
+              <a:rPr lang="en-US" altLang="ko-KR" dirty="0"/>
+              <a:t>Target Variable: User Type</a:t>
+            </a:r>
+          </a:p>
+          <a:p>
+            <a:r>
+              <a:rPr lang="en-US" altLang="ko-KR" dirty="0"/>
+              <a:t>    - Subscriber: 0, Customer: 1</a:t>
+            </a:r>
+          </a:p>
+          <a:p>
+            <a:pPr marL="285750" indent="-285750">
+              <a:buFont typeface="Arial" panose="020B0604020202020204" pitchFamily="34" charset="0"/>
+              <a:buChar char="•"/>
+            </a:pPr>
+            <a:r>
+              <a:rPr lang="en-US" altLang="ko-KR" dirty="0"/>
+              <a:t>All features</a:t>
+            </a:r>
+          </a:p>
+        </p:txBody>
+      </p:sp>
+      <p:pic>
+        <p:nvPicPr>
+          <p:cNvPr id="5" name="Picture 4">
+            <a:extLst>
+              <a:ext uri="{FF2B5EF4-FFF2-40B4-BE49-F238E27FC236}">
+                <a16:creationId xmlns:a16="http://schemas.microsoft.com/office/drawing/2014/main" id="{0953A0EA-B68B-49FD-B52D-E20D820DD59B}"/>
+              </a:ext>
+            </a:extLst>
+          </p:cNvPr>
+          <p:cNvPicPr>
+            <a:picLocks noChangeAspect="1"/>
+          </p:cNvPicPr>
+          <p:nvPr/>
+        </p:nvPicPr>
+        <p:blipFill>
+          <a:blip r:embed="rId2"/>
+          <a:stretch>
+            <a:fillRect/>
+          </a:stretch>
+        </p:blipFill>
+        <p:spPr>
+          <a:xfrm>
+            <a:off x="4842077" y="1753720"/>
+            <a:ext cx="7232134" cy="2822724"/>
+          </a:xfrm>
+          <a:prstGeom prst="rect">
+            <a:avLst/>
+          </a:prstGeom>
+        </p:spPr>
+      </p:pic>
     </p:spTree>
     <p:extLst>
       <p:ext uri="{BB962C8B-B14F-4D97-AF65-F5344CB8AC3E}">
-        <p14:creationId xmlns:p14="http://schemas.microsoft.com/office/powerpoint/2010/main" val="3971973679"/>
+        <p14:creationId xmlns:p14="http://schemas.microsoft.com/office/powerpoint/2010/main" val="2762909177"/>
       </p:ext>
     </p:extLst>
   </p:cSld>
@@ -7747,7 +7668,7 @@
                 <a:effectLst/>
                 <a:latin typeface="Helvetica Neue"/>
               </a:rPr>
-              <a:t>User Type Counts by</a:t>
+              <a:t>Confusion </a:t>
             </a:r>
           </a:p>
           <a:p>
@@ -7758,15 +7679,75 @@
                 </a:solidFill>
                 <a:latin typeface="Helvetica Neue"/>
               </a:rPr>
-              <a:t>User Type</a:t>
-            </a:r>
-          </a:p>
-        </p:txBody>
-      </p:sp>
+              <a:t>Matrix</a:t>
+            </a:r>
+          </a:p>
+        </p:txBody>
+      </p:sp>
+      <p:pic>
+        <p:nvPicPr>
+          <p:cNvPr id="7" name="Picture 6">
+            <a:extLst>
+              <a:ext uri="{FF2B5EF4-FFF2-40B4-BE49-F238E27FC236}">
+                <a16:creationId xmlns:a16="http://schemas.microsoft.com/office/drawing/2014/main" id="{0A3C7143-37A0-44E6-AD09-EDD3F9F2B642}"/>
+              </a:ext>
+            </a:extLst>
+          </p:cNvPr>
+          <p:cNvPicPr>
+            <a:picLocks noChangeAspect="1"/>
+          </p:cNvPicPr>
+          <p:nvPr/>
+        </p:nvPicPr>
+        <p:blipFill>
+          <a:blip r:embed="rId2"/>
+          <a:stretch>
+            <a:fillRect/>
+          </a:stretch>
+        </p:blipFill>
+        <p:spPr>
+          <a:xfrm>
+            <a:off x="5476875" y="2118369"/>
+            <a:ext cx="5287768" cy="4603899"/>
+          </a:xfrm>
+          <a:prstGeom prst="rect">
+            <a:avLst/>
+          </a:prstGeom>
+        </p:spPr>
+      </p:pic>
+      <p:pic>
+        <p:nvPicPr>
+          <p:cNvPr id="9" name="Picture 8">
+            <a:extLst>
+              <a:ext uri="{FF2B5EF4-FFF2-40B4-BE49-F238E27FC236}">
+                <a16:creationId xmlns:a16="http://schemas.microsoft.com/office/drawing/2014/main" id="{BEB891AC-47B0-43E6-A47D-552D86E08AB2}"/>
+              </a:ext>
+            </a:extLst>
+          </p:cNvPr>
+          <p:cNvPicPr>
+            <a:picLocks noChangeAspect="1"/>
+          </p:cNvPicPr>
+          <p:nvPr/>
+        </p:nvPicPr>
+        <p:blipFill>
+          <a:blip r:embed="rId3"/>
+          <a:stretch>
+            <a:fillRect/>
+          </a:stretch>
+        </p:blipFill>
+        <p:spPr>
+          <a:xfrm>
+            <a:off x="5476875" y="195510"/>
+            <a:ext cx="4800600" cy="1724025"/>
+          </a:xfrm>
+          <a:prstGeom prst="rect">
+            <a:avLst/>
+          </a:prstGeom>
+        </p:spPr>
+      </p:pic>
     </p:spTree>
     <p:extLst>
       <p:ext uri="{BB962C8B-B14F-4D97-AF65-F5344CB8AC3E}">
-        <p14:creationId xmlns:p14="http://schemas.microsoft.com/office/powerpoint/2010/main" val="2762909177"/>
+        <p14:creationId xmlns:p14="http://schemas.microsoft.com/office/powerpoint/2010/main" val="3118860794"/>
       </p:ext>
     </p:extLst>
   </p:cSld>
@@ -7777,271 +7758,6 @@
 </file>
 
 <file path=ppt/slides/slide21.xml><?xml version="1.0" encoding="utf-8"?>
-<p:sld xmlns:a="http://schemas.openxmlformats.org/drawingml/2006/main" xmlns:r="http://schemas.openxmlformats.org/officeDocument/2006/relationships" xmlns:p="http://schemas.openxmlformats.org/presentationml/2006/main">
-  <p:cSld>
-    <p:spTree>
-      <p:nvGrpSpPr>
-        <p:cNvPr id="1" name=""/>
-        <p:cNvGrpSpPr/>
-        <p:nvPr/>
-      </p:nvGrpSpPr>
-      <p:grpSpPr>
-        <a:xfrm>
-          <a:off x="0" y="0"/>
-          <a:ext cx="0" cy="0"/>
-          <a:chOff x="0" y="0"/>
-          <a:chExt cx="0" cy="0"/>
-        </a:xfrm>
-      </p:grpSpPr>
-      <p:sp>
-        <p:nvSpPr>
-          <p:cNvPr id="3" name="Subtitle 2">
-            <a:extLst>
-              <a:ext uri="{FF2B5EF4-FFF2-40B4-BE49-F238E27FC236}">
-                <a16:creationId xmlns:a16="http://schemas.microsoft.com/office/drawing/2014/main" id="{C63068C7-FF93-4F55-8D49-8E391F78232D}"/>
-              </a:ext>
-            </a:extLst>
-          </p:cNvPr>
-          <p:cNvSpPr>
-            <a:spLocks noGrp="1"/>
-          </p:cNvSpPr>
-          <p:nvPr>
-            <p:ph type="subTitle" idx="1"/>
-          </p:nvPr>
-        </p:nvSpPr>
-        <p:spPr>
-          <a:xfrm>
-            <a:off x="5572217" y="559293"/>
-            <a:ext cx="6314983" cy="5868139"/>
-          </a:xfrm>
-        </p:spPr>
-        <p:txBody>
-          <a:bodyPr>
-            <a:normAutofit/>
-          </a:bodyPr>
-          <a:lstStyle/>
-          <a:p>
-            <a:pPr algn="l"/>
-            <a:r>
-              <a:rPr lang="en-US" altLang="ko-KR" sz="3000" dirty="0">
-                <a:solidFill>
-                  <a:srgbClr val="00B0F0"/>
-                </a:solidFill>
-                <a:latin typeface="Arial Nova Light" panose="020B0304020202020204" pitchFamily="34" charset="0"/>
-                <a:cs typeface="Aldhabi" panose="020B0604020202020204" pitchFamily="2" charset="-78"/>
-              </a:rPr>
-              <a:t>Target Variable </a:t>
-            </a:r>
-          </a:p>
-          <a:p>
-            <a:pPr algn="l"/>
-            <a:r>
-              <a:rPr lang="en-US" altLang="ko-KR" sz="2000" dirty="0">
-                <a:latin typeface="Arial Nova Light" panose="020B0304020202020204" pitchFamily="34" charset="0"/>
-                <a:cs typeface="Aldhabi" panose="020B0604020202020204" pitchFamily="2" charset="-78"/>
-                <a:sym typeface="Wingdings" panose="05000000000000000000" pitchFamily="2" charset="2"/>
-              </a:rPr>
-              <a:t> </a:t>
-            </a:r>
-            <a:r>
-              <a:rPr lang="en-US" altLang="ko-KR" sz="2000" dirty="0">
-                <a:latin typeface="Arial Nova Light" panose="020B0304020202020204" pitchFamily="34" charset="0"/>
-                <a:cs typeface="Aldhabi" panose="020B0604020202020204" pitchFamily="2" charset="-78"/>
-              </a:rPr>
-              <a:t>start station checkout counts</a:t>
-            </a:r>
-          </a:p>
-          <a:p>
-            <a:pPr algn="l"/>
-            <a:endParaRPr lang="en-US" altLang="ko-KR" sz="3000" dirty="0">
-              <a:solidFill>
-                <a:srgbClr val="00B0F0"/>
-              </a:solidFill>
-              <a:latin typeface="Arial Nova Light" panose="020B0304020202020204" pitchFamily="34" charset="0"/>
-              <a:cs typeface="Aldhabi" panose="020B0604020202020204" pitchFamily="2" charset="-78"/>
-            </a:endParaRPr>
-          </a:p>
-          <a:p>
-            <a:pPr algn="l"/>
-            <a:r>
-              <a:rPr lang="en-US" altLang="ko-KR" sz="3000" dirty="0">
-                <a:solidFill>
-                  <a:srgbClr val="00B0F0"/>
-                </a:solidFill>
-                <a:latin typeface="Arial Nova Light" panose="020B0304020202020204" pitchFamily="34" charset="0"/>
-                <a:cs typeface="Aldhabi" panose="020B0604020202020204" pitchFamily="2" charset="-78"/>
-              </a:rPr>
-              <a:t>Multiple Linear Regression, Ridge</a:t>
-            </a:r>
-            <a:endParaRPr lang="ko-KR" altLang="en-US" sz="3000" dirty="0">
-              <a:solidFill>
-                <a:srgbClr val="00B0F0"/>
-              </a:solidFill>
-              <a:latin typeface="Arial Nova Light" panose="020B0304020202020204" pitchFamily="34" charset="0"/>
-              <a:cs typeface="Aldhabi" panose="020B0604020202020204" pitchFamily="2" charset="-78"/>
-            </a:endParaRPr>
-          </a:p>
-          <a:p>
-            <a:pPr algn="l"/>
-            <a:endParaRPr lang="en-US" altLang="ko-KR" sz="3000" dirty="0">
-              <a:solidFill>
-                <a:srgbClr val="00B0F0"/>
-              </a:solidFill>
-              <a:latin typeface="Arial Nova Light" panose="020B0304020202020204" pitchFamily="34" charset="0"/>
-              <a:cs typeface="Aldhabi" panose="020B0604020202020204" pitchFamily="2" charset="-78"/>
-            </a:endParaRPr>
-          </a:p>
-          <a:p>
-            <a:pPr algn="l"/>
-            <a:r>
-              <a:rPr lang="en-US" altLang="ko-KR" sz="2000" dirty="0">
-                <a:latin typeface="Arial Nova Light" panose="020B0304020202020204" pitchFamily="34" charset="0"/>
-                <a:cs typeface="Aldhabi" panose="020B0604020202020204" pitchFamily="2" charset="-78"/>
-                <a:sym typeface="Wingdings" panose="05000000000000000000" pitchFamily="2" charset="2"/>
-              </a:rPr>
-              <a:t></a:t>
-            </a:r>
-            <a:r>
-              <a:rPr lang="en-US" altLang="ko-KR" sz="2000" dirty="0">
-                <a:solidFill>
-                  <a:srgbClr val="00B0F0"/>
-                </a:solidFill>
-                <a:latin typeface="Arial Nova Light" panose="020B0304020202020204" pitchFamily="34" charset="0"/>
-                <a:cs typeface="Aldhabi" panose="020B0604020202020204" pitchFamily="2" charset="-78"/>
-                <a:sym typeface="Wingdings" panose="05000000000000000000" pitchFamily="2" charset="2"/>
-              </a:rPr>
-              <a:t> </a:t>
-            </a:r>
-            <a:r>
-              <a:rPr lang="en-US" altLang="ko-KR" sz="2000" dirty="0">
-                <a:latin typeface="Arial Nova Light" panose="020B0304020202020204" pitchFamily="34" charset="0"/>
-                <a:cs typeface="Aldhabi" panose="020B0604020202020204" pitchFamily="2" charset="-78"/>
-                <a:sym typeface="Wingdings" panose="05000000000000000000" pitchFamily="2" charset="2"/>
-              </a:rPr>
-              <a:t>Model Accuracy: 77.97 % on test data</a:t>
-            </a:r>
-            <a:endParaRPr lang="en-US" altLang="ko-KR" sz="2000" dirty="0">
-              <a:latin typeface="Arial Nova Light" panose="020B0304020202020204" pitchFamily="34" charset="0"/>
-              <a:cs typeface="Aldhabi" panose="020B0604020202020204" pitchFamily="2" charset="-78"/>
-            </a:endParaRPr>
-          </a:p>
-          <a:p>
-            <a:pPr algn="l"/>
-            <a:endParaRPr lang="en-US" altLang="ko-KR" sz="2000" dirty="0">
-              <a:latin typeface="Arial Nova Light" panose="020B0304020202020204" pitchFamily="34" charset="0"/>
-              <a:cs typeface="Aldhabi" panose="020B0604020202020204" pitchFamily="2" charset="-78"/>
-            </a:endParaRPr>
-          </a:p>
-        </p:txBody>
-      </p:sp>
-      <p:pic>
-        <p:nvPicPr>
-          <p:cNvPr id="1026" name="Picture 2">
-            <a:extLst>
-              <a:ext uri="{FF2B5EF4-FFF2-40B4-BE49-F238E27FC236}">
-                <a16:creationId xmlns:a16="http://schemas.microsoft.com/office/drawing/2014/main" id="{8DDE9F19-81C7-4DAD-BFF3-98A852243BDB}"/>
-              </a:ext>
-            </a:extLst>
-          </p:cNvPr>
-          <p:cNvPicPr>
-            <a:picLocks noChangeAspect="1" noChangeArrowheads="1" noCrop="1"/>
-          </p:cNvPicPr>
-          <p:nvPr/>
-        </p:nvPicPr>
-        <p:blipFill>
-          <a:blip r:embed="rId2">
-            <a:extLst>
-              <a:ext uri="{28A0092B-C50C-407E-A947-70E740481C1C}">
-                <a14:useLocalDpi xmlns:a14="http://schemas.microsoft.com/office/drawing/2010/main" val="0"/>
-              </a:ext>
-            </a:extLst>
-          </a:blip>
-          <a:srcRect/>
-          <a:stretch>
-            <a:fillRect/>
-          </a:stretch>
-        </p:blipFill>
-        <p:spPr bwMode="auto">
-          <a:xfrm>
-            <a:off x="0" y="0"/>
-            <a:ext cx="5129785" cy="3403031"/>
-          </a:xfrm>
-          <a:prstGeom prst="rect">
-            <a:avLst/>
-          </a:prstGeom>
-          <a:noFill/>
-          <a:extLst>
-            <a:ext uri="{909E8E84-426E-40DD-AFC4-6F175D3DCCD1}">
-              <a14:hiddenFill xmlns:a14="http://schemas.microsoft.com/office/drawing/2010/main">
-                <a:solidFill>
-                  <a:srgbClr val="FFFFFF"/>
-                </a:solidFill>
-              </a14:hiddenFill>
-            </a:ext>
-          </a:extLst>
-        </p:spPr>
-      </p:pic>
-      <p:pic>
-        <p:nvPicPr>
-          <p:cNvPr id="1028" name="Picture 4">
-            <a:extLst>
-              <a:ext uri="{FF2B5EF4-FFF2-40B4-BE49-F238E27FC236}">
-                <a16:creationId xmlns:a16="http://schemas.microsoft.com/office/drawing/2014/main" id="{213B05CB-2AA5-46A2-ABAF-6235DCF51190}"/>
-              </a:ext>
-            </a:extLst>
-          </p:cNvPr>
-          <p:cNvPicPr>
-            <a:picLocks noChangeAspect="1" noChangeArrowheads="1"/>
-          </p:cNvPicPr>
-          <p:nvPr/>
-        </p:nvPicPr>
-        <p:blipFill>
-          <a:blip r:embed="rId3">
-            <a:extLst>
-              <a:ext uri="{28A0092B-C50C-407E-A947-70E740481C1C}">
-                <a14:useLocalDpi xmlns:a14="http://schemas.microsoft.com/office/drawing/2010/main" val="0"/>
-              </a:ext>
-            </a:extLst>
-          </a:blip>
-          <a:srcRect/>
-          <a:stretch>
-            <a:fillRect/>
-          </a:stretch>
-        </p:blipFill>
-        <p:spPr bwMode="auto">
-          <a:xfrm>
-            <a:off x="0" y="3406904"/>
-            <a:ext cx="5129784" cy="3451289"/>
-          </a:xfrm>
-          <a:prstGeom prst="rect">
-            <a:avLst/>
-          </a:prstGeom>
-          <a:noFill/>
-          <a:extLst>
-            <a:ext uri="{909E8E84-426E-40DD-AFC4-6F175D3DCCD1}">
-              <a14:hiddenFill xmlns:a14="http://schemas.microsoft.com/office/drawing/2010/main">
-                <a:solidFill>
-                  <a:srgbClr val="FFFFFF"/>
-                </a:solidFill>
-              </a14:hiddenFill>
-            </a:ext>
-          </a:extLst>
-        </p:spPr>
-      </p:pic>
-    </p:spTree>
-    <p:extLst>
-      <p:ext uri="{BB962C8B-B14F-4D97-AF65-F5344CB8AC3E}">
-        <p14:creationId xmlns:p14="http://schemas.microsoft.com/office/powerpoint/2010/main" val="3446981779"/>
-      </p:ext>
-    </p:extLst>
-  </p:cSld>
-  <p:clrMapOvr>
-    <a:masterClrMapping/>
-  </p:clrMapOvr>
-</p:sld>
-</file>
-
-<file path=ppt/slides/slide22.xml><?xml version="1.0" encoding="utf-8"?>
 <p:sld xmlns:a="http://schemas.openxmlformats.org/drawingml/2006/main" xmlns:r="http://schemas.openxmlformats.org/officeDocument/2006/relationships" xmlns:p="http://schemas.openxmlformats.org/presentationml/2006/main">
   <p:cSld>
     <p:bg>
@@ -8068,7 +7784,7 @@
       </p:grpSpPr>
       <p:sp>
         <p:nvSpPr>
-          <p:cNvPr id="9" name="Rectangle 8">
+          <p:cNvPr id="19" name="Rectangle 18">
             <a:extLst>
               <a:ext uri="{FF2B5EF4-FFF2-40B4-BE49-F238E27FC236}">
                 <a16:creationId xmlns:a16="http://schemas.microsoft.com/office/drawing/2014/main" id="{605494DE-B078-4D87-BB01-C84320618DAD}"/>
@@ -8131,7 +7847,7 @@
       </p:sp>
       <p:sp>
         <p:nvSpPr>
-          <p:cNvPr id="11" name="Rectangle 10">
+          <p:cNvPr id="21" name="Rectangle 20">
             <a:extLst>
               <a:ext uri="{FF2B5EF4-FFF2-40B4-BE49-F238E27FC236}">
                 <a16:creationId xmlns:a16="http://schemas.microsoft.com/office/drawing/2014/main" id="{9A0576B0-CD8C-4661-95C8-A9F2CE7CDDB0}"/>
@@ -8196,7 +7912,7 @@
       </p:sp>
       <p:sp>
         <p:nvSpPr>
-          <p:cNvPr id="13" name="Freeform: Shape 12">
+          <p:cNvPr id="23" name="Freeform: Shape 22">
             <a:extLst>
               <a:ext uri="{FF2B5EF4-FFF2-40B4-BE49-F238E27FC236}">
                 <a16:creationId xmlns:a16="http://schemas.microsoft.com/office/drawing/2014/main" id="{3FF60E2B-3919-423C-B1FF-56CDE6681165}"/>
@@ -8322,108 +8038,149 @@
         </p:nvSpPr>
         <p:spPr>
           <a:xfrm>
-            <a:off x="104775" y="2687638"/>
-            <a:ext cx="4495799" cy="1655762"/>
+            <a:off x="0" y="2274908"/>
+            <a:ext cx="4724288" cy="2301536"/>
           </a:xfrm>
         </p:spPr>
         <p:txBody>
           <a:bodyPr>
-            <a:normAutofit fontScale="92500" lnSpcReduction="10000"/>
+            <a:normAutofit/>
           </a:bodyPr>
           <a:lstStyle/>
           <a:p>
-            <a:pPr algn="l"/>
-            <a:r>
-              <a:rPr lang="ko-KR" altLang="en-US" sz="2000" dirty="0">
+            <a:r>
+              <a:rPr lang="en-US" altLang="ko-KR" sz="3000" b="1" i="0" dirty="0">
                 <a:solidFill>
                   <a:schemeClr val="bg1"/>
                 </a:solidFill>
-                <a:latin typeface="Arial Nova Light" panose="020B0304020202020204" pitchFamily="34" charset="0"/>
-                <a:cs typeface="Aldhabi" panose="020B0604020202020204" pitchFamily="2" charset="-78"/>
-                <a:sym typeface="Wingdings" panose="05000000000000000000" pitchFamily="2" charset="2"/>
+                <a:effectLst/>
+                <a:latin typeface="Helvetica Neue"/>
               </a:rPr>
-              <a:t></a:t>
-            </a:r>
-            <a:r>
-              <a:rPr lang="en-US" altLang="ko-KR" sz="3000" dirty="0">
+              <a:t>Machine</a:t>
+            </a:r>
+          </a:p>
+          <a:p>
+            <a:r>
+              <a:rPr lang="en-US" altLang="ko-KR" sz="3000" b="1" dirty="0">
                 <a:solidFill>
                   <a:schemeClr val="bg1"/>
                 </a:solidFill>
-                <a:latin typeface="Arial Nova Light" panose="020B0304020202020204" pitchFamily="34" charset="0"/>
-                <a:cs typeface="Aldhabi" panose="020B0604020202020204" pitchFamily="2" charset="-78"/>
-                <a:sym typeface="Wingdings" panose="05000000000000000000" pitchFamily="2" charset="2"/>
+                <a:latin typeface="Helvetica Neue"/>
               </a:rPr>
-              <a:t>Feature Importance</a:t>
-            </a:r>
-          </a:p>
-          <a:p>
-            <a:pPr marL="342900" indent="-342900" algn="l">
-              <a:buFontTx/>
-              <a:buChar char="-"/>
+              <a:t>Learning</a:t>
+            </a:r>
+          </a:p>
+        </p:txBody>
+      </p:sp>
+      <p:sp>
+        <p:nvSpPr>
+          <p:cNvPr id="5" name="TextBox 4">
+            <a:extLst>
+              <a:ext uri="{FF2B5EF4-FFF2-40B4-BE49-F238E27FC236}">
+                <a16:creationId xmlns:a16="http://schemas.microsoft.com/office/drawing/2014/main" id="{83BCC192-57BF-4A6A-AFE4-B8B5FEB26397}"/>
+              </a:ext>
+            </a:extLst>
+          </p:cNvPr>
+          <p:cNvSpPr txBox="1"/>
+          <p:nvPr/>
+        </p:nvSpPr>
+        <p:spPr>
+          <a:xfrm>
+            <a:off x="5124450" y="479316"/>
+            <a:ext cx="6505575" cy="3139321"/>
+          </a:xfrm>
+          <a:prstGeom prst="rect">
+            <a:avLst/>
+          </a:prstGeom>
+          <a:noFill/>
+        </p:spPr>
+        <p:txBody>
+          <a:bodyPr wrap="square" rtlCol="0">
+            <a:spAutoFit/>
+          </a:bodyPr>
+          <a:lstStyle/>
+          <a:p>
+            <a:pPr marL="285750" indent="-285750">
+              <a:buFont typeface="Arial" panose="020B0604020202020204" pitchFamily="34" charset="0"/>
+              <a:buChar char="•"/>
             </a:pPr>
             <a:r>
-              <a:rPr lang="en-US" altLang="ko-KR" sz="2000" dirty="0">
-                <a:solidFill>
-                  <a:schemeClr val="bg1"/>
-                </a:solidFill>
-                <a:latin typeface="Arial Nova Light" panose="020B0304020202020204" pitchFamily="34" charset="0"/>
-                <a:cs typeface="Aldhabi" panose="020B0604020202020204" pitchFamily="2" charset="-78"/>
-                <a:sym typeface="Wingdings" panose="05000000000000000000" pitchFamily="2" charset="2"/>
-              </a:rPr>
-              <a:t>Start hour is excessively biased</a:t>
-            </a:r>
-          </a:p>
-          <a:p>
-            <a:pPr algn="l"/>
-            <a:endParaRPr lang="en-US" altLang="ko-KR" sz="2000" dirty="0">
-              <a:solidFill>
-                <a:schemeClr val="bg1"/>
-              </a:solidFill>
-              <a:latin typeface="Arial Nova Light" panose="020B0304020202020204" pitchFamily="34" charset="0"/>
-              <a:cs typeface="Aldhabi" panose="020B0604020202020204" pitchFamily="2" charset="-78"/>
-              <a:sym typeface="Wingdings" panose="05000000000000000000" pitchFamily="2" charset="2"/>
-            </a:endParaRPr>
-          </a:p>
-          <a:p>
-            <a:pPr algn="l"/>
-            <a:r>
-              <a:rPr lang="en-US" altLang="ko-KR" sz="2000" dirty="0">
-                <a:solidFill>
-                  <a:schemeClr val="bg1"/>
-                </a:solidFill>
-                <a:latin typeface="Arial Nova Light" panose="020B0304020202020204" pitchFamily="34" charset="0"/>
-                <a:cs typeface="Aldhabi" panose="020B0604020202020204" pitchFamily="2" charset="-78"/>
-                <a:sym typeface="Wingdings" panose="05000000000000000000" pitchFamily="2" charset="2"/>
-              </a:rPr>
-              <a:t> </a:t>
-            </a:r>
-            <a:r>
-              <a:rPr lang="en-US" altLang="ko-KR" sz="3000" dirty="0">
-                <a:solidFill>
-                  <a:schemeClr val="bg1"/>
-                </a:solidFill>
-                <a:latin typeface="Arial Nova Light" panose="020B0304020202020204" pitchFamily="34" charset="0"/>
-                <a:cs typeface="Aldhabi" panose="020B0604020202020204" pitchFamily="2" charset="-78"/>
-                <a:sym typeface="Wingdings" panose="05000000000000000000" pitchFamily="2" charset="2"/>
-              </a:rPr>
-              <a:t>Test data 82.4 %</a:t>
-            </a:r>
-            <a:endParaRPr lang="ko-KR" altLang="en-US" sz="3000" dirty="0">
-              <a:solidFill>
-                <a:schemeClr val="bg1"/>
-              </a:solidFill>
-              <a:latin typeface="Arial Nova Light" panose="020B0304020202020204" pitchFamily="34" charset="0"/>
-              <a:cs typeface="Aldhabi" panose="020B0604020202020204" pitchFamily="2" charset="-78"/>
-            </a:endParaRPr>
+              <a:rPr lang="en-US" altLang="ko-KR" dirty="0"/>
+              <a:t>First score:</a:t>
+            </a:r>
+          </a:p>
+          <a:p>
+            <a:r>
+              <a:rPr lang="en-US" altLang="ko-KR" dirty="0"/>
+              <a:t>    - Test Accuracy: 0.77776</a:t>
+            </a:r>
+          </a:p>
+          <a:p>
+            <a:endParaRPr lang="en-US" altLang="ko-KR" dirty="0"/>
+          </a:p>
+          <a:p>
+            <a:pPr marL="285750" indent="-285750">
+              <a:buFont typeface="Arial" panose="020B0604020202020204" pitchFamily="34" charset="0"/>
+              <a:buChar char="•"/>
+            </a:pPr>
+            <a:r>
+              <a:rPr lang="en-US" altLang="ko-KR" dirty="0"/>
+              <a:t>Dummy Classifier:</a:t>
+            </a:r>
+          </a:p>
+          <a:p>
+            <a:r>
+              <a:rPr lang="en-US" altLang="ko-KR" dirty="0"/>
+              <a:t>    - Test Accuracy: 0.85997</a:t>
+            </a:r>
+          </a:p>
+          <a:p>
+            <a:endParaRPr lang="en-US" altLang="ko-KR" dirty="0"/>
+          </a:p>
+          <a:p>
+            <a:pPr marL="285750" indent="-285750">
+              <a:buFont typeface="Arial" panose="020B0604020202020204" pitchFamily="34" charset="0"/>
+              <a:buChar char="•"/>
+            </a:pPr>
+            <a:r>
+              <a:rPr lang="en-US" altLang="ko-KR" dirty="0"/>
+              <a:t>Grid Search:</a:t>
+            </a:r>
+          </a:p>
+          <a:p>
+            <a:r>
+              <a:rPr lang="en-US" altLang="ko-KR" dirty="0"/>
+              <a:t>    - Test Accuracy: 0.86135</a:t>
+            </a:r>
+          </a:p>
+          <a:p>
+            <a:endParaRPr lang="en-US" altLang="ko-KR" dirty="0"/>
+          </a:p>
+          <a:p>
+            <a:pPr marL="285750" indent="-285750">
+              <a:buFont typeface="Arial" panose="020B0604020202020204" pitchFamily="34" charset="0"/>
+              <a:buChar char="•"/>
+            </a:pPr>
+            <a:r>
+              <a:rPr lang="en-US" altLang="ko-KR" dirty="0"/>
+              <a:t>Final Score (Log Loss):</a:t>
+            </a:r>
+          </a:p>
+          <a:p>
+            <a:r>
+              <a:rPr lang="en-US" altLang="ko-KR" dirty="0"/>
+              <a:t>    - Test Accuracy: 0.86564</a:t>
+            </a:r>
+            <a:endParaRPr lang="ko-KR" altLang="en-US" dirty="0"/>
           </a:p>
         </p:txBody>
       </p:sp>
       <p:pic>
         <p:nvPicPr>
-          <p:cNvPr id="4" name="Picture 3">
-            <a:extLst>
-              <a:ext uri="{FF2B5EF4-FFF2-40B4-BE49-F238E27FC236}">
-                <a16:creationId xmlns:a16="http://schemas.microsoft.com/office/drawing/2014/main" id="{48804F73-28E9-4977-8713-70258DE972D9}"/>
+          <p:cNvPr id="7" name="Picture 6">
+            <a:extLst>
+              <a:ext uri="{FF2B5EF4-FFF2-40B4-BE49-F238E27FC236}">
+                <a16:creationId xmlns:a16="http://schemas.microsoft.com/office/drawing/2014/main" id="{E44F0310-6664-48AB-8709-3685F594C600}"/>
               </a:ext>
             </a:extLst>
           </p:cNvPr>
@@ -8440,8 +8197,8 @@
         </p:blipFill>
         <p:spPr>
           <a:xfrm>
-            <a:off x="5320996" y="1083982"/>
-            <a:ext cx="6274296" cy="4690036"/>
+            <a:off x="8636214" y="469920"/>
+            <a:ext cx="3555786" cy="5178405"/>
           </a:xfrm>
           <a:prstGeom prst="rect">
             <a:avLst/>
@@ -8451,7 +8208,7 @@
     </p:spTree>
     <p:extLst>
       <p:ext uri="{BB962C8B-B14F-4D97-AF65-F5344CB8AC3E}">
-        <p14:creationId xmlns:p14="http://schemas.microsoft.com/office/powerpoint/2010/main" val="1414430633"/>
+        <p14:creationId xmlns:p14="http://schemas.microsoft.com/office/powerpoint/2010/main" val="1905000777"/>
       </p:ext>
     </p:extLst>
   </p:cSld>
@@ -8461,7 +8218,7 @@
 </p:sld>
 </file>
 
-<file path=ppt/slides/slide23.xml><?xml version="1.0" encoding="utf-8"?>
+<file path=ppt/slides/slide22.xml><?xml version="1.0" encoding="utf-8"?>
 <p:sld xmlns:a="http://schemas.openxmlformats.org/drawingml/2006/main" xmlns:r="http://schemas.openxmlformats.org/officeDocument/2006/relationships" xmlns:p="http://schemas.openxmlformats.org/presentationml/2006/main">
   <p:cSld>
     <p:bg>
@@ -8549,36 +8306,6 @@
           </a:p>
         </p:txBody>
       </p:sp>
-      <p:pic>
-        <p:nvPicPr>
-          <p:cNvPr id="4" name="Picture 3">
-            <a:extLst>
-              <a:ext uri="{FF2B5EF4-FFF2-40B4-BE49-F238E27FC236}">
-                <a16:creationId xmlns:a16="http://schemas.microsoft.com/office/drawing/2014/main" id="{B35A02A3-C9B3-4AEC-8594-A2C1F6FA1F8D}"/>
-              </a:ext>
-            </a:extLst>
-          </p:cNvPr>
-          <p:cNvPicPr>
-            <a:picLocks noChangeAspect="1"/>
-          </p:cNvPicPr>
-          <p:nvPr/>
-        </p:nvPicPr>
-        <p:blipFill>
-          <a:blip r:embed="rId2"/>
-          <a:stretch>
-            <a:fillRect/>
-          </a:stretch>
-        </p:blipFill>
-        <p:spPr>
-          <a:xfrm>
-            <a:off x="5848350" y="1303940"/>
-            <a:ext cx="5890683" cy="4403286"/>
-          </a:xfrm>
-          <a:prstGeom prst="rect">
-            <a:avLst/>
-          </a:prstGeom>
-        </p:spPr>
-      </p:pic>
       <p:sp>
         <p:nvSpPr>
           <p:cNvPr id="11" name="Freeform: Shape 10">
@@ -8910,519 +8637,6 @@
         </p:nvSpPr>
         <p:spPr>
           <a:xfrm>
-            <a:off x="0" y="1962150"/>
-            <a:ext cx="4514850" cy="2333625"/>
-          </a:xfrm>
-        </p:spPr>
-        <p:txBody>
-          <a:bodyPr anchor="t">
-            <a:normAutofit fontScale="92500" lnSpcReduction="10000"/>
-          </a:bodyPr>
-          <a:lstStyle/>
-          <a:p>
-            <a:pPr algn="l"/>
-            <a:r>
-              <a:rPr lang="ko-KR" altLang="en-US" sz="3000" dirty="0">
-                <a:latin typeface="Arial Nova Light" panose="020B0304020202020204" pitchFamily="34" charset="0"/>
-                <a:cs typeface="Aldhabi" panose="020B0604020202020204" pitchFamily="2" charset="-78"/>
-                <a:sym typeface="Wingdings" panose="05000000000000000000" pitchFamily="2" charset="2"/>
-              </a:rPr>
-              <a:t></a:t>
-            </a:r>
-            <a:r>
-              <a:rPr lang="en-US" altLang="ko-KR" sz="3000" dirty="0">
-                <a:latin typeface="Arial Nova Light" panose="020B0304020202020204" pitchFamily="34" charset="0"/>
-                <a:cs typeface="Aldhabi" panose="020B0604020202020204" pitchFamily="2" charset="-78"/>
-                <a:sym typeface="Wingdings" panose="05000000000000000000" pitchFamily="2" charset="2"/>
-              </a:rPr>
-              <a:t>Feature Importance</a:t>
-            </a:r>
-          </a:p>
-          <a:p>
-            <a:pPr marL="342900" indent="-342900" algn="l">
-              <a:buFontTx/>
-              <a:buChar char="-"/>
-            </a:pPr>
-            <a:r>
-              <a:rPr lang="en-US" altLang="ko-KR" sz="2000" dirty="0">
-                <a:latin typeface="Arial Nova Light" panose="020B0304020202020204" pitchFamily="34" charset="0"/>
-                <a:cs typeface="Aldhabi" panose="020B0604020202020204" pitchFamily="2" charset="-78"/>
-                <a:sym typeface="Wingdings" panose="05000000000000000000" pitchFamily="2" charset="2"/>
-              </a:rPr>
-              <a:t>Start hour is excessively biased as well</a:t>
-            </a:r>
-          </a:p>
-          <a:p>
-            <a:pPr algn="l"/>
-            <a:endParaRPr lang="en-US" altLang="ko-KR" sz="3000" dirty="0">
-              <a:latin typeface="Arial Nova Light" panose="020B0304020202020204" pitchFamily="34" charset="0"/>
-              <a:cs typeface="Aldhabi" panose="020B0604020202020204" pitchFamily="2" charset="-78"/>
-              <a:sym typeface="Wingdings" panose="05000000000000000000" pitchFamily="2" charset="2"/>
-            </a:endParaRPr>
-          </a:p>
-          <a:p>
-            <a:pPr marL="457200" indent="-457200" algn="l">
-              <a:buFont typeface="Wingdings" panose="05000000000000000000" pitchFamily="2" charset="2"/>
-              <a:buChar char=""/>
-            </a:pPr>
-            <a:r>
-              <a:rPr lang="en-US" altLang="ko-KR" sz="3000" dirty="0">
-                <a:latin typeface="Arial Nova Light" panose="020B0304020202020204" pitchFamily="34" charset="0"/>
-                <a:cs typeface="Aldhabi" panose="020B0604020202020204" pitchFamily="2" charset="-78"/>
-                <a:sym typeface="Wingdings" panose="05000000000000000000" pitchFamily="2" charset="2"/>
-              </a:rPr>
-              <a:t>Test data 84.0 %</a:t>
-            </a:r>
-          </a:p>
-          <a:p>
-            <a:pPr algn="l"/>
-            <a:r>
-              <a:rPr lang="en-US" altLang="ko-KR" sz="3000" dirty="0">
-                <a:latin typeface="Arial Nova Light" panose="020B0304020202020204" pitchFamily="34" charset="0"/>
-                <a:cs typeface="Aldhabi" panose="020B0604020202020204" pitchFamily="2" charset="-78"/>
-                <a:sym typeface="Wingdings" panose="05000000000000000000" pitchFamily="2" charset="2"/>
-              </a:rPr>
-              <a:t>     </a:t>
-            </a:r>
-            <a:endParaRPr lang="ko-KR" altLang="en-US" sz="2000" dirty="0">
-              <a:latin typeface="Arial Nova Light" panose="020B0304020202020204" pitchFamily="34" charset="0"/>
-              <a:cs typeface="Aldhabi" panose="020B0604020202020204" pitchFamily="2" charset="-78"/>
-            </a:endParaRPr>
-          </a:p>
-        </p:txBody>
-      </p:sp>
-    </p:spTree>
-    <p:extLst>
-      <p:ext uri="{BB962C8B-B14F-4D97-AF65-F5344CB8AC3E}">
-        <p14:creationId xmlns:p14="http://schemas.microsoft.com/office/powerpoint/2010/main" val="4275576414"/>
-      </p:ext>
-    </p:extLst>
-  </p:cSld>
-  <p:clrMapOvr>
-    <a:overrideClrMapping bg1="dk1" tx1="lt1" bg2="dk2" tx2="lt2" accent1="accent1" accent2="accent2" accent3="accent3" accent4="accent4" accent5="accent5" accent6="accent6" hlink="hlink" folHlink="folHlink"/>
-  </p:clrMapOvr>
-</p:sld>
-</file>
-
-<file path=ppt/slides/slide24.xml><?xml version="1.0" encoding="utf-8"?>
-<p:sld xmlns:a="http://schemas.openxmlformats.org/drawingml/2006/main" xmlns:r="http://schemas.openxmlformats.org/officeDocument/2006/relationships" xmlns:p="http://schemas.openxmlformats.org/presentationml/2006/main">
-  <p:cSld>
-    <p:bg>
-      <p:bgPr>
-        <a:solidFill>
-          <a:schemeClr val="bg1"/>
-        </a:solidFill>
-        <a:effectLst/>
-      </p:bgPr>
-    </p:bg>
-    <p:spTree>
-      <p:nvGrpSpPr>
-        <p:cNvPr id="1" name=""/>
-        <p:cNvGrpSpPr/>
-        <p:nvPr/>
-      </p:nvGrpSpPr>
-      <p:grpSpPr>
-        <a:xfrm>
-          <a:off x="0" y="0"/>
-          <a:ext cx="0" cy="0"/>
-          <a:chOff x="0" y="0"/>
-          <a:chExt cx="0" cy="0"/>
-        </a:xfrm>
-      </p:grpSpPr>
-      <p:sp>
-        <p:nvSpPr>
-          <p:cNvPr id="9" name="Rectangle 8">
-            <a:extLst>
-              <a:ext uri="{FF2B5EF4-FFF2-40B4-BE49-F238E27FC236}">
-                <a16:creationId xmlns:a16="http://schemas.microsoft.com/office/drawing/2014/main" id="{0DE6A193-4755-479A-BC6F-A7EBCA73BE1A}"/>
-              </a:ext>
-              <a:ext uri="{C183D7F6-B498-43B3-948B-1728B52AA6E4}">
-                <adec:decorative xmlns:adec="http://schemas.microsoft.com/office/drawing/2017/decorative" val="1"/>
-              </a:ext>
-            </a:extLst>
-          </p:cNvPr>
-          <p:cNvSpPr>
-            <a:spLocks noGrp="1" noRot="1" noChangeAspect="1" noMove="1" noResize="1" noEditPoints="1" noAdjustHandles="1" noChangeArrowheads="1" noChangeShapeType="1" noTextEdit="1"/>
-          </p:cNvSpPr>
-          <p:nvPr>
-            <p:extLst>
-              <p:ext uri="{386F3935-93C4-4BCD-93E2-E3B085C9AB24}">
-                <p16:designElem xmlns:p16="http://schemas.microsoft.com/office/powerpoint/2015/main" val="1"/>
-              </p:ext>
-            </p:extLst>
-          </p:nvPr>
-        </p:nvSpPr>
-        <p:spPr>
-          <a:xfrm>
-            <a:off x="0" y="0"/>
-            <a:ext cx="12192001" cy="6858000"/>
-          </a:xfrm>
-          <a:prstGeom prst="rect">
-            <a:avLst/>
-          </a:prstGeom>
-          <a:solidFill>
-            <a:schemeClr val="tx1"/>
-          </a:solidFill>
-          <a:ln>
-            <a:noFill/>
-          </a:ln>
-        </p:spPr>
-        <p:style>
-          <a:lnRef idx="2">
-            <a:schemeClr val="accent1">
-              <a:shade val="50000"/>
-            </a:schemeClr>
-          </a:lnRef>
-          <a:fillRef idx="1">
-            <a:schemeClr val="accent1"/>
-          </a:fillRef>
-          <a:effectRef idx="0">
-            <a:schemeClr val="accent1"/>
-          </a:effectRef>
-          <a:fontRef idx="minor">
-            <a:schemeClr val="lt1"/>
-          </a:fontRef>
-        </p:style>
-        <p:txBody>
-          <a:bodyPr rtlCol="0" anchor="ctr"/>
-          <a:lstStyle/>
-          <a:p>
-            <a:pPr algn="ctr"/>
-            <a:endParaRPr lang="en-US"/>
-          </a:p>
-        </p:txBody>
-      </p:sp>
-      <p:sp>
-        <p:nvSpPr>
-          <p:cNvPr id="11" name="Freeform: Shape 10">
-            <a:extLst>
-              <a:ext uri="{FF2B5EF4-FFF2-40B4-BE49-F238E27FC236}">
-                <a16:creationId xmlns:a16="http://schemas.microsoft.com/office/drawing/2014/main" id="{5A55B759-31A7-423C-9BC2-A8BC09FE98B9}"/>
-              </a:ext>
-              <a:ext uri="{C183D7F6-B498-43B3-948B-1728B52AA6E4}">
-                <adec:decorative xmlns:adec="http://schemas.microsoft.com/office/drawing/2017/decorative" val="1"/>
-              </a:ext>
-            </a:extLst>
-          </p:cNvPr>
-          <p:cNvSpPr>
-            <a:spLocks noGrp="1" noRot="1" noChangeAspect="1" noMove="1" noResize="1" noEditPoints="1" noAdjustHandles="1" noChangeArrowheads="1" noChangeShapeType="1" noTextEdit="1"/>
-          </p:cNvSpPr>
-          <p:nvPr>
-            <p:extLst>
-              <p:ext uri="{386F3935-93C4-4BCD-93E2-E3B085C9AB24}">
-                <p16:designElem xmlns:p16="http://schemas.microsoft.com/office/powerpoint/2015/main" val="1"/>
-              </p:ext>
-            </p:extLst>
-          </p:nvPr>
-        </p:nvSpPr>
-        <p:spPr>
-          <a:xfrm flipV="1">
-            <a:off x="0" y="-478"/>
-            <a:ext cx="6754318" cy="6858478"/>
-          </a:xfrm>
-          <a:custGeom>
-            <a:avLst/>
-            <a:gdLst>
-              <a:gd name="connsiteX0" fmla="*/ 0 w 6754318"/>
-              <a:gd name="connsiteY0" fmla="*/ 6858478 h 6858478"/>
-              <a:gd name="connsiteX1" fmla="*/ 6754318 w 6754318"/>
-              <a:gd name="connsiteY1" fmla="*/ 6858478 h 6858478"/>
-              <a:gd name="connsiteX2" fmla="*/ 3577943 w 6754318"/>
-              <a:gd name="connsiteY2" fmla="*/ 0 h 6858478"/>
-              <a:gd name="connsiteX3" fmla="*/ 3572366 w 6754318"/>
-              <a:gd name="connsiteY3" fmla="*/ 0 h 6858478"/>
-              <a:gd name="connsiteX4" fmla="*/ 2506138 w 6754318"/>
-              <a:gd name="connsiteY4" fmla="*/ 0 h 6858478"/>
-              <a:gd name="connsiteX5" fmla="*/ 0 w 6754318"/>
-              <a:gd name="connsiteY5" fmla="*/ 0 h 6858478"/>
-            </a:gdLst>
-            <a:ahLst/>
-            <a:cxnLst>
-              <a:cxn ang="0">
-                <a:pos x="connsiteX0" y="connsiteY0"/>
-              </a:cxn>
-              <a:cxn ang="0">
-                <a:pos x="connsiteX1" y="connsiteY1"/>
-              </a:cxn>
-              <a:cxn ang="0">
-                <a:pos x="connsiteX2" y="connsiteY2"/>
-              </a:cxn>
-              <a:cxn ang="0">
-                <a:pos x="connsiteX3" y="connsiteY3"/>
-              </a:cxn>
-              <a:cxn ang="0">
-                <a:pos x="connsiteX4" y="connsiteY4"/>
-              </a:cxn>
-              <a:cxn ang="0">
-                <a:pos x="connsiteX5" y="connsiteY5"/>
-              </a:cxn>
-            </a:cxnLst>
-            <a:rect l="l" t="t" r="r" b="b"/>
-            <a:pathLst>
-              <a:path w="6754318" h="6858478">
-                <a:moveTo>
-                  <a:pt x="0" y="6858478"/>
-                </a:moveTo>
-                <a:lnTo>
-                  <a:pt x="6754318" y="6858478"/>
-                </a:lnTo>
-                <a:lnTo>
-                  <a:pt x="3577943" y="0"/>
-                </a:lnTo>
-                <a:lnTo>
-                  <a:pt x="3572366" y="0"/>
-                </a:lnTo>
-                <a:lnTo>
-                  <a:pt x="2506138" y="0"/>
-                </a:lnTo>
-                <a:lnTo>
-                  <a:pt x="0" y="0"/>
-                </a:lnTo>
-                <a:close/>
-              </a:path>
-            </a:pathLst>
-          </a:custGeom>
-          <a:solidFill>
-            <a:schemeClr val="bg1">
-              <a:lumMod val="85000"/>
-              <a:lumOff val="15000"/>
-              <a:alpha val="70000"/>
-            </a:schemeClr>
-          </a:solidFill>
-          <a:ln>
-            <a:noFill/>
-          </a:ln>
-        </p:spPr>
-        <p:style>
-          <a:lnRef idx="2">
-            <a:schemeClr val="accent1">
-              <a:shade val="50000"/>
-            </a:schemeClr>
-          </a:lnRef>
-          <a:fillRef idx="1">
-            <a:schemeClr val="accent1"/>
-          </a:fillRef>
-          <a:effectRef idx="0">
-            <a:schemeClr val="accent1"/>
-          </a:effectRef>
-          <a:fontRef idx="minor">
-            <a:schemeClr val="lt1"/>
-          </a:fontRef>
-        </p:style>
-        <p:txBody>
-          <a:bodyPr wrap="square" rtlCol="0" anchor="ctr">
-            <a:noAutofit/>
-          </a:bodyPr>
-          <a:lstStyle/>
-          <a:p>
-            <a:pPr marL="0" marR="0" lvl="0" indent="0" algn="ctr" defTabSz="914400" rtl="0" eaLnBrk="1" fontAlgn="auto" latinLnBrk="0" hangingPunct="1">
-              <a:lnSpc>
-                <a:spcPct val="100000"/>
-              </a:lnSpc>
-              <a:spcBef>
-                <a:spcPts val="0"/>
-              </a:spcBef>
-              <a:spcAft>
-                <a:spcPts val="0"/>
-              </a:spcAft>
-              <a:buClrTx/>
-              <a:buSzTx/>
-              <a:buFontTx/>
-              <a:buNone/>
-              <a:tabLst/>
-              <a:defRPr/>
-            </a:pPr>
-            <a:endParaRPr kumimoji="0" lang="en-US" sz="1800" b="0" i="0" u="none" strike="noStrike" kern="1200" cap="none" spc="0" normalizeH="0" baseline="0" noProof="0">
-              <a:ln>
-                <a:noFill/>
-              </a:ln>
-              <a:solidFill>
-                <a:prstClr val="white"/>
-              </a:solidFill>
-              <a:effectLst/>
-              <a:uLnTx/>
-              <a:uFillTx/>
-              <a:latin typeface="Calibri" panose="020F0502020204030204"/>
-              <a:ea typeface="+mn-ea"/>
-              <a:cs typeface="+mn-cs"/>
-            </a:endParaRPr>
-          </a:p>
-        </p:txBody>
-      </p:sp>
-      <p:sp>
-        <p:nvSpPr>
-          <p:cNvPr id="13" name="Freeform: Shape 12">
-            <a:extLst>
-              <a:ext uri="{FF2B5EF4-FFF2-40B4-BE49-F238E27FC236}">
-                <a16:creationId xmlns:a16="http://schemas.microsoft.com/office/drawing/2014/main" id="{F78796AF-79A0-47AC-BEFD-BFFC00F968C4}"/>
-              </a:ext>
-              <a:ext uri="{C183D7F6-B498-43B3-948B-1728B52AA6E4}">
-                <adec:decorative xmlns:adec="http://schemas.microsoft.com/office/drawing/2017/decorative" val="1"/>
-              </a:ext>
-            </a:extLst>
-          </p:cNvPr>
-          <p:cNvSpPr>
-            <a:spLocks noGrp="1" noRot="1" noChangeAspect="1" noMove="1" noResize="1" noEditPoints="1" noAdjustHandles="1" noChangeArrowheads="1" noChangeShapeType="1" noTextEdit="1"/>
-          </p:cNvSpPr>
-          <p:nvPr>
-            <p:extLst>
-              <p:ext uri="{386F3935-93C4-4BCD-93E2-E3B085C9AB24}">
-                <p16:designElem xmlns:p16="http://schemas.microsoft.com/office/powerpoint/2015/main" val="1"/>
-              </p:ext>
-            </p:extLst>
-          </p:nvPr>
-        </p:nvSpPr>
-        <p:spPr>
-          <a:xfrm flipV="1">
-            <a:off x="1" y="-478"/>
-            <a:ext cx="5953780" cy="6858478"/>
-          </a:xfrm>
-          <a:custGeom>
-            <a:avLst/>
-            <a:gdLst>
-              <a:gd name="connsiteX0" fmla="*/ 0 w 5953780"/>
-              <a:gd name="connsiteY0" fmla="*/ 6858478 h 6858478"/>
-              <a:gd name="connsiteX1" fmla="*/ 5953780 w 5953780"/>
-              <a:gd name="connsiteY1" fmla="*/ 6858478 h 6858478"/>
-              <a:gd name="connsiteX2" fmla="*/ 2777405 w 5953780"/>
-              <a:gd name="connsiteY2" fmla="*/ 0 h 6858478"/>
-              <a:gd name="connsiteX3" fmla="*/ 2771828 w 5953780"/>
-              <a:gd name="connsiteY3" fmla="*/ 0 h 6858478"/>
-              <a:gd name="connsiteX4" fmla="*/ 1705600 w 5953780"/>
-              <a:gd name="connsiteY4" fmla="*/ 0 h 6858478"/>
-              <a:gd name="connsiteX5" fmla="*/ 0 w 5953780"/>
-              <a:gd name="connsiteY5" fmla="*/ 0 h 6858478"/>
-            </a:gdLst>
-            <a:ahLst/>
-            <a:cxnLst>
-              <a:cxn ang="0">
-                <a:pos x="connsiteX0" y="connsiteY0"/>
-              </a:cxn>
-              <a:cxn ang="0">
-                <a:pos x="connsiteX1" y="connsiteY1"/>
-              </a:cxn>
-              <a:cxn ang="0">
-                <a:pos x="connsiteX2" y="connsiteY2"/>
-              </a:cxn>
-              <a:cxn ang="0">
-                <a:pos x="connsiteX3" y="connsiteY3"/>
-              </a:cxn>
-              <a:cxn ang="0">
-                <a:pos x="connsiteX4" y="connsiteY4"/>
-              </a:cxn>
-              <a:cxn ang="0">
-                <a:pos x="connsiteX5" y="connsiteY5"/>
-              </a:cxn>
-            </a:cxnLst>
-            <a:rect l="l" t="t" r="r" b="b"/>
-            <a:pathLst>
-              <a:path w="5953780" h="6858478">
-                <a:moveTo>
-                  <a:pt x="0" y="6858478"/>
-                </a:moveTo>
-                <a:lnTo>
-                  <a:pt x="5953780" y="6858478"/>
-                </a:lnTo>
-                <a:lnTo>
-                  <a:pt x="2777405" y="0"/>
-                </a:lnTo>
-                <a:lnTo>
-                  <a:pt x="2771828" y="0"/>
-                </a:lnTo>
-                <a:lnTo>
-                  <a:pt x="1705600" y="0"/>
-                </a:lnTo>
-                <a:lnTo>
-                  <a:pt x="0" y="0"/>
-                </a:lnTo>
-                <a:close/>
-              </a:path>
-            </a:pathLst>
-          </a:custGeom>
-          <a:solidFill>
-            <a:schemeClr val="bg1">
-              <a:lumMod val="85000"/>
-              <a:lumOff val="15000"/>
-            </a:schemeClr>
-          </a:solidFill>
-          <a:ln>
-            <a:noFill/>
-          </a:ln>
-        </p:spPr>
-        <p:style>
-          <a:lnRef idx="2">
-            <a:schemeClr val="accent1">
-              <a:shade val="50000"/>
-            </a:schemeClr>
-          </a:lnRef>
-          <a:fillRef idx="1">
-            <a:schemeClr val="accent1"/>
-          </a:fillRef>
-          <a:effectRef idx="0">
-            <a:schemeClr val="accent1"/>
-          </a:effectRef>
-          <a:fontRef idx="minor">
-            <a:schemeClr val="lt1"/>
-          </a:fontRef>
-        </p:style>
-        <p:txBody>
-          <a:bodyPr wrap="square" rtlCol="0" anchor="ctr">
-            <a:noAutofit/>
-          </a:bodyPr>
-          <a:lstStyle/>
-          <a:p>
-            <a:pPr marL="0" marR="0" lvl="0" indent="0" algn="ctr" defTabSz="914400" rtl="0" eaLnBrk="1" fontAlgn="auto" latinLnBrk="0" hangingPunct="1">
-              <a:lnSpc>
-                <a:spcPct val="100000"/>
-              </a:lnSpc>
-              <a:spcBef>
-                <a:spcPts val="0"/>
-              </a:spcBef>
-              <a:spcAft>
-                <a:spcPts val="0"/>
-              </a:spcAft>
-              <a:buClrTx/>
-              <a:buSzTx/>
-              <a:buFontTx/>
-              <a:buNone/>
-              <a:tabLst/>
-              <a:defRPr/>
-            </a:pPr>
-            <a:endParaRPr kumimoji="0" lang="en-US" sz="1800" b="0" i="0" u="none" strike="noStrike" kern="1200" cap="none" spc="0" normalizeH="0" baseline="0" noProof="0">
-              <a:ln>
-                <a:noFill/>
-              </a:ln>
-              <a:solidFill>
-                <a:prstClr val="white"/>
-              </a:solidFill>
-              <a:effectLst/>
-              <a:uLnTx/>
-              <a:uFillTx/>
-              <a:latin typeface="Calibri" panose="020F0502020204030204"/>
-              <a:ea typeface="+mn-ea"/>
-              <a:cs typeface="+mn-cs"/>
-            </a:endParaRPr>
-          </a:p>
-        </p:txBody>
-      </p:sp>
-      <p:sp>
-        <p:nvSpPr>
-          <p:cNvPr id="3" name="Subtitle 2">
-            <a:extLst>
-              <a:ext uri="{FF2B5EF4-FFF2-40B4-BE49-F238E27FC236}">
-                <a16:creationId xmlns:a16="http://schemas.microsoft.com/office/drawing/2014/main" id="{C63068C7-FF93-4F55-8D49-8E391F78232D}"/>
-              </a:ext>
-            </a:extLst>
-          </p:cNvPr>
-          <p:cNvSpPr>
-            <a:spLocks noGrp="1"/>
-          </p:cNvSpPr>
-          <p:nvPr>
-            <p:ph type="subTitle" idx="1"/>
-          </p:nvPr>
-        </p:nvSpPr>
-        <p:spPr>
-          <a:xfrm>
             <a:off x="154916" y="1574584"/>
             <a:ext cx="4132756" cy="2124075"/>
           </a:xfrm>
@@ -9575,8 +8789,8 @@
         </p:nvSpPr>
         <p:spPr>
           <a:xfrm>
-            <a:off x="5572217" y="559293"/>
-            <a:ext cx="6314983" cy="5868139"/>
+            <a:off x="5548545" y="559293"/>
+            <a:ext cx="6338656" cy="5868139"/>
           </a:xfrm>
         </p:spPr>
         <p:txBody>
@@ -11138,7 +10352,7 @@
         <p:spPr>
           <a:xfrm>
             <a:off x="5117976" y="4448176"/>
-            <a:ext cx="6724835" cy="707886"/>
+            <a:ext cx="6724835" cy="1015663"/>
           </a:xfrm>
           <a:prstGeom prst="rect">
             <a:avLst/>
@@ -11153,13 +10367,13 @@
           <a:p>
             <a:r>
               <a:rPr lang="en-US" altLang="ko-KR" sz="2000" b="1" dirty="0"/>
-              <a:t>Customer is almost the same, but in Subscribers, </a:t>
+              <a:t>- Customer is almost the same</a:t>
             </a:r>
           </a:p>
           <a:p>
             <a:r>
               <a:rPr lang="en-US" altLang="ko-KR" sz="2000" b="1" dirty="0"/>
-              <a:t>Male is about three times more than Female.</a:t>
+              <a:t>- In Subscriber, Male is about three times more than Female.</a:t>
             </a:r>
             <a:endParaRPr lang="ko-KR" altLang="en-US" sz="2000" b="1" dirty="0"/>
           </a:p>
@@ -11882,42 +11096,6 @@
           </a:prstGeom>
         </p:spPr>
       </p:pic>
-      <p:sp>
-        <p:nvSpPr>
-          <p:cNvPr id="8" name="TextBox 7">
-            <a:extLst>
-              <a:ext uri="{FF2B5EF4-FFF2-40B4-BE49-F238E27FC236}">
-                <a16:creationId xmlns:a16="http://schemas.microsoft.com/office/drawing/2014/main" id="{7D34CFE6-6E3A-4F7D-89E7-B5BE12537EB6}"/>
-              </a:ext>
-            </a:extLst>
-          </p:cNvPr>
-          <p:cNvSpPr txBox="1"/>
-          <p:nvPr/>
-        </p:nvSpPr>
-        <p:spPr>
-          <a:xfrm>
-            <a:off x="5302187" y="4407736"/>
-            <a:ext cx="6886383" cy="1015663"/>
-          </a:xfrm>
-          <a:prstGeom prst="rect">
-            <a:avLst/>
-          </a:prstGeom>
-          <a:noFill/>
-        </p:spPr>
-        <p:txBody>
-          <a:bodyPr wrap="square">
-            <a:spAutoFit/>
-          </a:bodyPr>
-          <a:lstStyle/>
-          <a:p>
-            <a:r>
-              <a:rPr lang="en-US" altLang="ko-KR" sz="2000" b="1" dirty="0"/>
-              <a:t>Male Subscribers account for 60% of the total, overwhelmingly. We'll have to target Male Subscribers and create a business plan.</a:t>
-            </a:r>
-            <a:endParaRPr lang="ko-KR" altLang="en-US" sz="2000" b="1" dirty="0"/>
-          </a:p>
-        </p:txBody>
-      </p:sp>
     </p:spTree>
     <p:extLst>
       <p:ext uri="{BB962C8B-B14F-4D97-AF65-F5344CB8AC3E}">

--- a/Citi Bike.pptx
+++ b/Citi Bike.pptx
@@ -8637,13 +8637,13 @@
         </p:nvSpPr>
         <p:spPr>
           <a:xfrm>
-            <a:off x="154916" y="1574584"/>
-            <a:ext cx="4132756" cy="2124075"/>
+            <a:off x="154916" y="221942"/>
+            <a:ext cx="4132756" cy="6357606"/>
           </a:xfrm>
         </p:spPr>
         <p:txBody>
           <a:bodyPr anchor="t">
-            <a:normAutofit fontScale="92500" lnSpcReduction="10000"/>
+            <a:normAutofit lnSpcReduction="10000"/>
           </a:bodyPr>
           <a:lstStyle/>
           <a:p>
@@ -8673,6 +8673,56 @@
                 <a:cs typeface="Aldhabi" panose="020B0604020202020204" pitchFamily="2" charset="-78"/>
               </a:rPr>
               <a:t>[7, 8, 9, 16, 17, 18, 19]</a:t>
+            </a:r>
+          </a:p>
+          <a:p>
+            <a:pPr marL="457200" indent="-457200" algn="l">
+              <a:buFontTx/>
+              <a:buChar char="-"/>
+            </a:pPr>
+            <a:r>
+              <a:rPr lang="en-US" altLang="ko-KR" sz="3000" dirty="0">
+                <a:latin typeface="Arial Nova Light" panose="020B0304020202020204" pitchFamily="34" charset="0"/>
+                <a:cs typeface="Aldhabi" panose="020B0604020202020204" pitchFamily="2" charset="-78"/>
+              </a:rPr>
+              <a:t>Near Penn Station or      Grand Central</a:t>
+            </a:r>
+          </a:p>
+          <a:p>
+            <a:pPr marL="457200" indent="-457200" algn="l">
+              <a:buFontTx/>
+              <a:buChar char="-"/>
+            </a:pPr>
+            <a:r>
+              <a:rPr lang="en-US" altLang="ko-KR" sz="3000" dirty="0">
+                <a:latin typeface="Arial Nova Light" panose="020B0304020202020204" pitchFamily="34" charset="0"/>
+                <a:cs typeface="Aldhabi" panose="020B0604020202020204" pitchFamily="2" charset="-78"/>
+              </a:rPr>
+              <a:t>Many subscribers take a LIRR, train and then use </a:t>
+            </a:r>
+            <a:r>
+              <a:rPr lang="en-US" altLang="ko-KR" sz="3000" dirty="0" err="1">
+                <a:latin typeface="Arial Nova Light" panose="020B0304020202020204" pitchFamily="34" charset="0"/>
+                <a:cs typeface="Aldhabi" panose="020B0604020202020204" pitchFamily="2" charset="-78"/>
+              </a:rPr>
+              <a:t>CitiBike</a:t>
+            </a:r>
+            <a:endParaRPr lang="en-US" altLang="ko-KR" sz="3000" dirty="0">
+              <a:latin typeface="Arial Nova Light" panose="020B0304020202020204" pitchFamily="34" charset="0"/>
+              <a:cs typeface="Aldhabi" panose="020B0604020202020204" pitchFamily="2" charset="-78"/>
+            </a:endParaRPr>
+          </a:p>
+          <a:p>
+            <a:pPr marL="457200" indent="-457200" algn="l">
+              <a:buFontTx/>
+              <a:buChar char="-"/>
+            </a:pPr>
+            <a:r>
+              <a:rPr lang="en-US" altLang="ko-KR" sz="3000" dirty="0">
+                <a:latin typeface="Arial Nova Light" panose="020B0304020202020204" pitchFamily="34" charset="0"/>
+                <a:cs typeface="Aldhabi" panose="020B0604020202020204" pitchFamily="2" charset="-78"/>
+              </a:rPr>
+              <a:t>Advantage or discount Citi Bike fare to LIRR, train passengers</a:t>
             </a:r>
             <a:endParaRPr lang="ko-KR" altLang="en-US" sz="3000" dirty="0">
               <a:latin typeface="Arial Nova Light" panose="020B0304020202020204" pitchFamily="34" charset="0"/>
@@ -11061,7 +11111,7 @@
                 </a:solidFill>
                 <a:latin typeface="Helvetica Neue"/>
               </a:rPr>
-              <a:t>User Type</a:t>
+              <a:t>Gender</a:t>
             </a:r>
           </a:p>
         </p:txBody>
